--- a/docs/HrR_presentazione.pptx
+++ b/docs/HrR_presentazione.pptx
@@ -5,7 +5,7 @@
     <p:sldMasterId id="2147483678" r:id="rId1"/>
   </p:sldMasterIdLst>
   <p:notesMasterIdLst>
-    <p:notesMasterId r:id="rId21"/>
+    <p:notesMasterId r:id="rId22"/>
   </p:notesMasterIdLst>
   <p:sldIdLst>
     <p:sldId id="256" r:id="rId2"/>
@@ -22,11 +22,12 @@
     <p:sldId id="283" r:id="rId13"/>
     <p:sldId id="284" r:id="rId14"/>
     <p:sldId id="285" r:id="rId15"/>
-    <p:sldId id="276" r:id="rId16"/>
-    <p:sldId id="280" r:id="rId17"/>
-    <p:sldId id="281" r:id="rId18"/>
-    <p:sldId id="282" r:id="rId19"/>
-    <p:sldId id="270" r:id="rId20"/>
+    <p:sldId id="286" r:id="rId16"/>
+    <p:sldId id="276" r:id="rId17"/>
+    <p:sldId id="280" r:id="rId18"/>
+    <p:sldId id="281" r:id="rId19"/>
+    <p:sldId id="282" r:id="rId20"/>
+    <p:sldId id="270" r:id="rId21"/>
   </p:sldIdLst>
   <p:sldSz cx="12192000" cy="6858000"/>
   <p:notesSz cx="6858000" cy="9144000"/>
@@ -215,7 +216,7 @@
           <a:p>
             <a:fld id="{A38B95A6-F268-4351-B60C-FDE07E3EC947}" type="datetimeFigureOut">
               <a:rPr lang="it-IT" smtClean="0"/>
-              <a:t>30/01/2026</a:t>
+              <a:t>31/01/2026</a:t>
             </a:fld>
             <a:endParaRPr lang="it-IT"/>
           </a:p>
@@ -638,7 +639,7 @@
           <a:p>
             <a:fld id="{6444479B-705B-4489-957E-7E8A228BDFA0}" type="datetime1">
               <a:rPr lang="en-US" smtClean="0"/>
-              <a:t>1/30/2026</a:t>
+              <a:t>1/31/2026</a:t>
             </a:fld>
             <a:endParaRPr lang="en-US"/>
           </a:p>
@@ -838,7 +839,7 @@
           <a:p>
             <a:fld id="{C07B66AD-7C08-490A-ADA4-B47E10FB2407}" type="datetime1">
               <a:rPr lang="en-US" smtClean="0"/>
-              <a:t>1/30/2026</a:t>
+              <a:t>1/31/2026</a:t>
             </a:fld>
             <a:endParaRPr lang="en-US"/>
           </a:p>
@@ -1097,7 +1098,7 @@
           <a:p>
             <a:fld id="{05B95027-4255-49E7-9841-CD21BCC99996}" type="datetime1">
               <a:rPr lang="en-US" smtClean="0"/>
-              <a:t>1/30/2026</a:t>
+              <a:t>1/31/2026</a:t>
             </a:fld>
             <a:endParaRPr lang="en-US"/>
           </a:p>
@@ -1338,7 +1339,7 @@
           <a:p>
             <a:fld id="{9F89F774-3FA6-43B8-9241-99959C8FD463}" type="datetime1">
               <a:rPr lang="en-US" smtClean="0"/>
-              <a:t>1/30/2026</a:t>
+              <a:t>1/31/2026</a:t>
             </a:fld>
             <a:endParaRPr lang="en-US"/>
           </a:p>
@@ -1665,7 +1666,7 @@
           <a:p>
             <a:fld id="{F9504452-5DCC-4FE2-A5C9-8A5EF6714D65}" type="datetime1">
               <a:rPr lang="en-US" smtClean="0"/>
-              <a:t>1/30/2026</a:t>
+              <a:t>1/31/2026</a:t>
             </a:fld>
             <a:endParaRPr lang="en-US"/>
           </a:p>
@@ -1975,7 +1976,7 @@
           <a:p>
             <a:fld id="{E579ABC2-0180-4F3A-A895-A85BC724D472}" type="datetime1">
               <a:rPr lang="en-US" smtClean="0"/>
-              <a:t>1/30/2026</a:t>
+              <a:t>1/31/2026</a:t>
             </a:fld>
             <a:endParaRPr lang="en-US"/>
           </a:p>
@@ -2393,7 +2394,7 @@
           <a:p>
             <a:fld id="{6AEEA9BA-4E8F-439E-BEA4-91FBA01E3F5F}" type="datetime1">
               <a:rPr lang="en-US" smtClean="0"/>
-              <a:t>1/30/2026</a:t>
+              <a:t>1/31/2026</a:t>
             </a:fld>
             <a:endParaRPr lang="en-US"/>
           </a:p>
@@ -2535,7 +2536,7 @@
           <a:p>
             <a:fld id="{BE15BF18-0007-481C-AA29-413124BC3EE7}" type="datetime1">
               <a:rPr lang="en-US" smtClean="0"/>
-              <a:t>1/30/2026</a:t>
+              <a:t>1/31/2026</a:t>
             </a:fld>
             <a:endParaRPr lang="en-US"/>
           </a:p>
@@ -2697,7 +2698,7 @@
           <a:p>
             <a:fld id="{09BE9870-3748-43AD-B547-02A075CB4A1D}" type="datetime1">
               <a:rPr lang="en-US" smtClean="0"/>
-              <a:t>1/30/2026</a:t>
+              <a:t>1/31/2026</a:t>
             </a:fld>
             <a:endParaRPr lang="en-US"/>
           </a:p>
@@ -3014,7 +3015,7 @@
           <a:p>
             <a:fld id="{558E7897-33C5-4F1A-9307-D068E37F3DC7}" type="datetime1">
               <a:rPr lang="en-US" smtClean="0"/>
-              <a:t>1/30/2026</a:t>
+              <a:t>1/31/2026</a:t>
             </a:fld>
             <a:endParaRPr lang="en-US"/>
           </a:p>
@@ -3309,7 +3310,7 @@
           <a:p>
             <a:fld id="{82E171BA-CC09-47C8-A6DF-F5C5CB59CEEC}" type="datetime1">
               <a:rPr lang="en-US" smtClean="0"/>
-              <a:t>1/30/2026</a:t>
+              <a:t>1/31/2026</a:t>
             </a:fld>
             <a:endParaRPr lang="en-US"/>
           </a:p>
@@ -3550,7 +3551,7 @@
           <a:p>
             <a:fld id="{7DA38F49-B3E2-4BF0-BEC7-C30D34ABBB8D}" type="datetime1">
               <a:rPr lang="en-US" smtClean="0"/>
-              <a:t>1/30/2026</a:t>
+              <a:t>1/31/2026</a:t>
             </a:fld>
             <a:endParaRPr lang="en-US"/>
           </a:p>
@@ -8014,6 +8015,117 @@
           </a:p>
         </p:txBody>
       </p:sp>
+      <p:sp>
+        <p:nvSpPr>
+          <p:cNvPr id="10" name="Ovale 9">
+            <a:extLst>
+              <a:ext uri="{FF2B5EF4-FFF2-40B4-BE49-F238E27FC236}">
+                <a16:creationId xmlns:a16="http://schemas.microsoft.com/office/drawing/2014/main" id="{9BB28AB3-F33F-3010-0CB9-331AC811B3D5}"/>
+              </a:ext>
+            </a:extLst>
+          </p:cNvPr>
+          <p:cNvSpPr/>
+          <p:nvPr/>
+        </p:nvSpPr>
+        <p:spPr>
+          <a:xfrm>
+            <a:off x="7429965" y="2303761"/>
+            <a:ext cx="477312" cy="477312"/>
+          </a:xfrm>
+          <a:prstGeom prst="ellipse">
+            <a:avLst/>
+          </a:prstGeom>
+          <a:solidFill>
+            <a:schemeClr val="bg1"/>
+          </a:solidFill>
+          <a:ln w="38100">
+            <a:solidFill>
+              <a:srgbClr val="0070C0"/>
+            </a:solidFill>
+          </a:ln>
+        </p:spPr>
+        <p:style>
+          <a:lnRef idx="2">
+            <a:schemeClr val="accent1">
+              <a:shade val="15000"/>
+            </a:schemeClr>
+          </a:lnRef>
+          <a:fillRef idx="1">
+            <a:schemeClr val="accent1"/>
+          </a:fillRef>
+          <a:effectRef idx="0">
+            <a:schemeClr val="accent1"/>
+          </a:effectRef>
+          <a:fontRef idx="minor">
+            <a:schemeClr val="lt1"/>
+          </a:fontRef>
+        </p:style>
+        <p:txBody>
+          <a:bodyPr rtlCol="0" anchor="ctr"/>
+          <a:lstStyle/>
+          <a:p>
+            <a:pPr algn="ctr"/>
+            <a:r>
+              <a:rPr lang="it-IT" sz="2000" b="1" dirty="0">
+                <a:solidFill>
+                  <a:srgbClr val="0070C0"/>
+                </a:solidFill>
+                <a:latin typeface="Cambria" panose="02040503050406030204" pitchFamily="18" charset="0"/>
+                <a:ea typeface="Cambria" panose="02040503050406030204" pitchFamily="18" charset="0"/>
+              </a:rPr>
+              <a:t>3</a:t>
+            </a:r>
+          </a:p>
+        </p:txBody>
+      </p:sp>
+      <p:sp>
+        <p:nvSpPr>
+          <p:cNvPr id="12" name="CasellaDiTesto 11">
+            <a:extLst>
+              <a:ext uri="{FF2B5EF4-FFF2-40B4-BE49-F238E27FC236}">
+                <a16:creationId xmlns:a16="http://schemas.microsoft.com/office/drawing/2014/main" id="{ABD469EE-B80C-A349-4CFD-74592584E7D1}"/>
+              </a:ext>
+            </a:extLst>
+          </p:cNvPr>
+          <p:cNvSpPr txBox="1"/>
+          <p:nvPr/>
+        </p:nvSpPr>
+        <p:spPr>
+          <a:xfrm>
+            <a:off x="8079997" y="2316849"/>
+            <a:ext cx="2160000" cy="461665"/>
+          </a:xfrm>
+          <a:prstGeom prst="rect">
+            <a:avLst/>
+          </a:prstGeom>
+          <a:noFill/>
+        </p:spPr>
+        <p:txBody>
+          <a:bodyPr wrap="square" rtlCol="0">
+            <a:spAutoFit/>
+          </a:bodyPr>
+          <a:lstStyle/>
+          <a:p>
+            <a:r>
+              <a:rPr lang="it-IT" sz="2400" b="1" dirty="0">
+                <a:solidFill>
+                  <a:srgbClr val="0070C0"/>
+                </a:solidFill>
+                <a:latin typeface="Cambria" panose="02040503050406030204" pitchFamily="18" charset="0"/>
+                <a:ea typeface="Cambria" panose="02040503050406030204" pitchFamily="18" charset="0"/>
+              </a:rPr>
+              <a:t>Mappa</a:t>
+            </a:r>
+            <a:endParaRPr lang="it-IT" sz="1050" dirty="0">
+              <a:solidFill>
+                <a:srgbClr val="0070C0"/>
+              </a:solidFill>
+              <a:latin typeface="Cambria" panose="02040503050406030204" pitchFamily="18" charset="0"/>
+              <a:ea typeface="Cambria" panose="02040503050406030204" pitchFamily="18" charset="0"/>
+            </a:endParaRPr>
+          </a:p>
+        </p:txBody>
+      </p:sp>
     </p:spTree>
     <p:extLst>
       <p:ext uri="{BB962C8B-B14F-4D97-AF65-F5344CB8AC3E}">
@@ -8478,7 +8590,7 @@
                 <a:latin typeface="Cambria" panose="02040503050406030204" pitchFamily="18" charset="0"/>
                 <a:ea typeface="Cambria" panose="02040503050406030204" pitchFamily="18" charset="0"/>
               </a:rPr>
-              <a:t> Scenari</a:t>
+              <a:t> Ambiente</a:t>
             </a:r>
           </a:p>
         </p:txBody>
@@ -8519,8 +8631,25 @@
                 <a:latin typeface="Cambria" panose="02040503050406030204" pitchFamily="18" charset="0"/>
                 <a:ea typeface="Cambria" panose="02040503050406030204" pitchFamily="18" charset="0"/>
               </a:rPr>
-              <a:t> 1 – Dominio</a:t>
-            </a:r>
+              <a:t>3 – </a:t>
+            </a:r>
+            <a:r>
+              <a:rPr lang="it-IT" b="1" dirty="0" err="1">
+                <a:solidFill>
+                  <a:srgbClr val="0070C0"/>
+                </a:solidFill>
+                <a:latin typeface="Cambria" panose="02040503050406030204" pitchFamily="18" charset="0"/>
+                <a:ea typeface="Cambria" panose="02040503050406030204" pitchFamily="18" charset="0"/>
+              </a:rPr>
+              <a:t>Unity</a:t>
+            </a:r>
+            <a:endParaRPr lang="it-IT" b="1" dirty="0">
+              <a:solidFill>
+                <a:srgbClr val="0070C0"/>
+              </a:solidFill>
+              <a:latin typeface="Cambria" panose="02040503050406030204" pitchFamily="18" charset="0"/>
+              <a:ea typeface="Cambria" panose="02040503050406030204" pitchFamily="18" charset="0"/>
+            </a:endParaRPr>
           </a:p>
         </p:txBody>
       </p:sp>
@@ -8539,7 +8668,7 @@
         <p:spPr>
           <a:xfrm>
             <a:off x="281549" y="738664"/>
-            <a:ext cx="5634501" cy="2800767"/>
+            <a:ext cx="5634501" cy="3631763"/>
           </a:xfrm>
           <a:prstGeom prst="rect">
             <a:avLst/>
@@ -8574,7 +8703,7 @@
                 <a:latin typeface="Cambria" panose="02040503050406030204" pitchFamily="18" charset="0"/>
                 <a:ea typeface="Cambria" panose="02040503050406030204" pitchFamily="18" charset="0"/>
               </a:rPr>
-              <a:t>: Hotel realistico diviso in Reception, Corridoi (sfida per </a:t>
+              <a:t>: La scelta di questo setting non è puramente estetica, ma funzionale. L’Hotel è diviso in Reception, Corridoi (sfida per </a:t>
             </a:r>
             <a:r>
               <a:rPr lang="it-IT" sz="1600" dirty="0" err="1">
@@ -8631,7 +8760,7 @@
             </a:endParaRPr>
           </a:p>
           <a:p>
-            <a:pPr marL="285750" indent="-285750">
+            <a:pPr marL="285750" indent="-285750" algn="just">
               <a:buFont typeface="Arial" panose="020B0604020202020204" pitchFamily="34" charset="0"/>
               <a:buChar char="•"/>
             </a:pPr>
@@ -8653,7 +8782,67 @@
                 <a:latin typeface="Cambria" panose="02040503050406030204" pitchFamily="18" charset="0"/>
                 <a:ea typeface="Cambria" panose="02040503050406030204" pitchFamily="18" charset="0"/>
               </a:rPr>
-              <a:t>:</a:t>
+              <a:t>: La navigazione nell'hotel si basa sul sistema </a:t>
+            </a:r>
+            <a:r>
+              <a:rPr lang="it-IT" sz="1600" dirty="0" err="1">
+                <a:solidFill>
+                  <a:srgbClr val="0070C0"/>
+                </a:solidFill>
+                <a:latin typeface="Cambria" panose="02040503050406030204" pitchFamily="18" charset="0"/>
+                <a:ea typeface="Cambria" panose="02040503050406030204" pitchFamily="18" charset="0"/>
+              </a:rPr>
+              <a:t>NavMesh</a:t>
+            </a:r>
+            <a:r>
+              <a:rPr lang="it-IT" sz="1600" dirty="0">
+                <a:solidFill>
+                  <a:srgbClr val="0070C0"/>
+                </a:solidFill>
+                <a:latin typeface="Cambria" panose="02040503050406030204" pitchFamily="18" charset="0"/>
+                <a:ea typeface="Cambria" panose="02040503050406030204" pitchFamily="18" charset="0"/>
+              </a:rPr>
+              <a:t> (</a:t>
+            </a:r>
+            <a:r>
+              <a:rPr lang="it-IT" sz="1600" dirty="0" err="1">
+                <a:solidFill>
+                  <a:srgbClr val="0070C0"/>
+                </a:solidFill>
+                <a:latin typeface="Cambria" panose="02040503050406030204" pitchFamily="18" charset="0"/>
+                <a:ea typeface="Cambria" panose="02040503050406030204" pitchFamily="18" charset="0"/>
+              </a:rPr>
+              <a:t>Navigation</a:t>
+            </a:r>
+            <a:r>
+              <a:rPr lang="it-IT" sz="1600" dirty="0">
+                <a:solidFill>
+                  <a:srgbClr val="0070C0"/>
+                </a:solidFill>
+                <a:latin typeface="Cambria" panose="02040503050406030204" pitchFamily="18" charset="0"/>
+                <a:ea typeface="Cambria" panose="02040503050406030204" pitchFamily="18" charset="0"/>
+              </a:rPr>
+              <a:t> Mesh) di </a:t>
+            </a:r>
+            <a:r>
+              <a:rPr lang="it-IT" sz="1600" dirty="0" err="1">
+                <a:solidFill>
+                  <a:srgbClr val="0070C0"/>
+                </a:solidFill>
+                <a:latin typeface="Cambria" panose="02040503050406030204" pitchFamily="18" charset="0"/>
+                <a:ea typeface="Cambria" panose="02040503050406030204" pitchFamily="18" charset="0"/>
+              </a:rPr>
+              <a:t>Unity</a:t>
+            </a:r>
+            <a:r>
+              <a:rPr lang="it-IT" sz="1600" dirty="0">
+                <a:solidFill>
+                  <a:srgbClr val="0070C0"/>
+                </a:solidFill>
+                <a:latin typeface="Cambria" panose="02040503050406030204" pitchFamily="18" charset="0"/>
+                <a:ea typeface="Cambria" panose="02040503050406030204" pitchFamily="18" charset="0"/>
+              </a:rPr>
+              <a:t>, che definisce le aree camminabili.</a:t>
             </a:r>
           </a:p>
           <a:p>
@@ -8779,1974 +8968,81 @@
           </a:p>
         </p:txBody>
       </p:sp>
-      <p:sp>
-        <p:nvSpPr>
-          <p:cNvPr id="18" name="CasellaDiTesto 17">
-            <a:extLst>
-              <a:ext uri="{FF2B5EF4-FFF2-40B4-BE49-F238E27FC236}">
-                <a16:creationId xmlns:a16="http://schemas.microsoft.com/office/drawing/2014/main" id="{509C0696-8813-0A9B-35D3-C4DAB655AB3D}"/>
-              </a:ext>
-            </a:extLst>
-          </p:cNvPr>
-          <p:cNvSpPr txBox="1"/>
+      <p:pic>
+        <p:nvPicPr>
+          <p:cNvPr id="13" name="Immagine 12" descr="Immagine che contiene Danza, persona, ballo&#10;&#10;Il contenuto generato dall'IA potrebbe non essere corretto.">
+            <a:extLst>
+              <a:ext uri="{FF2B5EF4-FFF2-40B4-BE49-F238E27FC236}">
+                <a16:creationId xmlns:a16="http://schemas.microsoft.com/office/drawing/2014/main" id="{93911623-9FF0-4024-2085-35EE4FEFBF25}"/>
+              </a:ext>
+            </a:extLst>
+          </p:cNvPr>
+          <p:cNvPicPr>
+            <a:picLocks noChangeAspect="1"/>
+          </p:cNvPicPr>
           <p:nvPr/>
-        </p:nvSpPr>
-        <p:spPr>
-          <a:xfrm>
-            <a:off x="6275949" y="738664"/>
-            <a:ext cx="5634502" cy="4524315"/>
+        </p:nvPicPr>
+        <p:blipFill>
+          <a:blip r:embed="rId2"/>
+          <a:stretch>
+            <a:fillRect/>
+          </a:stretch>
+        </p:blipFill>
+        <p:spPr>
+          <a:xfrm>
+            <a:off x="281549" y="4325561"/>
+            <a:ext cx="5634501" cy="1780600"/>
           </a:xfrm>
           <a:prstGeom prst="rect">
             <a:avLst/>
           </a:prstGeom>
+        </p:spPr>
+      </p:pic>
+      <p:pic>
+        <p:nvPicPr>
+          <p:cNvPr id="17" name="Picture 2">
+            <a:extLst>
+              <a:ext uri="{FF2B5EF4-FFF2-40B4-BE49-F238E27FC236}">
+                <a16:creationId xmlns:a16="http://schemas.microsoft.com/office/drawing/2014/main" id="{D386DE43-3B52-04A5-645A-9D247EA32EC3}"/>
+              </a:ext>
+            </a:extLst>
+          </p:cNvPr>
+          <p:cNvPicPr>
+            <a:picLocks noChangeAspect="1" noChangeArrowheads="1"/>
+          </p:cNvPicPr>
+          <p:nvPr/>
+        </p:nvPicPr>
+        <p:blipFill>
+          <a:blip r:embed="rId3">
+            <a:extLst>
+              <a:ext uri="{28A0092B-C50C-407E-A947-70E740481C1C}">
+                <a14:useLocalDpi xmlns:a14="http://schemas.microsoft.com/office/drawing/2010/main" val="0"/>
+              </a:ext>
+            </a:extLst>
+          </a:blip>
+          <a:srcRect/>
+          <a:stretch/>
+        </p:blipFill>
+        <p:spPr bwMode="auto">
+          <a:xfrm>
+            <a:off x="6593705" y="718964"/>
+            <a:ext cx="4859917" cy="5387127"/>
+          </a:xfrm>
+          <a:prstGeom prst="rect">
+            <a:avLst/>
+          </a:prstGeom>
           <a:noFill/>
-        </p:spPr>
-        <p:txBody>
-          <a:bodyPr wrap="square" rtlCol="0">
-            <a:spAutoFit/>
-          </a:bodyPr>
-          <a:lstStyle/>
-          <a:p>
-            <a:pPr algn="just"/>
-            <a:r>
-              <a:rPr lang="it-IT" sz="1600" dirty="0" err="1">
-                <a:solidFill>
-                  <a:srgbClr val="0070C0"/>
-                </a:solidFill>
-                <a:latin typeface="Cambria" panose="02040503050406030204" pitchFamily="18" charset="0"/>
-                <a:ea typeface="Cambria" panose="02040503050406030204" pitchFamily="18" charset="0"/>
-              </a:rPr>
-              <a:t>Lorem</a:t>
-            </a:r>
-            <a:r>
-              <a:rPr lang="it-IT" sz="1600" dirty="0">
-                <a:solidFill>
-                  <a:srgbClr val="0070C0"/>
-                </a:solidFill>
-                <a:latin typeface="Cambria" panose="02040503050406030204" pitchFamily="18" charset="0"/>
-                <a:ea typeface="Cambria" panose="02040503050406030204" pitchFamily="18" charset="0"/>
-              </a:rPr>
-              <a:t> </a:t>
-            </a:r>
-            <a:r>
-              <a:rPr lang="it-IT" sz="1600" dirty="0" err="1">
-                <a:solidFill>
-                  <a:srgbClr val="0070C0"/>
-                </a:solidFill>
-                <a:latin typeface="Cambria" panose="02040503050406030204" pitchFamily="18" charset="0"/>
-                <a:ea typeface="Cambria" panose="02040503050406030204" pitchFamily="18" charset="0"/>
-              </a:rPr>
-              <a:t>ipsum</a:t>
-            </a:r>
-            <a:r>
-              <a:rPr lang="it-IT" sz="1600" dirty="0">
-                <a:solidFill>
-                  <a:srgbClr val="0070C0"/>
-                </a:solidFill>
-                <a:latin typeface="Cambria" panose="02040503050406030204" pitchFamily="18" charset="0"/>
-                <a:ea typeface="Cambria" panose="02040503050406030204" pitchFamily="18" charset="0"/>
-              </a:rPr>
-              <a:t> dolor </a:t>
-            </a:r>
-            <a:r>
-              <a:rPr lang="it-IT" sz="1600" dirty="0" err="1">
-                <a:solidFill>
-                  <a:srgbClr val="0070C0"/>
-                </a:solidFill>
-                <a:latin typeface="Cambria" panose="02040503050406030204" pitchFamily="18" charset="0"/>
-                <a:ea typeface="Cambria" panose="02040503050406030204" pitchFamily="18" charset="0"/>
-              </a:rPr>
-              <a:t>sit</a:t>
-            </a:r>
-            <a:r>
-              <a:rPr lang="it-IT" sz="1600" dirty="0">
-                <a:solidFill>
-                  <a:srgbClr val="0070C0"/>
-                </a:solidFill>
-                <a:latin typeface="Cambria" panose="02040503050406030204" pitchFamily="18" charset="0"/>
-                <a:ea typeface="Cambria" panose="02040503050406030204" pitchFamily="18" charset="0"/>
-              </a:rPr>
-              <a:t> </a:t>
-            </a:r>
-            <a:r>
-              <a:rPr lang="it-IT" sz="1600" dirty="0" err="1">
-                <a:solidFill>
-                  <a:srgbClr val="0070C0"/>
-                </a:solidFill>
-                <a:latin typeface="Cambria" panose="02040503050406030204" pitchFamily="18" charset="0"/>
-                <a:ea typeface="Cambria" panose="02040503050406030204" pitchFamily="18" charset="0"/>
-              </a:rPr>
-              <a:t>amet</a:t>
-            </a:r>
-            <a:r>
-              <a:rPr lang="it-IT" sz="1600" dirty="0">
-                <a:solidFill>
-                  <a:srgbClr val="0070C0"/>
-                </a:solidFill>
-                <a:latin typeface="Cambria" panose="02040503050406030204" pitchFamily="18" charset="0"/>
-                <a:ea typeface="Cambria" panose="02040503050406030204" pitchFamily="18" charset="0"/>
-              </a:rPr>
-              <a:t>, </a:t>
-            </a:r>
-            <a:r>
-              <a:rPr lang="it-IT" sz="1600" dirty="0" err="1">
-                <a:solidFill>
-                  <a:srgbClr val="0070C0"/>
-                </a:solidFill>
-                <a:latin typeface="Cambria" panose="02040503050406030204" pitchFamily="18" charset="0"/>
-                <a:ea typeface="Cambria" panose="02040503050406030204" pitchFamily="18" charset="0"/>
-              </a:rPr>
-              <a:t>consectetur</a:t>
-            </a:r>
-            <a:r>
-              <a:rPr lang="it-IT" sz="1600" dirty="0">
-                <a:solidFill>
-                  <a:srgbClr val="0070C0"/>
-                </a:solidFill>
-                <a:latin typeface="Cambria" panose="02040503050406030204" pitchFamily="18" charset="0"/>
-                <a:ea typeface="Cambria" panose="02040503050406030204" pitchFamily="18" charset="0"/>
-              </a:rPr>
-              <a:t> </a:t>
-            </a:r>
-            <a:r>
-              <a:rPr lang="it-IT" sz="1600" dirty="0" err="1">
-                <a:solidFill>
-                  <a:srgbClr val="0070C0"/>
-                </a:solidFill>
-                <a:latin typeface="Cambria" panose="02040503050406030204" pitchFamily="18" charset="0"/>
-                <a:ea typeface="Cambria" panose="02040503050406030204" pitchFamily="18" charset="0"/>
-              </a:rPr>
-              <a:t>adipiscing</a:t>
-            </a:r>
-            <a:r>
-              <a:rPr lang="it-IT" sz="1600" dirty="0">
-                <a:solidFill>
-                  <a:srgbClr val="0070C0"/>
-                </a:solidFill>
-                <a:latin typeface="Cambria" panose="02040503050406030204" pitchFamily="18" charset="0"/>
-                <a:ea typeface="Cambria" panose="02040503050406030204" pitchFamily="18" charset="0"/>
-              </a:rPr>
-              <a:t> </a:t>
-            </a:r>
-            <a:r>
-              <a:rPr lang="it-IT" sz="1600" dirty="0" err="1">
-                <a:solidFill>
-                  <a:srgbClr val="0070C0"/>
-                </a:solidFill>
-                <a:latin typeface="Cambria" panose="02040503050406030204" pitchFamily="18" charset="0"/>
-                <a:ea typeface="Cambria" panose="02040503050406030204" pitchFamily="18" charset="0"/>
-              </a:rPr>
-              <a:t>elit</a:t>
-            </a:r>
-            <a:r>
-              <a:rPr lang="it-IT" sz="1600" dirty="0">
-                <a:solidFill>
-                  <a:srgbClr val="0070C0"/>
-                </a:solidFill>
-                <a:latin typeface="Cambria" panose="02040503050406030204" pitchFamily="18" charset="0"/>
-                <a:ea typeface="Cambria" panose="02040503050406030204" pitchFamily="18" charset="0"/>
-              </a:rPr>
-              <a:t>. </a:t>
-            </a:r>
-            <a:r>
-              <a:rPr lang="it-IT" sz="1600" dirty="0" err="1">
-                <a:solidFill>
-                  <a:srgbClr val="0070C0"/>
-                </a:solidFill>
-                <a:latin typeface="Cambria" panose="02040503050406030204" pitchFamily="18" charset="0"/>
-                <a:ea typeface="Cambria" panose="02040503050406030204" pitchFamily="18" charset="0"/>
-              </a:rPr>
-              <a:t>Aliquam</a:t>
-            </a:r>
-            <a:r>
-              <a:rPr lang="it-IT" sz="1600" dirty="0">
-                <a:solidFill>
-                  <a:srgbClr val="0070C0"/>
-                </a:solidFill>
-                <a:latin typeface="Cambria" panose="02040503050406030204" pitchFamily="18" charset="0"/>
-                <a:ea typeface="Cambria" panose="02040503050406030204" pitchFamily="18" charset="0"/>
-              </a:rPr>
-              <a:t> </a:t>
-            </a:r>
-            <a:r>
-              <a:rPr lang="it-IT" sz="1600" dirty="0" err="1">
-                <a:solidFill>
-                  <a:srgbClr val="0070C0"/>
-                </a:solidFill>
-                <a:latin typeface="Cambria" panose="02040503050406030204" pitchFamily="18" charset="0"/>
-                <a:ea typeface="Cambria" panose="02040503050406030204" pitchFamily="18" charset="0"/>
-              </a:rPr>
-              <a:t>vehicula</a:t>
-            </a:r>
-            <a:r>
-              <a:rPr lang="it-IT" sz="1600" dirty="0">
-                <a:solidFill>
-                  <a:srgbClr val="0070C0"/>
-                </a:solidFill>
-                <a:latin typeface="Cambria" panose="02040503050406030204" pitchFamily="18" charset="0"/>
-                <a:ea typeface="Cambria" panose="02040503050406030204" pitchFamily="18" charset="0"/>
-              </a:rPr>
-              <a:t> </a:t>
-            </a:r>
-            <a:r>
-              <a:rPr lang="it-IT" sz="1600" dirty="0" err="1">
-                <a:solidFill>
-                  <a:srgbClr val="0070C0"/>
-                </a:solidFill>
-                <a:latin typeface="Cambria" panose="02040503050406030204" pitchFamily="18" charset="0"/>
-                <a:ea typeface="Cambria" panose="02040503050406030204" pitchFamily="18" charset="0"/>
-              </a:rPr>
-              <a:t>risus</a:t>
-            </a:r>
-            <a:r>
-              <a:rPr lang="it-IT" sz="1600" dirty="0">
-                <a:solidFill>
-                  <a:srgbClr val="0070C0"/>
-                </a:solidFill>
-                <a:latin typeface="Cambria" panose="02040503050406030204" pitchFamily="18" charset="0"/>
-                <a:ea typeface="Cambria" panose="02040503050406030204" pitchFamily="18" charset="0"/>
-              </a:rPr>
-              <a:t> </a:t>
-            </a:r>
-            <a:r>
-              <a:rPr lang="it-IT" sz="1600" dirty="0" err="1">
-                <a:solidFill>
-                  <a:srgbClr val="0070C0"/>
-                </a:solidFill>
-                <a:latin typeface="Cambria" panose="02040503050406030204" pitchFamily="18" charset="0"/>
-                <a:ea typeface="Cambria" panose="02040503050406030204" pitchFamily="18" charset="0"/>
-              </a:rPr>
-              <a:t>quis</a:t>
-            </a:r>
-            <a:r>
-              <a:rPr lang="it-IT" sz="1600" dirty="0">
-                <a:solidFill>
-                  <a:srgbClr val="0070C0"/>
-                </a:solidFill>
-                <a:latin typeface="Cambria" panose="02040503050406030204" pitchFamily="18" charset="0"/>
-                <a:ea typeface="Cambria" panose="02040503050406030204" pitchFamily="18" charset="0"/>
-              </a:rPr>
-              <a:t> </a:t>
-            </a:r>
-            <a:r>
-              <a:rPr lang="it-IT" sz="1600" dirty="0" err="1">
-                <a:solidFill>
-                  <a:srgbClr val="0070C0"/>
-                </a:solidFill>
-                <a:latin typeface="Cambria" panose="02040503050406030204" pitchFamily="18" charset="0"/>
-                <a:ea typeface="Cambria" panose="02040503050406030204" pitchFamily="18" charset="0"/>
-              </a:rPr>
-              <a:t>laoreet</a:t>
-            </a:r>
-            <a:r>
-              <a:rPr lang="it-IT" sz="1600" dirty="0">
-                <a:solidFill>
-                  <a:srgbClr val="0070C0"/>
-                </a:solidFill>
-                <a:latin typeface="Cambria" panose="02040503050406030204" pitchFamily="18" charset="0"/>
-                <a:ea typeface="Cambria" panose="02040503050406030204" pitchFamily="18" charset="0"/>
-              </a:rPr>
-              <a:t> cursus. </a:t>
-            </a:r>
-            <a:r>
-              <a:rPr lang="it-IT" sz="1600" dirty="0" err="1">
-                <a:solidFill>
-                  <a:srgbClr val="0070C0"/>
-                </a:solidFill>
-                <a:latin typeface="Cambria" panose="02040503050406030204" pitchFamily="18" charset="0"/>
-                <a:ea typeface="Cambria" panose="02040503050406030204" pitchFamily="18" charset="0"/>
-              </a:rPr>
-              <a:t>Proin</a:t>
-            </a:r>
-            <a:r>
-              <a:rPr lang="it-IT" sz="1600" dirty="0">
-                <a:solidFill>
-                  <a:srgbClr val="0070C0"/>
-                </a:solidFill>
-                <a:latin typeface="Cambria" panose="02040503050406030204" pitchFamily="18" charset="0"/>
-                <a:ea typeface="Cambria" panose="02040503050406030204" pitchFamily="18" charset="0"/>
-              </a:rPr>
-              <a:t> </a:t>
-            </a:r>
-            <a:r>
-              <a:rPr lang="it-IT" sz="1600" dirty="0" err="1">
-                <a:solidFill>
-                  <a:srgbClr val="0070C0"/>
-                </a:solidFill>
-                <a:latin typeface="Cambria" panose="02040503050406030204" pitchFamily="18" charset="0"/>
-                <a:ea typeface="Cambria" panose="02040503050406030204" pitchFamily="18" charset="0"/>
-              </a:rPr>
-              <a:t>quis</a:t>
-            </a:r>
-            <a:r>
-              <a:rPr lang="it-IT" sz="1600" dirty="0">
-                <a:solidFill>
-                  <a:srgbClr val="0070C0"/>
-                </a:solidFill>
-                <a:latin typeface="Cambria" panose="02040503050406030204" pitchFamily="18" charset="0"/>
-                <a:ea typeface="Cambria" panose="02040503050406030204" pitchFamily="18" charset="0"/>
-              </a:rPr>
-              <a:t> </a:t>
-            </a:r>
-            <a:r>
-              <a:rPr lang="it-IT" sz="1600" dirty="0" err="1">
-                <a:solidFill>
-                  <a:srgbClr val="0070C0"/>
-                </a:solidFill>
-                <a:latin typeface="Cambria" panose="02040503050406030204" pitchFamily="18" charset="0"/>
-                <a:ea typeface="Cambria" panose="02040503050406030204" pitchFamily="18" charset="0"/>
-              </a:rPr>
-              <a:t>ipsum</a:t>
-            </a:r>
-            <a:r>
-              <a:rPr lang="it-IT" sz="1600" dirty="0">
-                <a:solidFill>
-                  <a:srgbClr val="0070C0"/>
-                </a:solidFill>
-                <a:latin typeface="Cambria" panose="02040503050406030204" pitchFamily="18" charset="0"/>
-                <a:ea typeface="Cambria" panose="02040503050406030204" pitchFamily="18" charset="0"/>
-              </a:rPr>
-              <a:t> </a:t>
-            </a:r>
-            <a:r>
-              <a:rPr lang="it-IT" sz="1600" dirty="0" err="1">
-                <a:solidFill>
-                  <a:srgbClr val="0070C0"/>
-                </a:solidFill>
-                <a:latin typeface="Cambria" panose="02040503050406030204" pitchFamily="18" charset="0"/>
-                <a:ea typeface="Cambria" panose="02040503050406030204" pitchFamily="18" charset="0"/>
-              </a:rPr>
-              <a:t>varius</a:t>
-            </a:r>
-            <a:r>
-              <a:rPr lang="it-IT" sz="1600" dirty="0">
-                <a:solidFill>
-                  <a:srgbClr val="0070C0"/>
-                </a:solidFill>
-                <a:latin typeface="Cambria" panose="02040503050406030204" pitchFamily="18" charset="0"/>
-                <a:ea typeface="Cambria" panose="02040503050406030204" pitchFamily="18" charset="0"/>
-              </a:rPr>
-              <a:t>, </a:t>
-            </a:r>
-            <a:r>
-              <a:rPr lang="it-IT" sz="1600" dirty="0" err="1">
-                <a:solidFill>
-                  <a:srgbClr val="0070C0"/>
-                </a:solidFill>
-                <a:latin typeface="Cambria" panose="02040503050406030204" pitchFamily="18" charset="0"/>
-                <a:ea typeface="Cambria" panose="02040503050406030204" pitchFamily="18" charset="0"/>
-              </a:rPr>
-              <a:t>dignissim</a:t>
-            </a:r>
-            <a:r>
-              <a:rPr lang="it-IT" sz="1600" dirty="0">
-                <a:solidFill>
-                  <a:srgbClr val="0070C0"/>
-                </a:solidFill>
-                <a:latin typeface="Cambria" panose="02040503050406030204" pitchFamily="18" charset="0"/>
-                <a:ea typeface="Cambria" panose="02040503050406030204" pitchFamily="18" charset="0"/>
-              </a:rPr>
-              <a:t> dolor sed, </a:t>
-            </a:r>
-            <a:r>
-              <a:rPr lang="it-IT" sz="1600" dirty="0" err="1">
-                <a:solidFill>
-                  <a:srgbClr val="0070C0"/>
-                </a:solidFill>
-                <a:latin typeface="Cambria" panose="02040503050406030204" pitchFamily="18" charset="0"/>
-                <a:ea typeface="Cambria" panose="02040503050406030204" pitchFamily="18" charset="0"/>
-              </a:rPr>
-              <a:t>sollicitudin</a:t>
-            </a:r>
-            <a:r>
-              <a:rPr lang="it-IT" sz="1600" dirty="0">
-                <a:solidFill>
-                  <a:srgbClr val="0070C0"/>
-                </a:solidFill>
-                <a:latin typeface="Cambria" panose="02040503050406030204" pitchFamily="18" charset="0"/>
-                <a:ea typeface="Cambria" panose="02040503050406030204" pitchFamily="18" charset="0"/>
-              </a:rPr>
-              <a:t> </a:t>
-            </a:r>
-            <a:r>
-              <a:rPr lang="it-IT" sz="1600" dirty="0" err="1">
-                <a:solidFill>
-                  <a:srgbClr val="0070C0"/>
-                </a:solidFill>
-                <a:latin typeface="Cambria" panose="02040503050406030204" pitchFamily="18" charset="0"/>
-                <a:ea typeface="Cambria" panose="02040503050406030204" pitchFamily="18" charset="0"/>
-              </a:rPr>
-              <a:t>diam</a:t>
-            </a:r>
-            <a:r>
-              <a:rPr lang="it-IT" sz="1600" dirty="0">
-                <a:solidFill>
-                  <a:srgbClr val="0070C0"/>
-                </a:solidFill>
-                <a:latin typeface="Cambria" panose="02040503050406030204" pitchFamily="18" charset="0"/>
-                <a:ea typeface="Cambria" panose="02040503050406030204" pitchFamily="18" charset="0"/>
-              </a:rPr>
-              <a:t>. Ut id </a:t>
-            </a:r>
-            <a:r>
-              <a:rPr lang="it-IT" sz="1600" dirty="0" err="1">
-                <a:solidFill>
-                  <a:srgbClr val="0070C0"/>
-                </a:solidFill>
-                <a:latin typeface="Cambria" panose="02040503050406030204" pitchFamily="18" charset="0"/>
-                <a:ea typeface="Cambria" panose="02040503050406030204" pitchFamily="18" charset="0"/>
-              </a:rPr>
-              <a:t>elit</a:t>
-            </a:r>
-            <a:r>
-              <a:rPr lang="it-IT" sz="1600" dirty="0">
-                <a:solidFill>
-                  <a:srgbClr val="0070C0"/>
-                </a:solidFill>
-                <a:latin typeface="Cambria" panose="02040503050406030204" pitchFamily="18" charset="0"/>
-                <a:ea typeface="Cambria" panose="02040503050406030204" pitchFamily="18" charset="0"/>
-              </a:rPr>
-              <a:t> </a:t>
-            </a:r>
-            <a:r>
-              <a:rPr lang="it-IT" sz="1600" dirty="0" err="1">
-                <a:solidFill>
-                  <a:srgbClr val="0070C0"/>
-                </a:solidFill>
-                <a:latin typeface="Cambria" panose="02040503050406030204" pitchFamily="18" charset="0"/>
-                <a:ea typeface="Cambria" panose="02040503050406030204" pitchFamily="18" charset="0"/>
-              </a:rPr>
-              <a:t>at</a:t>
-            </a:r>
-            <a:r>
-              <a:rPr lang="it-IT" sz="1600" dirty="0">
-                <a:solidFill>
-                  <a:srgbClr val="0070C0"/>
-                </a:solidFill>
-                <a:latin typeface="Cambria" panose="02040503050406030204" pitchFamily="18" charset="0"/>
-                <a:ea typeface="Cambria" panose="02040503050406030204" pitchFamily="18" charset="0"/>
-              </a:rPr>
-              <a:t> </a:t>
-            </a:r>
-            <a:r>
-              <a:rPr lang="it-IT" sz="1600" dirty="0" err="1">
-                <a:solidFill>
-                  <a:srgbClr val="0070C0"/>
-                </a:solidFill>
-                <a:latin typeface="Cambria" panose="02040503050406030204" pitchFamily="18" charset="0"/>
-                <a:ea typeface="Cambria" panose="02040503050406030204" pitchFamily="18" charset="0"/>
-              </a:rPr>
-              <a:t>nisi</a:t>
-            </a:r>
-            <a:r>
-              <a:rPr lang="it-IT" sz="1600" dirty="0">
-                <a:solidFill>
-                  <a:srgbClr val="0070C0"/>
-                </a:solidFill>
-                <a:latin typeface="Cambria" panose="02040503050406030204" pitchFamily="18" charset="0"/>
-                <a:ea typeface="Cambria" panose="02040503050406030204" pitchFamily="18" charset="0"/>
-              </a:rPr>
-              <a:t> cursus viverra. </a:t>
-            </a:r>
-            <a:r>
-              <a:rPr lang="it-IT" sz="1600" dirty="0" err="1">
-                <a:solidFill>
-                  <a:srgbClr val="0070C0"/>
-                </a:solidFill>
-                <a:latin typeface="Cambria" panose="02040503050406030204" pitchFamily="18" charset="0"/>
-                <a:ea typeface="Cambria" panose="02040503050406030204" pitchFamily="18" charset="0"/>
-              </a:rPr>
-              <a:t>Vestibulum</a:t>
-            </a:r>
-            <a:r>
-              <a:rPr lang="it-IT" sz="1600" dirty="0">
-                <a:solidFill>
-                  <a:srgbClr val="0070C0"/>
-                </a:solidFill>
-                <a:latin typeface="Cambria" panose="02040503050406030204" pitchFamily="18" charset="0"/>
-                <a:ea typeface="Cambria" panose="02040503050406030204" pitchFamily="18" charset="0"/>
-              </a:rPr>
-              <a:t> </a:t>
-            </a:r>
-            <a:r>
-              <a:rPr lang="it-IT" sz="1600" dirty="0" err="1">
-                <a:solidFill>
-                  <a:srgbClr val="0070C0"/>
-                </a:solidFill>
-                <a:latin typeface="Cambria" panose="02040503050406030204" pitchFamily="18" charset="0"/>
-                <a:ea typeface="Cambria" panose="02040503050406030204" pitchFamily="18" charset="0"/>
-              </a:rPr>
-              <a:t>interdum</a:t>
-            </a:r>
-            <a:r>
-              <a:rPr lang="it-IT" sz="1600" dirty="0">
-                <a:solidFill>
-                  <a:srgbClr val="0070C0"/>
-                </a:solidFill>
-                <a:latin typeface="Cambria" panose="02040503050406030204" pitchFamily="18" charset="0"/>
-                <a:ea typeface="Cambria" panose="02040503050406030204" pitchFamily="18" charset="0"/>
-              </a:rPr>
-              <a:t> </a:t>
-            </a:r>
-            <a:r>
-              <a:rPr lang="it-IT" sz="1600" dirty="0" err="1">
-                <a:solidFill>
-                  <a:srgbClr val="0070C0"/>
-                </a:solidFill>
-                <a:latin typeface="Cambria" panose="02040503050406030204" pitchFamily="18" charset="0"/>
-                <a:ea typeface="Cambria" panose="02040503050406030204" pitchFamily="18" charset="0"/>
-              </a:rPr>
-              <a:t>pellentesque</a:t>
-            </a:r>
-            <a:r>
-              <a:rPr lang="it-IT" sz="1600" dirty="0">
-                <a:solidFill>
-                  <a:srgbClr val="0070C0"/>
-                </a:solidFill>
-                <a:latin typeface="Cambria" panose="02040503050406030204" pitchFamily="18" charset="0"/>
-                <a:ea typeface="Cambria" panose="02040503050406030204" pitchFamily="18" charset="0"/>
-              </a:rPr>
-              <a:t> magna, vel </a:t>
-            </a:r>
-            <a:r>
-              <a:rPr lang="it-IT" sz="1600" dirty="0" err="1">
-                <a:solidFill>
-                  <a:srgbClr val="0070C0"/>
-                </a:solidFill>
-                <a:latin typeface="Cambria" panose="02040503050406030204" pitchFamily="18" charset="0"/>
-                <a:ea typeface="Cambria" panose="02040503050406030204" pitchFamily="18" charset="0"/>
-              </a:rPr>
-              <a:t>pharetra</a:t>
-            </a:r>
-            <a:r>
-              <a:rPr lang="it-IT" sz="1600" dirty="0">
-                <a:solidFill>
-                  <a:srgbClr val="0070C0"/>
-                </a:solidFill>
-                <a:latin typeface="Cambria" panose="02040503050406030204" pitchFamily="18" charset="0"/>
-                <a:ea typeface="Cambria" panose="02040503050406030204" pitchFamily="18" charset="0"/>
-              </a:rPr>
-              <a:t> </a:t>
-            </a:r>
-            <a:r>
-              <a:rPr lang="it-IT" sz="1600" dirty="0" err="1">
-                <a:solidFill>
-                  <a:srgbClr val="0070C0"/>
-                </a:solidFill>
-                <a:latin typeface="Cambria" panose="02040503050406030204" pitchFamily="18" charset="0"/>
-                <a:ea typeface="Cambria" panose="02040503050406030204" pitchFamily="18" charset="0"/>
-              </a:rPr>
-              <a:t>nisi</a:t>
-            </a:r>
-            <a:r>
-              <a:rPr lang="it-IT" sz="1600" dirty="0">
-                <a:solidFill>
-                  <a:srgbClr val="0070C0"/>
-                </a:solidFill>
-                <a:latin typeface="Cambria" panose="02040503050406030204" pitchFamily="18" charset="0"/>
-                <a:ea typeface="Cambria" panose="02040503050406030204" pitchFamily="18" charset="0"/>
-              </a:rPr>
-              <a:t> </a:t>
-            </a:r>
-            <a:r>
-              <a:rPr lang="it-IT" sz="1600" dirty="0" err="1">
-                <a:solidFill>
-                  <a:srgbClr val="0070C0"/>
-                </a:solidFill>
-                <a:latin typeface="Cambria" panose="02040503050406030204" pitchFamily="18" charset="0"/>
-                <a:ea typeface="Cambria" panose="02040503050406030204" pitchFamily="18" charset="0"/>
-              </a:rPr>
-              <a:t>lobortis</a:t>
-            </a:r>
-            <a:r>
-              <a:rPr lang="it-IT" sz="1600" dirty="0">
-                <a:solidFill>
-                  <a:srgbClr val="0070C0"/>
-                </a:solidFill>
-                <a:latin typeface="Cambria" panose="02040503050406030204" pitchFamily="18" charset="0"/>
-                <a:ea typeface="Cambria" panose="02040503050406030204" pitchFamily="18" charset="0"/>
-              </a:rPr>
-              <a:t> id. Nulla sed </a:t>
-            </a:r>
-            <a:r>
-              <a:rPr lang="it-IT" sz="1600" dirty="0" err="1">
-                <a:solidFill>
-                  <a:srgbClr val="0070C0"/>
-                </a:solidFill>
-                <a:latin typeface="Cambria" panose="02040503050406030204" pitchFamily="18" charset="0"/>
-                <a:ea typeface="Cambria" panose="02040503050406030204" pitchFamily="18" charset="0"/>
-              </a:rPr>
-              <a:t>sollicitudin</a:t>
-            </a:r>
-            <a:r>
-              <a:rPr lang="it-IT" sz="1600" dirty="0">
-                <a:solidFill>
-                  <a:srgbClr val="0070C0"/>
-                </a:solidFill>
-                <a:latin typeface="Cambria" panose="02040503050406030204" pitchFamily="18" charset="0"/>
-                <a:ea typeface="Cambria" panose="02040503050406030204" pitchFamily="18" charset="0"/>
-              </a:rPr>
-              <a:t> </a:t>
-            </a:r>
-            <a:r>
-              <a:rPr lang="it-IT" sz="1600" dirty="0" err="1">
-                <a:solidFill>
-                  <a:srgbClr val="0070C0"/>
-                </a:solidFill>
-                <a:latin typeface="Cambria" panose="02040503050406030204" pitchFamily="18" charset="0"/>
-                <a:ea typeface="Cambria" panose="02040503050406030204" pitchFamily="18" charset="0"/>
-              </a:rPr>
-              <a:t>velit</a:t>
-            </a:r>
-            <a:r>
-              <a:rPr lang="it-IT" sz="1600" dirty="0">
-                <a:solidFill>
-                  <a:srgbClr val="0070C0"/>
-                </a:solidFill>
-                <a:latin typeface="Cambria" panose="02040503050406030204" pitchFamily="18" charset="0"/>
-                <a:ea typeface="Cambria" panose="02040503050406030204" pitchFamily="18" charset="0"/>
-              </a:rPr>
-              <a:t>, a </a:t>
-            </a:r>
-            <a:r>
-              <a:rPr lang="it-IT" sz="1600" dirty="0" err="1">
-                <a:solidFill>
-                  <a:srgbClr val="0070C0"/>
-                </a:solidFill>
-                <a:latin typeface="Cambria" panose="02040503050406030204" pitchFamily="18" charset="0"/>
-                <a:ea typeface="Cambria" panose="02040503050406030204" pitchFamily="18" charset="0"/>
-              </a:rPr>
-              <a:t>consectetur</a:t>
-            </a:r>
-            <a:r>
-              <a:rPr lang="it-IT" sz="1600" dirty="0">
-                <a:solidFill>
-                  <a:srgbClr val="0070C0"/>
-                </a:solidFill>
-                <a:latin typeface="Cambria" panose="02040503050406030204" pitchFamily="18" charset="0"/>
-                <a:ea typeface="Cambria" panose="02040503050406030204" pitchFamily="18" charset="0"/>
-              </a:rPr>
-              <a:t> </a:t>
-            </a:r>
-            <a:r>
-              <a:rPr lang="it-IT" sz="1600" dirty="0" err="1">
-                <a:solidFill>
-                  <a:srgbClr val="0070C0"/>
-                </a:solidFill>
-                <a:latin typeface="Cambria" panose="02040503050406030204" pitchFamily="18" charset="0"/>
-                <a:ea typeface="Cambria" panose="02040503050406030204" pitchFamily="18" charset="0"/>
-              </a:rPr>
-              <a:t>neque</a:t>
-            </a:r>
-            <a:r>
-              <a:rPr lang="it-IT" sz="1600" dirty="0">
-                <a:solidFill>
-                  <a:srgbClr val="0070C0"/>
-                </a:solidFill>
-                <a:latin typeface="Cambria" panose="02040503050406030204" pitchFamily="18" charset="0"/>
-                <a:ea typeface="Cambria" panose="02040503050406030204" pitchFamily="18" charset="0"/>
-              </a:rPr>
-              <a:t>. </a:t>
-            </a:r>
-            <a:r>
-              <a:rPr lang="it-IT" sz="1600" dirty="0" err="1">
-                <a:solidFill>
-                  <a:srgbClr val="0070C0"/>
-                </a:solidFill>
-                <a:latin typeface="Cambria" panose="02040503050406030204" pitchFamily="18" charset="0"/>
-                <a:ea typeface="Cambria" panose="02040503050406030204" pitchFamily="18" charset="0"/>
-              </a:rPr>
-              <a:t>Vivamus</a:t>
-            </a:r>
-            <a:r>
-              <a:rPr lang="it-IT" sz="1600" dirty="0">
-                <a:solidFill>
-                  <a:srgbClr val="0070C0"/>
-                </a:solidFill>
-                <a:latin typeface="Cambria" panose="02040503050406030204" pitchFamily="18" charset="0"/>
-                <a:ea typeface="Cambria" panose="02040503050406030204" pitchFamily="18" charset="0"/>
-              </a:rPr>
-              <a:t> non magna </a:t>
-            </a:r>
-            <a:r>
-              <a:rPr lang="it-IT" sz="1600" dirty="0" err="1">
-                <a:solidFill>
-                  <a:srgbClr val="0070C0"/>
-                </a:solidFill>
-                <a:latin typeface="Cambria" panose="02040503050406030204" pitchFamily="18" charset="0"/>
-                <a:ea typeface="Cambria" panose="02040503050406030204" pitchFamily="18" charset="0"/>
-              </a:rPr>
-              <a:t>auctor</a:t>
-            </a:r>
-            <a:r>
-              <a:rPr lang="it-IT" sz="1600" dirty="0">
-                <a:solidFill>
-                  <a:srgbClr val="0070C0"/>
-                </a:solidFill>
-                <a:latin typeface="Cambria" panose="02040503050406030204" pitchFamily="18" charset="0"/>
-                <a:ea typeface="Cambria" panose="02040503050406030204" pitchFamily="18" charset="0"/>
-              </a:rPr>
-              <a:t>, </a:t>
-            </a:r>
-            <a:r>
-              <a:rPr lang="it-IT" sz="1600" dirty="0" err="1">
-                <a:solidFill>
-                  <a:srgbClr val="0070C0"/>
-                </a:solidFill>
-                <a:latin typeface="Cambria" panose="02040503050406030204" pitchFamily="18" charset="0"/>
-                <a:ea typeface="Cambria" panose="02040503050406030204" pitchFamily="18" charset="0"/>
-              </a:rPr>
-              <a:t>mollis</a:t>
-            </a:r>
-            <a:r>
-              <a:rPr lang="it-IT" sz="1600" dirty="0">
-                <a:solidFill>
-                  <a:srgbClr val="0070C0"/>
-                </a:solidFill>
-                <a:latin typeface="Cambria" panose="02040503050406030204" pitchFamily="18" charset="0"/>
-                <a:ea typeface="Cambria" panose="02040503050406030204" pitchFamily="18" charset="0"/>
-              </a:rPr>
-              <a:t> nulla viverra, </a:t>
-            </a:r>
-            <a:r>
-              <a:rPr lang="it-IT" sz="1600" dirty="0" err="1">
-                <a:solidFill>
-                  <a:srgbClr val="0070C0"/>
-                </a:solidFill>
-                <a:latin typeface="Cambria" panose="02040503050406030204" pitchFamily="18" charset="0"/>
-                <a:ea typeface="Cambria" panose="02040503050406030204" pitchFamily="18" charset="0"/>
-              </a:rPr>
-              <a:t>ullamcorper</a:t>
-            </a:r>
-            <a:r>
-              <a:rPr lang="it-IT" sz="1600" dirty="0">
-                <a:solidFill>
-                  <a:srgbClr val="0070C0"/>
-                </a:solidFill>
-                <a:latin typeface="Cambria" panose="02040503050406030204" pitchFamily="18" charset="0"/>
-                <a:ea typeface="Cambria" panose="02040503050406030204" pitchFamily="18" charset="0"/>
-              </a:rPr>
-              <a:t> </a:t>
-            </a:r>
-            <a:r>
-              <a:rPr lang="it-IT" sz="1600" dirty="0" err="1">
-                <a:solidFill>
-                  <a:srgbClr val="0070C0"/>
-                </a:solidFill>
-                <a:latin typeface="Cambria" panose="02040503050406030204" pitchFamily="18" charset="0"/>
-                <a:ea typeface="Cambria" panose="02040503050406030204" pitchFamily="18" charset="0"/>
-              </a:rPr>
-              <a:t>metus</a:t>
-            </a:r>
-            <a:r>
-              <a:rPr lang="it-IT" sz="1600" dirty="0">
-                <a:solidFill>
-                  <a:srgbClr val="0070C0"/>
-                </a:solidFill>
-                <a:latin typeface="Cambria" panose="02040503050406030204" pitchFamily="18" charset="0"/>
-                <a:ea typeface="Cambria" panose="02040503050406030204" pitchFamily="18" charset="0"/>
-              </a:rPr>
-              <a:t>. </a:t>
-            </a:r>
-            <a:r>
-              <a:rPr lang="it-IT" sz="1600" dirty="0" err="1">
-                <a:solidFill>
-                  <a:srgbClr val="0070C0"/>
-                </a:solidFill>
-                <a:latin typeface="Cambria" panose="02040503050406030204" pitchFamily="18" charset="0"/>
-                <a:ea typeface="Cambria" panose="02040503050406030204" pitchFamily="18" charset="0"/>
-              </a:rPr>
-              <a:t>Etiam</a:t>
-            </a:r>
-            <a:r>
-              <a:rPr lang="it-IT" sz="1600" dirty="0">
-                <a:solidFill>
-                  <a:srgbClr val="0070C0"/>
-                </a:solidFill>
-                <a:latin typeface="Cambria" panose="02040503050406030204" pitchFamily="18" charset="0"/>
-                <a:ea typeface="Cambria" panose="02040503050406030204" pitchFamily="18" charset="0"/>
-              </a:rPr>
-              <a:t> vitae </a:t>
-            </a:r>
-            <a:r>
-              <a:rPr lang="it-IT" sz="1600" dirty="0" err="1">
-                <a:solidFill>
-                  <a:srgbClr val="0070C0"/>
-                </a:solidFill>
-                <a:latin typeface="Cambria" panose="02040503050406030204" pitchFamily="18" charset="0"/>
-                <a:ea typeface="Cambria" panose="02040503050406030204" pitchFamily="18" charset="0"/>
-              </a:rPr>
-              <a:t>velit</a:t>
-            </a:r>
-            <a:r>
-              <a:rPr lang="it-IT" sz="1600" dirty="0">
-                <a:solidFill>
-                  <a:srgbClr val="0070C0"/>
-                </a:solidFill>
-                <a:latin typeface="Cambria" panose="02040503050406030204" pitchFamily="18" charset="0"/>
-                <a:ea typeface="Cambria" panose="02040503050406030204" pitchFamily="18" charset="0"/>
-              </a:rPr>
-              <a:t> </a:t>
-            </a:r>
-            <a:r>
-              <a:rPr lang="it-IT" sz="1600" dirty="0" err="1">
-                <a:solidFill>
-                  <a:srgbClr val="0070C0"/>
-                </a:solidFill>
-                <a:latin typeface="Cambria" panose="02040503050406030204" pitchFamily="18" charset="0"/>
-                <a:ea typeface="Cambria" panose="02040503050406030204" pitchFamily="18" charset="0"/>
-              </a:rPr>
-              <a:t>lorem</a:t>
-            </a:r>
-            <a:r>
-              <a:rPr lang="it-IT" sz="1600" dirty="0">
-                <a:solidFill>
-                  <a:srgbClr val="0070C0"/>
-                </a:solidFill>
-                <a:latin typeface="Cambria" panose="02040503050406030204" pitchFamily="18" charset="0"/>
-                <a:ea typeface="Cambria" panose="02040503050406030204" pitchFamily="18" charset="0"/>
-              </a:rPr>
-              <a:t>. Cras pulvinar </a:t>
-            </a:r>
-            <a:r>
-              <a:rPr lang="it-IT" sz="1600" dirty="0" err="1">
-                <a:solidFill>
-                  <a:srgbClr val="0070C0"/>
-                </a:solidFill>
-                <a:latin typeface="Cambria" panose="02040503050406030204" pitchFamily="18" charset="0"/>
-                <a:ea typeface="Cambria" panose="02040503050406030204" pitchFamily="18" charset="0"/>
-              </a:rPr>
-              <a:t>euismod</a:t>
-            </a:r>
-            <a:r>
-              <a:rPr lang="it-IT" sz="1600" dirty="0">
-                <a:solidFill>
-                  <a:srgbClr val="0070C0"/>
-                </a:solidFill>
-                <a:latin typeface="Cambria" panose="02040503050406030204" pitchFamily="18" charset="0"/>
-                <a:ea typeface="Cambria" panose="02040503050406030204" pitchFamily="18" charset="0"/>
-              </a:rPr>
-              <a:t> eros, </a:t>
-            </a:r>
-            <a:r>
-              <a:rPr lang="it-IT" sz="1600" dirty="0" err="1">
-                <a:solidFill>
-                  <a:srgbClr val="0070C0"/>
-                </a:solidFill>
-                <a:latin typeface="Cambria" panose="02040503050406030204" pitchFamily="18" charset="0"/>
-                <a:ea typeface="Cambria" panose="02040503050406030204" pitchFamily="18" charset="0"/>
-              </a:rPr>
-              <a:t>vulputate</a:t>
-            </a:r>
-            <a:r>
-              <a:rPr lang="it-IT" sz="1600" dirty="0">
-                <a:solidFill>
-                  <a:srgbClr val="0070C0"/>
-                </a:solidFill>
-                <a:latin typeface="Cambria" panose="02040503050406030204" pitchFamily="18" charset="0"/>
-                <a:ea typeface="Cambria" panose="02040503050406030204" pitchFamily="18" charset="0"/>
-              </a:rPr>
-              <a:t> ornare dui porta non. </a:t>
-            </a:r>
-            <a:r>
-              <a:rPr lang="it-IT" sz="1600" dirty="0" err="1">
-                <a:solidFill>
-                  <a:srgbClr val="0070C0"/>
-                </a:solidFill>
-                <a:latin typeface="Cambria" panose="02040503050406030204" pitchFamily="18" charset="0"/>
-                <a:ea typeface="Cambria" panose="02040503050406030204" pitchFamily="18" charset="0"/>
-              </a:rPr>
-              <a:t>Pellentesque</a:t>
-            </a:r>
-            <a:r>
-              <a:rPr lang="it-IT" sz="1600" dirty="0">
-                <a:solidFill>
-                  <a:srgbClr val="0070C0"/>
-                </a:solidFill>
-                <a:latin typeface="Cambria" panose="02040503050406030204" pitchFamily="18" charset="0"/>
-                <a:ea typeface="Cambria" panose="02040503050406030204" pitchFamily="18" charset="0"/>
-              </a:rPr>
-              <a:t> </a:t>
-            </a:r>
-            <a:r>
-              <a:rPr lang="it-IT" sz="1600" dirty="0" err="1">
-                <a:solidFill>
-                  <a:srgbClr val="0070C0"/>
-                </a:solidFill>
-                <a:latin typeface="Cambria" panose="02040503050406030204" pitchFamily="18" charset="0"/>
-                <a:ea typeface="Cambria" panose="02040503050406030204" pitchFamily="18" charset="0"/>
-              </a:rPr>
-              <a:t>rhoncus</a:t>
-            </a:r>
-            <a:r>
-              <a:rPr lang="it-IT" sz="1600" dirty="0">
-                <a:solidFill>
-                  <a:srgbClr val="0070C0"/>
-                </a:solidFill>
-                <a:latin typeface="Cambria" panose="02040503050406030204" pitchFamily="18" charset="0"/>
-                <a:ea typeface="Cambria" panose="02040503050406030204" pitchFamily="18" charset="0"/>
-              </a:rPr>
-              <a:t> eros </a:t>
-            </a:r>
-            <a:r>
-              <a:rPr lang="it-IT" sz="1600" dirty="0" err="1">
-                <a:solidFill>
-                  <a:srgbClr val="0070C0"/>
-                </a:solidFill>
-                <a:latin typeface="Cambria" panose="02040503050406030204" pitchFamily="18" charset="0"/>
-                <a:ea typeface="Cambria" panose="02040503050406030204" pitchFamily="18" charset="0"/>
-              </a:rPr>
-              <a:t>tellus</a:t>
-            </a:r>
-            <a:r>
-              <a:rPr lang="it-IT" sz="1600" dirty="0">
-                <a:solidFill>
-                  <a:srgbClr val="0070C0"/>
-                </a:solidFill>
-                <a:latin typeface="Cambria" panose="02040503050406030204" pitchFamily="18" charset="0"/>
-                <a:ea typeface="Cambria" panose="02040503050406030204" pitchFamily="18" charset="0"/>
-              </a:rPr>
-              <a:t>, in porta </a:t>
-            </a:r>
-            <a:r>
-              <a:rPr lang="it-IT" sz="1600" dirty="0" err="1">
-                <a:solidFill>
-                  <a:srgbClr val="0070C0"/>
-                </a:solidFill>
-                <a:latin typeface="Cambria" panose="02040503050406030204" pitchFamily="18" charset="0"/>
-                <a:ea typeface="Cambria" panose="02040503050406030204" pitchFamily="18" charset="0"/>
-              </a:rPr>
-              <a:t>tellus</a:t>
-            </a:r>
-            <a:r>
-              <a:rPr lang="it-IT" sz="1600" dirty="0">
-                <a:solidFill>
-                  <a:srgbClr val="0070C0"/>
-                </a:solidFill>
-                <a:latin typeface="Cambria" panose="02040503050406030204" pitchFamily="18" charset="0"/>
-                <a:ea typeface="Cambria" panose="02040503050406030204" pitchFamily="18" charset="0"/>
-              </a:rPr>
-              <a:t> </a:t>
-            </a:r>
-            <a:r>
-              <a:rPr lang="it-IT" sz="1600" dirty="0" err="1">
-                <a:solidFill>
-                  <a:srgbClr val="0070C0"/>
-                </a:solidFill>
-                <a:latin typeface="Cambria" panose="02040503050406030204" pitchFamily="18" charset="0"/>
-                <a:ea typeface="Cambria" panose="02040503050406030204" pitchFamily="18" charset="0"/>
-              </a:rPr>
-              <a:t>faucibus</a:t>
-            </a:r>
-            <a:r>
-              <a:rPr lang="it-IT" sz="1600" dirty="0">
-                <a:solidFill>
-                  <a:srgbClr val="0070C0"/>
-                </a:solidFill>
-                <a:latin typeface="Cambria" panose="02040503050406030204" pitchFamily="18" charset="0"/>
-                <a:ea typeface="Cambria" panose="02040503050406030204" pitchFamily="18" charset="0"/>
-              </a:rPr>
-              <a:t> in. </a:t>
-            </a:r>
-            <a:r>
-              <a:rPr lang="it-IT" sz="1600" dirty="0" err="1">
-                <a:solidFill>
-                  <a:srgbClr val="0070C0"/>
-                </a:solidFill>
-                <a:latin typeface="Cambria" panose="02040503050406030204" pitchFamily="18" charset="0"/>
-                <a:ea typeface="Cambria" panose="02040503050406030204" pitchFamily="18" charset="0"/>
-              </a:rPr>
-              <a:t>Curabitur</a:t>
-            </a:r>
-            <a:r>
-              <a:rPr lang="it-IT" sz="1600" dirty="0">
-                <a:solidFill>
-                  <a:srgbClr val="0070C0"/>
-                </a:solidFill>
-                <a:latin typeface="Cambria" panose="02040503050406030204" pitchFamily="18" charset="0"/>
-                <a:ea typeface="Cambria" panose="02040503050406030204" pitchFamily="18" charset="0"/>
-              </a:rPr>
-              <a:t> </a:t>
-            </a:r>
-            <a:r>
-              <a:rPr lang="it-IT" sz="1600" dirty="0" err="1">
-                <a:solidFill>
-                  <a:srgbClr val="0070C0"/>
-                </a:solidFill>
-                <a:latin typeface="Cambria" panose="02040503050406030204" pitchFamily="18" charset="0"/>
-                <a:ea typeface="Cambria" panose="02040503050406030204" pitchFamily="18" charset="0"/>
-              </a:rPr>
-              <a:t>finibus</a:t>
-            </a:r>
-            <a:r>
-              <a:rPr lang="it-IT" sz="1600" dirty="0">
-                <a:solidFill>
-                  <a:srgbClr val="0070C0"/>
-                </a:solidFill>
-                <a:latin typeface="Cambria" panose="02040503050406030204" pitchFamily="18" charset="0"/>
-                <a:ea typeface="Cambria" panose="02040503050406030204" pitchFamily="18" charset="0"/>
-              </a:rPr>
-              <a:t> dictum </a:t>
-            </a:r>
-            <a:r>
-              <a:rPr lang="it-IT" sz="1600" dirty="0" err="1">
-                <a:solidFill>
-                  <a:srgbClr val="0070C0"/>
-                </a:solidFill>
-                <a:latin typeface="Cambria" panose="02040503050406030204" pitchFamily="18" charset="0"/>
-                <a:ea typeface="Cambria" panose="02040503050406030204" pitchFamily="18" charset="0"/>
-              </a:rPr>
-              <a:t>neque</a:t>
-            </a:r>
-            <a:r>
-              <a:rPr lang="it-IT" sz="1600" dirty="0">
-                <a:solidFill>
-                  <a:srgbClr val="0070C0"/>
-                </a:solidFill>
-                <a:latin typeface="Cambria" panose="02040503050406030204" pitchFamily="18" charset="0"/>
-                <a:ea typeface="Cambria" panose="02040503050406030204" pitchFamily="18" charset="0"/>
-              </a:rPr>
-              <a:t> </a:t>
-            </a:r>
-            <a:r>
-              <a:rPr lang="it-IT" sz="1600" dirty="0" err="1">
-                <a:solidFill>
-                  <a:srgbClr val="0070C0"/>
-                </a:solidFill>
-                <a:latin typeface="Cambria" panose="02040503050406030204" pitchFamily="18" charset="0"/>
-                <a:ea typeface="Cambria" panose="02040503050406030204" pitchFamily="18" charset="0"/>
-              </a:rPr>
-              <a:t>eget</a:t>
-            </a:r>
-            <a:r>
-              <a:rPr lang="it-IT" sz="1600" dirty="0">
-                <a:solidFill>
-                  <a:srgbClr val="0070C0"/>
-                </a:solidFill>
-                <a:latin typeface="Cambria" panose="02040503050406030204" pitchFamily="18" charset="0"/>
-                <a:ea typeface="Cambria" panose="02040503050406030204" pitchFamily="18" charset="0"/>
-              </a:rPr>
-              <a:t> dictum.</a:t>
-            </a:r>
-          </a:p>
-          <a:p>
-            <a:pPr algn="just"/>
-            <a:endParaRPr lang="it-IT" sz="1600" dirty="0">
-              <a:solidFill>
-                <a:srgbClr val="0070C0"/>
-              </a:solidFill>
-              <a:latin typeface="Cambria" panose="02040503050406030204" pitchFamily="18" charset="0"/>
-              <a:ea typeface="Cambria" panose="02040503050406030204" pitchFamily="18" charset="0"/>
-            </a:endParaRPr>
-          </a:p>
-          <a:p>
-            <a:pPr algn="just"/>
-            <a:r>
-              <a:rPr lang="it-IT" sz="1600" dirty="0" err="1">
-                <a:solidFill>
-                  <a:srgbClr val="0070C0"/>
-                </a:solidFill>
-                <a:latin typeface="Cambria" panose="02040503050406030204" pitchFamily="18" charset="0"/>
-                <a:ea typeface="Cambria" panose="02040503050406030204" pitchFamily="18" charset="0"/>
-              </a:rPr>
-              <a:t>Duis</a:t>
-            </a:r>
-            <a:r>
-              <a:rPr lang="it-IT" sz="1600" dirty="0">
-                <a:solidFill>
-                  <a:srgbClr val="0070C0"/>
-                </a:solidFill>
-                <a:latin typeface="Cambria" panose="02040503050406030204" pitchFamily="18" charset="0"/>
-                <a:ea typeface="Cambria" panose="02040503050406030204" pitchFamily="18" charset="0"/>
-              </a:rPr>
-              <a:t> vitae </a:t>
-            </a:r>
-            <a:r>
-              <a:rPr lang="it-IT" sz="1600" dirty="0" err="1">
-                <a:solidFill>
-                  <a:srgbClr val="0070C0"/>
-                </a:solidFill>
-                <a:latin typeface="Cambria" panose="02040503050406030204" pitchFamily="18" charset="0"/>
-                <a:ea typeface="Cambria" panose="02040503050406030204" pitchFamily="18" charset="0"/>
-              </a:rPr>
-              <a:t>nisi</a:t>
-            </a:r>
-            <a:r>
-              <a:rPr lang="it-IT" sz="1600" dirty="0">
-                <a:solidFill>
-                  <a:srgbClr val="0070C0"/>
-                </a:solidFill>
-                <a:latin typeface="Cambria" panose="02040503050406030204" pitchFamily="18" charset="0"/>
-                <a:ea typeface="Cambria" panose="02040503050406030204" pitchFamily="18" charset="0"/>
-              </a:rPr>
-              <a:t> </a:t>
-            </a:r>
-            <a:r>
-              <a:rPr lang="it-IT" sz="1600" dirty="0" err="1">
-                <a:solidFill>
-                  <a:srgbClr val="0070C0"/>
-                </a:solidFill>
-                <a:latin typeface="Cambria" panose="02040503050406030204" pitchFamily="18" charset="0"/>
-                <a:ea typeface="Cambria" panose="02040503050406030204" pitchFamily="18" charset="0"/>
-              </a:rPr>
-              <a:t>congue</a:t>
-            </a:r>
-            <a:r>
-              <a:rPr lang="it-IT" sz="1600" dirty="0">
-                <a:solidFill>
-                  <a:srgbClr val="0070C0"/>
-                </a:solidFill>
-                <a:latin typeface="Cambria" panose="02040503050406030204" pitchFamily="18" charset="0"/>
-                <a:ea typeface="Cambria" panose="02040503050406030204" pitchFamily="18" charset="0"/>
-              </a:rPr>
-              <a:t> </a:t>
-            </a:r>
-            <a:r>
-              <a:rPr lang="it-IT" sz="1600" dirty="0" err="1">
-                <a:solidFill>
-                  <a:srgbClr val="0070C0"/>
-                </a:solidFill>
-                <a:latin typeface="Cambria" panose="02040503050406030204" pitchFamily="18" charset="0"/>
-                <a:ea typeface="Cambria" panose="02040503050406030204" pitchFamily="18" charset="0"/>
-              </a:rPr>
-              <a:t>nibh</a:t>
-            </a:r>
-            <a:r>
-              <a:rPr lang="it-IT" sz="1600" dirty="0">
-                <a:solidFill>
-                  <a:srgbClr val="0070C0"/>
-                </a:solidFill>
-                <a:latin typeface="Cambria" panose="02040503050406030204" pitchFamily="18" charset="0"/>
-                <a:ea typeface="Cambria" panose="02040503050406030204" pitchFamily="18" charset="0"/>
-              </a:rPr>
-              <a:t> </a:t>
-            </a:r>
-            <a:r>
-              <a:rPr lang="it-IT" sz="1600" dirty="0" err="1">
-                <a:solidFill>
-                  <a:srgbClr val="0070C0"/>
-                </a:solidFill>
-                <a:latin typeface="Cambria" panose="02040503050406030204" pitchFamily="18" charset="0"/>
-                <a:ea typeface="Cambria" panose="02040503050406030204" pitchFamily="18" charset="0"/>
-              </a:rPr>
-              <a:t>maximus</a:t>
-            </a:r>
-            <a:r>
-              <a:rPr lang="it-IT" sz="1600" dirty="0">
-                <a:solidFill>
-                  <a:srgbClr val="0070C0"/>
-                </a:solidFill>
-                <a:latin typeface="Cambria" panose="02040503050406030204" pitchFamily="18" charset="0"/>
-                <a:ea typeface="Cambria" panose="02040503050406030204" pitchFamily="18" charset="0"/>
-              </a:rPr>
-              <a:t> </a:t>
-            </a:r>
-            <a:r>
-              <a:rPr lang="it-IT" sz="1600" dirty="0" err="1">
-                <a:solidFill>
-                  <a:srgbClr val="0070C0"/>
-                </a:solidFill>
-                <a:latin typeface="Cambria" panose="02040503050406030204" pitchFamily="18" charset="0"/>
-                <a:ea typeface="Cambria" panose="02040503050406030204" pitchFamily="18" charset="0"/>
-              </a:rPr>
-              <a:t>scelerisque</a:t>
-            </a:r>
-            <a:r>
-              <a:rPr lang="it-IT" sz="1600" dirty="0">
-                <a:solidFill>
-                  <a:srgbClr val="0070C0"/>
-                </a:solidFill>
-                <a:latin typeface="Cambria" panose="02040503050406030204" pitchFamily="18" charset="0"/>
-                <a:ea typeface="Cambria" panose="02040503050406030204" pitchFamily="18" charset="0"/>
-              </a:rPr>
-              <a:t>. </a:t>
-            </a:r>
-            <a:r>
-              <a:rPr lang="it-IT" sz="1600" dirty="0" err="1">
-                <a:solidFill>
-                  <a:srgbClr val="0070C0"/>
-                </a:solidFill>
-                <a:latin typeface="Cambria" panose="02040503050406030204" pitchFamily="18" charset="0"/>
-                <a:ea typeface="Cambria" panose="02040503050406030204" pitchFamily="18" charset="0"/>
-              </a:rPr>
-              <a:t>Etiam</a:t>
-            </a:r>
-            <a:r>
-              <a:rPr lang="it-IT" sz="1600" dirty="0">
-                <a:solidFill>
-                  <a:srgbClr val="0070C0"/>
-                </a:solidFill>
-                <a:latin typeface="Cambria" panose="02040503050406030204" pitchFamily="18" charset="0"/>
-                <a:ea typeface="Cambria" panose="02040503050406030204" pitchFamily="18" charset="0"/>
-              </a:rPr>
-              <a:t> viverra </a:t>
-            </a:r>
-            <a:r>
-              <a:rPr lang="it-IT" sz="1600" dirty="0" err="1">
-                <a:solidFill>
-                  <a:srgbClr val="0070C0"/>
-                </a:solidFill>
-                <a:latin typeface="Cambria" panose="02040503050406030204" pitchFamily="18" charset="0"/>
-                <a:ea typeface="Cambria" panose="02040503050406030204" pitchFamily="18" charset="0"/>
-              </a:rPr>
-              <a:t>augue</a:t>
-            </a:r>
-            <a:r>
-              <a:rPr lang="it-IT" sz="1600" dirty="0">
-                <a:solidFill>
-                  <a:srgbClr val="0070C0"/>
-                </a:solidFill>
-                <a:latin typeface="Cambria" panose="02040503050406030204" pitchFamily="18" charset="0"/>
-                <a:ea typeface="Cambria" panose="02040503050406030204" pitchFamily="18" charset="0"/>
-              </a:rPr>
-              <a:t> </a:t>
-            </a:r>
-            <a:r>
-              <a:rPr lang="it-IT" sz="1600" dirty="0" err="1">
-                <a:solidFill>
-                  <a:srgbClr val="0070C0"/>
-                </a:solidFill>
-                <a:latin typeface="Cambria" panose="02040503050406030204" pitchFamily="18" charset="0"/>
-                <a:ea typeface="Cambria" panose="02040503050406030204" pitchFamily="18" charset="0"/>
-              </a:rPr>
-              <a:t>sit</a:t>
-            </a:r>
-            <a:r>
-              <a:rPr lang="it-IT" sz="1600" dirty="0">
-                <a:solidFill>
-                  <a:srgbClr val="0070C0"/>
-                </a:solidFill>
-                <a:latin typeface="Cambria" panose="02040503050406030204" pitchFamily="18" charset="0"/>
-                <a:ea typeface="Cambria" panose="02040503050406030204" pitchFamily="18" charset="0"/>
-              </a:rPr>
-              <a:t> </a:t>
-            </a:r>
-            <a:r>
-              <a:rPr lang="it-IT" sz="1600" dirty="0" err="1">
-                <a:solidFill>
-                  <a:srgbClr val="0070C0"/>
-                </a:solidFill>
-                <a:latin typeface="Cambria" panose="02040503050406030204" pitchFamily="18" charset="0"/>
-                <a:ea typeface="Cambria" panose="02040503050406030204" pitchFamily="18" charset="0"/>
-              </a:rPr>
-              <a:t>amet</a:t>
-            </a:r>
-            <a:r>
-              <a:rPr lang="it-IT" sz="1600" dirty="0">
-                <a:solidFill>
-                  <a:srgbClr val="0070C0"/>
-                </a:solidFill>
-                <a:latin typeface="Cambria" panose="02040503050406030204" pitchFamily="18" charset="0"/>
-                <a:ea typeface="Cambria" panose="02040503050406030204" pitchFamily="18" charset="0"/>
-              </a:rPr>
-              <a:t> </a:t>
-            </a:r>
-            <a:r>
-              <a:rPr lang="it-IT" sz="1600" dirty="0" err="1">
-                <a:solidFill>
-                  <a:srgbClr val="0070C0"/>
-                </a:solidFill>
-                <a:latin typeface="Cambria" panose="02040503050406030204" pitchFamily="18" charset="0"/>
-                <a:ea typeface="Cambria" panose="02040503050406030204" pitchFamily="18" charset="0"/>
-              </a:rPr>
-              <a:t>nibh</a:t>
-            </a:r>
-            <a:r>
-              <a:rPr lang="it-IT" sz="1600" dirty="0">
-                <a:solidFill>
-                  <a:srgbClr val="0070C0"/>
-                </a:solidFill>
-                <a:latin typeface="Cambria" panose="02040503050406030204" pitchFamily="18" charset="0"/>
-                <a:ea typeface="Cambria" panose="02040503050406030204" pitchFamily="18" charset="0"/>
-              </a:rPr>
-              <a:t> </a:t>
-            </a:r>
-            <a:r>
-              <a:rPr lang="it-IT" sz="1600" dirty="0" err="1">
-                <a:solidFill>
-                  <a:srgbClr val="0070C0"/>
-                </a:solidFill>
-                <a:latin typeface="Cambria" panose="02040503050406030204" pitchFamily="18" charset="0"/>
-                <a:ea typeface="Cambria" panose="02040503050406030204" pitchFamily="18" charset="0"/>
-              </a:rPr>
-              <a:t>tincidunt</a:t>
-            </a:r>
-            <a:r>
-              <a:rPr lang="it-IT" sz="1600" dirty="0">
-                <a:solidFill>
-                  <a:srgbClr val="0070C0"/>
-                </a:solidFill>
-                <a:latin typeface="Cambria" panose="02040503050406030204" pitchFamily="18" charset="0"/>
-                <a:ea typeface="Cambria" panose="02040503050406030204" pitchFamily="18" charset="0"/>
-              </a:rPr>
-              <a:t>, </a:t>
-            </a:r>
-            <a:r>
-              <a:rPr lang="it-IT" sz="1600" dirty="0" err="1">
-                <a:solidFill>
-                  <a:srgbClr val="0070C0"/>
-                </a:solidFill>
-                <a:latin typeface="Cambria" panose="02040503050406030204" pitchFamily="18" charset="0"/>
-                <a:ea typeface="Cambria" panose="02040503050406030204" pitchFamily="18" charset="0"/>
-              </a:rPr>
-              <a:t>sit</a:t>
-            </a:r>
-            <a:r>
-              <a:rPr lang="it-IT" sz="1600" dirty="0">
-                <a:solidFill>
-                  <a:srgbClr val="0070C0"/>
-                </a:solidFill>
-                <a:latin typeface="Cambria" panose="02040503050406030204" pitchFamily="18" charset="0"/>
-                <a:ea typeface="Cambria" panose="02040503050406030204" pitchFamily="18" charset="0"/>
-              </a:rPr>
-              <a:t> </a:t>
-            </a:r>
-            <a:r>
-              <a:rPr lang="it-IT" sz="1600" dirty="0" err="1">
-                <a:solidFill>
-                  <a:srgbClr val="0070C0"/>
-                </a:solidFill>
-                <a:latin typeface="Cambria" panose="02040503050406030204" pitchFamily="18" charset="0"/>
-                <a:ea typeface="Cambria" panose="02040503050406030204" pitchFamily="18" charset="0"/>
-              </a:rPr>
-              <a:t>amet</a:t>
-            </a:r>
-            <a:r>
-              <a:rPr lang="it-IT" sz="1600" dirty="0">
-                <a:solidFill>
-                  <a:srgbClr val="0070C0"/>
-                </a:solidFill>
-                <a:latin typeface="Cambria" panose="02040503050406030204" pitchFamily="18" charset="0"/>
-                <a:ea typeface="Cambria" panose="02040503050406030204" pitchFamily="18" charset="0"/>
-              </a:rPr>
-              <a:t> </a:t>
-            </a:r>
-            <a:r>
-              <a:rPr lang="it-IT" sz="1600" dirty="0" err="1">
-                <a:solidFill>
-                  <a:srgbClr val="0070C0"/>
-                </a:solidFill>
-                <a:latin typeface="Cambria" panose="02040503050406030204" pitchFamily="18" charset="0"/>
-                <a:ea typeface="Cambria" panose="02040503050406030204" pitchFamily="18" charset="0"/>
-              </a:rPr>
-              <a:t>ultrices</a:t>
-            </a:r>
-            <a:r>
-              <a:rPr lang="it-IT" sz="1600" dirty="0">
-                <a:solidFill>
-                  <a:srgbClr val="0070C0"/>
-                </a:solidFill>
-                <a:latin typeface="Cambria" panose="02040503050406030204" pitchFamily="18" charset="0"/>
-                <a:ea typeface="Cambria" panose="02040503050406030204" pitchFamily="18" charset="0"/>
-              </a:rPr>
-              <a:t> </a:t>
-            </a:r>
-            <a:r>
-              <a:rPr lang="it-IT" sz="1600" dirty="0" err="1">
-                <a:solidFill>
-                  <a:srgbClr val="0070C0"/>
-                </a:solidFill>
-                <a:latin typeface="Cambria" panose="02040503050406030204" pitchFamily="18" charset="0"/>
-                <a:ea typeface="Cambria" panose="02040503050406030204" pitchFamily="18" charset="0"/>
-              </a:rPr>
-              <a:t>metus</a:t>
-            </a:r>
-            <a:r>
-              <a:rPr lang="it-IT" sz="1600" dirty="0">
-                <a:solidFill>
-                  <a:srgbClr val="0070C0"/>
-                </a:solidFill>
-                <a:latin typeface="Cambria" panose="02040503050406030204" pitchFamily="18" charset="0"/>
-                <a:ea typeface="Cambria" panose="02040503050406030204" pitchFamily="18" charset="0"/>
-              </a:rPr>
-              <a:t> viverra. </a:t>
-            </a:r>
-            <a:r>
-              <a:rPr lang="it-IT" sz="1600" dirty="0" err="1">
-                <a:solidFill>
-                  <a:srgbClr val="0070C0"/>
-                </a:solidFill>
-                <a:latin typeface="Cambria" panose="02040503050406030204" pitchFamily="18" charset="0"/>
-                <a:ea typeface="Cambria" panose="02040503050406030204" pitchFamily="18" charset="0"/>
-              </a:rPr>
-              <a:t>Maecenas</a:t>
-            </a:r>
-            <a:r>
-              <a:rPr lang="it-IT" sz="1600" dirty="0">
-                <a:solidFill>
-                  <a:srgbClr val="0070C0"/>
-                </a:solidFill>
-                <a:latin typeface="Cambria" panose="02040503050406030204" pitchFamily="18" charset="0"/>
-                <a:ea typeface="Cambria" panose="02040503050406030204" pitchFamily="18" charset="0"/>
-              </a:rPr>
-              <a:t> a tempus </a:t>
-            </a:r>
-            <a:r>
-              <a:rPr lang="it-IT" sz="1600" dirty="0" err="1">
-                <a:solidFill>
-                  <a:srgbClr val="0070C0"/>
-                </a:solidFill>
-                <a:latin typeface="Cambria" panose="02040503050406030204" pitchFamily="18" charset="0"/>
-                <a:ea typeface="Cambria" panose="02040503050406030204" pitchFamily="18" charset="0"/>
-              </a:rPr>
-              <a:t>sem</a:t>
-            </a:r>
-            <a:r>
-              <a:rPr lang="it-IT" sz="1600" dirty="0">
-                <a:solidFill>
-                  <a:srgbClr val="0070C0"/>
-                </a:solidFill>
-                <a:latin typeface="Cambria" panose="02040503050406030204" pitchFamily="18" charset="0"/>
-                <a:ea typeface="Cambria" panose="02040503050406030204" pitchFamily="18" charset="0"/>
-              </a:rPr>
-              <a:t>. </a:t>
-            </a:r>
-            <a:r>
-              <a:rPr lang="it-IT" sz="1600" dirty="0" err="1">
-                <a:solidFill>
-                  <a:srgbClr val="0070C0"/>
-                </a:solidFill>
-                <a:latin typeface="Cambria" panose="02040503050406030204" pitchFamily="18" charset="0"/>
-                <a:ea typeface="Cambria" panose="02040503050406030204" pitchFamily="18" charset="0"/>
-              </a:rPr>
-              <a:t>Aliquam</a:t>
-            </a:r>
-            <a:r>
-              <a:rPr lang="it-IT" sz="1600" dirty="0">
-                <a:solidFill>
-                  <a:srgbClr val="0070C0"/>
-                </a:solidFill>
-                <a:latin typeface="Cambria" panose="02040503050406030204" pitchFamily="18" charset="0"/>
-                <a:ea typeface="Cambria" panose="02040503050406030204" pitchFamily="18" charset="0"/>
-              </a:rPr>
-              <a:t> </a:t>
-            </a:r>
-            <a:r>
-              <a:rPr lang="it-IT" sz="1600" dirty="0" err="1">
-                <a:solidFill>
-                  <a:srgbClr val="0070C0"/>
-                </a:solidFill>
-                <a:latin typeface="Cambria" panose="02040503050406030204" pitchFamily="18" charset="0"/>
-                <a:ea typeface="Cambria" panose="02040503050406030204" pitchFamily="18" charset="0"/>
-              </a:rPr>
-              <a:t>finibus</a:t>
-            </a:r>
-            <a:r>
-              <a:rPr lang="it-IT" sz="1600" dirty="0">
-                <a:solidFill>
-                  <a:srgbClr val="0070C0"/>
-                </a:solidFill>
-                <a:latin typeface="Cambria" panose="02040503050406030204" pitchFamily="18" charset="0"/>
-                <a:ea typeface="Cambria" panose="02040503050406030204" pitchFamily="18" charset="0"/>
-              </a:rPr>
-              <a:t> magna </a:t>
-            </a:r>
-            <a:r>
-              <a:rPr lang="it-IT" sz="1600" dirty="0" err="1">
-                <a:solidFill>
-                  <a:srgbClr val="0070C0"/>
-                </a:solidFill>
-                <a:latin typeface="Cambria" panose="02040503050406030204" pitchFamily="18" charset="0"/>
-                <a:ea typeface="Cambria" panose="02040503050406030204" pitchFamily="18" charset="0"/>
-              </a:rPr>
-              <a:t>eu</a:t>
-            </a:r>
-            <a:r>
-              <a:rPr lang="it-IT" sz="1600" dirty="0">
-                <a:solidFill>
-                  <a:srgbClr val="0070C0"/>
-                </a:solidFill>
-                <a:latin typeface="Cambria" panose="02040503050406030204" pitchFamily="18" charset="0"/>
-                <a:ea typeface="Cambria" panose="02040503050406030204" pitchFamily="18" charset="0"/>
-              </a:rPr>
-              <a:t> gravida </a:t>
-            </a:r>
-            <a:r>
-              <a:rPr lang="it-IT" sz="1600" dirty="0" err="1">
-                <a:solidFill>
-                  <a:srgbClr val="0070C0"/>
-                </a:solidFill>
-                <a:latin typeface="Cambria" panose="02040503050406030204" pitchFamily="18" charset="0"/>
-                <a:ea typeface="Cambria" panose="02040503050406030204" pitchFamily="18" charset="0"/>
-              </a:rPr>
-              <a:t>interdum</a:t>
-            </a:r>
-            <a:r>
-              <a:rPr lang="it-IT" sz="1600" dirty="0">
-                <a:solidFill>
-                  <a:srgbClr val="0070C0"/>
-                </a:solidFill>
-                <a:latin typeface="Cambria" panose="02040503050406030204" pitchFamily="18" charset="0"/>
-                <a:ea typeface="Cambria" panose="02040503050406030204" pitchFamily="18" charset="0"/>
-              </a:rPr>
-              <a:t>. Donec </a:t>
-            </a:r>
-            <a:r>
-              <a:rPr lang="it-IT" sz="1600" dirty="0" err="1">
-                <a:solidFill>
-                  <a:srgbClr val="0070C0"/>
-                </a:solidFill>
-                <a:latin typeface="Cambria" panose="02040503050406030204" pitchFamily="18" charset="0"/>
-                <a:ea typeface="Cambria" panose="02040503050406030204" pitchFamily="18" charset="0"/>
-              </a:rPr>
-              <a:t>ac</a:t>
-            </a:r>
-            <a:r>
-              <a:rPr lang="it-IT" sz="1600" dirty="0">
-                <a:solidFill>
-                  <a:srgbClr val="0070C0"/>
-                </a:solidFill>
-                <a:latin typeface="Cambria" panose="02040503050406030204" pitchFamily="18" charset="0"/>
-                <a:ea typeface="Cambria" panose="02040503050406030204" pitchFamily="18" charset="0"/>
-              </a:rPr>
-              <a:t> </a:t>
-            </a:r>
-            <a:r>
-              <a:rPr lang="it-IT" sz="1600" dirty="0" err="1">
-                <a:solidFill>
-                  <a:srgbClr val="0070C0"/>
-                </a:solidFill>
-                <a:latin typeface="Cambria" panose="02040503050406030204" pitchFamily="18" charset="0"/>
-                <a:ea typeface="Cambria" panose="02040503050406030204" pitchFamily="18" charset="0"/>
-              </a:rPr>
-              <a:t>bibendum</a:t>
-            </a:r>
-            <a:r>
-              <a:rPr lang="it-IT" sz="1600" dirty="0">
-                <a:solidFill>
-                  <a:srgbClr val="0070C0"/>
-                </a:solidFill>
-                <a:latin typeface="Cambria" panose="02040503050406030204" pitchFamily="18" charset="0"/>
-                <a:ea typeface="Cambria" panose="02040503050406030204" pitchFamily="18" charset="0"/>
-              </a:rPr>
-              <a:t> </a:t>
-            </a:r>
-            <a:r>
-              <a:rPr lang="it-IT" sz="1600" dirty="0" err="1">
-                <a:solidFill>
-                  <a:srgbClr val="0070C0"/>
-                </a:solidFill>
-                <a:latin typeface="Cambria" panose="02040503050406030204" pitchFamily="18" charset="0"/>
-                <a:ea typeface="Cambria" panose="02040503050406030204" pitchFamily="18" charset="0"/>
-              </a:rPr>
-              <a:t>leo</a:t>
-            </a:r>
-            <a:r>
-              <a:rPr lang="it-IT" sz="1600" dirty="0">
-                <a:solidFill>
-                  <a:srgbClr val="0070C0"/>
-                </a:solidFill>
-                <a:latin typeface="Cambria" panose="02040503050406030204" pitchFamily="18" charset="0"/>
-                <a:ea typeface="Cambria" panose="02040503050406030204" pitchFamily="18" charset="0"/>
-              </a:rPr>
-              <a:t>, </a:t>
-            </a:r>
-            <a:r>
-              <a:rPr lang="it-IT" sz="1600" dirty="0" err="1">
-                <a:solidFill>
-                  <a:srgbClr val="0070C0"/>
-                </a:solidFill>
-                <a:latin typeface="Cambria" panose="02040503050406030204" pitchFamily="18" charset="0"/>
-                <a:ea typeface="Cambria" panose="02040503050406030204" pitchFamily="18" charset="0"/>
-              </a:rPr>
-              <a:t>eu</a:t>
-            </a:r>
-            <a:r>
-              <a:rPr lang="it-IT" sz="1600" dirty="0">
-                <a:solidFill>
-                  <a:srgbClr val="0070C0"/>
-                </a:solidFill>
-                <a:latin typeface="Cambria" panose="02040503050406030204" pitchFamily="18" charset="0"/>
-                <a:ea typeface="Cambria" panose="02040503050406030204" pitchFamily="18" charset="0"/>
-              </a:rPr>
-              <a:t> </a:t>
-            </a:r>
-            <a:r>
-              <a:rPr lang="it-IT" sz="1600" dirty="0" err="1">
-                <a:solidFill>
-                  <a:srgbClr val="0070C0"/>
-                </a:solidFill>
-                <a:latin typeface="Cambria" panose="02040503050406030204" pitchFamily="18" charset="0"/>
-                <a:ea typeface="Cambria" panose="02040503050406030204" pitchFamily="18" charset="0"/>
-              </a:rPr>
-              <a:t>elementum</a:t>
-            </a:r>
-            <a:r>
-              <a:rPr lang="it-IT" sz="1600" dirty="0">
-                <a:solidFill>
-                  <a:srgbClr val="0070C0"/>
-                </a:solidFill>
-                <a:latin typeface="Cambria" panose="02040503050406030204" pitchFamily="18" charset="0"/>
-                <a:ea typeface="Cambria" panose="02040503050406030204" pitchFamily="18" charset="0"/>
-              </a:rPr>
-              <a:t> eros. </a:t>
-            </a:r>
-            <a:r>
-              <a:rPr lang="it-IT" sz="1600" dirty="0" err="1">
-                <a:solidFill>
-                  <a:srgbClr val="0070C0"/>
-                </a:solidFill>
-                <a:latin typeface="Cambria" panose="02040503050406030204" pitchFamily="18" charset="0"/>
-                <a:ea typeface="Cambria" panose="02040503050406030204" pitchFamily="18" charset="0"/>
-              </a:rPr>
-              <a:t>Aenean</a:t>
-            </a:r>
-            <a:r>
-              <a:rPr lang="it-IT" sz="1600" dirty="0">
-                <a:solidFill>
-                  <a:srgbClr val="0070C0"/>
-                </a:solidFill>
-                <a:latin typeface="Cambria" panose="02040503050406030204" pitchFamily="18" charset="0"/>
-                <a:ea typeface="Cambria" panose="02040503050406030204" pitchFamily="18" charset="0"/>
-              </a:rPr>
-              <a:t> </a:t>
-            </a:r>
-            <a:r>
-              <a:rPr lang="it-IT" sz="1600" dirty="0" err="1">
-                <a:solidFill>
-                  <a:srgbClr val="0070C0"/>
-                </a:solidFill>
-                <a:latin typeface="Cambria" panose="02040503050406030204" pitchFamily="18" charset="0"/>
-                <a:ea typeface="Cambria" panose="02040503050406030204" pitchFamily="18" charset="0"/>
-              </a:rPr>
-              <a:t>posuere</a:t>
-            </a:r>
-            <a:r>
-              <a:rPr lang="it-IT" sz="1600" dirty="0">
-                <a:solidFill>
-                  <a:srgbClr val="0070C0"/>
-                </a:solidFill>
-                <a:latin typeface="Cambria" panose="02040503050406030204" pitchFamily="18" charset="0"/>
-                <a:ea typeface="Cambria" panose="02040503050406030204" pitchFamily="18" charset="0"/>
-              </a:rPr>
-              <a:t> </a:t>
-            </a:r>
-            <a:r>
-              <a:rPr lang="it-IT" sz="1600" dirty="0" err="1">
-                <a:solidFill>
-                  <a:srgbClr val="0070C0"/>
-                </a:solidFill>
-                <a:latin typeface="Cambria" panose="02040503050406030204" pitchFamily="18" charset="0"/>
-                <a:ea typeface="Cambria" panose="02040503050406030204" pitchFamily="18" charset="0"/>
-              </a:rPr>
-              <a:t>purus</a:t>
-            </a:r>
-            <a:r>
-              <a:rPr lang="it-IT" sz="1600" dirty="0">
-                <a:solidFill>
-                  <a:srgbClr val="0070C0"/>
-                </a:solidFill>
-                <a:latin typeface="Cambria" panose="02040503050406030204" pitchFamily="18" charset="0"/>
-                <a:ea typeface="Cambria" panose="02040503050406030204" pitchFamily="18" charset="0"/>
-              </a:rPr>
-              <a:t> in viverra </a:t>
-            </a:r>
-            <a:r>
-              <a:rPr lang="it-IT" sz="1600" dirty="0" err="1">
-                <a:solidFill>
-                  <a:srgbClr val="0070C0"/>
-                </a:solidFill>
-                <a:latin typeface="Cambria" panose="02040503050406030204" pitchFamily="18" charset="0"/>
-                <a:ea typeface="Cambria" panose="02040503050406030204" pitchFamily="18" charset="0"/>
-              </a:rPr>
-              <a:t>dapibus</a:t>
-            </a:r>
-            <a:r>
-              <a:rPr lang="it-IT" sz="1600" dirty="0">
-                <a:solidFill>
-                  <a:srgbClr val="0070C0"/>
-                </a:solidFill>
-                <a:latin typeface="Cambria" panose="02040503050406030204" pitchFamily="18" charset="0"/>
-                <a:ea typeface="Cambria" panose="02040503050406030204" pitchFamily="18" charset="0"/>
-              </a:rPr>
-              <a:t>. </a:t>
-            </a:r>
-            <a:r>
-              <a:rPr lang="it-IT" sz="1600" dirty="0" err="1">
-                <a:solidFill>
-                  <a:srgbClr val="0070C0"/>
-                </a:solidFill>
-                <a:latin typeface="Cambria" panose="02040503050406030204" pitchFamily="18" charset="0"/>
-                <a:ea typeface="Cambria" panose="02040503050406030204" pitchFamily="18" charset="0"/>
-              </a:rPr>
-              <a:t>Aenean</a:t>
-            </a:r>
-            <a:r>
-              <a:rPr lang="it-IT" sz="1600" dirty="0">
-                <a:solidFill>
-                  <a:srgbClr val="0070C0"/>
-                </a:solidFill>
-                <a:latin typeface="Cambria" panose="02040503050406030204" pitchFamily="18" charset="0"/>
-                <a:ea typeface="Cambria" panose="02040503050406030204" pitchFamily="18" charset="0"/>
-              </a:rPr>
-              <a:t> vitae </a:t>
-            </a:r>
-            <a:r>
-              <a:rPr lang="it-IT" sz="1600" dirty="0" err="1">
-                <a:solidFill>
-                  <a:srgbClr val="0070C0"/>
-                </a:solidFill>
-                <a:latin typeface="Cambria" panose="02040503050406030204" pitchFamily="18" charset="0"/>
-                <a:ea typeface="Cambria" panose="02040503050406030204" pitchFamily="18" charset="0"/>
-              </a:rPr>
-              <a:t>tellus</a:t>
-            </a:r>
-            <a:r>
-              <a:rPr lang="it-IT" sz="1600" dirty="0">
-                <a:solidFill>
-                  <a:srgbClr val="0070C0"/>
-                </a:solidFill>
-                <a:latin typeface="Cambria" panose="02040503050406030204" pitchFamily="18" charset="0"/>
-                <a:ea typeface="Cambria" panose="02040503050406030204" pitchFamily="18" charset="0"/>
-              </a:rPr>
-              <a:t> eros. </a:t>
-            </a:r>
-            <a:r>
-              <a:rPr lang="it-IT" sz="1600" dirty="0" err="1">
-                <a:solidFill>
-                  <a:srgbClr val="0070C0"/>
-                </a:solidFill>
-                <a:latin typeface="Cambria" panose="02040503050406030204" pitchFamily="18" charset="0"/>
-                <a:ea typeface="Cambria" panose="02040503050406030204" pitchFamily="18" charset="0"/>
-              </a:rPr>
-              <a:t>Integer</a:t>
-            </a:r>
-            <a:r>
-              <a:rPr lang="it-IT" sz="1600" dirty="0">
-                <a:solidFill>
-                  <a:srgbClr val="0070C0"/>
-                </a:solidFill>
-                <a:latin typeface="Cambria" panose="02040503050406030204" pitchFamily="18" charset="0"/>
-                <a:ea typeface="Cambria" panose="02040503050406030204" pitchFamily="18" charset="0"/>
-              </a:rPr>
-              <a:t> </a:t>
-            </a:r>
-            <a:r>
-              <a:rPr lang="it-IT" sz="1600" dirty="0" err="1">
-                <a:solidFill>
-                  <a:srgbClr val="0070C0"/>
-                </a:solidFill>
-                <a:latin typeface="Cambria" panose="02040503050406030204" pitchFamily="18" charset="0"/>
-                <a:ea typeface="Cambria" panose="02040503050406030204" pitchFamily="18" charset="0"/>
-              </a:rPr>
-              <a:t>hendrerit</a:t>
-            </a:r>
-            <a:r>
-              <a:rPr lang="it-IT" sz="1600" dirty="0">
-                <a:solidFill>
-                  <a:srgbClr val="0070C0"/>
-                </a:solidFill>
-                <a:latin typeface="Cambria" panose="02040503050406030204" pitchFamily="18" charset="0"/>
-                <a:ea typeface="Cambria" panose="02040503050406030204" pitchFamily="18" charset="0"/>
-              </a:rPr>
-              <a:t> </a:t>
-            </a:r>
-            <a:r>
-              <a:rPr lang="it-IT" sz="1600" dirty="0" err="1">
-                <a:solidFill>
-                  <a:srgbClr val="0070C0"/>
-                </a:solidFill>
-                <a:latin typeface="Cambria" panose="02040503050406030204" pitchFamily="18" charset="0"/>
-                <a:ea typeface="Cambria" panose="02040503050406030204" pitchFamily="18" charset="0"/>
-              </a:rPr>
-              <a:t>accumsan</a:t>
-            </a:r>
-            <a:r>
-              <a:rPr lang="it-IT" sz="1600" dirty="0">
-                <a:solidFill>
-                  <a:srgbClr val="0070C0"/>
-                </a:solidFill>
-                <a:latin typeface="Cambria" panose="02040503050406030204" pitchFamily="18" charset="0"/>
-                <a:ea typeface="Cambria" panose="02040503050406030204" pitchFamily="18" charset="0"/>
-              </a:rPr>
-              <a:t> </a:t>
-            </a:r>
-            <a:r>
-              <a:rPr lang="it-IT" sz="1600" dirty="0" err="1">
-                <a:solidFill>
-                  <a:srgbClr val="0070C0"/>
-                </a:solidFill>
-                <a:latin typeface="Cambria" panose="02040503050406030204" pitchFamily="18" charset="0"/>
-                <a:ea typeface="Cambria" panose="02040503050406030204" pitchFamily="18" charset="0"/>
-              </a:rPr>
-              <a:t>arcu</a:t>
-            </a:r>
-            <a:r>
-              <a:rPr lang="it-IT" sz="1600" dirty="0">
-                <a:solidFill>
-                  <a:srgbClr val="0070C0"/>
-                </a:solidFill>
-                <a:latin typeface="Cambria" panose="02040503050406030204" pitchFamily="18" charset="0"/>
-                <a:ea typeface="Cambria" panose="02040503050406030204" pitchFamily="18" charset="0"/>
-              </a:rPr>
-              <a:t>, </a:t>
-            </a:r>
-            <a:r>
-              <a:rPr lang="it-IT" sz="1600" dirty="0" err="1">
-                <a:solidFill>
-                  <a:srgbClr val="0070C0"/>
-                </a:solidFill>
-                <a:latin typeface="Cambria" panose="02040503050406030204" pitchFamily="18" charset="0"/>
-                <a:ea typeface="Cambria" panose="02040503050406030204" pitchFamily="18" charset="0"/>
-              </a:rPr>
-              <a:t>quis</a:t>
-            </a:r>
-            <a:r>
-              <a:rPr lang="it-IT" sz="1600" dirty="0">
-                <a:solidFill>
-                  <a:srgbClr val="0070C0"/>
-                </a:solidFill>
-                <a:latin typeface="Cambria" panose="02040503050406030204" pitchFamily="18" charset="0"/>
-                <a:ea typeface="Cambria" panose="02040503050406030204" pitchFamily="18" charset="0"/>
-              </a:rPr>
-              <a:t> </a:t>
-            </a:r>
-            <a:r>
-              <a:rPr lang="it-IT" sz="1600" dirty="0" err="1">
-                <a:solidFill>
-                  <a:srgbClr val="0070C0"/>
-                </a:solidFill>
-                <a:latin typeface="Cambria" panose="02040503050406030204" pitchFamily="18" charset="0"/>
-                <a:ea typeface="Cambria" panose="02040503050406030204" pitchFamily="18" charset="0"/>
-              </a:rPr>
-              <a:t>facilisis</a:t>
-            </a:r>
-            <a:r>
-              <a:rPr lang="it-IT" sz="1600" dirty="0">
-                <a:solidFill>
-                  <a:srgbClr val="0070C0"/>
-                </a:solidFill>
-                <a:latin typeface="Cambria" panose="02040503050406030204" pitchFamily="18" charset="0"/>
-                <a:ea typeface="Cambria" panose="02040503050406030204" pitchFamily="18" charset="0"/>
-              </a:rPr>
-              <a:t> massa </a:t>
-            </a:r>
-            <a:r>
-              <a:rPr lang="it-IT" sz="1600" dirty="0" err="1">
-                <a:solidFill>
-                  <a:srgbClr val="0070C0"/>
-                </a:solidFill>
-                <a:latin typeface="Cambria" panose="02040503050406030204" pitchFamily="18" charset="0"/>
-                <a:ea typeface="Cambria" panose="02040503050406030204" pitchFamily="18" charset="0"/>
-              </a:rPr>
-              <a:t>iaculis</a:t>
-            </a:r>
-            <a:r>
-              <a:rPr lang="it-IT" sz="1600" dirty="0">
-                <a:solidFill>
-                  <a:srgbClr val="0070C0"/>
-                </a:solidFill>
-                <a:latin typeface="Cambria" panose="02040503050406030204" pitchFamily="18" charset="0"/>
-                <a:ea typeface="Cambria" panose="02040503050406030204" pitchFamily="18" charset="0"/>
-              </a:rPr>
-              <a:t> in. </a:t>
-            </a:r>
-            <a:r>
-              <a:rPr lang="it-IT" sz="1600" dirty="0" err="1">
-                <a:solidFill>
-                  <a:srgbClr val="0070C0"/>
-                </a:solidFill>
-                <a:latin typeface="Cambria" panose="02040503050406030204" pitchFamily="18" charset="0"/>
-                <a:ea typeface="Cambria" panose="02040503050406030204" pitchFamily="18" charset="0"/>
-              </a:rPr>
-              <a:t>Aliquam</a:t>
-            </a:r>
-            <a:r>
-              <a:rPr lang="it-IT" sz="1600" dirty="0">
-                <a:solidFill>
-                  <a:srgbClr val="0070C0"/>
-                </a:solidFill>
-                <a:latin typeface="Cambria" panose="02040503050406030204" pitchFamily="18" charset="0"/>
-                <a:ea typeface="Cambria" panose="02040503050406030204" pitchFamily="18" charset="0"/>
-              </a:rPr>
-              <a:t> </a:t>
-            </a:r>
-            <a:r>
-              <a:rPr lang="it-IT" sz="1600" dirty="0" err="1">
-                <a:solidFill>
-                  <a:srgbClr val="0070C0"/>
-                </a:solidFill>
-                <a:latin typeface="Cambria" panose="02040503050406030204" pitchFamily="18" charset="0"/>
-                <a:ea typeface="Cambria" panose="02040503050406030204" pitchFamily="18" charset="0"/>
-              </a:rPr>
-              <a:t>erat</a:t>
-            </a:r>
-            <a:r>
-              <a:rPr lang="it-IT" sz="1600" dirty="0">
-                <a:solidFill>
-                  <a:srgbClr val="0070C0"/>
-                </a:solidFill>
-                <a:latin typeface="Cambria" panose="02040503050406030204" pitchFamily="18" charset="0"/>
-                <a:ea typeface="Cambria" panose="02040503050406030204" pitchFamily="18" charset="0"/>
-              </a:rPr>
-              <a:t> </a:t>
-            </a:r>
-            <a:r>
-              <a:rPr lang="it-IT" sz="1600" dirty="0" err="1">
-                <a:solidFill>
-                  <a:srgbClr val="0070C0"/>
-                </a:solidFill>
-                <a:latin typeface="Cambria" panose="02040503050406030204" pitchFamily="18" charset="0"/>
-                <a:ea typeface="Cambria" panose="02040503050406030204" pitchFamily="18" charset="0"/>
-              </a:rPr>
-              <a:t>volutpat</a:t>
-            </a:r>
-            <a:r>
-              <a:rPr lang="it-IT" sz="1600" dirty="0">
-                <a:solidFill>
-                  <a:srgbClr val="0070C0"/>
-                </a:solidFill>
-                <a:latin typeface="Cambria" panose="02040503050406030204" pitchFamily="18" charset="0"/>
-                <a:ea typeface="Cambria" panose="02040503050406030204" pitchFamily="18" charset="0"/>
-              </a:rPr>
-              <a:t>.</a:t>
-            </a:r>
-          </a:p>
-        </p:txBody>
-      </p:sp>
-      <p:cxnSp>
-        <p:nvCxnSpPr>
-          <p:cNvPr id="19" name="Connettore diritto 18">
-            <a:extLst>
-              <a:ext uri="{FF2B5EF4-FFF2-40B4-BE49-F238E27FC236}">
-                <a16:creationId xmlns:a16="http://schemas.microsoft.com/office/drawing/2014/main" id="{52BFB959-2D54-F5B1-8FEC-B05F78C98C66}"/>
-              </a:ext>
-            </a:extLst>
-          </p:cNvPr>
-          <p:cNvCxnSpPr>
-            <a:cxnSpLocks/>
-          </p:cNvCxnSpPr>
-          <p:nvPr/>
-        </p:nvCxnSpPr>
-        <p:spPr>
-          <a:xfrm>
-            <a:off x="6116320" y="609600"/>
-            <a:ext cx="0" cy="5547360"/>
-          </a:xfrm>
-          <a:prstGeom prst="line">
-            <a:avLst/>
-          </a:prstGeom>
-          <a:ln w="38100">
-            <a:solidFill>
-              <a:srgbClr val="0070C0"/>
-            </a:solidFill>
-          </a:ln>
-        </p:spPr>
-        <p:style>
-          <a:lnRef idx="3">
-            <a:schemeClr val="accent1"/>
-          </a:lnRef>
-          <a:fillRef idx="0">
-            <a:schemeClr val="accent1"/>
-          </a:fillRef>
-          <a:effectRef idx="2">
-            <a:schemeClr val="accent1"/>
-          </a:effectRef>
-          <a:fontRef idx="minor">
-            <a:schemeClr val="tx1"/>
-          </a:fontRef>
-        </p:style>
-      </p:cxnSp>
+          <a:extLst>
+            <a:ext uri="{909E8E84-426E-40DD-AFC4-6F175D3DCCD1}">
+              <a14:hiddenFill xmlns:a14="http://schemas.microsoft.com/office/drawing/2010/main">
+                <a:solidFill>
+                  <a:srgbClr val="FFFFFF"/>
+                </a:solidFill>
+              </a14:hiddenFill>
+            </a:ext>
+          </a:extLst>
+        </p:spPr>
+      </p:pic>
     </p:spTree>
     <p:extLst>
       <p:ext uri="{BB962C8B-B14F-4D97-AF65-F5344CB8AC3E}">
@@ -11211,7 +9507,7 @@
                 <a:latin typeface="Cambria" panose="02040503050406030204" pitchFamily="18" charset="0"/>
                 <a:ea typeface="Cambria" panose="02040503050406030204" pitchFamily="18" charset="0"/>
               </a:rPr>
-              <a:t>Ontologia</a:t>
+              <a:t>Robot</a:t>
             </a:r>
           </a:p>
         </p:txBody>
@@ -11252,8 +9548,25 @@
                 <a:latin typeface="Cambria" panose="02040503050406030204" pitchFamily="18" charset="0"/>
                 <a:ea typeface="Cambria" panose="02040503050406030204" pitchFamily="18" charset="0"/>
               </a:rPr>
-              <a:t> 1 – Dominio</a:t>
-            </a:r>
+              <a:t>3 – </a:t>
+            </a:r>
+            <a:r>
+              <a:rPr lang="it-IT" b="1" dirty="0" err="1">
+                <a:solidFill>
+                  <a:srgbClr val="0070C0"/>
+                </a:solidFill>
+                <a:latin typeface="Cambria" panose="02040503050406030204" pitchFamily="18" charset="0"/>
+                <a:ea typeface="Cambria" panose="02040503050406030204" pitchFamily="18" charset="0"/>
+              </a:rPr>
+              <a:t>Unity</a:t>
+            </a:r>
+            <a:endParaRPr lang="it-IT" b="1" dirty="0">
+              <a:solidFill>
+                <a:srgbClr val="0070C0"/>
+              </a:solidFill>
+              <a:latin typeface="Cambria" panose="02040503050406030204" pitchFamily="18" charset="0"/>
+              <a:ea typeface="Cambria" panose="02040503050406030204" pitchFamily="18" charset="0"/>
+            </a:endParaRPr>
           </a:p>
         </p:txBody>
       </p:sp>
@@ -11272,7 +9585,7 @@
         <p:spPr>
           <a:xfrm>
             <a:off x="281549" y="738664"/>
-            <a:ext cx="5634501" cy="2800767"/>
+            <a:ext cx="5634501" cy="4801314"/>
           </a:xfrm>
           <a:prstGeom prst="rect">
             <a:avLst/>
@@ -11285,7 +9598,10 @@
           </a:bodyPr>
           <a:lstStyle/>
           <a:p>
-            <a:pPr algn="just"/>
+            <a:pPr marL="285750" indent="-285750" algn="just">
+              <a:buFont typeface="Arial" panose="020B0604020202020204" pitchFamily="34" charset="0"/>
+              <a:buChar char="•"/>
+            </a:pPr>
             <a:r>
               <a:rPr lang="it-IT" sz="1600" b="1" dirty="0">
                 <a:solidFill>
@@ -11294,30 +9610,63 @@
                 <a:latin typeface="Cambria" panose="02040503050406030204" pitchFamily="18" charset="0"/>
                 <a:ea typeface="Cambria" panose="02040503050406030204" pitchFamily="18" charset="0"/>
               </a:rPr>
-              <a:t>Fisica Realistica</a:t>
-            </a:r>
-            <a:r>
-              <a:rPr lang="it-IT" sz="1600" dirty="0">
-                <a:solidFill>
-                  <a:srgbClr val="0070C0"/>
-                </a:solidFill>
-                <a:latin typeface="Cambria" panose="02040503050406030204" pitchFamily="18" charset="0"/>
-                <a:ea typeface="Cambria" panose="02040503050406030204" pitchFamily="18" charset="0"/>
-              </a:rPr>
-              <a:t>: Simulazione Multi-Body con massa reale dello chassis (28kg) che ha richiesto un tuning avanzato di Torque e Damping per evitare inerzia eccessiva.</a:t>
-            </a:r>
-          </a:p>
-          <a:p>
-            <a:pPr algn="just"/>
-            <a:br>
-              <a:rPr lang="it-IT" sz="1600" dirty="0">
-                <a:solidFill>
-                  <a:srgbClr val="0070C0"/>
-                </a:solidFill>
-                <a:latin typeface="Cambria" panose="02040503050406030204" pitchFamily="18" charset="0"/>
-                <a:ea typeface="Cambria" panose="02040503050406030204" pitchFamily="18" charset="0"/>
-              </a:rPr>
-            </a:br>
+              <a:t>Fisica Realistica: </a:t>
+            </a:r>
+            <a:r>
+              <a:rPr lang="it-IT" sz="1600" dirty="0">
+                <a:solidFill>
+                  <a:srgbClr val="0070C0"/>
+                </a:solidFill>
+                <a:latin typeface="Cambria" panose="02040503050406030204" pitchFamily="18" charset="0"/>
+                <a:ea typeface="Cambria" panose="02040503050406030204" pitchFamily="18" charset="0"/>
+              </a:rPr>
+              <a:t>L’implementazione non è una semplice animazione, ma una simulazione fisica completa basata su giunti, forze e comunicazione bidirezionale con ROS2. Il robot è stato modellato come un sistema multi-corpo (Multi-Body System):</a:t>
+            </a:r>
+          </a:p>
+          <a:p>
+            <a:pPr marL="285750" indent="-285750" algn="just">
+              <a:buFont typeface="Arial" panose="020B0604020202020204" pitchFamily="34" charset="0"/>
+              <a:buChar char="•"/>
+            </a:pPr>
+            <a:endParaRPr lang="it-IT" sz="1600" b="1" dirty="0">
+              <a:solidFill>
+                <a:srgbClr val="0070C0"/>
+              </a:solidFill>
+              <a:latin typeface="Cambria" panose="02040503050406030204" pitchFamily="18" charset="0"/>
+              <a:ea typeface="Cambria" panose="02040503050406030204" pitchFamily="18" charset="0"/>
+            </a:endParaRPr>
+          </a:p>
+          <a:p>
+            <a:pPr marL="742950" lvl="1" indent="-285750" algn="just">
+              <a:buFont typeface="Courier New" panose="02070309020205020404" pitchFamily="49" charset="0"/>
+              <a:buChar char="o"/>
+            </a:pPr>
+            <a:r>
+              <a:rPr lang="it-IT" sz="1600" b="1" dirty="0">
+                <a:solidFill>
+                  <a:srgbClr val="0070C0"/>
+                </a:solidFill>
+                <a:latin typeface="Cambria" panose="02040503050406030204" pitchFamily="18" charset="0"/>
+                <a:ea typeface="Cambria" panose="02040503050406030204" pitchFamily="18" charset="0"/>
+              </a:rPr>
+              <a:t>Chassis (base)</a:t>
+            </a:r>
+            <a:r>
+              <a:rPr lang="it-IT" sz="1600" dirty="0">
+                <a:solidFill>
+                  <a:srgbClr val="0070C0"/>
+                </a:solidFill>
+                <a:latin typeface="Cambria" panose="02040503050406030204" pitchFamily="18" charset="0"/>
+                <a:ea typeface="Cambria" panose="02040503050406030204" pitchFamily="18" charset="0"/>
+              </a:rPr>
+              <a:t>: Il corpo principale, che ospita il computer di bordo simulato e le batterie. Ha una massa definita di circa 28 kg.</a:t>
+            </a:r>
+          </a:p>
+          <a:p>
+            <a:pPr marL="742950" lvl="1" indent="-285750" algn="just">
+              <a:buFont typeface="Courier New" panose="02070309020205020404" pitchFamily="49" charset="0"/>
+              <a:buChar char="o"/>
+            </a:pPr>
             <a:endParaRPr lang="it-IT" sz="1600" dirty="0">
               <a:solidFill>
                 <a:srgbClr val="0070C0"/>
@@ -11327,7 +9676,10 @@
             </a:endParaRPr>
           </a:p>
           <a:p>
-            <a:pPr algn="just"/>
+            <a:pPr marL="742950" lvl="1" indent="-285750" algn="just">
+              <a:buFont typeface="Courier New" panose="02070309020205020404" pitchFamily="49" charset="0"/>
+              <a:buChar char="o"/>
+            </a:pPr>
             <a:r>
               <a:rPr lang="it-IT" sz="1600" b="1" dirty="0">
                 <a:solidFill>
@@ -11336,50 +9688,44 @@
                 <a:latin typeface="Cambria" panose="02040503050406030204" pitchFamily="18" charset="0"/>
                 <a:ea typeface="Cambria" panose="02040503050406030204" pitchFamily="18" charset="0"/>
               </a:rPr>
-              <a:t>Guida Differenziale</a:t>
-            </a:r>
-            <a:r>
-              <a:rPr lang="it-IT" sz="1600" dirty="0">
-                <a:solidFill>
-                  <a:srgbClr val="0070C0"/>
-                </a:solidFill>
-                <a:latin typeface="Cambria" panose="02040503050406030204" pitchFamily="18" charset="0"/>
-                <a:ea typeface="Cambria" panose="02040503050406030204" pitchFamily="18" charset="0"/>
-              </a:rPr>
-              <a:t>: Utilizzo di componenti </a:t>
-            </a:r>
-            <a:r>
-              <a:rPr lang="it-IT" sz="1600" dirty="0" err="1">
-                <a:solidFill>
-                  <a:srgbClr val="0070C0"/>
-                </a:solidFill>
-                <a:latin typeface="Cambria" panose="02040503050406030204" pitchFamily="18" charset="0"/>
-                <a:ea typeface="Cambria" panose="02040503050406030204" pitchFamily="18" charset="0"/>
-              </a:rPr>
-              <a:t>ArticulationBody</a:t>
-            </a:r>
-            <a:r>
-              <a:rPr lang="it-IT" sz="1600" dirty="0">
-                <a:solidFill>
-                  <a:srgbClr val="0070C0"/>
-                </a:solidFill>
-                <a:latin typeface="Cambria" panose="02040503050406030204" pitchFamily="18" charset="0"/>
-                <a:ea typeface="Cambria" panose="02040503050406030204" pitchFamily="18" charset="0"/>
-              </a:rPr>
-              <a:t> per stabilità cinematica superiore rispetto ai joint classici.</a:t>
-            </a:r>
-          </a:p>
-          <a:p>
-            <a:pPr algn="just"/>
-            <a:br>
-              <a:rPr lang="it-IT" sz="1600" dirty="0">
-                <a:solidFill>
-                  <a:srgbClr val="0070C0"/>
-                </a:solidFill>
-                <a:latin typeface="Cambria" panose="02040503050406030204" pitchFamily="18" charset="0"/>
-                <a:ea typeface="Cambria" panose="02040503050406030204" pitchFamily="18" charset="0"/>
-              </a:rPr>
-            </a:br>
+              <a:t>Ruote (</a:t>
+            </a:r>
+            <a:r>
+              <a:rPr lang="it-IT" sz="1600" b="1" dirty="0" err="1">
+                <a:solidFill>
+                  <a:srgbClr val="0070C0"/>
+                </a:solidFill>
+                <a:latin typeface="Cambria" panose="02040503050406030204" pitchFamily="18" charset="0"/>
+                <a:ea typeface="Cambria" panose="02040503050406030204" pitchFamily="18" charset="0"/>
+              </a:rPr>
+              <a:t>wheels</a:t>
+            </a:r>
+            <a:r>
+              <a:rPr lang="it-IT" sz="1600" b="1" dirty="0">
+                <a:solidFill>
+                  <a:srgbClr val="0070C0"/>
+                </a:solidFill>
+                <a:latin typeface="Cambria" panose="02040503050406030204" pitchFamily="18" charset="0"/>
+                <a:ea typeface="Cambria" panose="02040503050406030204" pitchFamily="18" charset="0"/>
+              </a:rPr>
+              <a:t>)</a:t>
+            </a:r>
+            <a:r>
+              <a:rPr lang="it-IT" sz="1600" dirty="0">
+                <a:solidFill>
+                  <a:srgbClr val="0070C0"/>
+                </a:solidFill>
+                <a:latin typeface="Cambria" panose="02040503050406030204" pitchFamily="18" charset="0"/>
+                <a:ea typeface="Cambria" panose="02040503050406030204" pitchFamily="18" charset="0"/>
+              </a:rPr>
+              <a:t>: Il sistema di locomozione, nonché il cuore ingegneristico della simulazione. Usa un configurazione a guida differenziale (2 ruote motrici e 1 omnidirezionale passiva per l’equilibrio).</a:t>
+            </a:r>
+          </a:p>
+          <a:p>
+            <a:pPr marL="742950" lvl="1" indent="-285750" algn="just">
+              <a:buFont typeface="Courier New" panose="02070309020205020404" pitchFamily="49" charset="0"/>
+              <a:buChar char="o"/>
+            </a:pPr>
             <a:endParaRPr lang="it-IT" sz="1600" dirty="0">
               <a:solidFill>
                 <a:srgbClr val="0070C0"/>
@@ -11389,7 +9735,10 @@
             </a:endParaRPr>
           </a:p>
           <a:p>
-            <a:pPr algn="just"/>
+            <a:pPr marL="742950" lvl="1" indent="-285750" algn="just">
+              <a:buFont typeface="Courier New" panose="02070309020205020404" pitchFamily="49" charset="0"/>
+              <a:buChar char="o"/>
+            </a:pPr>
             <a:r>
               <a:rPr lang="it-IT" sz="1600" b="1" dirty="0">
                 <a:solidFill>
@@ -11398,37 +9747,17 @@
                 <a:latin typeface="Cambria" panose="02040503050406030204" pitchFamily="18" charset="0"/>
                 <a:ea typeface="Cambria" panose="02040503050406030204" pitchFamily="18" charset="0"/>
               </a:rPr>
-              <a:t>Percezione (Lidar)</a:t>
-            </a:r>
-            <a:r>
-              <a:rPr lang="it-IT" sz="1600" dirty="0">
-                <a:solidFill>
-                  <a:srgbClr val="0070C0"/>
-                </a:solidFill>
-                <a:latin typeface="Cambria" panose="02040503050406030204" pitchFamily="18" charset="0"/>
-                <a:ea typeface="Cambria" panose="02040503050406030204" pitchFamily="18" charset="0"/>
-              </a:rPr>
-              <a:t>: Simulazione via </a:t>
-            </a:r>
-            <a:r>
-              <a:rPr lang="it-IT" sz="1600" dirty="0" err="1">
-                <a:solidFill>
-                  <a:srgbClr val="0070C0"/>
-                </a:solidFill>
-                <a:latin typeface="Cambria" panose="02040503050406030204" pitchFamily="18" charset="0"/>
-                <a:ea typeface="Cambria" panose="02040503050406030204" pitchFamily="18" charset="0"/>
-              </a:rPr>
-              <a:t>Raycasting</a:t>
-            </a:r>
-            <a:r>
-              <a:rPr lang="it-IT" sz="1600" dirty="0">
-                <a:solidFill>
-                  <a:srgbClr val="0070C0"/>
-                </a:solidFill>
-                <a:latin typeface="Cambria" panose="02040503050406030204" pitchFamily="18" charset="0"/>
-                <a:ea typeface="Cambria" panose="02040503050406030204" pitchFamily="18" charset="0"/>
-              </a:rPr>
-              <a:t> che interseca i Collider fisici e serializza i dati in messaggi ROS2 standard.</a:t>
+              <a:t>Batteria (power management)</a:t>
+            </a:r>
+            <a:r>
+              <a:rPr lang="it-IT" sz="1600" dirty="0">
+                <a:solidFill>
+                  <a:srgbClr val="0070C0"/>
+                </a:solidFill>
+                <a:latin typeface="Cambria" panose="02040503050406030204" pitchFamily="18" charset="0"/>
+                <a:ea typeface="Cambria" panose="02040503050406030204" pitchFamily="18" charset="0"/>
+              </a:rPr>
+              <a:t>: Sottosistema implementato nel chassis. Non si limita a decrementare un contatore, ma simula cicli di carica/scarica basati sul tempo e sull'interazione.</a:t>
             </a:r>
           </a:p>
         </p:txBody>
@@ -11460,8 +9789,8 @@
         </p:blipFill>
         <p:spPr bwMode="auto">
           <a:xfrm>
-            <a:off x="6570815" y="718964"/>
-            <a:ext cx="4905698" cy="5387127"/>
+            <a:off x="6570815" y="720142"/>
+            <a:ext cx="4905698" cy="5384770"/>
           </a:xfrm>
           <a:prstGeom prst="rect">
             <a:avLst/>
@@ -11935,16 +10264,67 @@
           <a:p>
             <a:pPr algn="r"/>
             <a:r>
-              <a:rPr lang="it-IT" dirty="0" err="1">
-                <a:solidFill>
-                  <a:srgbClr val="0070C0"/>
-                </a:solidFill>
-                <a:latin typeface="Cambria" panose="02040503050406030204" pitchFamily="18" charset="0"/>
-                <a:ea typeface="Cambria" panose="02040503050406030204" pitchFamily="18" charset="0"/>
-              </a:rPr>
-              <a:t>Explainability</a:t>
-            </a:r>
-            <a:endParaRPr lang="it-IT" dirty="0">
+              <a:rPr lang="it-IT" dirty="0">
+                <a:solidFill>
+                  <a:srgbClr val="0070C0"/>
+                </a:solidFill>
+                <a:latin typeface="Cambria" panose="02040503050406030204" pitchFamily="18" charset="0"/>
+                <a:ea typeface="Cambria" panose="02040503050406030204" pitchFamily="18" charset="0"/>
+              </a:rPr>
+              <a:t>Robot</a:t>
+            </a:r>
+          </a:p>
+        </p:txBody>
+      </p:sp>
+      <p:sp>
+        <p:nvSpPr>
+          <p:cNvPr id="15" name="CasellaDiTesto 14">
+            <a:extLst>
+              <a:ext uri="{FF2B5EF4-FFF2-40B4-BE49-F238E27FC236}">
+                <a16:creationId xmlns:a16="http://schemas.microsoft.com/office/drawing/2014/main" id="{52967807-6C8F-714D-A662-29A96AB41A3B}"/>
+              </a:ext>
+            </a:extLst>
+          </p:cNvPr>
+          <p:cNvSpPr txBox="1"/>
+          <p:nvPr/>
+        </p:nvSpPr>
+        <p:spPr>
+          <a:xfrm>
+            <a:off x="281549" y="-6587"/>
+            <a:ext cx="3600000" cy="369332"/>
+          </a:xfrm>
+          <a:prstGeom prst="rect">
+            <a:avLst/>
+          </a:prstGeom>
+          <a:noFill/>
+        </p:spPr>
+        <p:txBody>
+          <a:bodyPr wrap="square" rtlCol="0">
+            <a:spAutoFit/>
+          </a:bodyPr>
+          <a:lstStyle/>
+          <a:p>
+            <a:r>
+              <a:rPr lang="it-IT" b="1" dirty="0">
+                <a:solidFill>
+                  <a:srgbClr val="0070C0"/>
+                </a:solidFill>
+                <a:latin typeface="Cambria" panose="02040503050406030204" pitchFamily="18" charset="0"/>
+                <a:ea typeface="Cambria" panose="02040503050406030204" pitchFamily="18" charset="0"/>
+              </a:rPr>
+              <a:t>3 – </a:t>
+            </a:r>
+            <a:r>
+              <a:rPr lang="it-IT" b="1" dirty="0" err="1">
+                <a:solidFill>
+                  <a:srgbClr val="0070C0"/>
+                </a:solidFill>
+                <a:latin typeface="Cambria" panose="02040503050406030204" pitchFamily="18" charset="0"/>
+                <a:ea typeface="Cambria" panose="02040503050406030204" pitchFamily="18" charset="0"/>
+              </a:rPr>
+              <a:t>Unity</a:t>
+            </a:r>
+            <a:endParaRPr lang="it-IT" b="1" dirty="0">
               <a:solidFill>
                 <a:srgbClr val="0070C0"/>
               </a:solidFill>
@@ -11956,10 +10336,10 @@
       </p:sp>
       <p:sp>
         <p:nvSpPr>
-          <p:cNvPr id="15" name="CasellaDiTesto 14">
-            <a:extLst>
-              <a:ext uri="{FF2B5EF4-FFF2-40B4-BE49-F238E27FC236}">
-                <a16:creationId xmlns:a16="http://schemas.microsoft.com/office/drawing/2014/main" id="{52967807-6C8F-714D-A662-29A96AB41A3B}"/>
+          <p:cNvPr id="10" name="CasellaDiTesto 9">
+            <a:extLst>
+              <a:ext uri="{FF2B5EF4-FFF2-40B4-BE49-F238E27FC236}">
+                <a16:creationId xmlns:a16="http://schemas.microsoft.com/office/drawing/2014/main" id="{30CC58A4-54B6-6C41-F97D-08C3E67410E2}"/>
               </a:ext>
             </a:extLst>
           </p:cNvPr>
@@ -11968,8 +10348,8 @@
         </p:nvSpPr>
         <p:spPr>
           <a:xfrm>
-            <a:off x="281549" y="-6587"/>
-            <a:ext cx="3600000" cy="369332"/>
+            <a:off x="281549" y="738664"/>
+            <a:ext cx="5634501" cy="4278094"/>
           </a:xfrm>
           <a:prstGeom prst="rect">
             <a:avLst/>
@@ -11982,1071 +10362,56 @@
           </a:bodyPr>
           <a:lstStyle/>
           <a:p>
-            <a:r>
-              <a:rPr lang="it-IT" b="1" dirty="0">
-                <a:solidFill>
-                  <a:srgbClr val="0070C0"/>
-                </a:solidFill>
-                <a:latin typeface="Cambria" panose="02040503050406030204" pitchFamily="18" charset="0"/>
-                <a:ea typeface="Cambria" panose="02040503050406030204" pitchFamily="18" charset="0"/>
-              </a:rPr>
-              <a:t> 2 – Dominio</a:t>
-            </a:r>
-          </a:p>
-        </p:txBody>
-      </p:sp>
-      <p:sp>
-        <p:nvSpPr>
-          <p:cNvPr id="10" name="CasellaDiTesto 9">
-            <a:extLst>
-              <a:ext uri="{FF2B5EF4-FFF2-40B4-BE49-F238E27FC236}">
-                <a16:creationId xmlns:a16="http://schemas.microsoft.com/office/drawing/2014/main" id="{30CC58A4-54B6-6C41-F97D-08C3E67410E2}"/>
-              </a:ext>
-            </a:extLst>
-          </p:cNvPr>
-          <p:cNvSpPr txBox="1"/>
-          <p:nvPr/>
-        </p:nvSpPr>
-        <p:spPr>
-          <a:xfrm>
-            <a:off x="281549" y="738664"/>
-            <a:ext cx="5634501" cy="4524315"/>
-          </a:xfrm>
-          <a:prstGeom prst="rect">
-            <a:avLst/>
-          </a:prstGeom>
-          <a:noFill/>
-        </p:spPr>
-        <p:txBody>
-          <a:bodyPr wrap="square" rtlCol="0">
-            <a:spAutoFit/>
-          </a:bodyPr>
-          <a:lstStyle/>
-          <a:p>
-            <a:pPr algn="just"/>
-            <a:r>
-              <a:rPr lang="it-IT" sz="1600" dirty="0" err="1">
-                <a:solidFill>
-                  <a:srgbClr val="0070C0"/>
-                </a:solidFill>
-                <a:latin typeface="Cambria" panose="02040503050406030204" pitchFamily="18" charset="0"/>
-                <a:ea typeface="Cambria" panose="02040503050406030204" pitchFamily="18" charset="0"/>
-              </a:rPr>
-              <a:t>Lorem</a:t>
-            </a:r>
-            <a:r>
-              <a:rPr lang="it-IT" sz="1600" dirty="0">
-                <a:solidFill>
-                  <a:srgbClr val="0070C0"/>
-                </a:solidFill>
-                <a:latin typeface="Cambria" panose="02040503050406030204" pitchFamily="18" charset="0"/>
-                <a:ea typeface="Cambria" panose="02040503050406030204" pitchFamily="18" charset="0"/>
-              </a:rPr>
-              <a:t> </a:t>
-            </a:r>
-            <a:r>
-              <a:rPr lang="it-IT" sz="1600" dirty="0" err="1">
-                <a:solidFill>
-                  <a:srgbClr val="0070C0"/>
-                </a:solidFill>
-                <a:latin typeface="Cambria" panose="02040503050406030204" pitchFamily="18" charset="0"/>
-                <a:ea typeface="Cambria" panose="02040503050406030204" pitchFamily="18" charset="0"/>
-              </a:rPr>
-              <a:t>ipsum</a:t>
-            </a:r>
-            <a:r>
-              <a:rPr lang="it-IT" sz="1600" dirty="0">
-                <a:solidFill>
-                  <a:srgbClr val="0070C0"/>
-                </a:solidFill>
-                <a:latin typeface="Cambria" panose="02040503050406030204" pitchFamily="18" charset="0"/>
-                <a:ea typeface="Cambria" panose="02040503050406030204" pitchFamily="18" charset="0"/>
-              </a:rPr>
-              <a:t> dolor </a:t>
-            </a:r>
-            <a:r>
-              <a:rPr lang="it-IT" sz="1600" dirty="0" err="1">
-                <a:solidFill>
-                  <a:srgbClr val="0070C0"/>
-                </a:solidFill>
-                <a:latin typeface="Cambria" panose="02040503050406030204" pitchFamily="18" charset="0"/>
-                <a:ea typeface="Cambria" panose="02040503050406030204" pitchFamily="18" charset="0"/>
-              </a:rPr>
-              <a:t>sit</a:t>
-            </a:r>
-            <a:r>
-              <a:rPr lang="it-IT" sz="1600" dirty="0">
-                <a:solidFill>
-                  <a:srgbClr val="0070C0"/>
-                </a:solidFill>
-                <a:latin typeface="Cambria" panose="02040503050406030204" pitchFamily="18" charset="0"/>
-                <a:ea typeface="Cambria" panose="02040503050406030204" pitchFamily="18" charset="0"/>
-              </a:rPr>
-              <a:t> </a:t>
-            </a:r>
-            <a:r>
-              <a:rPr lang="it-IT" sz="1600" dirty="0" err="1">
-                <a:solidFill>
-                  <a:srgbClr val="0070C0"/>
-                </a:solidFill>
-                <a:latin typeface="Cambria" panose="02040503050406030204" pitchFamily="18" charset="0"/>
-                <a:ea typeface="Cambria" panose="02040503050406030204" pitchFamily="18" charset="0"/>
-              </a:rPr>
-              <a:t>amet</a:t>
-            </a:r>
-            <a:r>
-              <a:rPr lang="it-IT" sz="1600" dirty="0">
-                <a:solidFill>
-                  <a:srgbClr val="0070C0"/>
-                </a:solidFill>
-                <a:latin typeface="Cambria" panose="02040503050406030204" pitchFamily="18" charset="0"/>
-                <a:ea typeface="Cambria" panose="02040503050406030204" pitchFamily="18" charset="0"/>
-              </a:rPr>
-              <a:t>, </a:t>
-            </a:r>
-            <a:r>
-              <a:rPr lang="it-IT" sz="1600" dirty="0" err="1">
-                <a:solidFill>
-                  <a:srgbClr val="0070C0"/>
-                </a:solidFill>
-                <a:latin typeface="Cambria" panose="02040503050406030204" pitchFamily="18" charset="0"/>
-                <a:ea typeface="Cambria" panose="02040503050406030204" pitchFamily="18" charset="0"/>
-              </a:rPr>
-              <a:t>consectetur</a:t>
-            </a:r>
-            <a:r>
-              <a:rPr lang="it-IT" sz="1600" dirty="0">
-                <a:solidFill>
-                  <a:srgbClr val="0070C0"/>
-                </a:solidFill>
-                <a:latin typeface="Cambria" panose="02040503050406030204" pitchFamily="18" charset="0"/>
-                <a:ea typeface="Cambria" panose="02040503050406030204" pitchFamily="18" charset="0"/>
-              </a:rPr>
-              <a:t> </a:t>
-            </a:r>
-            <a:r>
-              <a:rPr lang="it-IT" sz="1600" dirty="0" err="1">
-                <a:solidFill>
-                  <a:srgbClr val="0070C0"/>
-                </a:solidFill>
-                <a:latin typeface="Cambria" panose="02040503050406030204" pitchFamily="18" charset="0"/>
-                <a:ea typeface="Cambria" panose="02040503050406030204" pitchFamily="18" charset="0"/>
-              </a:rPr>
-              <a:t>adipiscing</a:t>
-            </a:r>
-            <a:r>
-              <a:rPr lang="it-IT" sz="1600" dirty="0">
-                <a:solidFill>
-                  <a:srgbClr val="0070C0"/>
-                </a:solidFill>
-                <a:latin typeface="Cambria" panose="02040503050406030204" pitchFamily="18" charset="0"/>
-                <a:ea typeface="Cambria" panose="02040503050406030204" pitchFamily="18" charset="0"/>
-              </a:rPr>
-              <a:t> </a:t>
-            </a:r>
-            <a:r>
-              <a:rPr lang="it-IT" sz="1600" dirty="0" err="1">
-                <a:solidFill>
-                  <a:srgbClr val="0070C0"/>
-                </a:solidFill>
-                <a:latin typeface="Cambria" panose="02040503050406030204" pitchFamily="18" charset="0"/>
-                <a:ea typeface="Cambria" panose="02040503050406030204" pitchFamily="18" charset="0"/>
-              </a:rPr>
-              <a:t>elit</a:t>
-            </a:r>
-            <a:r>
-              <a:rPr lang="it-IT" sz="1600" dirty="0">
-                <a:solidFill>
-                  <a:srgbClr val="0070C0"/>
-                </a:solidFill>
-                <a:latin typeface="Cambria" panose="02040503050406030204" pitchFamily="18" charset="0"/>
-                <a:ea typeface="Cambria" panose="02040503050406030204" pitchFamily="18" charset="0"/>
-              </a:rPr>
-              <a:t>. </a:t>
-            </a:r>
-            <a:r>
-              <a:rPr lang="it-IT" sz="1600" dirty="0" err="1">
-                <a:solidFill>
-                  <a:srgbClr val="0070C0"/>
-                </a:solidFill>
-                <a:latin typeface="Cambria" panose="02040503050406030204" pitchFamily="18" charset="0"/>
-                <a:ea typeface="Cambria" panose="02040503050406030204" pitchFamily="18" charset="0"/>
-              </a:rPr>
-              <a:t>Aliquam</a:t>
-            </a:r>
-            <a:r>
-              <a:rPr lang="it-IT" sz="1600" dirty="0">
-                <a:solidFill>
-                  <a:srgbClr val="0070C0"/>
-                </a:solidFill>
-                <a:latin typeface="Cambria" panose="02040503050406030204" pitchFamily="18" charset="0"/>
-                <a:ea typeface="Cambria" panose="02040503050406030204" pitchFamily="18" charset="0"/>
-              </a:rPr>
-              <a:t> </a:t>
-            </a:r>
-            <a:r>
-              <a:rPr lang="it-IT" sz="1600" dirty="0" err="1">
-                <a:solidFill>
-                  <a:srgbClr val="0070C0"/>
-                </a:solidFill>
-                <a:latin typeface="Cambria" panose="02040503050406030204" pitchFamily="18" charset="0"/>
-                <a:ea typeface="Cambria" panose="02040503050406030204" pitchFamily="18" charset="0"/>
-              </a:rPr>
-              <a:t>vehicula</a:t>
-            </a:r>
-            <a:r>
-              <a:rPr lang="it-IT" sz="1600" dirty="0">
-                <a:solidFill>
-                  <a:srgbClr val="0070C0"/>
-                </a:solidFill>
-                <a:latin typeface="Cambria" panose="02040503050406030204" pitchFamily="18" charset="0"/>
-                <a:ea typeface="Cambria" panose="02040503050406030204" pitchFamily="18" charset="0"/>
-              </a:rPr>
-              <a:t> </a:t>
-            </a:r>
-            <a:r>
-              <a:rPr lang="it-IT" sz="1600" dirty="0" err="1">
-                <a:solidFill>
-                  <a:srgbClr val="0070C0"/>
-                </a:solidFill>
-                <a:latin typeface="Cambria" panose="02040503050406030204" pitchFamily="18" charset="0"/>
-                <a:ea typeface="Cambria" panose="02040503050406030204" pitchFamily="18" charset="0"/>
-              </a:rPr>
-              <a:t>risus</a:t>
-            </a:r>
-            <a:r>
-              <a:rPr lang="it-IT" sz="1600" dirty="0">
-                <a:solidFill>
-                  <a:srgbClr val="0070C0"/>
-                </a:solidFill>
-                <a:latin typeface="Cambria" panose="02040503050406030204" pitchFamily="18" charset="0"/>
-                <a:ea typeface="Cambria" panose="02040503050406030204" pitchFamily="18" charset="0"/>
-              </a:rPr>
-              <a:t> </a:t>
-            </a:r>
-            <a:r>
-              <a:rPr lang="it-IT" sz="1600" dirty="0" err="1">
-                <a:solidFill>
-                  <a:srgbClr val="0070C0"/>
-                </a:solidFill>
-                <a:latin typeface="Cambria" panose="02040503050406030204" pitchFamily="18" charset="0"/>
-                <a:ea typeface="Cambria" panose="02040503050406030204" pitchFamily="18" charset="0"/>
-              </a:rPr>
-              <a:t>quis</a:t>
-            </a:r>
-            <a:r>
-              <a:rPr lang="it-IT" sz="1600" dirty="0">
-                <a:solidFill>
-                  <a:srgbClr val="0070C0"/>
-                </a:solidFill>
-                <a:latin typeface="Cambria" panose="02040503050406030204" pitchFamily="18" charset="0"/>
-                <a:ea typeface="Cambria" panose="02040503050406030204" pitchFamily="18" charset="0"/>
-              </a:rPr>
-              <a:t> </a:t>
-            </a:r>
-            <a:r>
-              <a:rPr lang="it-IT" sz="1600" dirty="0" err="1">
-                <a:solidFill>
-                  <a:srgbClr val="0070C0"/>
-                </a:solidFill>
-                <a:latin typeface="Cambria" panose="02040503050406030204" pitchFamily="18" charset="0"/>
-                <a:ea typeface="Cambria" panose="02040503050406030204" pitchFamily="18" charset="0"/>
-              </a:rPr>
-              <a:t>laoreet</a:t>
-            </a:r>
-            <a:r>
-              <a:rPr lang="it-IT" sz="1600" dirty="0">
-                <a:solidFill>
-                  <a:srgbClr val="0070C0"/>
-                </a:solidFill>
-                <a:latin typeface="Cambria" panose="02040503050406030204" pitchFamily="18" charset="0"/>
-                <a:ea typeface="Cambria" panose="02040503050406030204" pitchFamily="18" charset="0"/>
-              </a:rPr>
-              <a:t> cursus. </a:t>
-            </a:r>
-            <a:r>
-              <a:rPr lang="it-IT" sz="1600" dirty="0" err="1">
-                <a:solidFill>
-                  <a:srgbClr val="0070C0"/>
-                </a:solidFill>
-                <a:latin typeface="Cambria" panose="02040503050406030204" pitchFamily="18" charset="0"/>
-                <a:ea typeface="Cambria" panose="02040503050406030204" pitchFamily="18" charset="0"/>
-              </a:rPr>
-              <a:t>Proin</a:t>
-            </a:r>
-            <a:r>
-              <a:rPr lang="it-IT" sz="1600" dirty="0">
-                <a:solidFill>
-                  <a:srgbClr val="0070C0"/>
-                </a:solidFill>
-                <a:latin typeface="Cambria" panose="02040503050406030204" pitchFamily="18" charset="0"/>
-                <a:ea typeface="Cambria" panose="02040503050406030204" pitchFamily="18" charset="0"/>
-              </a:rPr>
-              <a:t> </a:t>
-            </a:r>
-            <a:r>
-              <a:rPr lang="it-IT" sz="1600" dirty="0" err="1">
-                <a:solidFill>
-                  <a:srgbClr val="0070C0"/>
-                </a:solidFill>
-                <a:latin typeface="Cambria" panose="02040503050406030204" pitchFamily="18" charset="0"/>
-                <a:ea typeface="Cambria" panose="02040503050406030204" pitchFamily="18" charset="0"/>
-              </a:rPr>
-              <a:t>quis</a:t>
-            </a:r>
-            <a:r>
-              <a:rPr lang="it-IT" sz="1600" dirty="0">
-                <a:solidFill>
-                  <a:srgbClr val="0070C0"/>
-                </a:solidFill>
-                <a:latin typeface="Cambria" panose="02040503050406030204" pitchFamily="18" charset="0"/>
-                <a:ea typeface="Cambria" panose="02040503050406030204" pitchFamily="18" charset="0"/>
-              </a:rPr>
-              <a:t> </a:t>
-            </a:r>
-            <a:r>
-              <a:rPr lang="it-IT" sz="1600" dirty="0" err="1">
-                <a:solidFill>
-                  <a:srgbClr val="0070C0"/>
-                </a:solidFill>
-                <a:latin typeface="Cambria" panose="02040503050406030204" pitchFamily="18" charset="0"/>
-                <a:ea typeface="Cambria" panose="02040503050406030204" pitchFamily="18" charset="0"/>
-              </a:rPr>
-              <a:t>ipsum</a:t>
-            </a:r>
-            <a:r>
-              <a:rPr lang="it-IT" sz="1600" dirty="0">
-                <a:solidFill>
-                  <a:srgbClr val="0070C0"/>
-                </a:solidFill>
-                <a:latin typeface="Cambria" panose="02040503050406030204" pitchFamily="18" charset="0"/>
-                <a:ea typeface="Cambria" panose="02040503050406030204" pitchFamily="18" charset="0"/>
-              </a:rPr>
-              <a:t> </a:t>
-            </a:r>
-            <a:r>
-              <a:rPr lang="it-IT" sz="1600" dirty="0" err="1">
-                <a:solidFill>
-                  <a:srgbClr val="0070C0"/>
-                </a:solidFill>
-                <a:latin typeface="Cambria" panose="02040503050406030204" pitchFamily="18" charset="0"/>
-                <a:ea typeface="Cambria" panose="02040503050406030204" pitchFamily="18" charset="0"/>
-              </a:rPr>
-              <a:t>varius</a:t>
-            </a:r>
-            <a:r>
-              <a:rPr lang="it-IT" sz="1600" dirty="0">
-                <a:solidFill>
-                  <a:srgbClr val="0070C0"/>
-                </a:solidFill>
-                <a:latin typeface="Cambria" panose="02040503050406030204" pitchFamily="18" charset="0"/>
-                <a:ea typeface="Cambria" panose="02040503050406030204" pitchFamily="18" charset="0"/>
-              </a:rPr>
-              <a:t>, </a:t>
-            </a:r>
-            <a:r>
-              <a:rPr lang="it-IT" sz="1600" dirty="0" err="1">
-                <a:solidFill>
-                  <a:srgbClr val="0070C0"/>
-                </a:solidFill>
-                <a:latin typeface="Cambria" panose="02040503050406030204" pitchFamily="18" charset="0"/>
-                <a:ea typeface="Cambria" panose="02040503050406030204" pitchFamily="18" charset="0"/>
-              </a:rPr>
-              <a:t>dignissim</a:t>
-            </a:r>
-            <a:r>
-              <a:rPr lang="it-IT" sz="1600" dirty="0">
-                <a:solidFill>
-                  <a:srgbClr val="0070C0"/>
-                </a:solidFill>
-                <a:latin typeface="Cambria" panose="02040503050406030204" pitchFamily="18" charset="0"/>
-                <a:ea typeface="Cambria" panose="02040503050406030204" pitchFamily="18" charset="0"/>
-              </a:rPr>
-              <a:t> dolor sed, </a:t>
-            </a:r>
-            <a:r>
-              <a:rPr lang="it-IT" sz="1600" dirty="0" err="1">
-                <a:solidFill>
-                  <a:srgbClr val="0070C0"/>
-                </a:solidFill>
-                <a:latin typeface="Cambria" panose="02040503050406030204" pitchFamily="18" charset="0"/>
-                <a:ea typeface="Cambria" panose="02040503050406030204" pitchFamily="18" charset="0"/>
-              </a:rPr>
-              <a:t>sollicitudin</a:t>
-            </a:r>
-            <a:r>
-              <a:rPr lang="it-IT" sz="1600" dirty="0">
-                <a:solidFill>
-                  <a:srgbClr val="0070C0"/>
-                </a:solidFill>
-                <a:latin typeface="Cambria" panose="02040503050406030204" pitchFamily="18" charset="0"/>
-                <a:ea typeface="Cambria" panose="02040503050406030204" pitchFamily="18" charset="0"/>
-              </a:rPr>
-              <a:t> </a:t>
-            </a:r>
-            <a:r>
-              <a:rPr lang="it-IT" sz="1600" dirty="0" err="1">
-                <a:solidFill>
-                  <a:srgbClr val="0070C0"/>
-                </a:solidFill>
-                <a:latin typeface="Cambria" panose="02040503050406030204" pitchFamily="18" charset="0"/>
-                <a:ea typeface="Cambria" panose="02040503050406030204" pitchFamily="18" charset="0"/>
-              </a:rPr>
-              <a:t>diam</a:t>
-            </a:r>
-            <a:r>
-              <a:rPr lang="it-IT" sz="1600" dirty="0">
-                <a:solidFill>
-                  <a:srgbClr val="0070C0"/>
-                </a:solidFill>
-                <a:latin typeface="Cambria" panose="02040503050406030204" pitchFamily="18" charset="0"/>
-                <a:ea typeface="Cambria" panose="02040503050406030204" pitchFamily="18" charset="0"/>
-              </a:rPr>
-              <a:t>. Ut id </a:t>
-            </a:r>
-            <a:r>
-              <a:rPr lang="it-IT" sz="1600" dirty="0" err="1">
-                <a:solidFill>
-                  <a:srgbClr val="0070C0"/>
-                </a:solidFill>
-                <a:latin typeface="Cambria" panose="02040503050406030204" pitchFamily="18" charset="0"/>
-                <a:ea typeface="Cambria" panose="02040503050406030204" pitchFamily="18" charset="0"/>
-              </a:rPr>
-              <a:t>elit</a:t>
-            </a:r>
-            <a:r>
-              <a:rPr lang="it-IT" sz="1600" dirty="0">
-                <a:solidFill>
-                  <a:srgbClr val="0070C0"/>
-                </a:solidFill>
-                <a:latin typeface="Cambria" panose="02040503050406030204" pitchFamily="18" charset="0"/>
-                <a:ea typeface="Cambria" panose="02040503050406030204" pitchFamily="18" charset="0"/>
-              </a:rPr>
-              <a:t> </a:t>
-            </a:r>
-            <a:r>
-              <a:rPr lang="it-IT" sz="1600" dirty="0" err="1">
-                <a:solidFill>
-                  <a:srgbClr val="0070C0"/>
-                </a:solidFill>
-                <a:latin typeface="Cambria" panose="02040503050406030204" pitchFamily="18" charset="0"/>
-                <a:ea typeface="Cambria" panose="02040503050406030204" pitchFamily="18" charset="0"/>
-              </a:rPr>
-              <a:t>at</a:t>
-            </a:r>
-            <a:r>
-              <a:rPr lang="it-IT" sz="1600" dirty="0">
-                <a:solidFill>
-                  <a:srgbClr val="0070C0"/>
-                </a:solidFill>
-                <a:latin typeface="Cambria" panose="02040503050406030204" pitchFamily="18" charset="0"/>
-                <a:ea typeface="Cambria" panose="02040503050406030204" pitchFamily="18" charset="0"/>
-              </a:rPr>
-              <a:t> </a:t>
-            </a:r>
-            <a:r>
-              <a:rPr lang="it-IT" sz="1600" dirty="0" err="1">
-                <a:solidFill>
-                  <a:srgbClr val="0070C0"/>
-                </a:solidFill>
-                <a:latin typeface="Cambria" panose="02040503050406030204" pitchFamily="18" charset="0"/>
-                <a:ea typeface="Cambria" panose="02040503050406030204" pitchFamily="18" charset="0"/>
-              </a:rPr>
-              <a:t>nisi</a:t>
-            </a:r>
-            <a:r>
-              <a:rPr lang="it-IT" sz="1600" dirty="0">
-                <a:solidFill>
-                  <a:srgbClr val="0070C0"/>
-                </a:solidFill>
-                <a:latin typeface="Cambria" panose="02040503050406030204" pitchFamily="18" charset="0"/>
-                <a:ea typeface="Cambria" panose="02040503050406030204" pitchFamily="18" charset="0"/>
-              </a:rPr>
-              <a:t> cursus viverra. </a:t>
-            </a:r>
-            <a:r>
-              <a:rPr lang="it-IT" sz="1600" dirty="0" err="1">
-                <a:solidFill>
-                  <a:srgbClr val="0070C0"/>
-                </a:solidFill>
-                <a:latin typeface="Cambria" panose="02040503050406030204" pitchFamily="18" charset="0"/>
-                <a:ea typeface="Cambria" panose="02040503050406030204" pitchFamily="18" charset="0"/>
-              </a:rPr>
-              <a:t>Vestibulum</a:t>
-            </a:r>
-            <a:r>
-              <a:rPr lang="it-IT" sz="1600" dirty="0">
-                <a:solidFill>
-                  <a:srgbClr val="0070C0"/>
-                </a:solidFill>
-                <a:latin typeface="Cambria" panose="02040503050406030204" pitchFamily="18" charset="0"/>
-                <a:ea typeface="Cambria" panose="02040503050406030204" pitchFamily="18" charset="0"/>
-              </a:rPr>
-              <a:t> </a:t>
-            </a:r>
-            <a:r>
-              <a:rPr lang="it-IT" sz="1600" dirty="0" err="1">
-                <a:solidFill>
-                  <a:srgbClr val="0070C0"/>
-                </a:solidFill>
-                <a:latin typeface="Cambria" panose="02040503050406030204" pitchFamily="18" charset="0"/>
-                <a:ea typeface="Cambria" panose="02040503050406030204" pitchFamily="18" charset="0"/>
-              </a:rPr>
-              <a:t>interdum</a:t>
-            </a:r>
-            <a:r>
-              <a:rPr lang="it-IT" sz="1600" dirty="0">
-                <a:solidFill>
-                  <a:srgbClr val="0070C0"/>
-                </a:solidFill>
-                <a:latin typeface="Cambria" panose="02040503050406030204" pitchFamily="18" charset="0"/>
-                <a:ea typeface="Cambria" panose="02040503050406030204" pitchFamily="18" charset="0"/>
-              </a:rPr>
-              <a:t> </a:t>
-            </a:r>
-            <a:r>
-              <a:rPr lang="it-IT" sz="1600" dirty="0" err="1">
-                <a:solidFill>
-                  <a:srgbClr val="0070C0"/>
-                </a:solidFill>
-                <a:latin typeface="Cambria" panose="02040503050406030204" pitchFamily="18" charset="0"/>
-                <a:ea typeface="Cambria" panose="02040503050406030204" pitchFamily="18" charset="0"/>
-              </a:rPr>
-              <a:t>pellentesque</a:t>
-            </a:r>
-            <a:r>
-              <a:rPr lang="it-IT" sz="1600" dirty="0">
-                <a:solidFill>
-                  <a:srgbClr val="0070C0"/>
-                </a:solidFill>
-                <a:latin typeface="Cambria" panose="02040503050406030204" pitchFamily="18" charset="0"/>
-                <a:ea typeface="Cambria" panose="02040503050406030204" pitchFamily="18" charset="0"/>
-              </a:rPr>
-              <a:t> magna, vel </a:t>
-            </a:r>
-            <a:r>
-              <a:rPr lang="it-IT" sz="1600" dirty="0" err="1">
-                <a:solidFill>
-                  <a:srgbClr val="0070C0"/>
-                </a:solidFill>
-                <a:latin typeface="Cambria" panose="02040503050406030204" pitchFamily="18" charset="0"/>
-                <a:ea typeface="Cambria" panose="02040503050406030204" pitchFamily="18" charset="0"/>
-              </a:rPr>
-              <a:t>pharetra</a:t>
-            </a:r>
-            <a:r>
-              <a:rPr lang="it-IT" sz="1600" dirty="0">
-                <a:solidFill>
-                  <a:srgbClr val="0070C0"/>
-                </a:solidFill>
-                <a:latin typeface="Cambria" panose="02040503050406030204" pitchFamily="18" charset="0"/>
-                <a:ea typeface="Cambria" panose="02040503050406030204" pitchFamily="18" charset="0"/>
-              </a:rPr>
-              <a:t> </a:t>
-            </a:r>
-            <a:r>
-              <a:rPr lang="it-IT" sz="1600" dirty="0" err="1">
-                <a:solidFill>
-                  <a:srgbClr val="0070C0"/>
-                </a:solidFill>
-                <a:latin typeface="Cambria" panose="02040503050406030204" pitchFamily="18" charset="0"/>
-                <a:ea typeface="Cambria" panose="02040503050406030204" pitchFamily="18" charset="0"/>
-              </a:rPr>
-              <a:t>nisi</a:t>
-            </a:r>
-            <a:r>
-              <a:rPr lang="it-IT" sz="1600" dirty="0">
-                <a:solidFill>
-                  <a:srgbClr val="0070C0"/>
-                </a:solidFill>
-                <a:latin typeface="Cambria" panose="02040503050406030204" pitchFamily="18" charset="0"/>
-                <a:ea typeface="Cambria" panose="02040503050406030204" pitchFamily="18" charset="0"/>
-              </a:rPr>
-              <a:t> </a:t>
-            </a:r>
-            <a:r>
-              <a:rPr lang="it-IT" sz="1600" dirty="0" err="1">
-                <a:solidFill>
-                  <a:srgbClr val="0070C0"/>
-                </a:solidFill>
-                <a:latin typeface="Cambria" panose="02040503050406030204" pitchFamily="18" charset="0"/>
-                <a:ea typeface="Cambria" panose="02040503050406030204" pitchFamily="18" charset="0"/>
-              </a:rPr>
-              <a:t>lobortis</a:t>
-            </a:r>
-            <a:r>
-              <a:rPr lang="it-IT" sz="1600" dirty="0">
-                <a:solidFill>
-                  <a:srgbClr val="0070C0"/>
-                </a:solidFill>
-                <a:latin typeface="Cambria" panose="02040503050406030204" pitchFamily="18" charset="0"/>
-                <a:ea typeface="Cambria" panose="02040503050406030204" pitchFamily="18" charset="0"/>
-              </a:rPr>
-              <a:t> id. Nulla sed </a:t>
-            </a:r>
-            <a:r>
-              <a:rPr lang="it-IT" sz="1600" dirty="0" err="1">
-                <a:solidFill>
-                  <a:srgbClr val="0070C0"/>
-                </a:solidFill>
-                <a:latin typeface="Cambria" panose="02040503050406030204" pitchFamily="18" charset="0"/>
-                <a:ea typeface="Cambria" panose="02040503050406030204" pitchFamily="18" charset="0"/>
-              </a:rPr>
-              <a:t>sollicitudin</a:t>
-            </a:r>
-            <a:r>
-              <a:rPr lang="it-IT" sz="1600" dirty="0">
-                <a:solidFill>
-                  <a:srgbClr val="0070C0"/>
-                </a:solidFill>
-                <a:latin typeface="Cambria" panose="02040503050406030204" pitchFamily="18" charset="0"/>
-                <a:ea typeface="Cambria" panose="02040503050406030204" pitchFamily="18" charset="0"/>
-              </a:rPr>
-              <a:t> </a:t>
-            </a:r>
-            <a:r>
-              <a:rPr lang="it-IT" sz="1600" dirty="0" err="1">
-                <a:solidFill>
-                  <a:srgbClr val="0070C0"/>
-                </a:solidFill>
-                <a:latin typeface="Cambria" panose="02040503050406030204" pitchFamily="18" charset="0"/>
-                <a:ea typeface="Cambria" panose="02040503050406030204" pitchFamily="18" charset="0"/>
-              </a:rPr>
-              <a:t>velit</a:t>
-            </a:r>
-            <a:r>
-              <a:rPr lang="it-IT" sz="1600" dirty="0">
-                <a:solidFill>
-                  <a:srgbClr val="0070C0"/>
-                </a:solidFill>
-                <a:latin typeface="Cambria" panose="02040503050406030204" pitchFamily="18" charset="0"/>
-                <a:ea typeface="Cambria" panose="02040503050406030204" pitchFamily="18" charset="0"/>
-              </a:rPr>
-              <a:t>, a </a:t>
-            </a:r>
-            <a:r>
-              <a:rPr lang="it-IT" sz="1600" dirty="0" err="1">
-                <a:solidFill>
-                  <a:srgbClr val="0070C0"/>
-                </a:solidFill>
-                <a:latin typeface="Cambria" panose="02040503050406030204" pitchFamily="18" charset="0"/>
-                <a:ea typeface="Cambria" panose="02040503050406030204" pitchFamily="18" charset="0"/>
-              </a:rPr>
-              <a:t>consectetur</a:t>
-            </a:r>
-            <a:r>
-              <a:rPr lang="it-IT" sz="1600" dirty="0">
-                <a:solidFill>
-                  <a:srgbClr val="0070C0"/>
-                </a:solidFill>
-                <a:latin typeface="Cambria" panose="02040503050406030204" pitchFamily="18" charset="0"/>
-                <a:ea typeface="Cambria" panose="02040503050406030204" pitchFamily="18" charset="0"/>
-              </a:rPr>
-              <a:t> </a:t>
-            </a:r>
-            <a:r>
-              <a:rPr lang="it-IT" sz="1600" dirty="0" err="1">
-                <a:solidFill>
-                  <a:srgbClr val="0070C0"/>
-                </a:solidFill>
-                <a:latin typeface="Cambria" panose="02040503050406030204" pitchFamily="18" charset="0"/>
-                <a:ea typeface="Cambria" panose="02040503050406030204" pitchFamily="18" charset="0"/>
-              </a:rPr>
-              <a:t>neque</a:t>
-            </a:r>
-            <a:r>
-              <a:rPr lang="it-IT" sz="1600" dirty="0">
-                <a:solidFill>
-                  <a:srgbClr val="0070C0"/>
-                </a:solidFill>
-                <a:latin typeface="Cambria" panose="02040503050406030204" pitchFamily="18" charset="0"/>
-                <a:ea typeface="Cambria" panose="02040503050406030204" pitchFamily="18" charset="0"/>
-              </a:rPr>
-              <a:t>. </a:t>
-            </a:r>
-            <a:r>
-              <a:rPr lang="it-IT" sz="1600" dirty="0" err="1">
-                <a:solidFill>
-                  <a:srgbClr val="0070C0"/>
-                </a:solidFill>
-                <a:latin typeface="Cambria" panose="02040503050406030204" pitchFamily="18" charset="0"/>
-                <a:ea typeface="Cambria" panose="02040503050406030204" pitchFamily="18" charset="0"/>
-              </a:rPr>
-              <a:t>Vivamus</a:t>
-            </a:r>
-            <a:r>
-              <a:rPr lang="it-IT" sz="1600" dirty="0">
-                <a:solidFill>
-                  <a:srgbClr val="0070C0"/>
-                </a:solidFill>
-                <a:latin typeface="Cambria" panose="02040503050406030204" pitchFamily="18" charset="0"/>
-                <a:ea typeface="Cambria" panose="02040503050406030204" pitchFamily="18" charset="0"/>
-              </a:rPr>
-              <a:t> non magna </a:t>
-            </a:r>
-            <a:r>
-              <a:rPr lang="it-IT" sz="1600" dirty="0" err="1">
-                <a:solidFill>
-                  <a:srgbClr val="0070C0"/>
-                </a:solidFill>
-                <a:latin typeface="Cambria" panose="02040503050406030204" pitchFamily="18" charset="0"/>
-                <a:ea typeface="Cambria" panose="02040503050406030204" pitchFamily="18" charset="0"/>
-              </a:rPr>
-              <a:t>auctor</a:t>
-            </a:r>
-            <a:r>
-              <a:rPr lang="it-IT" sz="1600" dirty="0">
-                <a:solidFill>
-                  <a:srgbClr val="0070C0"/>
-                </a:solidFill>
-                <a:latin typeface="Cambria" panose="02040503050406030204" pitchFamily="18" charset="0"/>
-                <a:ea typeface="Cambria" panose="02040503050406030204" pitchFamily="18" charset="0"/>
-              </a:rPr>
-              <a:t>, </a:t>
-            </a:r>
-            <a:r>
-              <a:rPr lang="it-IT" sz="1600" dirty="0" err="1">
-                <a:solidFill>
-                  <a:srgbClr val="0070C0"/>
-                </a:solidFill>
-                <a:latin typeface="Cambria" panose="02040503050406030204" pitchFamily="18" charset="0"/>
-                <a:ea typeface="Cambria" panose="02040503050406030204" pitchFamily="18" charset="0"/>
-              </a:rPr>
-              <a:t>mollis</a:t>
-            </a:r>
-            <a:r>
-              <a:rPr lang="it-IT" sz="1600" dirty="0">
-                <a:solidFill>
-                  <a:srgbClr val="0070C0"/>
-                </a:solidFill>
-                <a:latin typeface="Cambria" panose="02040503050406030204" pitchFamily="18" charset="0"/>
-                <a:ea typeface="Cambria" panose="02040503050406030204" pitchFamily="18" charset="0"/>
-              </a:rPr>
-              <a:t> nulla viverra, </a:t>
-            </a:r>
-            <a:r>
-              <a:rPr lang="it-IT" sz="1600" dirty="0" err="1">
-                <a:solidFill>
-                  <a:srgbClr val="0070C0"/>
-                </a:solidFill>
-                <a:latin typeface="Cambria" panose="02040503050406030204" pitchFamily="18" charset="0"/>
-                <a:ea typeface="Cambria" panose="02040503050406030204" pitchFamily="18" charset="0"/>
-              </a:rPr>
-              <a:t>ullamcorper</a:t>
-            </a:r>
-            <a:r>
-              <a:rPr lang="it-IT" sz="1600" dirty="0">
-                <a:solidFill>
-                  <a:srgbClr val="0070C0"/>
-                </a:solidFill>
-                <a:latin typeface="Cambria" panose="02040503050406030204" pitchFamily="18" charset="0"/>
-                <a:ea typeface="Cambria" panose="02040503050406030204" pitchFamily="18" charset="0"/>
-              </a:rPr>
-              <a:t> </a:t>
-            </a:r>
-            <a:r>
-              <a:rPr lang="it-IT" sz="1600" dirty="0" err="1">
-                <a:solidFill>
-                  <a:srgbClr val="0070C0"/>
-                </a:solidFill>
-                <a:latin typeface="Cambria" panose="02040503050406030204" pitchFamily="18" charset="0"/>
-                <a:ea typeface="Cambria" panose="02040503050406030204" pitchFamily="18" charset="0"/>
-              </a:rPr>
-              <a:t>metus</a:t>
-            </a:r>
-            <a:r>
-              <a:rPr lang="it-IT" sz="1600" dirty="0">
-                <a:solidFill>
-                  <a:srgbClr val="0070C0"/>
-                </a:solidFill>
-                <a:latin typeface="Cambria" panose="02040503050406030204" pitchFamily="18" charset="0"/>
-                <a:ea typeface="Cambria" panose="02040503050406030204" pitchFamily="18" charset="0"/>
-              </a:rPr>
-              <a:t>. </a:t>
-            </a:r>
-            <a:r>
-              <a:rPr lang="it-IT" sz="1600" dirty="0" err="1">
-                <a:solidFill>
-                  <a:srgbClr val="0070C0"/>
-                </a:solidFill>
-                <a:latin typeface="Cambria" panose="02040503050406030204" pitchFamily="18" charset="0"/>
-                <a:ea typeface="Cambria" panose="02040503050406030204" pitchFamily="18" charset="0"/>
-              </a:rPr>
-              <a:t>Etiam</a:t>
-            </a:r>
-            <a:r>
-              <a:rPr lang="it-IT" sz="1600" dirty="0">
-                <a:solidFill>
-                  <a:srgbClr val="0070C0"/>
-                </a:solidFill>
-                <a:latin typeface="Cambria" panose="02040503050406030204" pitchFamily="18" charset="0"/>
-                <a:ea typeface="Cambria" panose="02040503050406030204" pitchFamily="18" charset="0"/>
-              </a:rPr>
-              <a:t> vitae </a:t>
-            </a:r>
-            <a:r>
-              <a:rPr lang="it-IT" sz="1600" dirty="0" err="1">
-                <a:solidFill>
-                  <a:srgbClr val="0070C0"/>
-                </a:solidFill>
-                <a:latin typeface="Cambria" panose="02040503050406030204" pitchFamily="18" charset="0"/>
-                <a:ea typeface="Cambria" panose="02040503050406030204" pitchFamily="18" charset="0"/>
-              </a:rPr>
-              <a:t>velit</a:t>
-            </a:r>
-            <a:r>
-              <a:rPr lang="it-IT" sz="1600" dirty="0">
-                <a:solidFill>
-                  <a:srgbClr val="0070C0"/>
-                </a:solidFill>
-                <a:latin typeface="Cambria" panose="02040503050406030204" pitchFamily="18" charset="0"/>
-                <a:ea typeface="Cambria" panose="02040503050406030204" pitchFamily="18" charset="0"/>
-              </a:rPr>
-              <a:t> </a:t>
-            </a:r>
-            <a:r>
-              <a:rPr lang="it-IT" sz="1600" dirty="0" err="1">
-                <a:solidFill>
-                  <a:srgbClr val="0070C0"/>
-                </a:solidFill>
-                <a:latin typeface="Cambria" panose="02040503050406030204" pitchFamily="18" charset="0"/>
-                <a:ea typeface="Cambria" panose="02040503050406030204" pitchFamily="18" charset="0"/>
-              </a:rPr>
-              <a:t>lorem</a:t>
-            </a:r>
-            <a:r>
-              <a:rPr lang="it-IT" sz="1600" dirty="0">
-                <a:solidFill>
-                  <a:srgbClr val="0070C0"/>
-                </a:solidFill>
-                <a:latin typeface="Cambria" panose="02040503050406030204" pitchFamily="18" charset="0"/>
-                <a:ea typeface="Cambria" panose="02040503050406030204" pitchFamily="18" charset="0"/>
-              </a:rPr>
-              <a:t>. Cras pulvinar </a:t>
-            </a:r>
-            <a:r>
-              <a:rPr lang="it-IT" sz="1600" dirty="0" err="1">
-                <a:solidFill>
-                  <a:srgbClr val="0070C0"/>
-                </a:solidFill>
-                <a:latin typeface="Cambria" panose="02040503050406030204" pitchFamily="18" charset="0"/>
-                <a:ea typeface="Cambria" panose="02040503050406030204" pitchFamily="18" charset="0"/>
-              </a:rPr>
-              <a:t>euismod</a:t>
-            </a:r>
-            <a:r>
-              <a:rPr lang="it-IT" sz="1600" dirty="0">
-                <a:solidFill>
-                  <a:srgbClr val="0070C0"/>
-                </a:solidFill>
-                <a:latin typeface="Cambria" panose="02040503050406030204" pitchFamily="18" charset="0"/>
-                <a:ea typeface="Cambria" panose="02040503050406030204" pitchFamily="18" charset="0"/>
-              </a:rPr>
-              <a:t> eros, </a:t>
-            </a:r>
-            <a:r>
-              <a:rPr lang="it-IT" sz="1600" dirty="0" err="1">
-                <a:solidFill>
-                  <a:srgbClr val="0070C0"/>
-                </a:solidFill>
-                <a:latin typeface="Cambria" panose="02040503050406030204" pitchFamily="18" charset="0"/>
-                <a:ea typeface="Cambria" panose="02040503050406030204" pitchFamily="18" charset="0"/>
-              </a:rPr>
-              <a:t>vulputate</a:t>
-            </a:r>
-            <a:r>
-              <a:rPr lang="it-IT" sz="1600" dirty="0">
-                <a:solidFill>
-                  <a:srgbClr val="0070C0"/>
-                </a:solidFill>
-                <a:latin typeface="Cambria" panose="02040503050406030204" pitchFamily="18" charset="0"/>
-                <a:ea typeface="Cambria" panose="02040503050406030204" pitchFamily="18" charset="0"/>
-              </a:rPr>
-              <a:t> ornare dui porta non. </a:t>
-            </a:r>
-            <a:r>
-              <a:rPr lang="it-IT" sz="1600" dirty="0" err="1">
-                <a:solidFill>
-                  <a:srgbClr val="0070C0"/>
-                </a:solidFill>
-                <a:latin typeface="Cambria" panose="02040503050406030204" pitchFamily="18" charset="0"/>
-                <a:ea typeface="Cambria" panose="02040503050406030204" pitchFamily="18" charset="0"/>
-              </a:rPr>
-              <a:t>Pellentesque</a:t>
-            </a:r>
-            <a:r>
-              <a:rPr lang="it-IT" sz="1600" dirty="0">
-                <a:solidFill>
-                  <a:srgbClr val="0070C0"/>
-                </a:solidFill>
-                <a:latin typeface="Cambria" panose="02040503050406030204" pitchFamily="18" charset="0"/>
-                <a:ea typeface="Cambria" panose="02040503050406030204" pitchFamily="18" charset="0"/>
-              </a:rPr>
-              <a:t> </a:t>
-            </a:r>
-            <a:r>
-              <a:rPr lang="it-IT" sz="1600" dirty="0" err="1">
-                <a:solidFill>
-                  <a:srgbClr val="0070C0"/>
-                </a:solidFill>
-                <a:latin typeface="Cambria" panose="02040503050406030204" pitchFamily="18" charset="0"/>
-                <a:ea typeface="Cambria" panose="02040503050406030204" pitchFamily="18" charset="0"/>
-              </a:rPr>
-              <a:t>rhoncus</a:t>
-            </a:r>
-            <a:r>
-              <a:rPr lang="it-IT" sz="1600" dirty="0">
-                <a:solidFill>
-                  <a:srgbClr val="0070C0"/>
-                </a:solidFill>
-                <a:latin typeface="Cambria" panose="02040503050406030204" pitchFamily="18" charset="0"/>
-                <a:ea typeface="Cambria" panose="02040503050406030204" pitchFamily="18" charset="0"/>
-              </a:rPr>
-              <a:t> eros </a:t>
-            </a:r>
-            <a:r>
-              <a:rPr lang="it-IT" sz="1600" dirty="0" err="1">
-                <a:solidFill>
-                  <a:srgbClr val="0070C0"/>
-                </a:solidFill>
-                <a:latin typeface="Cambria" panose="02040503050406030204" pitchFamily="18" charset="0"/>
-                <a:ea typeface="Cambria" panose="02040503050406030204" pitchFamily="18" charset="0"/>
-              </a:rPr>
-              <a:t>tellus</a:t>
-            </a:r>
-            <a:r>
-              <a:rPr lang="it-IT" sz="1600" dirty="0">
-                <a:solidFill>
-                  <a:srgbClr val="0070C0"/>
-                </a:solidFill>
-                <a:latin typeface="Cambria" panose="02040503050406030204" pitchFamily="18" charset="0"/>
-                <a:ea typeface="Cambria" panose="02040503050406030204" pitchFamily="18" charset="0"/>
-              </a:rPr>
-              <a:t>, in porta </a:t>
-            </a:r>
-            <a:r>
-              <a:rPr lang="it-IT" sz="1600" dirty="0" err="1">
-                <a:solidFill>
-                  <a:srgbClr val="0070C0"/>
-                </a:solidFill>
-                <a:latin typeface="Cambria" panose="02040503050406030204" pitchFamily="18" charset="0"/>
-                <a:ea typeface="Cambria" panose="02040503050406030204" pitchFamily="18" charset="0"/>
-              </a:rPr>
-              <a:t>tellus</a:t>
-            </a:r>
-            <a:r>
-              <a:rPr lang="it-IT" sz="1600" dirty="0">
-                <a:solidFill>
-                  <a:srgbClr val="0070C0"/>
-                </a:solidFill>
-                <a:latin typeface="Cambria" panose="02040503050406030204" pitchFamily="18" charset="0"/>
-                <a:ea typeface="Cambria" panose="02040503050406030204" pitchFamily="18" charset="0"/>
-              </a:rPr>
-              <a:t> </a:t>
-            </a:r>
-            <a:r>
-              <a:rPr lang="it-IT" sz="1600" dirty="0" err="1">
-                <a:solidFill>
-                  <a:srgbClr val="0070C0"/>
-                </a:solidFill>
-                <a:latin typeface="Cambria" panose="02040503050406030204" pitchFamily="18" charset="0"/>
-                <a:ea typeface="Cambria" panose="02040503050406030204" pitchFamily="18" charset="0"/>
-              </a:rPr>
-              <a:t>faucibus</a:t>
-            </a:r>
-            <a:r>
-              <a:rPr lang="it-IT" sz="1600" dirty="0">
-                <a:solidFill>
-                  <a:srgbClr val="0070C0"/>
-                </a:solidFill>
-                <a:latin typeface="Cambria" panose="02040503050406030204" pitchFamily="18" charset="0"/>
-                <a:ea typeface="Cambria" panose="02040503050406030204" pitchFamily="18" charset="0"/>
-              </a:rPr>
-              <a:t> in. </a:t>
-            </a:r>
-            <a:r>
-              <a:rPr lang="it-IT" sz="1600" dirty="0" err="1">
-                <a:solidFill>
-                  <a:srgbClr val="0070C0"/>
-                </a:solidFill>
-                <a:latin typeface="Cambria" panose="02040503050406030204" pitchFamily="18" charset="0"/>
-                <a:ea typeface="Cambria" panose="02040503050406030204" pitchFamily="18" charset="0"/>
-              </a:rPr>
-              <a:t>Curabitur</a:t>
-            </a:r>
-            <a:r>
-              <a:rPr lang="it-IT" sz="1600" dirty="0">
-                <a:solidFill>
-                  <a:srgbClr val="0070C0"/>
-                </a:solidFill>
-                <a:latin typeface="Cambria" panose="02040503050406030204" pitchFamily="18" charset="0"/>
-                <a:ea typeface="Cambria" panose="02040503050406030204" pitchFamily="18" charset="0"/>
-              </a:rPr>
-              <a:t> </a:t>
-            </a:r>
-            <a:r>
-              <a:rPr lang="it-IT" sz="1600" dirty="0" err="1">
-                <a:solidFill>
-                  <a:srgbClr val="0070C0"/>
-                </a:solidFill>
-                <a:latin typeface="Cambria" panose="02040503050406030204" pitchFamily="18" charset="0"/>
-                <a:ea typeface="Cambria" panose="02040503050406030204" pitchFamily="18" charset="0"/>
-              </a:rPr>
-              <a:t>finibus</a:t>
-            </a:r>
-            <a:r>
-              <a:rPr lang="it-IT" sz="1600" dirty="0">
-                <a:solidFill>
-                  <a:srgbClr val="0070C0"/>
-                </a:solidFill>
-                <a:latin typeface="Cambria" panose="02040503050406030204" pitchFamily="18" charset="0"/>
-                <a:ea typeface="Cambria" panose="02040503050406030204" pitchFamily="18" charset="0"/>
-              </a:rPr>
-              <a:t> dictum </a:t>
-            </a:r>
-            <a:r>
-              <a:rPr lang="it-IT" sz="1600" dirty="0" err="1">
-                <a:solidFill>
-                  <a:srgbClr val="0070C0"/>
-                </a:solidFill>
-                <a:latin typeface="Cambria" panose="02040503050406030204" pitchFamily="18" charset="0"/>
-                <a:ea typeface="Cambria" panose="02040503050406030204" pitchFamily="18" charset="0"/>
-              </a:rPr>
-              <a:t>neque</a:t>
-            </a:r>
-            <a:r>
-              <a:rPr lang="it-IT" sz="1600" dirty="0">
-                <a:solidFill>
-                  <a:srgbClr val="0070C0"/>
-                </a:solidFill>
-                <a:latin typeface="Cambria" panose="02040503050406030204" pitchFamily="18" charset="0"/>
-                <a:ea typeface="Cambria" panose="02040503050406030204" pitchFamily="18" charset="0"/>
-              </a:rPr>
-              <a:t> </a:t>
-            </a:r>
-            <a:r>
-              <a:rPr lang="it-IT" sz="1600" dirty="0" err="1">
-                <a:solidFill>
-                  <a:srgbClr val="0070C0"/>
-                </a:solidFill>
-                <a:latin typeface="Cambria" panose="02040503050406030204" pitchFamily="18" charset="0"/>
-                <a:ea typeface="Cambria" panose="02040503050406030204" pitchFamily="18" charset="0"/>
-              </a:rPr>
-              <a:t>eget</a:t>
-            </a:r>
-            <a:r>
-              <a:rPr lang="it-IT" sz="1600" dirty="0">
-                <a:solidFill>
-                  <a:srgbClr val="0070C0"/>
-                </a:solidFill>
-                <a:latin typeface="Cambria" panose="02040503050406030204" pitchFamily="18" charset="0"/>
-                <a:ea typeface="Cambria" panose="02040503050406030204" pitchFamily="18" charset="0"/>
-              </a:rPr>
-              <a:t> dictum.</a:t>
-            </a:r>
-          </a:p>
-          <a:p>
-            <a:pPr algn="just"/>
+            <a:pPr marL="285750" indent="-285750" algn="just">
+              <a:buFont typeface="Arial" panose="020B0604020202020204" pitchFamily="34" charset="0"/>
+              <a:buChar char="•"/>
+            </a:pPr>
+            <a:r>
+              <a:rPr lang="it-IT" sz="1600" b="1" dirty="0">
+                <a:solidFill>
+                  <a:srgbClr val="0070C0"/>
+                </a:solidFill>
+                <a:latin typeface="Cambria" panose="02040503050406030204" pitchFamily="18" charset="0"/>
+                <a:ea typeface="Cambria" panose="02040503050406030204" pitchFamily="18" charset="0"/>
+              </a:rPr>
+              <a:t>Guida Differenziale</a:t>
+            </a:r>
+            <a:r>
+              <a:rPr lang="it-IT" sz="1600" dirty="0">
+                <a:solidFill>
+                  <a:srgbClr val="0070C0"/>
+                </a:solidFill>
+                <a:latin typeface="Cambria" panose="02040503050406030204" pitchFamily="18" charset="0"/>
+                <a:ea typeface="Cambria" panose="02040503050406030204" pitchFamily="18" charset="0"/>
+              </a:rPr>
+              <a:t>: Utilizzo di componenti </a:t>
+            </a:r>
+            <a:r>
+              <a:rPr lang="it-IT" sz="1600" dirty="0" err="1">
+                <a:solidFill>
+                  <a:srgbClr val="0070C0"/>
+                </a:solidFill>
+                <a:latin typeface="Cambria" panose="02040503050406030204" pitchFamily="18" charset="0"/>
+                <a:ea typeface="Cambria" panose="02040503050406030204" pitchFamily="18" charset="0"/>
+              </a:rPr>
+              <a:t>ArticulationBody</a:t>
+            </a:r>
+            <a:r>
+              <a:rPr lang="it-IT" sz="1600" dirty="0">
+                <a:solidFill>
+                  <a:srgbClr val="0070C0"/>
+                </a:solidFill>
+                <a:latin typeface="Cambria" panose="02040503050406030204" pitchFamily="18" charset="0"/>
+                <a:ea typeface="Cambria" panose="02040503050406030204" pitchFamily="18" charset="0"/>
+              </a:rPr>
+              <a:t> per stabilità cinematica superiore rispetto ai joint classici.</a:t>
+            </a:r>
+          </a:p>
+          <a:p>
+            <a:pPr marL="285750" indent="-285750" algn="just">
+              <a:buFont typeface="Arial" panose="020B0604020202020204" pitchFamily="34" charset="0"/>
+              <a:buChar char="•"/>
+            </a:pPr>
             <a:endParaRPr lang="it-IT" sz="1600" dirty="0">
               <a:solidFill>
                 <a:srgbClr val="0070C0"/>
@@ -13056,36 +10421,136 @@
             </a:endParaRPr>
           </a:p>
           <a:p>
-            <a:pPr algn="just"/>
-            <a:r>
-              <a:rPr lang="it-IT" sz="1600" dirty="0" err="1">
-                <a:solidFill>
-                  <a:srgbClr val="0070C0"/>
-                </a:solidFill>
-                <a:latin typeface="Cambria" panose="02040503050406030204" pitchFamily="18" charset="0"/>
-                <a:ea typeface="Cambria" panose="02040503050406030204" pitchFamily="18" charset="0"/>
-              </a:rPr>
-              <a:t>Duis</a:t>
-            </a:r>
-            <a:r>
-              <a:rPr lang="it-IT" sz="1600" dirty="0">
-                <a:solidFill>
-                  <a:srgbClr val="0070C0"/>
-                </a:solidFill>
-                <a:latin typeface="Cambria" panose="02040503050406030204" pitchFamily="18" charset="0"/>
-                <a:ea typeface="Cambria" panose="02040503050406030204" pitchFamily="18" charset="0"/>
-              </a:rPr>
-              <a:t> vitae </a:t>
-            </a:r>
-            <a:r>
-              <a:rPr lang="it-IT" sz="1600" dirty="0" err="1">
-                <a:solidFill>
-                  <a:srgbClr val="0070C0"/>
-                </a:solidFill>
-                <a:latin typeface="Cambria" panose="02040503050406030204" pitchFamily="18" charset="0"/>
-                <a:ea typeface="Cambria" panose="02040503050406030204" pitchFamily="18" charset="0"/>
-              </a:rPr>
-              <a:t>nisi</a:t>
+            <a:pPr marL="742950" lvl="1" indent="-285750" algn="just">
+              <a:buFont typeface="Courier New" panose="02070309020205020404" pitchFamily="49" charset="0"/>
+              <a:buChar char="o"/>
+            </a:pPr>
+            <a:r>
+              <a:rPr lang="it-IT" sz="1600" u="sng" dirty="0">
+                <a:solidFill>
+                  <a:srgbClr val="0070C0"/>
+                </a:solidFill>
+                <a:latin typeface="Cambria" panose="02040503050406030204" pitchFamily="18" charset="0"/>
+                <a:ea typeface="Cambria" panose="02040503050406030204" pitchFamily="18" charset="0"/>
+              </a:rPr>
+              <a:t>La sfida della massa</a:t>
+            </a:r>
+            <a:r>
+              <a:rPr lang="it-IT" sz="1600" dirty="0">
+                <a:solidFill>
+                  <a:srgbClr val="0070C0"/>
+                </a:solidFill>
+                <a:latin typeface="Cambria" panose="02040503050406030204" pitchFamily="18" charset="0"/>
+                <a:ea typeface="Cambria" panose="02040503050406030204" pitchFamily="18" charset="0"/>
+              </a:rPr>
+              <a:t>: Inizialmente il robot risultava "pigro", lento ad accelerare e incapace di frenare tempestivamente; scivolando o muovendosi a scatti.</a:t>
+            </a:r>
+          </a:p>
+          <a:p>
+            <a:pPr marL="742950" lvl="1" indent="-285750" algn="just">
+              <a:buFont typeface="Courier New" panose="02070309020205020404" pitchFamily="49" charset="0"/>
+              <a:buChar char="o"/>
+            </a:pPr>
+            <a:endParaRPr lang="it-IT" sz="1600" i="1" dirty="0">
+              <a:solidFill>
+                <a:srgbClr val="0070C0"/>
+              </a:solidFill>
+              <a:latin typeface="Cambria" panose="02040503050406030204" pitchFamily="18" charset="0"/>
+              <a:ea typeface="Cambria" panose="02040503050406030204" pitchFamily="18" charset="0"/>
+            </a:endParaRPr>
+          </a:p>
+          <a:p>
+            <a:pPr marL="742950" lvl="1" indent="-285750" algn="just">
+              <a:buFont typeface="Courier New" panose="02070309020205020404" pitchFamily="49" charset="0"/>
+              <a:buChar char="o"/>
+            </a:pPr>
+            <a:r>
+              <a:rPr lang="it-IT" sz="1600" u="sng" dirty="0">
+                <a:solidFill>
+                  <a:srgbClr val="0070C0"/>
+                </a:solidFill>
+                <a:latin typeface="Cambria" panose="02040503050406030204" pitchFamily="18" charset="0"/>
+                <a:ea typeface="Cambria" panose="02040503050406030204" pitchFamily="18" charset="0"/>
+              </a:rPr>
+              <a:t>Soluzioni</a:t>
+            </a:r>
+            <a:r>
+              <a:rPr lang="it-IT" sz="1600" dirty="0">
+                <a:solidFill>
+                  <a:srgbClr val="0070C0"/>
+                </a:solidFill>
+                <a:latin typeface="Cambria" panose="02040503050406030204" pitchFamily="18" charset="0"/>
+                <a:ea typeface="Cambria" panose="02040503050406030204" pitchFamily="18" charset="0"/>
+              </a:rPr>
+              <a:t>: </a:t>
+            </a:r>
+          </a:p>
+          <a:p>
+            <a:pPr marL="742950" lvl="1" indent="-285750" algn="just">
+              <a:buFont typeface="Courier New" panose="02070309020205020404" pitchFamily="49" charset="0"/>
+              <a:buChar char="o"/>
+            </a:pPr>
+            <a:endParaRPr lang="it-IT" sz="1600" dirty="0">
+              <a:solidFill>
+                <a:srgbClr val="0070C0"/>
+              </a:solidFill>
+              <a:latin typeface="Cambria" panose="02040503050406030204" pitchFamily="18" charset="0"/>
+              <a:ea typeface="Cambria" panose="02040503050406030204" pitchFamily="18" charset="0"/>
+            </a:endParaRPr>
+          </a:p>
+          <a:p>
+            <a:pPr marL="1257300" lvl="2" indent="-342900" algn="just">
+              <a:buFont typeface="+mj-lt"/>
+              <a:buAutoNum type="arabicPeriod"/>
+            </a:pPr>
+            <a:r>
+              <a:rPr lang="it-IT" sz="1600" dirty="0">
+                <a:solidFill>
+                  <a:srgbClr val="0070C0"/>
+                </a:solidFill>
+                <a:latin typeface="Cambria" panose="02040503050406030204" pitchFamily="18" charset="0"/>
+                <a:ea typeface="Cambria" panose="02040503050406030204" pitchFamily="18" charset="0"/>
+              </a:rPr>
+              <a:t>Ricalibrare i parametri di guida (Force Limit, Damping, Massa delle ruote)</a:t>
+            </a:r>
+          </a:p>
+          <a:p>
+            <a:pPr marL="1257300" lvl="2" indent="-342900" algn="just">
+              <a:buFont typeface="+mj-lt"/>
+              <a:buAutoNum type="arabicPeriod"/>
+            </a:pPr>
+            <a:endParaRPr lang="it-IT" sz="1600" dirty="0">
+              <a:solidFill>
+                <a:srgbClr val="0070C0"/>
+              </a:solidFill>
+              <a:latin typeface="Cambria" panose="02040503050406030204" pitchFamily="18" charset="0"/>
+              <a:ea typeface="Cambria" panose="02040503050406030204" pitchFamily="18" charset="0"/>
+            </a:endParaRPr>
+          </a:p>
+          <a:p>
+            <a:pPr marL="1257300" lvl="2" indent="-342900" algn="just">
+              <a:buFont typeface="+mj-lt"/>
+              <a:buAutoNum type="arabicPeriod"/>
+            </a:pPr>
+            <a:r>
+              <a:rPr lang="it-IT" sz="1600" dirty="0">
+                <a:solidFill>
+                  <a:srgbClr val="0070C0"/>
+                </a:solidFill>
+                <a:latin typeface="Cambria" panose="02040503050406030204" pitchFamily="18" charset="0"/>
+                <a:ea typeface="Cambria" panose="02040503050406030204" pitchFamily="18" charset="0"/>
+              </a:rPr>
+              <a:t>Ricalibrare il </a:t>
+            </a:r>
+            <a:r>
+              <a:rPr lang="it-IT" sz="1600" dirty="0" err="1">
+                <a:solidFill>
+                  <a:srgbClr val="0070C0"/>
+                </a:solidFill>
+                <a:latin typeface="Cambria" panose="02040503050406030204" pitchFamily="18" charset="0"/>
+                <a:ea typeface="Cambria" panose="02040503050406030204" pitchFamily="18" charset="0"/>
+              </a:rPr>
+              <a:t>Safety</a:t>
             </a:r>
             <a:r>
               <a:rPr lang="it-IT" sz="1600" dirty="0">
@@ -13105,817 +10570,76 @@
                 <a:latin typeface="Cambria" panose="02040503050406030204" pitchFamily="18" charset="0"/>
                 <a:ea typeface="Cambria" panose="02040503050406030204" pitchFamily="18" charset="0"/>
               </a:rPr>
-              <a:t>congue</a:t>
-            </a:r>
-            <a:r>
-              <a:rPr lang="it-IT" sz="1600" dirty="0">
-                <a:solidFill>
-                  <a:srgbClr val="0070C0"/>
-                </a:solidFill>
-                <a:latin typeface="Cambria" panose="02040503050406030204" pitchFamily="18" charset="0"/>
-                <a:ea typeface="Cambria" panose="02040503050406030204" pitchFamily="18" charset="0"/>
-              </a:rPr>
-              <a:t> </a:t>
-            </a:r>
-            <a:r>
-              <a:rPr lang="it-IT" sz="1600" dirty="0" err="1">
-                <a:solidFill>
-                  <a:srgbClr val="0070C0"/>
-                </a:solidFill>
-                <a:latin typeface="Cambria" panose="02040503050406030204" pitchFamily="18" charset="0"/>
-                <a:ea typeface="Cambria" panose="02040503050406030204" pitchFamily="18" charset="0"/>
-              </a:rPr>
-              <a:t>nibh</a:t>
-            </a:r>
-            <a:r>
-              <a:rPr lang="it-IT" sz="1600" dirty="0">
-                <a:solidFill>
-                  <a:srgbClr val="0070C0"/>
-                </a:solidFill>
-                <a:latin typeface="Cambria" panose="02040503050406030204" pitchFamily="18" charset="0"/>
-                <a:ea typeface="Cambria" panose="02040503050406030204" pitchFamily="18" charset="0"/>
-              </a:rPr>
-              <a:t> </a:t>
-            </a:r>
-            <a:r>
-              <a:rPr lang="it-IT" sz="1600" dirty="0" err="1">
-                <a:solidFill>
-                  <a:srgbClr val="0070C0"/>
-                </a:solidFill>
-                <a:latin typeface="Cambria" panose="02040503050406030204" pitchFamily="18" charset="0"/>
-                <a:ea typeface="Cambria" panose="02040503050406030204" pitchFamily="18" charset="0"/>
-              </a:rPr>
-              <a:t>maximus</a:t>
-            </a:r>
-            <a:r>
-              <a:rPr lang="it-IT" sz="1600" dirty="0">
-                <a:solidFill>
-                  <a:srgbClr val="0070C0"/>
-                </a:solidFill>
-                <a:latin typeface="Cambria" panose="02040503050406030204" pitchFamily="18" charset="0"/>
-                <a:ea typeface="Cambria" panose="02040503050406030204" pitchFamily="18" charset="0"/>
-              </a:rPr>
-              <a:t> </a:t>
-            </a:r>
-            <a:r>
-              <a:rPr lang="it-IT" sz="1600" dirty="0" err="1">
-                <a:solidFill>
-                  <a:srgbClr val="0070C0"/>
-                </a:solidFill>
-                <a:latin typeface="Cambria" panose="02040503050406030204" pitchFamily="18" charset="0"/>
-                <a:ea typeface="Cambria" panose="02040503050406030204" pitchFamily="18" charset="0"/>
-              </a:rPr>
-              <a:t>scelerisque</a:t>
-            </a:r>
-            <a:r>
-              <a:rPr lang="it-IT" sz="1600" dirty="0">
-                <a:solidFill>
-                  <a:srgbClr val="0070C0"/>
-                </a:solidFill>
-                <a:latin typeface="Cambria" panose="02040503050406030204" pitchFamily="18" charset="0"/>
-                <a:ea typeface="Cambria" panose="02040503050406030204" pitchFamily="18" charset="0"/>
-              </a:rPr>
-              <a:t>. </a:t>
-            </a:r>
-            <a:r>
-              <a:rPr lang="it-IT" sz="1600" dirty="0" err="1">
-                <a:solidFill>
-                  <a:srgbClr val="0070C0"/>
-                </a:solidFill>
-                <a:latin typeface="Cambria" panose="02040503050406030204" pitchFamily="18" charset="0"/>
-                <a:ea typeface="Cambria" panose="02040503050406030204" pitchFamily="18" charset="0"/>
-              </a:rPr>
-              <a:t>Etiam</a:t>
-            </a:r>
-            <a:r>
-              <a:rPr lang="it-IT" sz="1600" dirty="0">
-                <a:solidFill>
-                  <a:srgbClr val="0070C0"/>
-                </a:solidFill>
-                <a:latin typeface="Cambria" panose="02040503050406030204" pitchFamily="18" charset="0"/>
-                <a:ea typeface="Cambria" panose="02040503050406030204" pitchFamily="18" charset="0"/>
-              </a:rPr>
-              <a:t> viverra </a:t>
-            </a:r>
-            <a:r>
-              <a:rPr lang="it-IT" sz="1600" dirty="0" err="1">
-                <a:solidFill>
-                  <a:srgbClr val="0070C0"/>
-                </a:solidFill>
-                <a:latin typeface="Cambria" panose="02040503050406030204" pitchFamily="18" charset="0"/>
-                <a:ea typeface="Cambria" panose="02040503050406030204" pitchFamily="18" charset="0"/>
-              </a:rPr>
-              <a:t>augue</a:t>
-            </a:r>
-            <a:r>
-              <a:rPr lang="it-IT" sz="1600" dirty="0">
-                <a:solidFill>
-                  <a:srgbClr val="0070C0"/>
-                </a:solidFill>
-                <a:latin typeface="Cambria" panose="02040503050406030204" pitchFamily="18" charset="0"/>
-                <a:ea typeface="Cambria" panose="02040503050406030204" pitchFamily="18" charset="0"/>
-              </a:rPr>
-              <a:t> </a:t>
-            </a:r>
-            <a:r>
-              <a:rPr lang="it-IT" sz="1600" dirty="0" err="1">
-                <a:solidFill>
-                  <a:srgbClr val="0070C0"/>
-                </a:solidFill>
-                <a:latin typeface="Cambria" panose="02040503050406030204" pitchFamily="18" charset="0"/>
-                <a:ea typeface="Cambria" panose="02040503050406030204" pitchFamily="18" charset="0"/>
-              </a:rPr>
-              <a:t>sit</a:t>
-            </a:r>
-            <a:r>
-              <a:rPr lang="it-IT" sz="1600" dirty="0">
-                <a:solidFill>
-                  <a:srgbClr val="0070C0"/>
-                </a:solidFill>
-                <a:latin typeface="Cambria" panose="02040503050406030204" pitchFamily="18" charset="0"/>
-                <a:ea typeface="Cambria" panose="02040503050406030204" pitchFamily="18" charset="0"/>
-              </a:rPr>
-              <a:t> </a:t>
-            </a:r>
-            <a:r>
-              <a:rPr lang="it-IT" sz="1600" dirty="0" err="1">
-                <a:solidFill>
-                  <a:srgbClr val="0070C0"/>
-                </a:solidFill>
-                <a:latin typeface="Cambria" panose="02040503050406030204" pitchFamily="18" charset="0"/>
-                <a:ea typeface="Cambria" panose="02040503050406030204" pitchFamily="18" charset="0"/>
-              </a:rPr>
-              <a:t>amet</a:t>
-            </a:r>
-            <a:r>
-              <a:rPr lang="it-IT" sz="1600" dirty="0">
-                <a:solidFill>
-                  <a:srgbClr val="0070C0"/>
-                </a:solidFill>
-                <a:latin typeface="Cambria" panose="02040503050406030204" pitchFamily="18" charset="0"/>
-                <a:ea typeface="Cambria" panose="02040503050406030204" pitchFamily="18" charset="0"/>
-              </a:rPr>
-              <a:t> </a:t>
-            </a:r>
-            <a:r>
-              <a:rPr lang="it-IT" sz="1600" dirty="0" err="1">
-                <a:solidFill>
-                  <a:srgbClr val="0070C0"/>
-                </a:solidFill>
-                <a:latin typeface="Cambria" panose="02040503050406030204" pitchFamily="18" charset="0"/>
-                <a:ea typeface="Cambria" panose="02040503050406030204" pitchFamily="18" charset="0"/>
-              </a:rPr>
-              <a:t>nibh</a:t>
-            </a:r>
-            <a:r>
-              <a:rPr lang="it-IT" sz="1600" dirty="0">
-                <a:solidFill>
-                  <a:srgbClr val="0070C0"/>
-                </a:solidFill>
-                <a:latin typeface="Cambria" panose="02040503050406030204" pitchFamily="18" charset="0"/>
-                <a:ea typeface="Cambria" panose="02040503050406030204" pitchFamily="18" charset="0"/>
-              </a:rPr>
-              <a:t> </a:t>
-            </a:r>
-            <a:r>
-              <a:rPr lang="it-IT" sz="1600" dirty="0" err="1">
-                <a:solidFill>
-                  <a:srgbClr val="0070C0"/>
-                </a:solidFill>
-                <a:latin typeface="Cambria" panose="02040503050406030204" pitchFamily="18" charset="0"/>
-                <a:ea typeface="Cambria" panose="02040503050406030204" pitchFamily="18" charset="0"/>
-              </a:rPr>
-              <a:t>tincidunt</a:t>
-            </a:r>
-            <a:r>
-              <a:rPr lang="it-IT" sz="1600" dirty="0">
-                <a:solidFill>
-                  <a:srgbClr val="0070C0"/>
-                </a:solidFill>
-                <a:latin typeface="Cambria" panose="02040503050406030204" pitchFamily="18" charset="0"/>
-                <a:ea typeface="Cambria" panose="02040503050406030204" pitchFamily="18" charset="0"/>
-              </a:rPr>
-              <a:t>, </a:t>
-            </a:r>
-            <a:r>
-              <a:rPr lang="it-IT" sz="1600" dirty="0" err="1">
-                <a:solidFill>
-                  <a:srgbClr val="0070C0"/>
-                </a:solidFill>
-                <a:latin typeface="Cambria" panose="02040503050406030204" pitchFamily="18" charset="0"/>
-                <a:ea typeface="Cambria" panose="02040503050406030204" pitchFamily="18" charset="0"/>
-              </a:rPr>
-              <a:t>sit</a:t>
-            </a:r>
-            <a:r>
-              <a:rPr lang="it-IT" sz="1600" dirty="0">
-                <a:solidFill>
-                  <a:srgbClr val="0070C0"/>
-                </a:solidFill>
-                <a:latin typeface="Cambria" panose="02040503050406030204" pitchFamily="18" charset="0"/>
-                <a:ea typeface="Cambria" panose="02040503050406030204" pitchFamily="18" charset="0"/>
-              </a:rPr>
-              <a:t> </a:t>
-            </a:r>
-            <a:r>
-              <a:rPr lang="it-IT" sz="1600" dirty="0" err="1">
-                <a:solidFill>
-                  <a:srgbClr val="0070C0"/>
-                </a:solidFill>
-                <a:latin typeface="Cambria" panose="02040503050406030204" pitchFamily="18" charset="0"/>
-                <a:ea typeface="Cambria" panose="02040503050406030204" pitchFamily="18" charset="0"/>
-              </a:rPr>
-              <a:t>amet</a:t>
-            </a:r>
-            <a:r>
-              <a:rPr lang="it-IT" sz="1600" dirty="0">
-                <a:solidFill>
-                  <a:srgbClr val="0070C0"/>
-                </a:solidFill>
-                <a:latin typeface="Cambria" panose="02040503050406030204" pitchFamily="18" charset="0"/>
-                <a:ea typeface="Cambria" panose="02040503050406030204" pitchFamily="18" charset="0"/>
-              </a:rPr>
-              <a:t> </a:t>
-            </a:r>
-            <a:r>
-              <a:rPr lang="it-IT" sz="1600" dirty="0" err="1">
-                <a:solidFill>
-                  <a:srgbClr val="0070C0"/>
-                </a:solidFill>
-                <a:latin typeface="Cambria" panose="02040503050406030204" pitchFamily="18" charset="0"/>
-                <a:ea typeface="Cambria" panose="02040503050406030204" pitchFamily="18" charset="0"/>
-              </a:rPr>
-              <a:t>ultrices</a:t>
-            </a:r>
-            <a:r>
-              <a:rPr lang="it-IT" sz="1600" dirty="0">
-                <a:solidFill>
-                  <a:srgbClr val="0070C0"/>
-                </a:solidFill>
-                <a:latin typeface="Cambria" panose="02040503050406030204" pitchFamily="18" charset="0"/>
-                <a:ea typeface="Cambria" panose="02040503050406030204" pitchFamily="18" charset="0"/>
-              </a:rPr>
-              <a:t> </a:t>
-            </a:r>
-            <a:r>
-              <a:rPr lang="it-IT" sz="1600" dirty="0" err="1">
-                <a:solidFill>
-                  <a:srgbClr val="0070C0"/>
-                </a:solidFill>
-                <a:latin typeface="Cambria" panose="02040503050406030204" pitchFamily="18" charset="0"/>
-                <a:ea typeface="Cambria" panose="02040503050406030204" pitchFamily="18" charset="0"/>
-              </a:rPr>
-              <a:t>metus</a:t>
-            </a:r>
-            <a:r>
-              <a:rPr lang="it-IT" sz="1600" dirty="0">
-                <a:solidFill>
-                  <a:srgbClr val="0070C0"/>
-                </a:solidFill>
-                <a:latin typeface="Cambria" panose="02040503050406030204" pitchFamily="18" charset="0"/>
-                <a:ea typeface="Cambria" panose="02040503050406030204" pitchFamily="18" charset="0"/>
-              </a:rPr>
-              <a:t> viverra. </a:t>
-            </a:r>
-            <a:r>
-              <a:rPr lang="it-IT" sz="1600" dirty="0" err="1">
-                <a:solidFill>
-                  <a:srgbClr val="0070C0"/>
-                </a:solidFill>
-                <a:latin typeface="Cambria" panose="02040503050406030204" pitchFamily="18" charset="0"/>
-                <a:ea typeface="Cambria" panose="02040503050406030204" pitchFamily="18" charset="0"/>
-              </a:rPr>
-              <a:t>Maecenas</a:t>
-            </a:r>
-            <a:r>
-              <a:rPr lang="it-IT" sz="1600" dirty="0">
-                <a:solidFill>
-                  <a:srgbClr val="0070C0"/>
-                </a:solidFill>
-                <a:latin typeface="Cambria" panose="02040503050406030204" pitchFamily="18" charset="0"/>
-                <a:ea typeface="Cambria" panose="02040503050406030204" pitchFamily="18" charset="0"/>
-              </a:rPr>
-              <a:t> a tempus </a:t>
-            </a:r>
-            <a:r>
-              <a:rPr lang="it-IT" sz="1600" dirty="0" err="1">
-                <a:solidFill>
-                  <a:srgbClr val="0070C0"/>
-                </a:solidFill>
-                <a:latin typeface="Cambria" panose="02040503050406030204" pitchFamily="18" charset="0"/>
-                <a:ea typeface="Cambria" panose="02040503050406030204" pitchFamily="18" charset="0"/>
-              </a:rPr>
-              <a:t>sem</a:t>
-            </a:r>
-            <a:r>
-              <a:rPr lang="it-IT" sz="1600" dirty="0">
-                <a:solidFill>
-                  <a:srgbClr val="0070C0"/>
-                </a:solidFill>
-                <a:latin typeface="Cambria" panose="02040503050406030204" pitchFamily="18" charset="0"/>
-                <a:ea typeface="Cambria" panose="02040503050406030204" pitchFamily="18" charset="0"/>
-              </a:rPr>
-              <a:t>. </a:t>
-            </a:r>
-            <a:r>
-              <a:rPr lang="it-IT" sz="1600" dirty="0" err="1">
-                <a:solidFill>
-                  <a:srgbClr val="0070C0"/>
-                </a:solidFill>
-                <a:latin typeface="Cambria" panose="02040503050406030204" pitchFamily="18" charset="0"/>
-                <a:ea typeface="Cambria" panose="02040503050406030204" pitchFamily="18" charset="0"/>
-              </a:rPr>
-              <a:t>Aliquam</a:t>
-            </a:r>
-            <a:r>
-              <a:rPr lang="it-IT" sz="1600" dirty="0">
-                <a:solidFill>
-                  <a:srgbClr val="0070C0"/>
-                </a:solidFill>
-                <a:latin typeface="Cambria" panose="02040503050406030204" pitchFamily="18" charset="0"/>
-                <a:ea typeface="Cambria" panose="02040503050406030204" pitchFamily="18" charset="0"/>
-              </a:rPr>
-              <a:t> </a:t>
-            </a:r>
-            <a:r>
-              <a:rPr lang="it-IT" sz="1600" dirty="0" err="1">
-                <a:solidFill>
-                  <a:srgbClr val="0070C0"/>
-                </a:solidFill>
-                <a:latin typeface="Cambria" panose="02040503050406030204" pitchFamily="18" charset="0"/>
-                <a:ea typeface="Cambria" panose="02040503050406030204" pitchFamily="18" charset="0"/>
-              </a:rPr>
-              <a:t>finibus</a:t>
-            </a:r>
-            <a:r>
-              <a:rPr lang="it-IT" sz="1600" dirty="0">
-                <a:solidFill>
-                  <a:srgbClr val="0070C0"/>
-                </a:solidFill>
-                <a:latin typeface="Cambria" panose="02040503050406030204" pitchFamily="18" charset="0"/>
-                <a:ea typeface="Cambria" panose="02040503050406030204" pitchFamily="18" charset="0"/>
-              </a:rPr>
-              <a:t> magna </a:t>
-            </a:r>
-            <a:r>
-              <a:rPr lang="it-IT" sz="1600" dirty="0" err="1">
-                <a:solidFill>
-                  <a:srgbClr val="0070C0"/>
-                </a:solidFill>
-                <a:latin typeface="Cambria" panose="02040503050406030204" pitchFamily="18" charset="0"/>
-                <a:ea typeface="Cambria" panose="02040503050406030204" pitchFamily="18" charset="0"/>
-              </a:rPr>
-              <a:t>eu</a:t>
-            </a:r>
-            <a:r>
-              <a:rPr lang="it-IT" sz="1600" dirty="0">
-                <a:solidFill>
-                  <a:srgbClr val="0070C0"/>
-                </a:solidFill>
-                <a:latin typeface="Cambria" panose="02040503050406030204" pitchFamily="18" charset="0"/>
-                <a:ea typeface="Cambria" panose="02040503050406030204" pitchFamily="18" charset="0"/>
-              </a:rPr>
-              <a:t> gravida </a:t>
-            </a:r>
-            <a:r>
-              <a:rPr lang="it-IT" sz="1600" dirty="0" err="1">
-                <a:solidFill>
-                  <a:srgbClr val="0070C0"/>
-                </a:solidFill>
-                <a:latin typeface="Cambria" panose="02040503050406030204" pitchFamily="18" charset="0"/>
-                <a:ea typeface="Cambria" panose="02040503050406030204" pitchFamily="18" charset="0"/>
-              </a:rPr>
-              <a:t>interdum</a:t>
-            </a:r>
-            <a:r>
-              <a:rPr lang="it-IT" sz="1600" dirty="0">
-                <a:solidFill>
-                  <a:srgbClr val="0070C0"/>
-                </a:solidFill>
-                <a:latin typeface="Cambria" panose="02040503050406030204" pitchFamily="18" charset="0"/>
-                <a:ea typeface="Cambria" panose="02040503050406030204" pitchFamily="18" charset="0"/>
-              </a:rPr>
-              <a:t>. Donec </a:t>
-            </a:r>
-            <a:r>
-              <a:rPr lang="it-IT" sz="1600" dirty="0" err="1">
-                <a:solidFill>
-                  <a:srgbClr val="0070C0"/>
-                </a:solidFill>
-                <a:latin typeface="Cambria" panose="02040503050406030204" pitchFamily="18" charset="0"/>
-                <a:ea typeface="Cambria" panose="02040503050406030204" pitchFamily="18" charset="0"/>
-              </a:rPr>
-              <a:t>ac</a:t>
-            </a:r>
-            <a:r>
-              <a:rPr lang="it-IT" sz="1600" dirty="0">
-                <a:solidFill>
-                  <a:srgbClr val="0070C0"/>
-                </a:solidFill>
-                <a:latin typeface="Cambria" panose="02040503050406030204" pitchFamily="18" charset="0"/>
-                <a:ea typeface="Cambria" panose="02040503050406030204" pitchFamily="18" charset="0"/>
-              </a:rPr>
-              <a:t> </a:t>
-            </a:r>
-            <a:r>
-              <a:rPr lang="it-IT" sz="1600" dirty="0" err="1">
-                <a:solidFill>
-                  <a:srgbClr val="0070C0"/>
-                </a:solidFill>
-                <a:latin typeface="Cambria" panose="02040503050406030204" pitchFamily="18" charset="0"/>
-                <a:ea typeface="Cambria" panose="02040503050406030204" pitchFamily="18" charset="0"/>
-              </a:rPr>
-              <a:t>bibendum</a:t>
-            </a:r>
-            <a:r>
-              <a:rPr lang="it-IT" sz="1600" dirty="0">
-                <a:solidFill>
-                  <a:srgbClr val="0070C0"/>
-                </a:solidFill>
-                <a:latin typeface="Cambria" panose="02040503050406030204" pitchFamily="18" charset="0"/>
-                <a:ea typeface="Cambria" panose="02040503050406030204" pitchFamily="18" charset="0"/>
-              </a:rPr>
-              <a:t> </a:t>
-            </a:r>
-            <a:r>
-              <a:rPr lang="it-IT" sz="1600" dirty="0" err="1">
-                <a:solidFill>
-                  <a:srgbClr val="0070C0"/>
-                </a:solidFill>
-                <a:latin typeface="Cambria" panose="02040503050406030204" pitchFamily="18" charset="0"/>
-                <a:ea typeface="Cambria" panose="02040503050406030204" pitchFamily="18" charset="0"/>
-              </a:rPr>
-              <a:t>leo</a:t>
-            </a:r>
-            <a:r>
-              <a:rPr lang="it-IT" sz="1600" dirty="0">
-                <a:solidFill>
-                  <a:srgbClr val="0070C0"/>
-                </a:solidFill>
-                <a:latin typeface="Cambria" panose="02040503050406030204" pitchFamily="18" charset="0"/>
-                <a:ea typeface="Cambria" panose="02040503050406030204" pitchFamily="18" charset="0"/>
-              </a:rPr>
-              <a:t>, </a:t>
-            </a:r>
-            <a:r>
-              <a:rPr lang="it-IT" sz="1600" dirty="0" err="1">
-                <a:solidFill>
-                  <a:srgbClr val="0070C0"/>
-                </a:solidFill>
-                <a:latin typeface="Cambria" panose="02040503050406030204" pitchFamily="18" charset="0"/>
-                <a:ea typeface="Cambria" panose="02040503050406030204" pitchFamily="18" charset="0"/>
-              </a:rPr>
-              <a:t>eu</a:t>
-            </a:r>
-            <a:r>
-              <a:rPr lang="it-IT" sz="1600" dirty="0">
-                <a:solidFill>
-                  <a:srgbClr val="0070C0"/>
-                </a:solidFill>
-                <a:latin typeface="Cambria" panose="02040503050406030204" pitchFamily="18" charset="0"/>
-                <a:ea typeface="Cambria" panose="02040503050406030204" pitchFamily="18" charset="0"/>
-              </a:rPr>
-              <a:t> </a:t>
-            </a:r>
-            <a:r>
-              <a:rPr lang="it-IT" sz="1600" dirty="0" err="1">
-                <a:solidFill>
-                  <a:srgbClr val="0070C0"/>
-                </a:solidFill>
-                <a:latin typeface="Cambria" panose="02040503050406030204" pitchFamily="18" charset="0"/>
-                <a:ea typeface="Cambria" panose="02040503050406030204" pitchFamily="18" charset="0"/>
-              </a:rPr>
-              <a:t>elementum</a:t>
-            </a:r>
-            <a:r>
-              <a:rPr lang="it-IT" sz="1600" dirty="0">
-                <a:solidFill>
-                  <a:srgbClr val="0070C0"/>
-                </a:solidFill>
-                <a:latin typeface="Cambria" panose="02040503050406030204" pitchFamily="18" charset="0"/>
-                <a:ea typeface="Cambria" panose="02040503050406030204" pitchFamily="18" charset="0"/>
-              </a:rPr>
-              <a:t> eros. </a:t>
-            </a:r>
-            <a:r>
-              <a:rPr lang="it-IT" sz="1600" dirty="0" err="1">
-                <a:solidFill>
-                  <a:srgbClr val="0070C0"/>
-                </a:solidFill>
-                <a:latin typeface="Cambria" panose="02040503050406030204" pitchFamily="18" charset="0"/>
-                <a:ea typeface="Cambria" panose="02040503050406030204" pitchFamily="18" charset="0"/>
-              </a:rPr>
-              <a:t>Aenean</a:t>
-            </a:r>
-            <a:r>
-              <a:rPr lang="it-IT" sz="1600" dirty="0">
-                <a:solidFill>
-                  <a:srgbClr val="0070C0"/>
-                </a:solidFill>
-                <a:latin typeface="Cambria" panose="02040503050406030204" pitchFamily="18" charset="0"/>
-                <a:ea typeface="Cambria" panose="02040503050406030204" pitchFamily="18" charset="0"/>
-              </a:rPr>
-              <a:t> </a:t>
-            </a:r>
-            <a:r>
-              <a:rPr lang="it-IT" sz="1600" dirty="0" err="1">
-                <a:solidFill>
-                  <a:srgbClr val="0070C0"/>
-                </a:solidFill>
-                <a:latin typeface="Cambria" panose="02040503050406030204" pitchFamily="18" charset="0"/>
-                <a:ea typeface="Cambria" panose="02040503050406030204" pitchFamily="18" charset="0"/>
-              </a:rPr>
-              <a:t>posuere</a:t>
-            </a:r>
-            <a:r>
-              <a:rPr lang="it-IT" sz="1600" dirty="0">
-                <a:solidFill>
-                  <a:srgbClr val="0070C0"/>
-                </a:solidFill>
-                <a:latin typeface="Cambria" panose="02040503050406030204" pitchFamily="18" charset="0"/>
-                <a:ea typeface="Cambria" panose="02040503050406030204" pitchFamily="18" charset="0"/>
-              </a:rPr>
-              <a:t> </a:t>
-            </a:r>
-            <a:r>
-              <a:rPr lang="it-IT" sz="1600" dirty="0" err="1">
-                <a:solidFill>
-                  <a:srgbClr val="0070C0"/>
-                </a:solidFill>
-                <a:latin typeface="Cambria" panose="02040503050406030204" pitchFamily="18" charset="0"/>
-                <a:ea typeface="Cambria" panose="02040503050406030204" pitchFamily="18" charset="0"/>
-              </a:rPr>
-              <a:t>purus</a:t>
-            </a:r>
-            <a:r>
-              <a:rPr lang="it-IT" sz="1600" dirty="0">
-                <a:solidFill>
-                  <a:srgbClr val="0070C0"/>
-                </a:solidFill>
-                <a:latin typeface="Cambria" panose="02040503050406030204" pitchFamily="18" charset="0"/>
-                <a:ea typeface="Cambria" panose="02040503050406030204" pitchFamily="18" charset="0"/>
-              </a:rPr>
-              <a:t> in viverra </a:t>
-            </a:r>
-            <a:r>
-              <a:rPr lang="it-IT" sz="1600" dirty="0" err="1">
-                <a:solidFill>
-                  <a:srgbClr val="0070C0"/>
-                </a:solidFill>
-                <a:latin typeface="Cambria" panose="02040503050406030204" pitchFamily="18" charset="0"/>
-                <a:ea typeface="Cambria" panose="02040503050406030204" pitchFamily="18" charset="0"/>
-              </a:rPr>
-              <a:t>dapibus</a:t>
-            </a:r>
-            <a:r>
-              <a:rPr lang="it-IT" sz="1600" dirty="0">
-                <a:solidFill>
-                  <a:srgbClr val="0070C0"/>
-                </a:solidFill>
-                <a:latin typeface="Cambria" panose="02040503050406030204" pitchFamily="18" charset="0"/>
-                <a:ea typeface="Cambria" panose="02040503050406030204" pitchFamily="18" charset="0"/>
-              </a:rPr>
-              <a:t>. </a:t>
-            </a:r>
-            <a:r>
-              <a:rPr lang="it-IT" sz="1600" dirty="0" err="1">
-                <a:solidFill>
-                  <a:srgbClr val="0070C0"/>
-                </a:solidFill>
-                <a:latin typeface="Cambria" panose="02040503050406030204" pitchFamily="18" charset="0"/>
-                <a:ea typeface="Cambria" panose="02040503050406030204" pitchFamily="18" charset="0"/>
-              </a:rPr>
-              <a:t>Aenean</a:t>
-            </a:r>
-            <a:r>
-              <a:rPr lang="it-IT" sz="1600" dirty="0">
-                <a:solidFill>
-                  <a:srgbClr val="0070C0"/>
-                </a:solidFill>
-                <a:latin typeface="Cambria" panose="02040503050406030204" pitchFamily="18" charset="0"/>
-                <a:ea typeface="Cambria" panose="02040503050406030204" pitchFamily="18" charset="0"/>
-              </a:rPr>
-              <a:t> vitae </a:t>
-            </a:r>
-            <a:r>
-              <a:rPr lang="it-IT" sz="1600" dirty="0" err="1">
-                <a:solidFill>
-                  <a:srgbClr val="0070C0"/>
-                </a:solidFill>
-                <a:latin typeface="Cambria" panose="02040503050406030204" pitchFamily="18" charset="0"/>
-                <a:ea typeface="Cambria" panose="02040503050406030204" pitchFamily="18" charset="0"/>
-              </a:rPr>
-              <a:t>tellus</a:t>
-            </a:r>
-            <a:r>
-              <a:rPr lang="it-IT" sz="1600" dirty="0">
-                <a:solidFill>
-                  <a:srgbClr val="0070C0"/>
-                </a:solidFill>
-                <a:latin typeface="Cambria" panose="02040503050406030204" pitchFamily="18" charset="0"/>
-                <a:ea typeface="Cambria" panose="02040503050406030204" pitchFamily="18" charset="0"/>
-              </a:rPr>
-              <a:t> eros. </a:t>
-            </a:r>
-            <a:r>
-              <a:rPr lang="it-IT" sz="1600" dirty="0" err="1">
-                <a:solidFill>
-                  <a:srgbClr val="0070C0"/>
-                </a:solidFill>
-                <a:latin typeface="Cambria" panose="02040503050406030204" pitchFamily="18" charset="0"/>
-                <a:ea typeface="Cambria" panose="02040503050406030204" pitchFamily="18" charset="0"/>
-              </a:rPr>
-              <a:t>Integer</a:t>
-            </a:r>
-            <a:r>
-              <a:rPr lang="it-IT" sz="1600" dirty="0">
-                <a:solidFill>
-                  <a:srgbClr val="0070C0"/>
-                </a:solidFill>
-                <a:latin typeface="Cambria" panose="02040503050406030204" pitchFamily="18" charset="0"/>
-                <a:ea typeface="Cambria" panose="02040503050406030204" pitchFamily="18" charset="0"/>
-              </a:rPr>
-              <a:t> </a:t>
-            </a:r>
-            <a:r>
-              <a:rPr lang="it-IT" sz="1600" dirty="0" err="1">
-                <a:solidFill>
-                  <a:srgbClr val="0070C0"/>
-                </a:solidFill>
-                <a:latin typeface="Cambria" panose="02040503050406030204" pitchFamily="18" charset="0"/>
-                <a:ea typeface="Cambria" panose="02040503050406030204" pitchFamily="18" charset="0"/>
-              </a:rPr>
-              <a:t>hendrerit</a:t>
-            </a:r>
-            <a:r>
-              <a:rPr lang="it-IT" sz="1600" dirty="0">
-                <a:solidFill>
-                  <a:srgbClr val="0070C0"/>
-                </a:solidFill>
-                <a:latin typeface="Cambria" panose="02040503050406030204" pitchFamily="18" charset="0"/>
-                <a:ea typeface="Cambria" panose="02040503050406030204" pitchFamily="18" charset="0"/>
-              </a:rPr>
-              <a:t> </a:t>
-            </a:r>
-            <a:r>
-              <a:rPr lang="it-IT" sz="1600" dirty="0" err="1">
-                <a:solidFill>
-                  <a:srgbClr val="0070C0"/>
-                </a:solidFill>
-                <a:latin typeface="Cambria" panose="02040503050406030204" pitchFamily="18" charset="0"/>
-                <a:ea typeface="Cambria" panose="02040503050406030204" pitchFamily="18" charset="0"/>
-              </a:rPr>
-              <a:t>accumsan</a:t>
-            </a:r>
-            <a:r>
-              <a:rPr lang="it-IT" sz="1600" dirty="0">
-                <a:solidFill>
-                  <a:srgbClr val="0070C0"/>
-                </a:solidFill>
-                <a:latin typeface="Cambria" panose="02040503050406030204" pitchFamily="18" charset="0"/>
-                <a:ea typeface="Cambria" panose="02040503050406030204" pitchFamily="18" charset="0"/>
-              </a:rPr>
-              <a:t> </a:t>
-            </a:r>
-            <a:r>
-              <a:rPr lang="it-IT" sz="1600" dirty="0" err="1">
-                <a:solidFill>
-                  <a:srgbClr val="0070C0"/>
-                </a:solidFill>
-                <a:latin typeface="Cambria" panose="02040503050406030204" pitchFamily="18" charset="0"/>
-                <a:ea typeface="Cambria" panose="02040503050406030204" pitchFamily="18" charset="0"/>
-              </a:rPr>
-              <a:t>arcu</a:t>
-            </a:r>
-            <a:r>
-              <a:rPr lang="it-IT" sz="1600" dirty="0">
-                <a:solidFill>
-                  <a:srgbClr val="0070C0"/>
-                </a:solidFill>
-                <a:latin typeface="Cambria" panose="02040503050406030204" pitchFamily="18" charset="0"/>
-                <a:ea typeface="Cambria" panose="02040503050406030204" pitchFamily="18" charset="0"/>
-              </a:rPr>
-              <a:t>, </a:t>
-            </a:r>
-            <a:r>
-              <a:rPr lang="it-IT" sz="1600" dirty="0" err="1">
-                <a:solidFill>
-                  <a:srgbClr val="0070C0"/>
-                </a:solidFill>
-                <a:latin typeface="Cambria" panose="02040503050406030204" pitchFamily="18" charset="0"/>
-                <a:ea typeface="Cambria" panose="02040503050406030204" pitchFamily="18" charset="0"/>
-              </a:rPr>
-              <a:t>quis</a:t>
-            </a:r>
-            <a:r>
-              <a:rPr lang="it-IT" sz="1600" dirty="0">
-                <a:solidFill>
-                  <a:srgbClr val="0070C0"/>
-                </a:solidFill>
-                <a:latin typeface="Cambria" panose="02040503050406030204" pitchFamily="18" charset="0"/>
-                <a:ea typeface="Cambria" panose="02040503050406030204" pitchFamily="18" charset="0"/>
-              </a:rPr>
-              <a:t> </a:t>
-            </a:r>
-            <a:r>
-              <a:rPr lang="it-IT" sz="1600" dirty="0" err="1">
-                <a:solidFill>
-                  <a:srgbClr val="0070C0"/>
-                </a:solidFill>
-                <a:latin typeface="Cambria" panose="02040503050406030204" pitchFamily="18" charset="0"/>
-                <a:ea typeface="Cambria" panose="02040503050406030204" pitchFamily="18" charset="0"/>
-              </a:rPr>
-              <a:t>facilisis</a:t>
-            </a:r>
-            <a:r>
-              <a:rPr lang="it-IT" sz="1600" dirty="0">
-                <a:solidFill>
-                  <a:srgbClr val="0070C0"/>
-                </a:solidFill>
-                <a:latin typeface="Cambria" panose="02040503050406030204" pitchFamily="18" charset="0"/>
-                <a:ea typeface="Cambria" panose="02040503050406030204" pitchFamily="18" charset="0"/>
-              </a:rPr>
-              <a:t> massa </a:t>
-            </a:r>
-            <a:r>
-              <a:rPr lang="it-IT" sz="1600" dirty="0" err="1">
-                <a:solidFill>
-                  <a:srgbClr val="0070C0"/>
-                </a:solidFill>
-                <a:latin typeface="Cambria" panose="02040503050406030204" pitchFamily="18" charset="0"/>
-                <a:ea typeface="Cambria" panose="02040503050406030204" pitchFamily="18" charset="0"/>
-              </a:rPr>
-              <a:t>iaculis</a:t>
-            </a:r>
-            <a:r>
-              <a:rPr lang="it-IT" sz="1600" dirty="0">
-                <a:solidFill>
-                  <a:srgbClr val="0070C0"/>
-                </a:solidFill>
-                <a:latin typeface="Cambria" panose="02040503050406030204" pitchFamily="18" charset="0"/>
-                <a:ea typeface="Cambria" panose="02040503050406030204" pitchFamily="18" charset="0"/>
-              </a:rPr>
-              <a:t> in. </a:t>
-            </a:r>
-            <a:r>
-              <a:rPr lang="it-IT" sz="1600" dirty="0" err="1">
-                <a:solidFill>
-                  <a:srgbClr val="0070C0"/>
-                </a:solidFill>
-                <a:latin typeface="Cambria" panose="02040503050406030204" pitchFamily="18" charset="0"/>
-                <a:ea typeface="Cambria" panose="02040503050406030204" pitchFamily="18" charset="0"/>
-              </a:rPr>
-              <a:t>Aliquam</a:t>
-            </a:r>
-            <a:r>
-              <a:rPr lang="it-IT" sz="1600" dirty="0">
-                <a:solidFill>
-                  <a:srgbClr val="0070C0"/>
-                </a:solidFill>
-                <a:latin typeface="Cambria" panose="02040503050406030204" pitchFamily="18" charset="0"/>
-                <a:ea typeface="Cambria" panose="02040503050406030204" pitchFamily="18" charset="0"/>
-              </a:rPr>
-              <a:t> </a:t>
-            </a:r>
-            <a:r>
-              <a:rPr lang="it-IT" sz="1600" dirty="0" err="1">
-                <a:solidFill>
-                  <a:srgbClr val="0070C0"/>
-                </a:solidFill>
-                <a:latin typeface="Cambria" panose="02040503050406030204" pitchFamily="18" charset="0"/>
-                <a:ea typeface="Cambria" panose="02040503050406030204" pitchFamily="18" charset="0"/>
-              </a:rPr>
-              <a:t>erat</a:t>
-            </a:r>
-            <a:r>
-              <a:rPr lang="it-IT" sz="1600" dirty="0">
-                <a:solidFill>
-                  <a:srgbClr val="0070C0"/>
-                </a:solidFill>
-                <a:latin typeface="Cambria" panose="02040503050406030204" pitchFamily="18" charset="0"/>
-                <a:ea typeface="Cambria" panose="02040503050406030204" pitchFamily="18" charset="0"/>
-              </a:rPr>
-              <a:t> </a:t>
-            </a:r>
-            <a:r>
-              <a:rPr lang="it-IT" sz="1600" dirty="0" err="1">
-                <a:solidFill>
-                  <a:srgbClr val="0070C0"/>
-                </a:solidFill>
-                <a:latin typeface="Cambria" panose="02040503050406030204" pitchFamily="18" charset="0"/>
-                <a:ea typeface="Cambria" panose="02040503050406030204" pitchFamily="18" charset="0"/>
-              </a:rPr>
-              <a:t>volutpat</a:t>
-            </a:r>
-            <a:r>
-              <a:rPr lang="it-IT" sz="1600" dirty="0">
-                <a:solidFill>
-                  <a:srgbClr val="0070C0"/>
-                </a:solidFill>
-                <a:latin typeface="Cambria" panose="02040503050406030204" pitchFamily="18" charset="0"/>
-                <a:ea typeface="Cambria" panose="02040503050406030204" pitchFamily="18" charset="0"/>
-              </a:rPr>
-              <a:t>.</a:t>
+              <a:t>Watchdog</a:t>
+            </a:r>
+            <a:r>
+              <a:rPr lang="it-IT" sz="1600" dirty="0">
+                <a:solidFill>
+                  <a:srgbClr val="0070C0"/>
+                </a:solidFill>
+                <a:latin typeface="Cambria" panose="02040503050406030204" pitchFamily="18" charset="0"/>
+                <a:ea typeface="Cambria" panose="02040503050406030204" pitchFamily="18" charset="0"/>
+              </a:rPr>
+              <a:t> per la frenata.</a:t>
+            </a:r>
+          </a:p>
+          <a:p>
+            <a:pPr marL="285750" indent="-285750" algn="just">
+              <a:buFont typeface="Arial" panose="020B0604020202020204" pitchFamily="34" charset="0"/>
+              <a:buChar char="•"/>
+            </a:pPr>
+            <a:endParaRPr lang="it-IT" sz="1600" dirty="0">
+              <a:solidFill>
+                <a:srgbClr val="0070C0"/>
+              </a:solidFill>
+              <a:latin typeface="Cambria" panose="02040503050406030204" pitchFamily="18" charset="0"/>
+              <a:ea typeface="Cambria" panose="02040503050406030204" pitchFamily="18" charset="0"/>
+            </a:endParaRPr>
+          </a:p>
+          <a:p>
+            <a:pPr marL="285750" indent="-285750" algn="just">
+              <a:buFont typeface="Arial" panose="020B0604020202020204" pitchFamily="34" charset="0"/>
+              <a:buChar char="•"/>
+            </a:pPr>
+            <a:r>
+              <a:rPr lang="it-IT" sz="1600" b="1" dirty="0">
+                <a:solidFill>
+                  <a:srgbClr val="0070C0"/>
+                </a:solidFill>
+                <a:latin typeface="Cambria" panose="02040503050406030204" pitchFamily="18" charset="0"/>
+                <a:ea typeface="Cambria" panose="02040503050406030204" pitchFamily="18" charset="0"/>
+              </a:rPr>
+              <a:t>Sensori (Lidar)</a:t>
+            </a:r>
+            <a:r>
+              <a:rPr lang="it-IT" sz="1600" dirty="0">
+                <a:solidFill>
+                  <a:srgbClr val="0070C0"/>
+                </a:solidFill>
+                <a:latin typeface="Cambria" panose="02040503050406030204" pitchFamily="18" charset="0"/>
+                <a:ea typeface="Cambria" panose="02040503050406030204" pitchFamily="18" charset="0"/>
+              </a:rPr>
+              <a:t>: Simulazione via </a:t>
+            </a:r>
+            <a:r>
+              <a:rPr lang="it-IT" sz="1600" dirty="0" err="1">
+                <a:solidFill>
+                  <a:srgbClr val="0070C0"/>
+                </a:solidFill>
+                <a:latin typeface="Cambria" panose="02040503050406030204" pitchFamily="18" charset="0"/>
+                <a:ea typeface="Cambria" panose="02040503050406030204" pitchFamily="18" charset="0"/>
+              </a:rPr>
+              <a:t>Raycasting</a:t>
+            </a:r>
+            <a:r>
+              <a:rPr lang="it-IT" sz="1600" dirty="0">
+                <a:solidFill>
+                  <a:srgbClr val="0070C0"/>
+                </a:solidFill>
+                <a:latin typeface="Cambria" panose="02040503050406030204" pitchFamily="18" charset="0"/>
+                <a:ea typeface="Cambria" panose="02040503050406030204" pitchFamily="18" charset="0"/>
+              </a:rPr>
+              <a:t> che interseca i Collider fisici e serializza i dati in messaggi ROS2 standard.</a:t>
             </a:r>
           </a:p>
         </p:txBody>
@@ -13947,8 +10671,8 @@
         </p:blipFill>
         <p:spPr bwMode="auto">
           <a:xfrm>
-            <a:off x="6570815" y="718964"/>
-            <a:ext cx="4905698" cy="5387127"/>
+            <a:off x="6570815" y="720142"/>
+            <a:ext cx="4905698" cy="5384770"/>
           </a:xfrm>
           <a:prstGeom prst="rect">
             <a:avLst/>
@@ -13979,6 +10703,888 @@
 </file>
 
 <file path=ppt/slides/slide15.xml><?xml version="1.0" encoding="utf-8"?>
+<p:sld xmlns:a="http://schemas.openxmlformats.org/drawingml/2006/main" xmlns:r="http://schemas.openxmlformats.org/officeDocument/2006/relationships" xmlns:p="http://schemas.openxmlformats.org/presentationml/2006/main">
+  <p:cSld>
+    <p:spTree>
+      <p:nvGrpSpPr>
+        <p:cNvPr id="1" name="">
+          <a:extLst>
+            <a:ext uri="{FF2B5EF4-FFF2-40B4-BE49-F238E27FC236}">
+              <a16:creationId xmlns:a16="http://schemas.microsoft.com/office/drawing/2014/main" id="{D553C035-F8BA-54EB-EC63-27A95AE398FE}"/>
+            </a:ext>
+          </a:extLst>
+        </p:cNvPr>
+        <p:cNvGrpSpPr/>
+        <p:nvPr/>
+      </p:nvGrpSpPr>
+      <p:grpSpPr>
+        <a:xfrm>
+          <a:off x="0" y="0"/>
+          <a:ext cx="0" cy="0"/>
+          <a:chOff x="0" y="0"/>
+          <a:chExt cx="0" cy="0"/>
+        </a:xfrm>
+      </p:grpSpPr>
+      <p:cxnSp>
+        <p:nvCxnSpPr>
+          <p:cNvPr id="2" name="Straight Connector 9">
+            <a:extLst>
+              <a:ext uri="{FF2B5EF4-FFF2-40B4-BE49-F238E27FC236}">
+                <a16:creationId xmlns:a16="http://schemas.microsoft.com/office/drawing/2014/main" id="{15152D9F-FEF2-F813-512B-328B952DCBDC}"/>
+              </a:ext>
+              <a:ext uri="{C183D7F6-B498-43B3-948B-1728B52AA6E4}">
+                <adec:decorative xmlns:adec="http://schemas.microsoft.com/office/drawing/2017/decorative" val="1"/>
+              </a:ext>
+            </a:extLst>
+          </p:cNvPr>
+          <p:cNvCxnSpPr/>
+          <p:nvPr>
+            <p:extLst>
+              <p:ext uri="{386F3935-93C4-4BCD-93E2-E3B085C9AB24}">
+                <p16:designElem xmlns:p16="http://schemas.microsoft.com/office/powerpoint/2015/main" val="1"/>
+              </p:ext>
+            </p:extLst>
+          </p:nvPr>
+        </p:nvCxnSpPr>
+        <p:spPr>
+          <a:xfrm>
+            <a:off x="713232" y="1031001"/>
+            <a:ext cx="978862" cy="0"/>
+          </a:xfrm>
+          <a:prstGeom prst="line">
+            <a:avLst/>
+          </a:prstGeom>
+          <a:ln w="76200"/>
+        </p:spPr>
+        <p:style>
+          <a:lnRef idx="1">
+            <a:schemeClr val="accent1"/>
+          </a:lnRef>
+          <a:fillRef idx="0">
+            <a:schemeClr val="accent1"/>
+          </a:fillRef>
+          <a:effectRef idx="0">
+            <a:schemeClr val="accent1"/>
+          </a:effectRef>
+          <a:fontRef idx="minor">
+            <a:schemeClr val="tx1"/>
+          </a:fontRef>
+        </p:style>
+      </p:cxnSp>
+      <p:sp useBgFill="1">
+        <p:nvSpPr>
+          <p:cNvPr id="3" name="Rectangle 11">
+            <a:extLst>
+              <a:ext uri="{FF2B5EF4-FFF2-40B4-BE49-F238E27FC236}">
+                <a16:creationId xmlns:a16="http://schemas.microsoft.com/office/drawing/2014/main" id="{CC1A0CB4-9E9B-DDA6-D6CD-DE5D5CCC9C06}"/>
+              </a:ext>
+              <a:ext uri="{C183D7F6-B498-43B3-948B-1728B52AA6E4}">
+                <adec:decorative xmlns:adec="http://schemas.microsoft.com/office/drawing/2017/decorative" val="1"/>
+              </a:ext>
+            </a:extLst>
+          </p:cNvPr>
+          <p:cNvSpPr/>
+          <p:nvPr>
+            <p:extLst>
+              <p:ext uri="{386F3935-93C4-4BCD-93E2-E3B085C9AB24}">
+                <p16:designElem xmlns:p16="http://schemas.microsoft.com/office/powerpoint/2015/main" val="1"/>
+              </p:ext>
+            </p:extLst>
+          </p:nvPr>
+        </p:nvSpPr>
+        <p:spPr>
+          <a:xfrm>
+            <a:off x="0" y="0"/>
+            <a:ext cx="12192000" cy="6858000"/>
+          </a:xfrm>
+          <a:prstGeom prst="rect">
+            <a:avLst/>
+          </a:prstGeom>
+          <a:ln>
+            <a:noFill/>
+          </a:ln>
+        </p:spPr>
+        <p:style>
+          <a:lnRef idx="2">
+            <a:schemeClr val="accent1">
+              <a:shade val="15000"/>
+            </a:schemeClr>
+          </a:lnRef>
+          <a:fillRef idx="1">
+            <a:schemeClr val="accent1"/>
+          </a:fillRef>
+          <a:effectRef idx="0">
+            <a:schemeClr val="accent1"/>
+          </a:effectRef>
+          <a:fontRef idx="minor">
+            <a:schemeClr val="lt1"/>
+          </a:fontRef>
+        </p:style>
+        <p:txBody>
+          <a:bodyPr rtlCol="0" anchor="ctr"/>
+          <a:lstStyle/>
+          <a:p>
+            <a:pPr algn="ctr"/>
+            <a:endParaRPr lang="en-US"/>
+          </a:p>
+        </p:txBody>
+      </p:sp>
+      <p:sp useBgFill="1">
+        <p:nvSpPr>
+          <p:cNvPr id="4" name="Rectangle 13">
+            <a:extLst>
+              <a:ext uri="{FF2B5EF4-FFF2-40B4-BE49-F238E27FC236}">
+                <a16:creationId xmlns:a16="http://schemas.microsoft.com/office/drawing/2014/main" id="{A277E85A-47A4-2D39-EEC4-30DB7239C065}"/>
+              </a:ext>
+              <a:ext uri="{C183D7F6-B498-43B3-948B-1728B52AA6E4}">
+                <adec:decorative xmlns:adec="http://schemas.microsoft.com/office/drawing/2017/decorative" val="1"/>
+              </a:ext>
+            </a:extLst>
+          </p:cNvPr>
+          <p:cNvSpPr/>
+          <p:nvPr>
+            <p:extLst>
+              <p:ext uri="{386F3935-93C4-4BCD-93E2-E3B085C9AB24}">
+                <p16:designElem xmlns:p16="http://schemas.microsoft.com/office/powerpoint/2015/main" val="1"/>
+              </p:ext>
+            </p:extLst>
+          </p:nvPr>
+        </p:nvSpPr>
+        <p:spPr>
+          <a:xfrm>
+            <a:off x="0" y="0"/>
+            <a:ext cx="12192000" cy="6858000"/>
+          </a:xfrm>
+          <a:prstGeom prst="rect">
+            <a:avLst/>
+          </a:prstGeom>
+          <a:ln w="12700" cap="flat" cmpd="sng" algn="ctr">
+            <a:noFill/>
+            <a:prstDash val="solid"/>
+            <a:miter lim="800000"/>
+          </a:ln>
+          <a:effectLst/>
+          <a:extLst>
+            <a:ext uri="{91240B29-F687-4F45-9708-019B960494DF}">
+              <a14:hiddenLine xmlns:a14="http://schemas.microsoft.com/office/drawing/2010/main" w="12700" cap="flat" cmpd="sng" algn="ctr">
+                <a:solidFill>
+                  <a:schemeClr val="accent1">
+                    <a:shade val="50000"/>
+                  </a:schemeClr>
+                </a:solidFill>
+                <a:prstDash val="solid"/>
+                <a:miter lim="800000"/>
+              </a14:hiddenLine>
+            </a:ext>
+          </a:extLst>
+        </p:spPr>
+        <p:style>
+          <a:lnRef idx="2">
+            <a:schemeClr val="accent1">
+              <a:shade val="50000"/>
+            </a:schemeClr>
+          </a:lnRef>
+          <a:fillRef idx="1">
+            <a:schemeClr val="accent1"/>
+          </a:fillRef>
+          <a:effectRef idx="0">
+            <a:schemeClr val="accent1"/>
+          </a:effectRef>
+          <a:fontRef idx="minor">
+            <a:schemeClr val="lt1"/>
+          </a:fontRef>
+        </p:style>
+        <p:txBody>
+          <a:bodyPr rtlCol="0" anchor="ctr"/>
+          <a:lstStyle/>
+          <a:p>
+            <a:pPr algn="ctr"/>
+            <a:endParaRPr lang="en-US"/>
+          </a:p>
+        </p:txBody>
+      </p:sp>
+      <p:cxnSp>
+        <p:nvCxnSpPr>
+          <p:cNvPr id="5" name="Connettore diritto 4">
+            <a:extLst>
+              <a:ext uri="{FF2B5EF4-FFF2-40B4-BE49-F238E27FC236}">
+                <a16:creationId xmlns:a16="http://schemas.microsoft.com/office/drawing/2014/main" id="{F64A1EAA-91AF-76EC-45A6-0E4BA87B8812}"/>
+              </a:ext>
+            </a:extLst>
+          </p:cNvPr>
+          <p:cNvCxnSpPr>
+            <a:cxnSpLocks/>
+          </p:cNvCxnSpPr>
+          <p:nvPr/>
+        </p:nvCxnSpPr>
+        <p:spPr>
+          <a:xfrm>
+            <a:off x="0" y="6482080"/>
+            <a:ext cx="3600000" cy="0"/>
+          </a:xfrm>
+          <a:prstGeom prst="line">
+            <a:avLst/>
+          </a:prstGeom>
+          <a:ln w="38100">
+            <a:solidFill>
+              <a:srgbClr val="0070C0"/>
+            </a:solidFill>
+          </a:ln>
+        </p:spPr>
+        <p:style>
+          <a:lnRef idx="3">
+            <a:schemeClr val="accent1"/>
+          </a:lnRef>
+          <a:fillRef idx="0">
+            <a:schemeClr val="accent1"/>
+          </a:fillRef>
+          <a:effectRef idx="2">
+            <a:schemeClr val="accent1"/>
+          </a:effectRef>
+          <a:fontRef idx="minor">
+            <a:schemeClr val="tx1"/>
+          </a:fontRef>
+        </p:style>
+      </p:cxnSp>
+      <p:cxnSp>
+        <p:nvCxnSpPr>
+          <p:cNvPr id="6" name="Connettore diritto 5">
+            <a:extLst>
+              <a:ext uri="{FF2B5EF4-FFF2-40B4-BE49-F238E27FC236}">
+                <a16:creationId xmlns:a16="http://schemas.microsoft.com/office/drawing/2014/main" id="{4C9AAFDB-D889-D22B-B47D-01D7503EB93B}"/>
+              </a:ext>
+            </a:extLst>
+          </p:cNvPr>
+          <p:cNvCxnSpPr>
+            <a:cxnSpLocks/>
+          </p:cNvCxnSpPr>
+          <p:nvPr/>
+        </p:nvCxnSpPr>
+        <p:spPr>
+          <a:xfrm>
+            <a:off x="8592000" y="6482080"/>
+            <a:ext cx="3600000" cy="0"/>
+          </a:xfrm>
+          <a:prstGeom prst="line">
+            <a:avLst/>
+          </a:prstGeom>
+          <a:ln w="38100">
+            <a:solidFill>
+              <a:srgbClr val="0070C0"/>
+            </a:solidFill>
+          </a:ln>
+        </p:spPr>
+        <p:style>
+          <a:lnRef idx="3">
+            <a:schemeClr val="accent1"/>
+          </a:lnRef>
+          <a:fillRef idx="0">
+            <a:schemeClr val="accent1"/>
+          </a:fillRef>
+          <a:effectRef idx="2">
+            <a:schemeClr val="accent1"/>
+          </a:effectRef>
+          <a:fontRef idx="minor">
+            <a:schemeClr val="tx1"/>
+          </a:fontRef>
+        </p:style>
+      </p:cxnSp>
+      <p:cxnSp>
+        <p:nvCxnSpPr>
+          <p:cNvPr id="7" name="Connettore diritto 6">
+            <a:extLst>
+              <a:ext uri="{FF2B5EF4-FFF2-40B4-BE49-F238E27FC236}">
+                <a16:creationId xmlns:a16="http://schemas.microsoft.com/office/drawing/2014/main" id="{63335039-B7DA-602E-BB9F-3796094F1121}"/>
+              </a:ext>
+            </a:extLst>
+          </p:cNvPr>
+          <p:cNvCxnSpPr>
+            <a:cxnSpLocks/>
+          </p:cNvCxnSpPr>
+          <p:nvPr/>
+        </p:nvCxnSpPr>
+        <p:spPr>
+          <a:xfrm>
+            <a:off x="0" y="375919"/>
+            <a:ext cx="3600000" cy="0"/>
+          </a:xfrm>
+          <a:prstGeom prst="line">
+            <a:avLst/>
+          </a:prstGeom>
+          <a:ln w="38100">
+            <a:solidFill>
+              <a:srgbClr val="0070C0"/>
+            </a:solidFill>
+          </a:ln>
+        </p:spPr>
+        <p:style>
+          <a:lnRef idx="3">
+            <a:schemeClr val="accent1"/>
+          </a:lnRef>
+          <a:fillRef idx="0">
+            <a:schemeClr val="accent1"/>
+          </a:fillRef>
+          <a:effectRef idx="2">
+            <a:schemeClr val="accent1"/>
+          </a:effectRef>
+          <a:fontRef idx="minor">
+            <a:schemeClr val="tx1"/>
+          </a:fontRef>
+        </p:style>
+      </p:cxnSp>
+      <p:cxnSp>
+        <p:nvCxnSpPr>
+          <p:cNvPr id="8" name="Connettore diritto 7">
+            <a:extLst>
+              <a:ext uri="{FF2B5EF4-FFF2-40B4-BE49-F238E27FC236}">
+                <a16:creationId xmlns:a16="http://schemas.microsoft.com/office/drawing/2014/main" id="{C9223051-921E-DE4B-610D-14398862091F}"/>
+              </a:ext>
+            </a:extLst>
+          </p:cNvPr>
+          <p:cNvCxnSpPr>
+            <a:cxnSpLocks/>
+          </p:cNvCxnSpPr>
+          <p:nvPr/>
+        </p:nvCxnSpPr>
+        <p:spPr>
+          <a:xfrm>
+            <a:off x="8592000" y="375919"/>
+            <a:ext cx="3600000" cy="0"/>
+          </a:xfrm>
+          <a:prstGeom prst="line">
+            <a:avLst/>
+          </a:prstGeom>
+          <a:ln w="38100">
+            <a:solidFill>
+              <a:srgbClr val="0070C0"/>
+            </a:solidFill>
+          </a:ln>
+        </p:spPr>
+        <p:style>
+          <a:lnRef idx="3">
+            <a:schemeClr val="accent1"/>
+          </a:lnRef>
+          <a:fillRef idx="0">
+            <a:schemeClr val="accent1"/>
+          </a:fillRef>
+          <a:effectRef idx="2">
+            <a:schemeClr val="accent1"/>
+          </a:effectRef>
+          <a:fontRef idx="minor">
+            <a:schemeClr val="tx1"/>
+          </a:fontRef>
+        </p:style>
+      </p:cxnSp>
+      <p:sp>
+        <p:nvSpPr>
+          <p:cNvPr id="11" name="CasellaDiTesto 10">
+            <a:extLst>
+              <a:ext uri="{FF2B5EF4-FFF2-40B4-BE49-F238E27FC236}">
+                <a16:creationId xmlns:a16="http://schemas.microsoft.com/office/drawing/2014/main" id="{4B5994F9-19D5-D6E4-4A4C-8F2FDCABF381}"/>
+              </a:ext>
+            </a:extLst>
+          </p:cNvPr>
+          <p:cNvSpPr txBox="1"/>
+          <p:nvPr/>
+        </p:nvSpPr>
+        <p:spPr>
+          <a:xfrm>
+            <a:off x="281548" y="6501842"/>
+            <a:ext cx="3600000" cy="369332"/>
+          </a:xfrm>
+          <a:prstGeom prst="rect">
+            <a:avLst/>
+          </a:prstGeom>
+          <a:noFill/>
+        </p:spPr>
+        <p:txBody>
+          <a:bodyPr wrap="square" rtlCol="0">
+            <a:spAutoFit/>
+          </a:bodyPr>
+          <a:lstStyle/>
+          <a:p>
+            <a:r>
+              <a:rPr lang="it-IT" dirty="0">
+                <a:solidFill>
+                  <a:srgbClr val="0070C0"/>
+                </a:solidFill>
+                <a:latin typeface="Cambria" panose="02040503050406030204" pitchFamily="18" charset="0"/>
+                <a:ea typeface="Cambria" panose="02040503050406030204" pitchFamily="18" charset="0"/>
+              </a:rPr>
+              <a:t>4</a:t>
+            </a:r>
+          </a:p>
+        </p:txBody>
+      </p:sp>
+      <p:sp>
+        <p:nvSpPr>
+          <p:cNvPr id="14" name="CasellaDiTesto 13">
+            <a:extLst>
+              <a:ext uri="{FF2B5EF4-FFF2-40B4-BE49-F238E27FC236}">
+                <a16:creationId xmlns:a16="http://schemas.microsoft.com/office/drawing/2014/main" id="{F3E2A031-F66F-2486-0586-205B9BCFD755}"/>
+              </a:ext>
+            </a:extLst>
+          </p:cNvPr>
+          <p:cNvSpPr txBox="1"/>
+          <p:nvPr/>
+        </p:nvSpPr>
+        <p:spPr>
+          <a:xfrm>
+            <a:off x="8310452" y="-6587"/>
+            <a:ext cx="3600000" cy="369332"/>
+          </a:xfrm>
+          <a:prstGeom prst="rect">
+            <a:avLst/>
+          </a:prstGeom>
+          <a:noFill/>
+        </p:spPr>
+        <p:txBody>
+          <a:bodyPr wrap="square" rtlCol="0">
+            <a:spAutoFit/>
+          </a:bodyPr>
+          <a:lstStyle/>
+          <a:p>
+            <a:pPr algn="r"/>
+            <a:r>
+              <a:rPr lang="it-IT" dirty="0">
+                <a:solidFill>
+                  <a:srgbClr val="0070C0"/>
+                </a:solidFill>
+                <a:latin typeface="Cambria" panose="02040503050406030204" pitchFamily="18" charset="0"/>
+                <a:ea typeface="Cambria" panose="02040503050406030204" pitchFamily="18" charset="0"/>
+              </a:rPr>
+              <a:t>Mappa</a:t>
+            </a:r>
+          </a:p>
+        </p:txBody>
+      </p:sp>
+      <p:sp>
+        <p:nvSpPr>
+          <p:cNvPr id="15" name="CasellaDiTesto 14">
+            <a:extLst>
+              <a:ext uri="{FF2B5EF4-FFF2-40B4-BE49-F238E27FC236}">
+                <a16:creationId xmlns:a16="http://schemas.microsoft.com/office/drawing/2014/main" id="{0520C4EF-C545-383B-AEA5-ECC7CB64D35D}"/>
+              </a:ext>
+            </a:extLst>
+          </p:cNvPr>
+          <p:cNvSpPr txBox="1"/>
+          <p:nvPr/>
+        </p:nvSpPr>
+        <p:spPr>
+          <a:xfrm>
+            <a:off x="281549" y="-6587"/>
+            <a:ext cx="3600000" cy="369332"/>
+          </a:xfrm>
+          <a:prstGeom prst="rect">
+            <a:avLst/>
+          </a:prstGeom>
+          <a:noFill/>
+        </p:spPr>
+        <p:txBody>
+          <a:bodyPr wrap="square" rtlCol="0">
+            <a:spAutoFit/>
+          </a:bodyPr>
+          <a:lstStyle/>
+          <a:p>
+            <a:r>
+              <a:rPr lang="it-IT" b="1" dirty="0">
+                <a:solidFill>
+                  <a:srgbClr val="0070C0"/>
+                </a:solidFill>
+                <a:latin typeface="Cambria" panose="02040503050406030204" pitchFamily="18" charset="0"/>
+                <a:ea typeface="Cambria" panose="02040503050406030204" pitchFamily="18" charset="0"/>
+              </a:rPr>
+              <a:t>3 – </a:t>
+            </a:r>
+            <a:r>
+              <a:rPr lang="it-IT" b="1" dirty="0" err="1">
+                <a:solidFill>
+                  <a:srgbClr val="0070C0"/>
+                </a:solidFill>
+                <a:latin typeface="Cambria" panose="02040503050406030204" pitchFamily="18" charset="0"/>
+                <a:ea typeface="Cambria" panose="02040503050406030204" pitchFamily="18" charset="0"/>
+              </a:rPr>
+              <a:t>Unity</a:t>
+            </a:r>
+            <a:endParaRPr lang="it-IT" b="1" dirty="0">
+              <a:solidFill>
+                <a:srgbClr val="0070C0"/>
+              </a:solidFill>
+              <a:latin typeface="Cambria" panose="02040503050406030204" pitchFamily="18" charset="0"/>
+              <a:ea typeface="Cambria" panose="02040503050406030204" pitchFamily="18" charset="0"/>
+            </a:endParaRPr>
+          </a:p>
+        </p:txBody>
+      </p:sp>
+      <p:sp>
+        <p:nvSpPr>
+          <p:cNvPr id="10" name="CasellaDiTesto 9">
+            <a:extLst>
+              <a:ext uri="{FF2B5EF4-FFF2-40B4-BE49-F238E27FC236}">
+                <a16:creationId xmlns:a16="http://schemas.microsoft.com/office/drawing/2014/main" id="{762AE63F-C28C-48A8-24C5-BA9C345F72A7}"/>
+              </a:ext>
+            </a:extLst>
+          </p:cNvPr>
+          <p:cNvSpPr txBox="1"/>
+          <p:nvPr/>
+        </p:nvSpPr>
+        <p:spPr>
+          <a:xfrm>
+            <a:off x="281549" y="738664"/>
+            <a:ext cx="5634501" cy="4278094"/>
+          </a:xfrm>
+          <a:prstGeom prst="rect">
+            <a:avLst/>
+          </a:prstGeom>
+          <a:noFill/>
+        </p:spPr>
+        <p:txBody>
+          <a:bodyPr wrap="square" rtlCol="0">
+            <a:spAutoFit/>
+          </a:bodyPr>
+          <a:lstStyle/>
+          <a:p>
+            <a:pPr marL="285750" indent="-285750" algn="just">
+              <a:buFont typeface="Arial" panose="020B0604020202020204" pitchFamily="34" charset="0"/>
+              <a:buChar char="•"/>
+            </a:pPr>
+            <a:r>
+              <a:rPr lang="it-IT" sz="1600" b="1" dirty="0">
+                <a:solidFill>
+                  <a:srgbClr val="0070C0"/>
+                </a:solidFill>
+                <a:latin typeface="Cambria" panose="02040503050406030204" pitchFamily="18" charset="0"/>
+                <a:ea typeface="Cambria" panose="02040503050406030204" pitchFamily="18" charset="0"/>
+              </a:rPr>
+              <a:t>Guida Differenziale</a:t>
+            </a:r>
+            <a:r>
+              <a:rPr lang="it-IT" sz="1600" dirty="0">
+                <a:solidFill>
+                  <a:srgbClr val="0070C0"/>
+                </a:solidFill>
+                <a:latin typeface="Cambria" panose="02040503050406030204" pitchFamily="18" charset="0"/>
+                <a:ea typeface="Cambria" panose="02040503050406030204" pitchFamily="18" charset="0"/>
+              </a:rPr>
+              <a:t>: Utilizzo di componenti </a:t>
+            </a:r>
+            <a:r>
+              <a:rPr lang="it-IT" sz="1600" dirty="0" err="1">
+                <a:solidFill>
+                  <a:srgbClr val="0070C0"/>
+                </a:solidFill>
+                <a:latin typeface="Cambria" panose="02040503050406030204" pitchFamily="18" charset="0"/>
+                <a:ea typeface="Cambria" panose="02040503050406030204" pitchFamily="18" charset="0"/>
+              </a:rPr>
+              <a:t>ArticulationBody</a:t>
+            </a:r>
+            <a:r>
+              <a:rPr lang="it-IT" sz="1600" dirty="0">
+                <a:solidFill>
+                  <a:srgbClr val="0070C0"/>
+                </a:solidFill>
+                <a:latin typeface="Cambria" panose="02040503050406030204" pitchFamily="18" charset="0"/>
+                <a:ea typeface="Cambria" panose="02040503050406030204" pitchFamily="18" charset="0"/>
+              </a:rPr>
+              <a:t> per stabilità cinematica superiore rispetto ai joint classici.</a:t>
+            </a:r>
+          </a:p>
+          <a:p>
+            <a:pPr marL="285750" indent="-285750" algn="just">
+              <a:buFont typeface="Arial" panose="020B0604020202020204" pitchFamily="34" charset="0"/>
+              <a:buChar char="•"/>
+            </a:pPr>
+            <a:endParaRPr lang="it-IT" sz="1600" dirty="0">
+              <a:solidFill>
+                <a:srgbClr val="0070C0"/>
+              </a:solidFill>
+              <a:latin typeface="Cambria" panose="02040503050406030204" pitchFamily="18" charset="0"/>
+              <a:ea typeface="Cambria" panose="02040503050406030204" pitchFamily="18" charset="0"/>
+            </a:endParaRPr>
+          </a:p>
+          <a:p>
+            <a:pPr marL="742950" lvl="1" indent="-285750" algn="just">
+              <a:buFont typeface="Courier New" panose="02070309020205020404" pitchFamily="49" charset="0"/>
+              <a:buChar char="o"/>
+            </a:pPr>
+            <a:r>
+              <a:rPr lang="it-IT" sz="1600" u="sng" dirty="0">
+                <a:solidFill>
+                  <a:srgbClr val="0070C0"/>
+                </a:solidFill>
+                <a:latin typeface="Cambria" panose="02040503050406030204" pitchFamily="18" charset="0"/>
+                <a:ea typeface="Cambria" panose="02040503050406030204" pitchFamily="18" charset="0"/>
+              </a:rPr>
+              <a:t>La sfida della massa</a:t>
+            </a:r>
+            <a:r>
+              <a:rPr lang="it-IT" sz="1600" dirty="0">
+                <a:solidFill>
+                  <a:srgbClr val="0070C0"/>
+                </a:solidFill>
+                <a:latin typeface="Cambria" panose="02040503050406030204" pitchFamily="18" charset="0"/>
+                <a:ea typeface="Cambria" panose="02040503050406030204" pitchFamily="18" charset="0"/>
+              </a:rPr>
+              <a:t>: Inizialmente il robot risultava "pigro", lento ad accelerare e incapace di frenare tempestivamente; scivolando o muovendosi a scatti.</a:t>
+            </a:r>
+          </a:p>
+          <a:p>
+            <a:pPr marL="742950" lvl="1" indent="-285750" algn="just">
+              <a:buFont typeface="Courier New" panose="02070309020205020404" pitchFamily="49" charset="0"/>
+              <a:buChar char="o"/>
+            </a:pPr>
+            <a:endParaRPr lang="it-IT" sz="1600" i="1" dirty="0">
+              <a:solidFill>
+                <a:srgbClr val="0070C0"/>
+              </a:solidFill>
+              <a:latin typeface="Cambria" panose="02040503050406030204" pitchFamily="18" charset="0"/>
+              <a:ea typeface="Cambria" panose="02040503050406030204" pitchFamily="18" charset="0"/>
+            </a:endParaRPr>
+          </a:p>
+          <a:p>
+            <a:pPr marL="742950" lvl="1" indent="-285750" algn="just">
+              <a:buFont typeface="Courier New" panose="02070309020205020404" pitchFamily="49" charset="0"/>
+              <a:buChar char="o"/>
+            </a:pPr>
+            <a:r>
+              <a:rPr lang="it-IT" sz="1600" u="sng" dirty="0">
+                <a:solidFill>
+                  <a:srgbClr val="0070C0"/>
+                </a:solidFill>
+                <a:latin typeface="Cambria" panose="02040503050406030204" pitchFamily="18" charset="0"/>
+                <a:ea typeface="Cambria" panose="02040503050406030204" pitchFamily="18" charset="0"/>
+              </a:rPr>
+              <a:t>Soluzioni</a:t>
+            </a:r>
+            <a:r>
+              <a:rPr lang="it-IT" sz="1600" dirty="0">
+                <a:solidFill>
+                  <a:srgbClr val="0070C0"/>
+                </a:solidFill>
+                <a:latin typeface="Cambria" panose="02040503050406030204" pitchFamily="18" charset="0"/>
+                <a:ea typeface="Cambria" panose="02040503050406030204" pitchFamily="18" charset="0"/>
+              </a:rPr>
+              <a:t>: </a:t>
+            </a:r>
+          </a:p>
+          <a:p>
+            <a:pPr marL="742950" lvl="1" indent="-285750" algn="just">
+              <a:buFont typeface="Courier New" panose="02070309020205020404" pitchFamily="49" charset="0"/>
+              <a:buChar char="o"/>
+            </a:pPr>
+            <a:endParaRPr lang="it-IT" sz="1600" dirty="0">
+              <a:solidFill>
+                <a:srgbClr val="0070C0"/>
+              </a:solidFill>
+              <a:latin typeface="Cambria" panose="02040503050406030204" pitchFamily="18" charset="0"/>
+              <a:ea typeface="Cambria" panose="02040503050406030204" pitchFamily="18" charset="0"/>
+            </a:endParaRPr>
+          </a:p>
+          <a:p>
+            <a:pPr marL="1257300" lvl="2" indent="-342900" algn="just">
+              <a:buFont typeface="+mj-lt"/>
+              <a:buAutoNum type="arabicPeriod"/>
+            </a:pPr>
+            <a:r>
+              <a:rPr lang="it-IT" sz="1600" dirty="0">
+                <a:solidFill>
+                  <a:srgbClr val="0070C0"/>
+                </a:solidFill>
+                <a:latin typeface="Cambria" panose="02040503050406030204" pitchFamily="18" charset="0"/>
+                <a:ea typeface="Cambria" panose="02040503050406030204" pitchFamily="18" charset="0"/>
+              </a:rPr>
+              <a:t>Ricalibrare i parametri di guida (Force Limit, Damping, Massa delle ruote)</a:t>
+            </a:r>
+          </a:p>
+          <a:p>
+            <a:pPr marL="1257300" lvl="2" indent="-342900" algn="just">
+              <a:buFont typeface="+mj-lt"/>
+              <a:buAutoNum type="arabicPeriod"/>
+            </a:pPr>
+            <a:endParaRPr lang="it-IT" sz="1600" dirty="0">
+              <a:solidFill>
+                <a:srgbClr val="0070C0"/>
+              </a:solidFill>
+              <a:latin typeface="Cambria" panose="02040503050406030204" pitchFamily="18" charset="0"/>
+              <a:ea typeface="Cambria" panose="02040503050406030204" pitchFamily="18" charset="0"/>
+            </a:endParaRPr>
+          </a:p>
+          <a:p>
+            <a:pPr marL="1257300" lvl="2" indent="-342900" algn="just">
+              <a:buFont typeface="+mj-lt"/>
+              <a:buAutoNum type="arabicPeriod"/>
+            </a:pPr>
+            <a:r>
+              <a:rPr lang="it-IT" sz="1600" dirty="0">
+                <a:solidFill>
+                  <a:srgbClr val="0070C0"/>
+                </a:solidFill>
+                <a:latin typeface="Cambria" panose="02040503050406030204" pitchFamily="18" charset="0"/>
+                <a:ea typeface="Cambria" panose="02040503050406030204" pitchFamily="18" charset="0"/>
+              </a:rPr>
+              <a:t>Ricalibrare il </a:t>
+            </a:r>
+            <a:r>
+              <a:rPr lang="it-IT" sz="1600" dirty="0" err="1">
+                <a:solidFill>
+                  <a:srgbClr val="0070C0"/>
+                </a:solidFill>
+                <a:latin typeface="Cambria" panose="02040503050406030204" pitchFamily="18" charset="0"/>
+                <a:ea typeface="Cambria" panose="02040503050406030204" pitchFamily="18" charset="0"/>
+              </a:rPr>
+              <a:t>Safety</a:t>
+            </a:r>
+            <a:r>
+              <a:rPr lang="it-IT" sz="1600" dirty="0">
+                <a:solidFill>
+                  <a:srgbClr val="0070C0"/>
+                </a:solidFill>
+                <a:latin typeface="Cambria" panose="02040503050406030204" pitchFamily="18" charset="0"/>
+                <a:ea typeface="Cambria" panose="02040503050406030204" pitchFamily="18" charset="0"/>
+              </a:rPr>
+              <a:t> </a:t>
+            </a:r>
+            <a:r>
+              <a:rPr lang="it-IT" sz="1600" dirty="0" err="1">
+                <a:solidFill>
+                  <a:srgbClr val="0070C0"/>
+                </a:solidFill>
+                <a:latin typeface="Cambria" panose="02040503050406030204" pitchFamily="18" charset="0"/>
+                <a:ea typeface="Cambria" panose="02040503050406030204" pitchFamily="18" charset="0"/>
+              </a:rPr>
+              <a:t>Watchdog</a:t>
+            </a:r>
+            <a:r>
+              <a:rPr lang="it-IT" sz="1600" dirty="0">
+                <a:solidFill>
+                  <a:srgbClr val="0070C0"/>
+                </a:solidFill>
+                <a:latin typeface="Cambria" panose="02040503050406030204" pitchFamily="18" charset="0"/>
+                <a:ea typeface="Cambria" panose="02040503050406030204" pitchFamily="18" charset="0"/>
+              </a:rPr>
+              <a:t> per la frenata.</a:t>
+            </a:r>
+          </a:p>
+          <a:p>
+            <a:pPr marL="285750" indent="-285750" algn="just">
+              <a:buFont typeface="Arial" panose="020B0604020202020204" pitchFamily="34" charset="0"/>
+              <a:buChar char="•"/>
+            </a:pPr>
+            <a:endParaRPr lang="it-IT" sz="1600" dirty="0">
+              <a:solidFill>
+                <a:srgbClr val="0070C0"/>
+              </a:solidFill>
+              <a:latin typeface="Cambria" panose="02040503050406030204" pitchFamily="18" charset="0"/>
+              <a:ea typeface="Cambria" panose="02040503050406030204" pitchFamily="18" charset="0"/>
+            </a:endParaRPr>
+          </a:p>
+          <a:p>
+            <a:pPr marL="285750" indent="-285750" algn="just">
+              <a:buFont typeface="Arial" panose="020B0604020202020204" pitchFamily="34" charset="0"/>
+              <a:buChar char="•"/>
+            </a:pPr>
+            <a:r>
+              <a:rPr lang="it-IT" sz="1600" b="1" dirty="0">
+                <a:solidFill>
+                  <a:srgbClr val="0070C0"/>
+                </a:solidFill>
+                <a:latin typeface="Cambria" panose="02040503050406030204" pitchFamily="18" charset="0"/>
+                <a:ea typeface="Cambria" panose="02040503050406030204" pitchFamily="18" charset="0"/>
+              </a:rPr>
+              <a:t>Sensori (Lidar)</a:t>
+            </a:r>
+            <a:r>
+              <a:rPr lang="it-IT" sz="1600" dirty="0">
+                <a:solidFill>
+                  <a:srgbClr val="0070C0"/>
+                </a:solidFill>
+                <a:latin typeface="Cambria" panose="02040503050406030204" pitchFamily="18" charset="0"/>
+                <a:ea typeface="Cambria" panose="02040503050406030204" pitchFamily="18" charset="0"/>
+              </a:rPr>
+              <a:t>: Simulazione via </a:t>
+            </a:r>
+            <a:r>
+              <a:rPr lang="it-IT" sz="1600" dirty="0" err="1">
+                <a:solidFill>
+                  <a:srgbClr val="0070C0"/>
+                </a:solidFill>
+                <a:latin typeface="Cambria" panose="02040503050406030204" pitchFamily="18" charset="0"/>
+                <a:ea typeface="Cambria" panose="02040503050406030204" pitchFamily="18" charset="0"/>
+              </a:rPr>
+              <a:t>Raycasting</a:t>
+            </a:r>
+            <a:r>
+              <a:rPr lang="it-IT" sz="1600" dirty="0">
+                <a:solidFill>
+                  <a:srgbClr val="0070C0"/>
+                </a:solidFill>
+                <a:latin typeface="Cambria" panose="02040503050406030204" pitchFamily="18" charset="0"/>
+                <a:ea typeface="Cambria" panose="02040503050406030204" pitchFamily="18" charset="0"/>
+              </a:rPr>
+              <a:t> che interseca i Collider fisici e serializza i dati in messaggi ROS2 standard.</a:t>
+            </a:r>
+          </a:p>
+        </p:txBody>
+      </p:sp>
+      <p:pic>
+        <p:nvPicPr>
+          <p:cNvPr id="16" name="Picture 2">
+            <a:extLst>
+              <a:ext uri="{FF2B5EF4-FFF2-40B4-BE49-F238E27FC236}">
+                <a16:creationId xmlns:a16="http://schemas.microsoft.com/office/drawing/2014/main" id="{AA708F6E-5996-9384-6ED2-DCF1C7F7EA9E}"/>
+              </a:ext>
+            </a:extLst>
+          </p:cNvPr>
+          <p:cNvPicPr>
+            <a:picLocks noChangeAspect="1" noChangeArrowheads="1"/>
+          </p:cNvPicPr>
+          <p:nvPr/>
+        </p:nvPicPr>
+        <p:blipFill>
+          <a:blip r:embed="rId2">
+            <a:extLst>
+              <a:ext uri="{28A0092B-C50C-407E-A947-70E740481C1C}">
+                <a14:useLocalDpi xmlns:a14="http://schemas.microsoft.com/office/drawing/2010/main" val="0"/>
+              </a:ext>
+            </a:extLst>
+          </a:blip>
+          <a:srcRect/>
+          <a:stretch/>
+        </p:blipFill>
+        <p:spPr bwMode="auto">
+          <a:xfrm>
+            <a:off x="6570815" y="720142"/>
+            <a:ext cx="4905698" cy="5384770"/>
+          </a:xfrm>
+          <a:prstGeom prst="rect">
+            <a:avLst/>
+          </a:prstGeom>
+          <a:noFill/>
+          <a:extLst>
+            <a:ext uri="{909E8E84-426E-40DD-AFC4-6F175D3DCCD1}">
+              <a14:hiddenFill xmlns:a14="http://schemas.microsoft.com/office/drawing/2010/main">
+                <a:solidFill>
+                  <a:srgbClr val="FFFFFF"/>
+                </a:solidFill>
+              </a14:hiddenFill>
+            </a:ext>
+          </a:extLst>
+        </p:spPr>
+      </p:pic>
+    </p:spTree>
+    <p:extLst>
+      <p:ext uri="{BB962C8B-B14F-4D97-AF65-F5344CB8AC3E}">
+        <p14:creationId xmlns:p14="http://schemas.microsoft.com/office/powerpoint/2010/main" val="236088138"/>
+      </p:ext>
+    </p:extLst>
+  </p:cSld>
+  <p:clrMapOvr>
+    <a:masterClrMapping/>
+  </p:clrMapOvr>
+</p:sld>
+</file>
+
+<file path=ppt/slides/slide16.xml><?xml version="1.0" encoding="utf-8"?>
 <p:sld xmlns:a="http://schemas.openxmlformats.org/drawingml/2006/main" xmlns:r="http://schemas.openxmlformats.org/officeDocument/2006/relationships" xmlns:p="http://schemas.openxmlformats.org/presentationml/2006/main">
   <p:cSld>
     <p:spTree>
@@ -14870,7 +12476,7 @@
 </p:sld>
 </file>
 
-<file path=ppt/slides/slide16.xml><?xml version="1.0" encoding="utf-8"?>
+<file path=ppt/slides/slide17.xml><?xml version="1.0" encoding="utf-8"?>
 <p:sld xmlns:a="http://schemas.openxmlformats.org/drawingml/2006/main" xmlns:r="http://schemas.openxmlformats.org/officeDocument/2006/relationships" xmlns:p="http://schemas.openxmlformats.org/presentationml/2006/main">
   <p:cSld>
     <p:spTree>
@@ -16225,7 +13831,7 @@
 </p:sld>
 </file>
 
-<file path=ppt/slides/slide17.xml><?xml version="1.0" encoding="utf-8"?>
+<file path=ppt/slides/slide18.xml><?xml version="1.0" encoding="utf-8"?>
 <p:sld xmlns:a="http://schemas.openxmlformats.org/drawingml/2006/main" xmlns:r="http://schemas.openxmlformats.org/officeDocument/2006/relationships" xmlns:p="http://schemas.openxmlformats.org/presentationml/2006/main">
   <p:cSld>
     <p:spTree>
@@ -17436,1361 +15042,6 @@
     <p:extLst>
       <p:ext uri="{BB962C8B-B14F-4D97-AF65-F5344CB8AC3E}">
         <p14:creationId xmlns:p14="http://schemas.microsoft.com/office/powerpoint/2010/main" val="1595187573"/>
-      </p:ext>
-    </p:extLst>
-  </p:cSld>
-  <p:clrMapOvr>
-    <a:masterClrMapping/>
-  </p:clrMapOvr>
-  <p:timing>
-    <p:tnLst>
-      <p:par>
-        <p:cTn id="1" dur="indefinite" restart="never" nodeType="tmRoot">
-          <p:childTnLst>
-            <p:seq concurrent="1" nextAc="seek">
-              <p:cTn id="2" dur="indefinite" nodeType="mainSeq">
-                <p:childTnLst>
-                  <p:par>
-                    <p:cTn id="3" fill="hold">
-                      <p:stCondLst>
-                        <p:cond delay="indefinite"/>
-                      </p:stCondLst>
-                      <p:childTnLst>
-                        <p:par>
-                          <p:cTn id="4" fill="hold">
-                            <p:stCondLst>
-                              <p:cond delay="0"/>
-                            </p:stCondLst>
-                            <p:childTnLst>
-                              <p:par>
-                                <p:cTn id="5" presetID="1" presetClass="mediacall" presetSubtype="0" fill="hold" nodeType="clickEffect">
-                                  <p:stCondLst>
-                                    <p:cond delay="0"/>
-                                  </p:stCondLst>
-                                  <p:childTnLst>
-                                    <p:cmd type="call" cmd="playFrom(0.0)">
-                                      <p:cBhvr>
-                                        <p:cTn id="6" dur="10034" fill="hold"/>
-                                        <p:tgtEl>
-                                          <p:spTgt spid="9"/>
-                                        </p:tgtEl>
-                                      </p:cBhvr>
-                                    </p:cmd>
-                                  </p:childTnLst>
-                                </p:cTn>
-                              </p:par>
-                            </p:childTnLst>
-                          </p:cTn>
-                        </p:par>
-                      </p:childTnLst>
-                    </p:cTn>
-                  </p:par>
-                </p:childTnLst>
-              </p:cTn>
-              <p:prevCondLst>
-                <p:cond evt="onPrev" delay="0">
-                  <p:tgtEl>
-                    <p:sldTgt/>
-                  </p:tgtEl>
-                </p:cond>
-              </p:prevCondLst>
-              <p:nextCondLst>
-                <p:cond evt="onNext" delay="0">
-                  <p:tgtEl>
-                    <p:sldTgt/>
-                  </p:tgtEl>
-                </p:cond>
-              </p:nextCondLst>
-            </p:seq>
-            <p:seq concurrent="1" nextAc="seek">
-              <p:cTn id="7" restart="whenNotActive" fill="hold" evtFilter="cancelBubble" nodeType="interactiveSeq">
-                <p:stCondLst>
-                  <p:cond evt="onClick" delay="0">
-                    <p:tgtEl>
-                      <p:spTgt spid="9"/>
-                    </p:tgtEl>
-                  </p:cond>
-                </p:stCondLst>
-                <p:endSync evt="end" delay="0">
-                  <p:rtn val="all"/>
-                </p:endSync>
-                <p:childTnLst>
-                  <p:par>
-                    <p:cTn id="8" fill="hold">
-                      <p:stCondLst>
-                        <p:cond delay="0"/>
-                      </p:stCondLst>
-                      <p:childTnLst>
-                        <p:par>
-                          <p:cTn id="9" fill="hold">
-                            <p:stCondLst>
-                              <p:cond delay="0"/>
-                            </p:stCondLst>
-                            <p:childTnLst>
-                              <p:par>
-                                <p:cTn id="10" presetID="2" presetClass="mediacall" presetSubtype="0" fill="hold" nodeType="clickEffect">
-                                  <p:stCondLst>
-                                    <p:cond delay="0"/>
-                                  </p:stCondLst>
-                                  <p:childTnLst>
-                                    <p:cmd type="call" cmd="togglePause">
-                                      <p:cBhvr>
-                                        <p:cTn id="11" dur="1" fill="hold"/>
-                                        <p:tgtEl>
-                                          <p:spTgt spid="9"/>
-                                        </p:tgtEl>
-                                      </p:cBhvr>
-                                    </p:cmd>
-                                  </p:childTnLst>
-                                </p:cTn>
-                              </p:par>
-                            </p:childTnLst>
-                          </p:cTn>
-                        </p:par>
-                      </p:childTnLst>
-                    </p:cTn>
-                  </p:par>
-                </p:childTnLst>
-              </p:cTn>
-              <p:nextCondLst>
-                <p:cond evt="onClick" delay="0">
-                  <p:tgtEl>
-                    <p:spTgt spid="9"/>
-                  </p:tgtEl>
-                </p:cond>
-              </p:nextCondLst>
-            </p:seq>
-            <p:video>
-              <p:cMediaNode vol="80000">
-                <p:cTn id="12" fill="hold" display="0">
-                  <p:stCondLst>
-                    <p:cond delay="indefinite"/>
-                  </p:stCondLst>
-                </p:cTn>
-                <p:tgtEl>
-                  <p:spTgt spid="9"/>
-                </p:tgtEl>
-              </p:cMediaNode>
-            </p:video>
-          </p:childTnLst>
-        </p:cTn>
-      </p:par>
-    </p:tnLst>
-  </p:timing>
-</p:sld>
-</file>
-
-<file path=ppt/slides/slide18.xml><?xml version="1.0" encoding="utf-8"?>
-<p:sld xmlns:a="http://schemas.openxmlformats.org/drawingml/2006/main" xmlns:r="http://schemas.openxmlformats.org/officeDocument/2006/relationships" xmlns:p="http://schemas.openxmlformats.org/presentationml/2006/main">
-  <p:cSld>
-    <p:spTree>
-      <p:nvGrpSpPr>
-        <p:cNvPr id="1" name="">
-          <a:extLst>
-            <a:ext uri="{FF2B5EF4-FFF2-40B4-BE49-F238E27FC236}">
-              <a16:creationId xmlns:a16="http://schemas.microsoft.com/office/drawing/2014/main" id="{1995C95D-4707-A0B5-70D7-5FBBD38CEBB1}"/>
-            </a:ext>
-          </a:extLst>
-        </p:cNvPr>
-        <p:cNvGrpSpPr/>
-        <p:nvPr/>
-      </p:nvGrpSpPr>
-      <p:grpSpPr>
-        <a:xfrm>
-          <a:off x="0" y="0"/>
-          <a:ext cx="0" cy="0"/>
-          <a:chOff x="0" y="0"/>
-          <a:chExt cx="0" cy="0"/>
-        </a:xfrm>
-      </p:grpSpPr>
-      <p:cxnSp>
-        <p:nvCxnSpPr>
-          <p:cNvPr id="2" name="Straight Connector 9">
-            <a:extLst>
-              <a:ext uri="{FF2B5EF4-FFF2-40B4-BE49-F238E27FC236}">
-                <a16:creationId xmlns:a16="http://schemas.microsoft.com/office/drawing/2014/main" id="{AF1EA78E-FAD0-3A64-D59C-F7A91E43894E}"/>
-              </a:ext>
-              <a:ext uri="{C183D7F6-B498-43B3-948B-1728B52AA6E4}">
-                <adec:decorative xmlns:adec="http://schemas.microsoft.com/office/drawing/2017/decorative" val="1"/>
-              </a:ext>
-            </a:extLst>
-          </p:cNvPr>
-          <p:cNvCxnSpPr/>
-          <p:nvPr>
-            <p:extLst>
-              <p:ext uri="{386F3935-93C4-4BCD-93E2-E3B085C9AB24}">
-                <p16:designElem xmlns:p16="http://schemas.microsoft.com/office/powerpoint/2015/main" val="1"/>
-              </p:ext>
-            </p:extLst>
-          </p:nvPr>
-        </p:nvCxnSpPr>
-        <p:spPr>
-          <a:xfrm>
-            <a:off x="713232" y="1031001"/>
-            <a:ext cx="978862" cy="0"/>
-          </a:xfrm>
-          <a:prstGeom prst="line">
-            <a:avLst/>
-          </a:prstGeom>
-          <a:ln w="76200"/>
-        </p:spPr>
-        <p:style>
-          <a:lnRef idx="1">
-            <a:schemeClr val="accent1"/>
-          </a:lnRef>
-          <a:fillRef idx="0">
-            <a:schemeClr val="accent1"/>
-          </a:fillRef>
-          <a:effectRef idx="0">
-            <a:schemeClr val="accent1"/>
-          </a:effectRef>
-          <a:fontRef idx="minor">
-            <a:schemeClr val="tx1"/>
-          </a:fontRef>
-        </p:style>
-      </p:cxnSp>
-      <p:sp useBgFill="1">
-        <p:nvSpPr>
-          <p:cNvPr id="3" name="Rectangle 11">
-            <a:extLst>
-              <a:ext uri="{FF2B5EF4-FFF2-40B4-BE49-F238E27FC236}">
-                <a16:creationId xmlns:a16="http://schemas.microsoft.com/office/drawing/2014/main" id="{08AAB71B-FD71-13F9-A942-9BF38CB4A5D9}"/>
-              </a:ext>
-              <a:ext uri="{C183D7F6-B498-43B3-948B-1728B52AA6E4}">
-                <adec:decorative xmlns:adec="http://schemas.microsoft.com/office/drawing/2017/decorative" val="1"/>
-              </a:ext>
-            </a:extLst>
-          </p:cNvPr>
-          <p:cNvSpPr/>
-          <p:nvPr>
-            <p:extLst>
-              <p:ext uri="{386F3935-93C4-4BCD-93E2-E3B085C9AB24}">
-                <p16:designElem xmlns:p16="http://schemas.microsoft.com/office/powerpoint/2015/main" val="1"/>
-              </p:ext>
-            </p:extLst>
-          </p:nvPr>
-        </p:nvSpPr>
-        <p:spPr>
-          <a:xfrm>
-            <a:off x="0" y="0"/>
-            <a:ext cx="12192000" cy="6858000"/>
-          </a:xfrm>
-          <a:prstGeom prst="rect">
-            <a:avLst/>
-          </a:prstGeom>
-          <a:ln>
-            <a:noFill/>
-          </a:ln>
-        </p:spPr>
-        <p:style>
-          <a:lnRef idx="2">
-            <a:schemeClr val="accent1">
-              <a:shade val="15000"/>
-            </a:schemeClr>
-          </a:lnRef>
-          <a:fillRef idx="1">
-            <a:schemeClr val="accent1"/>
-          </a:fillRef>
-          <a:effectRef idx="0">
-            <a:schemeClr val="accent1"/>
-          </a:effectRef>
-          <a:fontRef idx="minor">
-            <a:schemeClr val="lt1"/>
-          </a:fontRef>
-        </p:style>
-        <p:txBody>
-          <a:bodyPr rtlCol="0" anchor="ctr"/>
-          <a:lstStyle/>
-          <a:p>
-            <a:pPr algn="ctr"/>
-            <a:endParaRPr lang="en-US"/>
-          </a:p>
-        </p:txBody>
-      </p:sp>
-      <p:sp useBgFill="1">
-        <p:nvSpPr>
-          <p:cNvPr id="4" name="Rectangle 13">
-            <a:extLst>
-              <a:ext uri="{FF2B5EF4-FFF2-40B4-BE49-F238E27FC236}">
-                <a16:creationId xmlns:a16="http://schemas.microsoft.com/office/drawing/2014/main" id="{8AFEE9B7-FBE1-74F0-CAA8-B564A21AB5BD}"/>
-              </a:ext>
-              <a:ext uri="{C183D7F6-B498-43B3-948B-1728B52AA6E4}">
-                <adec:decorative xmlns:adec="http://schemas.microsoft.com/office/drawing/2017/decorative" val="1"/>
-              </a:ext>
-            </a:extLst>
-          </p:cNvPr>
-          <p:cNvSpPr/>
-          <p:nvPr>
-            <p:extLst>
-              <p:ext uri="{386F3935-93C4-4BCD-93E2-E3B085C9AB24}">
-                <p16:designElem xmlns:p16="http://schemas.microsoft.com/office/powerpoint/2015/main" val="1"/>
-              </p:ext>
-            </p:extLst>
-          </p:nvPr>
-        </p:nvSpPr>
-        <p:spPr>
-          <a:xfrm>
-            <a:off x="0" y="0"/>
-            <a:ext cx="12192000" cy="6858000"/>
-          </a:xfrm>
-          <a:prstGeom prst="rect">
-            <a:avLst/>
-          </a:prstGeom>
-          <a:ln w="12700" cap="flat" cmpd="sng" algn="ctr">
-            <a:noFill/>
-            <a:prstDash val="solid"/>
-            <a:miter lim="800000"/>
-          </a:ln>
-          <a:effectLst/>
-          <a:extLst>
-            <a:ext uri="{91240B29-F687-4F45-9708-019B960494DF}">
-              <a14:hiddenLine xmlns:a14="http://schemas.microsoft.com/office/drawing/2010/main" w="12700" cap="flat" cmpd="sng" algn="ctr">
-                <a:solidFill>
-                  <a:schemeClr val="accent1">
-                    <a:shade val="50000"/>
-                  </a:schemeClr>
-                </a:solidFill>
-                <a:prstDash val="solid"/>
-                <a:miter lim="800000"/>
-              </a14:hiddenLine>
-            </a:ext>
-          </a:extLst>
-        </p:spPr>
-        <p:style>
-          <a:lnRef idx="2">
-            <a:schemeClr val="accent1">
-              <a:shade val="50000"/>
-            </a:schemeClr>
-          </a:lnRef>
-          <a:fillRef idx="1">
-            <a:schemeClr val="accent1"/>
-          </a:fillRef>
-          <a:effectRef idx="0">
-            <a:schemeClr val="accent1"/>
-          </a:effectRef>
-          <a:fontRef idx="minor">
-            <a:schemeClr val="lt1"/>
-          </a:fontRef>
-        </p:style>
-        <p:txBody>
-          <a:bodyPr rtlCol="0" anchor="ctr"/>
-          <a:lstStyle/>
-          <a:p>
-            <a:pPr algn="ctr"/>
-            <a:endParaRPr lang="en-US"/>
-          </a:p>
-        </p:txBody>
-      </p:sp>
-      <p:cxnSp>
-        <p:nvCxnSpPr>
-          <p:cNvPr id="5" name="Connettore diritto 4">
-            <a:extLst>
-              <a:ext uri="{FF2B5EF4-FFF2-40B4-BE49-F238E27FC236}">
-                <a16:creationId xmlns:a16="http://schemas.microsoft.com/office/drawing/2014/main" id="{E3DA758F-54F1-0AA2-CFDF-B7FF807C26B2}"/>
-              </a:ext>
-            </a:extLst>
-          </p:cNvPr>
-          <p:cNvCxnSpPr>
-            <a:cxnSpLocks/>
-          </p:cNvCxnSpPr>
-          <p:nvPr/>
-        </p:nvCxnSpPr>
-        <p:spPr>
-          <a:xfrm>
-            <a:off x="0" y="6482080"/>
-            <a:ext cx="3600000" cy="0"/>
-          </a:xfrm>
-          <a:prstGeom prst="line">
-            <a:avLst/>
-          </a:prstGeom>
-          <a:ln w="38100">
-            <a:solidFill>
-              <a:srgbClr val="0070C0"/>
-            </a:solidFill>
-          </a:ln>
-        </p:spPr>
-        <p:style>
-          <a:lnRef idx="3">
-            <a:schemeClr val="accent1"/>
-          </a:lnRef>
-          <a:fillRef idx="0">
-            <a:schemeClr val="accent1"/>
-          </a:fillRef>
-          <a:effectRef idx="2">
-            <a:schemeClr val="accent1"/>
-          </a:effectRef>
-          <a:fontRef idx="minor">
-            <a:schemeClr val="tx1"/>
-          </a:fontRef>
-        </p:style>
-      </p:cxnSp>
-      <p:cxnSp>
-        <p:nvCxnSpPr>
-          <p:cNvPr id="6" name="Connettore diritto 5">
-            <a:extLst>
-              <a:ext uri="{FF2B5EF4-FFF2-40B4-BE49-F238E27FC236}">
-                <a16:creationId xmlns:a16="http://schemas.microsoft.com/office/drawing/2014/main" id="{4E223CD9-C964-3FF2-BA09-AEE99BAFF5E6}"/>
-              </a:ext>
-            </a:extLst>
-          </p:cNvPr>
-          <p:cNvCxnSpPr>
-            <a:cxnSpLocks/>
-          </p:cNvCxnSpPr>
-          <p:nvPr/>
-        </p:nvCxnSpPr>
-        <p:spPr>
-          <a:xfrm>
-            <a:off x="8592000" y="6482080"/>
-            <a:ext cx="3600000" cy="0"/>
-          </a:xfrm>
-          <a:prstGeom prst="line">
-            <a:avLst/>
-          </a:prstGeom>
-          <a:ln w="38100">
-            <a:solidFill>
-              <a:srgbClr val="0070C0"/>
-            </a:solidFill>
-          </a:ln>
-        </p:spPr>
-        <p:style>
-          <a:lnRef idx="3">
-            <a:schemeClr val="accent1"/>
-          </a:lnRef>
-          <a:fillRef idx="0">
-            <a:schemeClr val="accent1"/>
-          </a:fillRef>
-          <a:effectRef idx="2">
-            <a:schemeClr val="accent1"/>
-          </a:effectRef>
-          <a:fontRef idx="minor">
-            <a:schemeClr val="tx1"/>
-          </a:fontRef>
-        </p:style>
-      </p:cxnSp>
-      <p:cxnSp>
-        <p:nvCxnSpPr>
-          <p:cNvPr id="7" name="Connettore diritto 6">
-            <a:extLst>
-              <a:ext uri="{FF2B5EF4-FFF2-40B4-BE49-F238E27FC236}">
-                <a16:creationId xmlns:a16="http://schemas.microsoft.com/office/drawing/2014/main" id="{E730A13A-5FD8-49BA-78C0-B6AFB68FD527}"/>
-              </a:ext>
-            </a:extLst>
-          </p:cNvPr>
-          <p:cNvCxnSpPr>
-            <a:cxnSpLocks/>
-          </p:cNvCxnSpPr>
-          <p:nvPr/>
-        </p:nvCxnSpPr>
-        <p:spPr>
-          <a:xfrm>
-            <a:off x="0" y="375919"/>
-            <a:ext cx="3600000" cy="0"/>
-          </a:xfrm>
-          <a:prstGeom prst="line">
-            <a:avLst/>
-          </a:prstGeom>
-          <a:ln w="38100">
-            <a:solidFill>
-              <a:srgbClr val="0070C0"/>
-            </a:solidFill>
-          </a:ln>
-        </p:spPr>
-        <p:style>
-          <a:lnRef idx="3">
-            <a:schemeClr val="accent1"/>
-          </a:lnRef>
-          <a:fillRef idx="0">
-            <a:schemeClr val="accent1"/>
-          </a:fillRef>
-          <a:effectRef idx="2">
-            <a:schemeClr val="accent1"/>
-          </a:effectRef>
-          <a:fontRef idx="minor">
-            <a:schemeClr val="tx1"/>
-          </a:fontRef>
-        </p:style>
-      </p:cxnSp>
-      <p:cxnSp>
-        <p:nvCxnSpPr>
-          <p:cNvPr id="8" name="Connettore diritto 7">
-            <a:extLst>
-              <a:ext uri="{FF2B5EF4-FFF2-40B4-BE49-F238E27FC236}">
-                <a16:creationId xmlns:a16="http://schemas.microsoft.com/office/drawing/2014/main" id="{E173CACA-5FAF-41F9-D991-F73F78197410}"/>
-              </a:ext>
-            </a:extLst>
-          </p:cNvPr>
-          <p:cNvCxnSpPr>
-            <a:cxnSpLocks/>
-          </p:cNvCxnSpPr>
-          <p:nvPr/>
-        </p:nvCxnSpPr>
-        <p:spPr>
-          <a:xfrm>
-            <a:off x="8592000" y="375919"/>
-            <a:ext cx="3600000" cy="0"/>
-          </a:xfrm>
-          <a:prstGeom prst="line">
-            <a:avLst/>
-          </a:prstGeom>
-          <a:ln w="38100">
-            <a:solidFill>
-              <a:srgbClr val="0070C0"/>
-            </a:solidFill>
-          </a:ln>
-        </p:spPr>
-        <p:style>
-          <a:lnRef idx="3">
-            <a:schemeClr val="accent1"/>
-          </a:lnRef>
-          <a:fillRef idx="0">
-            <a:schemeClr val="accent1"/>
-          </a:fillRef>
-          <a:effectRef idx="2">
-            <a:schemeClr val="accent1"/>
-          </a:effectRef>
-          <a:fontRef idx="minor">
-            <a:schemeClr val="tx1"/>
-          </a:fontRef>
-        </p:style>
-      </p:cxnSp>
-      <p:sp>
-        <p:nvSpPr>
-          <p:cNvPr id="11" name="CasellaDiTesto 10">
-            <a:extLst>
-              <a:ext uri="{FF2B5EF4-FFF2-40B4-BE49-F238E27FC236}">
-                <a16:creationId xmlns:a16="http://schemas.microsoft.com/office/drawing/2014/main" id="{FF899453-F55A-C327-CA06-D9C5F7A674F5}"/>
-              </a:ext>
-            </a:extLst>
-          </p:cNvPr>
-          <p:cNvSpPr txBox="1"/>
-          <p:nvPr/>
-        </p:nvSpPr>
-        <p:spPr>
-          <a:xfrm>
-            <a:off x="281548" y="6501842"/>
-            <a:ext cx="3600000" cy="369332"/>
-          </a:xfrm>
-          <a:prstGeom prst="rect">
-            <a:avLst/>
-          </a:prstGeom>
-          <a:noFill/>
-        </p:spPr>
-        <p:txBody>
-          <a:bodyPr wrap="square" rtlCol="0">
-            <a:spAutoFit/>
-          </a:bodyPr>
-          <a:lstStyle/>
-          <a:p>
-            <a:r>
-              <a:rPr lang="it-IT" dirty="0">
-                <a:solidFill>
-                  <a:srgbClr val="0070C0"/>
-                </a:solidFill>
-                <a:latin typeface="Cambria" panose="02040503050406030204" pitchFamily="18" charset="0"/>
-                <a:ea typeface="Cambria" panose="02040503050406030204" pitchFamily="18" charset="0"/>
-              </a:rPr>
-              <a:t>4</a:t>
-            </a:r>
-          </a:p>
-        </p:txBody>
-      </p:sp>
-      <p:sp>
-        <p:nvSpPr>
-          <p:cNvPr id="15" name="CasellaDiTesto 14">
-            <a:extLst>
-              <a:ext uri="{FF2B5EF4-FFF2-40B4-BE49-F238E27FC236}">
-                <a16:creationId xmlns:a16="http://schemas.microsoft.com/office/drawing/2014/main" id="{38264396-599E-4EC9-9AE6-955DC506BD32}"/>
-              </a:ext>
-            </a:extLst>
-          </p:cNvPr>
-          <p:cNvSpPr txBox="1"/>
-          <p:nvPr/>
-        </p:nvSpPr>
-        <p:spPr>
-          <a:xfrm>
-            <a:off x="281549" y="-6587"/>
-            <a:ext cx="3600000" cy="369332"/>
-          </a:xfrm>
-          <a:prstGeom prst="rect">
-            <a:avLst/>
-          </a:prstGeom>
-          <a:noFill/>
-        </p:spPr>
-        <p:txBody>
-          <a:bodyPr wrap="square" rtlCol="0">
-            <a:spAutoFit/>
-          </a:bodyPr>
-          <a:lstStyle/>
-          <a:p>
-            <a:r>
-              <a:rPr lang="it-IT" b="1" dirty="0">
-                <a:solidFill>
-                  <a:srgbClr val="0070C0"/>
-                </a:solidFill>
-                <a:latin typeface="Cambria" panose="02040503050406030204" pitchFamily="18" charset="0"/>
-                <a:ea typeface="Cambria" panose="02040503050406030204" pitchFamily="18" charset="0"/>
-              </a:rPr>
-              <a:t> 4 – Simulazione</a:t>
-            </a:r>
-          </a:p>
-        </p:txBody>
-      </p:sp>
-      <p:pic>
-        <p:nvPicPr>
-          <p:cNvPr id="9" name="video_card">
-            <a:hlinkClick r:id="" action="ppaction://media"/>
-            <a:extLst>
-              <a:ext uri="{FF2B5EF4-FFF2-40B4-BE49-F238E27FC236}">
-                <a16:creationId xmlns:a16="http://schemas.microsoft.com/office/drawing/2014/main" id="{743AC4A0-EA49-B306-8C75-4AB291CF8426}"/>
-              </a:ext>
-            </a:extLst>
-          </p:cNvPr>
-          <p:cNvPicPr>
-            <a:picLocks noChangeAspect="1"/>
-          </p:cNvPicPr>
-          <p:nvPr>
-            <a:videoFile r:link="rId2"/>
-            <p:extLst>
-              <p:ext uri="{DAA4B4D4-6D71-4841-9C94-3DE7FCFB9230}">
-                <p14:media xmlns:p14="http://schemas.microsoft.com/office/powerpoint/2010/main" r:embed="rId1"/>
-              </p:ext>
-            </p:extLst>
-          </p:nvPr>
-        </p:nvPicPr>
-        <p:blipFill>
-          <a:blip r:embed="rId4"/>
-          <a:stretch>
-            <a:fillRect/>
-          </a:stretch>
-        </p:blipFill>
-        <p:spPr>
-          <a:xfrm>
-            <a:off x="281549" y="859635"/>
-            <a:ext cx="9157091" cy="5138730"/>
-          </a:xfrm>
-          <a:prstGeom prst="rect">
-            <a:avLst/>
-          </a:prstGeom>
-        </p:spPr>
-      </p:pic>
-      <p:sp>
-        <p:nvSpPr>
-          <p:cNvPr id="12" name="CasellaDiTesto 11">
-            <a:extLst>
-              <a:ext uri="{FF2B5EF4-FFF2-40B4-BE49-F238E27FC236}">
-                <a16:creationId xmlns:a16="http://schemas.microsoft.com/office/drawing/2014/main" id="{C15FAE41-53B3-DBCA-F688-92D52CB5DC37}"/>
-              </a:ext>
-            </a:extLst>
-          </p:cNvPr>
-          <p:cNvSpPr txBox="1"/>
-          <p:nvPr/>
-        </p:nvSpPr>
-        <p:spPr>
-          <a:xfrm>
-            <a:off x="9611360" y="859634"/>
-            <a:ext cx="2410460" cy="3785652"/>
-          </a:xfrm>
-          <a:prstGeom prst="rect">
-            <a:avLst/>
-          </a:prstGeom>
-          <a:noFill/>
-        </p:spPr>
-        <p:txBody>
-          <a:bodyPr wrap="square">
-            <a:spAutoFit/>
-          </a:bodyPr>
-          <a:lstStyle/>
-          <a:p>
-            <a:pPr algn="just"/>
-            <a:r>
-              <a:rPr lang="it-IT" sz="1600" dirty="0" err="1">
-                <a:solidFill>
-                  <a:srgbClr val="0070C0"/>
-                </a:solidFill>
-                <a:latin typeface="Cambria" panose="02040503050406030204" pitchFamily="18" charset="0"/>
-                <a:ea typeface="Cambria" panose="02040503050406030204" pitchFamily="18" charset="0"/>
-              </a:rPr>
-              <a:t>Lorem</a:t>
-            </a:r>
-            <a:r>
-              <a:rPr lang="it-IT" sz="1600" dirty="0">
-                <a:solidFill>
-                  <a:srgbClr val="0070C0"/>
-                </a:solidFill>
-                <a:latin typeface="Cambria" panose="02040503050406030204" pitchFamily="18" charset="0"/>
-                <a:ea typeface="Cambria" panose="02040503050406030204" pitchFamily="18" charset="0"/>
-              </a:rPr>
-              <a:t> </a:t>
-            </a:r>
-            <a:r>
-              <a:rPr lang="it-IT" sz="1600" dirty="0" err="1">
-                <a:solidFill>
-                  <a:srgbClr val="0070C0"/>
-                </a:solidFill>
-                <a:latin typeface="Cambria" panose="02040503050406030204" pitchFamily="18" charset="0"/>
-                <a:ea typeface="Cambria" panose="02040503050406030204" pitchFamily="18" charset="0"/>
-              </a:rPr>
-              <a:t>ipsum</a:t>
-            </a:r>
-            <a:r>
-              <a:rPr lang="it-IT" sz="1600" dirty="0">
-                <a:solidFill>
-                  <a:srgbClr val="0070C0"/>
-                </a:solidFill>
-                <a:latin typeface="Cambria" panose="02040503050406030204" pitchFamily="18" charset="0"/>
-                <a:ea typeface="Cambria" panose="02040503050406030204" pitchFamily="18" charset="0"/>
-              </a:rPr>
-              <a:t> dolor </a:t>
-            </a:r>
-            <a:r>
-              <a:rPr lang="it-IT" sz="1600" dirty="0" err="1">
-                <a:solidFill>
-                  <a:srgbClr val="0070C0"/>
-                </a:solidFill>
-                <a:latin typeface="Cambria" panose="02040503050406030204" pitchFamily="18" charset="0"/>
-                <a:ea typeface="Cambria" panose="02040503050406030204" pitchFamily="18" charset="0"/>
-              </a:rPr>
-              <a:t>sit</a:t>
-            </a:r>
-            <a:r>
-              <a:rPr lang="it-IT" sz="1600" dirty="0">
-                <a:solidFill>
-                  <a:srgbClr val="0070C0"/>
-                </a:solidFill>
-                <a:latin typeface="Cambria" panose="02040503050406030204" pitchFamily="18" charset="0"/>
-                <a:ea typeface="Cambria" panose="02040503050406030204" pitchFamily="18" charset="0"/>
-              </a:rPr>
-              <a:t> </a:t>
-            </a:r>
-            <a:r>
-              <a:rPr lang="it-IT" sz="1600" dirty="0" err="1">
-                <a:solidFill>
-                  <a:srgbClr val="0070C0"/>
-                </a:solidFill>
-                <a:latin typeface="Cambria" panose="02040503050406030204" pitchFamily="18" charset="0"/>
-                <a:ea typeface="Cambria" panose="02040503050406030204" pitchFamily="18" charset="0"/>
-              </a:rPr>
-              <a:t>amet</a:t>
-            </a:r>
-            <a:r>
-              <a:rPr lang="it-IT" sz="1600" dirty="0">
-                <a:solidFill>
-                  <a:srgbClr val="0070C0"/>
-                </a:solidFill>
-                <a:latin typeface="Cambria" panose="02040503050406030204" pitchFamily="18" charset="0"/>
-                <a:ea typeface="Cambria" panose="02040503050406030204" pitchFamily="18" charset="0"/>
-              </a:rPr>
-              <a:t>, </a:t>
-            </a:r>
-            <a:r>
-              <a:rPr lang="it-IT" sz="1600" dirty="0" err="1">
-                <a:solidFill>
-                  <a:srgbClr val="0070C0"/>
-                </a:solidFill>
-                <a:latin typeface="Cambria" panose="02040503050406030204" pitchFamily="18" charset="0"/>
-                <a:ea typeface="Cambria" panose="02040503050406030204" pitchFamily="18" charset="0"/>
-              </a:rPr>
-              <a:t>consectetur</a:t>
-            </a:r>
-            <a:r>
-              <a:rPr lang="it-IT" sz="1600" dirty="0">
-                <a:solidFill>
-                  <a:srgbClr val="0070C0"/>
-                </a:solidFill>
-                <a:latin typeface="Cambria" panose="02040503050406030204" pitchFamily="18" charset="0"/>
-                <a:ea typeface="Cambria" panose="02040503050406030204" pitchFamily="18" charset="0"/>
-              </a:rPr>
-              <a:t> </a:t>
-            </a:r>
-            <a:r>
-              <a:rPr lang="it-IT" sz="1600" dirty="0" err="1">
-                <a:solidFill>
-                  <a:srgbClr val="0070C0"/>
-                </a:solidFill>
-                <a:latin typeface="Cambria" panose="02040503050406030204" pitchFamily="18" charset="0"/>
-                <a:ea typeface="Cambria" panose="02040503050406030204" pitchFamily="18" charset="0"/>
-              </a:rPr>
-              <a:t>adipiscing</a:t>
-            </a:r>
-            <a:r>
-              <a:rPr lang="it-IT" sz="1600" dirty="0">
-                <a:solidFill>
-                  <a:srgbClr val="0070C0"/>
-                </a:solidFill>
-                <a:latin typeface="Cambria" panose="02040503050406030204" pitchFamily="18" charset="0"/>
-                <a:ea typeface="Cambria" panose="02040503050406030204" pitchFamily="18" charset="0"/>
-              </a:rPr>
-              <a:t> </a:t>
-            </a:r>
-            <a:r>
-              <a:rPr lang="it-IT" sz="1600" dirty="0" err="1">
-                <a:solidFill>
-                  <a:srgbClr val="0070C0"/>
-                </a:solidFill>
-                <a:latin typeface="Cambria" panose="02040503050406030204" pitchFamily="18" charset="0"/>
-                <a:ea typeface="Cambria" panose="02040503050406030204" pitchFamily="18" charset="0"/>
-              </a:rPr>
-              <a:t>elit</a:t>
-            </a:r>
-            <a:r>
-              <a:rPr lang="it-IT" sz="1600" dirty="0">
-                <a:solidFill>
-                  <a:srgbClr val="0070C0"/>
-                </a:solidFill>
-                <a:latin typeface="Cambria" panose="02040503050406030204" pitchFamily="18" charset="0"/>
-                <a:ea typeface="Cambria" panose="02040503050406030204" pitchFamily="18" charset="0"/>
-              </a:rPr>
-              <a:t>. </a:t>
-            </a:r>
-            <a:r>
-              <a:rPr lang="it-IT" sz="1600" dirty="0" err="1">
-                <a:solidFill>
-                  <a:srgbClr val="0070C0"/>
-                </a:solidFill>
-                <a:latin typeface="Cambria" panose="02040503050406030204" pitchFamily="18" charset="0"/>
-                <a:ea typeface="Cambria" panose="02040503050406030204" pitchFamily="18" charset="0"/>
-              </a:rPr>
-              <a:t>Aliquam</a:t>
-            </a:r>
-            <a:r>
-              <a:rPr lang="it-IT" sz="1600" dirty="0">
-                <a:solidFill>
-                  <a:srgbClr val="0070C0"/>
-                </a:solidFill>
-                <a:latin typeface="Cambria" panose="02040503050406030204" pitchFamily="18" charset="0"/>
-                <a:ea typeface="Cambria" panose="02040503050406030204" pitchFamily="18" charset="0"/>
-              </a:rPr>
-              <a:t> </a:t>
-            </a:r>
-            <a:r>
-              <a:rPr lang="it-IT" sz="1600" dirty="0" err="1">
-                <a:solidFill>
-                  <a:srgbClr val="0070C0"/>
-                </a:solidFill>
-                <a:latin typeface="Cambria" panose="02040503050406030204" pitchFamily="18" charset="0"/>
-                <a:ea typeface="Cambria" panose="02040503050406030204" pitchFamily="18" charset="0"/>
-              </a:rPr>
-              <a:t>vehicula</a:t>
-            </a:r>
-            <a:r>
-              <a:rPr lang="it-IT" sz="1600" dirty="0">
-                <a:solidFill>
-                  <a:srgbClr val="0070C0"/>
-                </a:solidFill>
-                <a:latin typeface="Cambria" panose="02040503050406030204" pitchFamily="18" charset="0"/>
-                <a:ea typeface="Cambria" panose="02040503050406030204" pitchFamily="18" charset="0"/>
-              </a:rPr>
-              <a:t> </a:t>
-            </a:r>
-            <a:r>
-              <a:rPr lang="it-IT" sz="1600" dirty="0" err="1">
-                <a:solidFill>
-                  <a:srgbClr val="0070C0"/>
-                </a:solidFill>
-                <a:latin typeface="Cambria" panose="02040503050406030204" pitchFamily="18" charset="0"/>
-                <a:ea typeface="Cambria" panose="02040503050406030204" pitchFamily="18" charset="0"/>
-              </a:rPr>
-              <a:t>risus</a:t>
-            </a:r>
-            <a:r>
-              <a:rPr lang="it-IT" sz="1600" dirty="0">
-                <a:solidFill>
-                  <a:srgbClr val="0070C0"/>
-                </a:solidFill>
-                <a:latin typeface="Cambria" panose="02040503050406030204" pitchFamily="18" charset="0"/>
-                <a:ea typeface="Cambria" panose="02040503050406030204" pitchFamily="18" charset="0"/>
-              </a:rPr>
-              <a:t> </a:t>
-            </a:r>
-            <a:r>
-              <a:rPr lang="it-IT" sz="1600" dirty="0" err="1">
-                <a:solidFill>
-                  <a:srgbClr val="0070C0"/>
-                </a:solidFill>
-                <a:latin typeface="Cambria" panose="02040503050406030204" pitchFamily="18" charset="0"/>
-                <a:ea typeface="Cambria" panose="02040503050406030204" pitchFamily="18" charset="0"/>
-              </a:rPr>
-              <a:t>quis</a:t>
-            </a:r>
-            <a:r>
-              <a:rPr lang="it-IT" sz="1600" dirty="0">
-                <a:solidFill>
-                  <a:srgbClr val="0070C0"/>
-                </a:solidFill>
-                <a:latin typeface="Cambria" panose="02040503050406030204" pitchFamily="18" charset="0"/>
-                <a:ea typeface="Cambria" panose="02040503050406030204" pitchFamily="18" charset="0"/>
-              </a:rPr>
-              <a:t> </a:t>
-            </a:r>
-            <a:r>
-              <a:rPr lang="it-IT" sz="1600" dirty="0" err="1">
-                <a:solidFill>
-                  <a:srgbClr val="0070C0"/>
-                </a:solidFill>
-                <a:latin typeface="Cambria" panose="02040503050406030204" pitchFamily="18" charset="0"/>
-                <a:ea typeface="Cambria" panose="02040503050406030204" pitchFamily="18" charset="0"/>
-              </a:rPr>
-              <a:t>laoreet</a:t>
-            </a:r>
-            <a:r>
-              <a:rPr lang="it-IT" sz="1600" dirty="0">
-                <a:solidFill>
-                  <a:srgbClr val="0070C0"/>
-                </a:solidFill>
-                <a:latin typeface="Cambria" panose="02040503050406030204" pitchFamily="18" charset="0"/>
-                <a:ea typeface="Cambria" panose="02040503050406030204" pitchFamily="18" charset="0"/>
-              </a:rPr>
-              <a:t> cursus. </a:t>
-            </a:r>
-            <a:r>
-              <a:rPr lang="it-IT" sz="1600" dirty="0" err="1">
-                <a:solidFill>
-                  <a:srgbClr val="0070C0"/>
-                </a:solidFill>
-                <a:latin typeface="Cambria" panose="02040503050406030204" pitchFamily="18" charset="0"/>
-                <a:ea typeface="Cambria" panose="02040503050406030204" pitchFamily="18" charset="0"/>
-              </a:rPr>
-              <a:t>Proin</a:t>
-            </a:r>
-            <a:r>
-              <a:rPr lang="it-IT" sz="1600" dirty="0">
-                <a:solidFill>
-                  <a:srgbClr val="0070C0"/>
-                </a:solidFill>
-                <a:latin typeface="Cambria" panose="02040503050406030204" pitchFamily="18" charset="0"/>
-                <a:ea typeface="Cambria" panose="02040503050406030204" pitchFamily="18" charset="0"/>
-              </a:rPr>
-              <a:t> </a:t>
-            </a:r>
-            <a:r>
-              <a:rPr lang="it-IT" sz="1600" dirty="0" err="1">
-                <a:solidFill>
-                  <a:srgbClr val="0070C0"/>
-                </a:solidFill>
-                <a:latin typeface="Cambria" panose="02040503050406030204" pitchFamily="18" charset="0"/>
-                <a:ea typeface="Cambria" panose="02040503050406030204" pitchFamily="18" charset="0"/>
-              </a:rPr>
-              <a:t>quis</a:t>
-            </a:r>
-            <a:r>
-              <a:rPr lang="it-IT" sz="1600" dirty="0">
-                <a:solidFill>
-                  <a:srgbClr val="0070C0"/>
-                </a:solidFill>
-                <a:latin typeface="Cambria" panose="02040503050406030204" pitchFamily="18" charset="0"/>
-                <a:ea typeface="Cambria" panose="02040503050406030204" pitchFamily="18" charset="0"/>
-              </a:rPr>
-              <a:t> </a:t>
-            </a:r>
-            <a:r>
-              <a:rPr lang="it-IT" sz="1600" dirty="0" err="1">
-                <a:solidFill>
-                  <a:srgbClr val="0070C0"/>
-                </a:solidFill>
-                <a:latin typeface="Cambria" panose="02040503050406030204" pitchFamily="18" charset="0"/>
-                <a:ea typeface="Cambria" panose="02040503050406030204" pitchFamily="18" charset="0"/>
-              </a:rPr>
-              <a:t>ipsum</a:t>
-            </a:r>
-            <a:r>
-              <a:rPr lang="it-IT" sz="1600" dirty="0">
-                <a:solidFill>
-                  <a:srgbClr val="0070C0"/>
-                </a:solidFill>
-                <a:latin typeface="Cambria" panose="02040503050406030204" pitchFamily="18" charset="0"/>
-                <a:ea typeface="Cambria" panose="02040503050406030204" pitchFamily="18" charset="0"/>
-              </a:rPr>
-              <a:t> </a:t>
-            </a:r>
-            <a:r>
-              <a:rPr lang="it-IT" sz="1600" dirty="0" err="1">
-                <a:solidFill>
-                  <a:srgbClr val="0070C0"/>
-                </a:solidFill>
-                <a:latin typeface="Cambria" panose="02040503050406030204" pitchFamily="18" charset="0"/>
-                <a:ea typeface="Cambria" panose="02040503050406030204" pitchFamily="18" charset="0"/>
-              </a:rPr>
-              <a:t>varius</a:t>
-            </a:r>
-            <a:r>
-              <a:rPr lang="it-IT" sz="1600" dirty="0">
-                <a:solidFill>
-                  <a:srgbClr val="0070C0"/>
-                </a:solidFill>
-                <a:latin typeface="Cambria" panose="02040503050406030204" pitchFamily="18" charset="0"/>
-                <a:ea typeface="Cambria" panose="02040503050406030204" pitchFamily="18" charset="0"/>
-              </a:rPr>
-              <a:t>, </a:t>
-            </a:r>
-            <a:r>
-              <a:rPr lang="it-IT" sz="1600" dirty="0" err="1">
-                <a:solidFill>
-                  <a:srgbClr val="0070C0"/>
-                </a:solidFill>
-                <a:latin typeface="Cambria" panose="02040503050406030204" pitchFamily="18" charset="0"/>
-                <a:ea typeface="Cambria" panose="02040503050406030204" pitchFamily="18" charset="0"/>
-              </a:rPr>
-              <a:t>dignissim</a:t>
-            </a:r>
-            <a:r>
-              <a:rPr lang="it-IT" sz="1600" dirty="0">
-                <a:solidFill>
-                  <a:srgbClr val="0070C0"/>
-                </a:solidFill>
-                <a:latin typeface="Cambria" panose="02040503050406030204" pitchFamily="18" charset="0"/>
-                <a:ea typeface="Cambria" panose="02040503050406030204" pitchFamily="18" charset="0"/>
-              </a:rPr>
-              <a:t> dolor sed, </a:t>
-            </a:r>
-            <a:r>
-              <a:rPr lang="it-IT" sz="1600" dirty="0" err="1">
-                <a:solidFill>
-                  <a:srgbClr val="0070C0"/>
-                </a:solidFill>
-                <a:latin typeface="Cambria" panose="02040503050406030204" pitchFamily="18" charset="0"/>
-                <a:ea typeface="Cambria" panose="02040503050406030204" pitchFamily="18" charset="0"/>
-              </a:rPr>
-              <a:t>sollicitudin</a:t>
-            </a:r>
-            <a:r>
-              <a:rPr lang="it-IT" sz="1600" dirty="0">
-                <a:solidFill>
-                  <a:srgbClr val="0070C0"/>
-                </a:solidFill>
-                <a:latin typeface="Cambria" panose="02040503050406030204" pitchFamily="18" charset="0"/>
-                <a:ea typeface="Cambria" panose="02040503050406030204" pitchFamily="18" charset="0"/>
-              </a:rPr>
-              <a:t> </a:t>
-            </a:r>
-            <a:r>
-              <a:rPr lang="it-IT" sz="1600" dirty="0" err="1">
-                <a:solidFill>
-                  <a:srgbClr val="0070C0"/>
-                </a:solidFill>
-                <a:latin typeface="Cambria" panose="02040503050406030204" pitchFamily="18" charset="0"/>
-                <a:ea typeface="Cambria" panose="02040503050406030204" pitchFamily="18" charset="0"/>
-              </a:rPr>
-              <a:t>diam</a:t>
-            </a:r>
-            <a:r>
-              <a:rPr lang="it-IT" sz="1600" dirty="0">
-                <a:solidFill>
-                  <a:srgbClr val="0070C0"/>
-                </a:solidFill>
-                <a:latin typeface="Cambria" panose="02040503050406030204" pitchFamily="18" charset="0"/>
-                <a:ea typeface="Cambria" panose="02040503050406030204" pitchFamily="18" charset="0"/>
-              </a:rPr>
-              <a:t>. Ut id </a:t>
-            </a:r>
-            <a:r>
-              <a:rPr lang="it-IT" sz="1600" dirty="0" err="1">
-                <a:solidFill>
-                  <a:srgbClr val="0070C0"/>
-                </a:solidFill>
-                <a:latin typeface="Cambria" panose="02040503050406030204" pitchFamily="18" charset="0"/>
-                <a:ea typeface="Cambria" panose="02040503050406030204" pitchFamily="18" charset="0"/>
-              </a:rPr>
-              <a:t>elit</a:t>
-            </a:r>
-            <a:r>
-              <a:rPr lang="it-IT" sz="1600" dirty="0">
-                <a:solidFill>
-                  <a:srgbClr val="0070C0"/>
-                </a:solidFill>
-                <a:latin typeface="Cambria" panose="02040503050406030204" pitchFamily="18" charset="0"/>
-                <a:ea typeface="Cambria" panose="02040503050406030204" pitchFamily="18" charset="0"/>
-              </a:rPr>
-              <a:t> </a:t>
-            </a:r>
-            <a:r>
-              <a:rPr lang="it-IT" sz="1600" dirty="0" err="1">
-                <a:solidFill>
-                  <a:srgbClr val="0070C0"/>
-                </a:solidFill>
-                <a:latin typeface="Cambria" panose="02040503050406030204" pitchFamily="18" charset="0"/>
-                <a:ea typeface="Cambria" panose="02040503050406030204" pitchFamily="18" charset="0"/>
-              </a:rPr>
-              <a:t>at</a:t>
-            </a:r>
-            <a:r>
-              <a:rPr lang="it-IT" sz="1600" dirty="0">
-                <a:solidFill>
-                  <a:srgbClr val="0070C0"/>
-                </a:solidFill>
-                <a:latin typeface="Cambria" panose="02040503050406030204" pitchFamily="18" charset="0"/>
-                <a:ea typeface="Cambria" panose="02040503050406030204" pitchFamily="18" charset="0"/>
-              </a:rPr>
-              <a:t> </a:t>
-            </a:r>
-            <a:r>
-              <a:rPr lang="it-IT" sz="1600" dirty="0" err="1">
-                <a:solidFill>
-                  <a:srgbClr val="0070C0"/>
-                </a:solidFill>
-                <a:latin typeface="Cambria" panose="02040503050406030204" pitchFamily="18" charset="0"/>
-                <a:ea typeface="Cambria" panose="02040503050406030204" pitchFamily="18" charset="0"/>
-              </a:rPr>
-              <a:t>nisi</a:t>
-            </a:r>
-            <a:r>
-              <a:rPr lang="it-IT" sz="1600" dirty="0">
-                <a:solidFill>
-                  <a:srgbClr val="0070C0"/>
-                </a:solidFill>
-                <a:latin typeface="Cambria" panose="02040503050406030204" pitchFamily="18" charset="0"/>
-                <a:ea typeface="Cambria" panose="02040503050406030204" pitchFamily="18" charset="0"/>
-              </a:rPr>
-              <a:t> cursus viverra. </a:t>
-            </a:r>
-            <a:r>
-              <a:rPr lang="it-IT" sz="1600" dirty="0" err="1">
-                <a:solidFill>
-                  <a:srgbClr val="0070C0"/>
-                </a:solidFill>
-                <a:latin typeface="Cambria" panose="02040503050406030204" pitchFamily="18" charset="0"/>
-                <a:ea typeface="Cambria" panose="02040503050406030204" pitchFamily="18" charset="0"/>
-              </a:rPr>
-              <a:t>Vestibulum</a:t>
-            </a:r>
-            <a:r>
-              <a:rPr lang="it-IT" sz="1600" dirty="0">
-                <a:solidFill>
-                  <a:srgbClr val="0070C0"/>
-                </a:solidFill>
-                <a:latin typeface="Cambria" panose="02040503050406030204" pitchFamily="18" charset="0"/>
-                <a:ea typeface="Cambria" panose="02040503050406030204" pitchFamily="18" charset="0"/>
-              </a:rPr>
-              <a:t> </a:t>
-            </a:r>
-            <a:r>
-              <a:rPr lang="it-IT" sz="1600" dirty="0" err="1">
-                <a:solidFill>
-                  <a:srgbClr val="0070C0"/>
-                </a:solidFill>
-                <a:latin typeface="Cambria" panose="02040503050406030204" pitchFamily="18" charset="0"/>
-                <a:ea typeface="Cambria" panose="02040503050406030204" pitchFamily="18" charset="0"/>
-              </a:rPr>
-              <a:t>interdum</a:t>
-            </a:r>
-            <a:r>
-              <a:rPr lang="it-IT" sz="1600" dirty="0">
-                <a:solidFill>
-                  <a:srgbClr val="0070C0"/>
-                </a:solidFill>
-                <a:latin typeface="Cambria" panose="02040503050406030204" pitchFamily="18" charset="0"/>
-                <a:ea typeface="Cambria" panose="02040503050406030204" pitchFamily="18" charset="0"/>
-              </a:rPr>
-              <a:t> </a:t>
-            </a:r>
-            <a:r>
-              <a:rPr lang="it-IT" sz="1600" dirty="0" err="1">
-                <a:solidFill>
-                  <a:srgbClr val="0070C0"/>
-                </a:solidFill>
-                <a:latin typeface="Cambria" panose="02040503050406030204" pitchFamily="18" charset="0"/>
-                <a:ea typeface="Cambria" panose="02040503050406030204" pitchFamily="18" charset="0"/>
-              </a:rPr>
-              <a:t>pellentesque</a:t>
-            </a:r>
-            <a:r>
-              <a:rPr lang="it-IT" sz="1600" dirty="0">
-                <a:solidFill>
-                  <a:srgbClr val="0070C0"/>
-                </a:solidFill>
-                <a:latin typeface="Cambria" panose="02040503050406030204" pitchFamily="18" charset="0"/>
-                <a:ea typeface="Cambria" panose="02040503050406030204" pitchFamily="18" charset="0"/>
-              </a:rPr>
-              <a:t> magna, vel </a:t>
-            </a:r>
-            <a:r>
-              <a:rPr lang="it-IT" sz="1600" dirty="0" err="1">
-                <a:solidFill>
-                  <a:srgbClr val="0070C0"/>
-                </a:solidFill>
-                <a:latin typeface="Cambria" panose="02040503050406030204" pitchFamily="18" charset="0"/>
-                <a:ea typeface="Cambria" panose="02040503050406030204" pitchFamily="18" charset="0"/>
-              </a:rPr>
-              <a:t>pharetra</a:t>
-            </a:r>
-            <a:r>
-              <a:rPr lang="it-IT" sz="1600" dirty="0">
-                <a:solidFill>
-                  <a:srgbClr val="0070C0"/>
-                </a:solidFill>
-                <a:latin typeface="Cambria" panose="02040503050406030204" pitchFamily="18" charset="0"/>
-                <a:ea typeface="Cambria" panose="02040503050406030204" pitchFamily="18" charset="0"/>
-              </a:rPr>
-              <a:t> </a:t>
-            </a:r>
-            <a:r>
-              <a:rPr lang="it-IT" sz="1600" dirty="0" err="1">
-                <a:solidFill>
-                  <a:srgbClr val="0070C0"/>
-                </a:solidFill>
-                <a:latin typeface="Cambria" panose="02040503050406030204" pitchFamily="18" charset="0"/>
-                <a:ea typeface="Cambria" panose="02040503050406030204" pitchFamily="18" charset="0"/>
-              </a:rPr>
-              <a:t>nisi</a:t>
-            </a:r>
-            <a:r>
-              <a:rPr lang="it-IT" sz="1600" dirty="0">
-                <a:solidFill>
-                  <a:srgbClr val="0070C0"/>
-                </a:solidFill>
-                <a:latin typeface="Cambria" panose="02040503050406030204" pitchFamily="18" charset="0"/>
-                <a:ea typeface="Cambria" panose="02040503050406030204" pitchFamily="18" charset="0"/>
-              </a:rPr>
-              <a:t> </a:t>
-            </a:r>
-            <a:r>
-              <a:rPr lang="it-IT" sz="1600" dirty="0" err="1">
-                <a:solidFill>
-                  <a:srgbClr val="0070C0"/>
-                </a:solidFill>
-                <a:latin typeface="Cambria" panose="02040503050406030204" pitchFamily="18" charset="0"/>
-                <a:ea typeface="Cambria" panose="02040503050406030204" pitchFamily="18" charset="0"/>
-              </a:rPr>
-              <a:t>lobortis</a:t>
-            </a:r>
-            <a:r>
-              <a:rPr lang="it-IT" sz="1600" dirty="0">
-                <a:solidFill>
-                  <a:srgbClr val="0070C0"/>
-                </a:solidFill>
-                <a:latin typeface="Cambria" panose="02040503050406030204" pitchFamily="18" charset="0"/>
-                <a:ea typeface="Cambria" panose="02040503050406030204" pitchFamily="18" charset="0"/>
-              </a:rPr>
-              <a:t> id. Nulla sed </a:t>
-            </a:r>
-            <a:r>
-              <a:rPr lang="it-IT" sz="1600" dirty="0" err="1">
-                <a:solidFill>
-                  <a:srgbClr val="0070C0"/>
-                </a:solidFill>
-                <a:latin typeface="Cambria" panose="02040503050406030204" pitchFamily="18" charset="0"/>
-                <a:ea typeface="Cambria" panose="02040503050406030204" pitchFamily="18" charset="0"/>
-              </a:rPr>
-              <a:t>sollicitudin</a:t>
-            </a:r>
-            <a:r>
-              <a:rPr lang="it-IT" sz="1600" dirty="0">
-                <a:solidFill>
-                  <a:srgbClr val="0070C0"/>
-                </a:solidFill>
-                <a:latin typeface="Cambria" panose="02040503050406030204" pitchFamily="18" charset="0"/>
-                <a:ea typeface="Cambria" panose="02040503050406030204" pitchFamily="18" charset="0"/>
-              </a:rPr>
-              <a:t> </a:t>
-            </a:r>
-            <a:r>
-              <a:rPr lang="it-IT" sz="1600" dirty="0" err="1">
-                <a:solidFill>
-                  <a:srgbClr val="0070C0"/>
-                </a:solidFill>
-                <a:latin typeface="Cambria" panose="02040503050406030204" pitchFamily="18" charset="0"/>
-                <a:ea typeface="Cambria" panose="02040503050406030204" pitchFamily="18" charset="0"/>
-              </a:rPr>
-              <a:t>velit</a:t>
-            </a:r>
-            <a:r>
-              <a:rPr lang="it-IT" sz="1600" dirty="0">
-                <a:solidFill>
-                  <a:srgbClr val="0070C0"/>
-                </a:solidFill>
-                <a:latin typeface="Cambria" panose="02040503050406030204" pitchFamily="18" charset="0"/>
-                <a:ea typeface="Cambria" panose="02040503050406030204" pitchFamily="18" charset="0"/>
-              </a:rPr>
-              <a:t>, a </a:t>
-            </a:r>
-            <a:r>
-              <a:rPr lang="it-IT" sz="1600" dirty="0" err="1">
-                <a:solidFill>
-                  <a:srgbClr val="0070C0"/>
-                </a:solidFill>
-                <a:latin typeface="Cambria" panose="02040503050406030204" pitchFamily="18" charset="0"/>
-                <a:ea typeface="Cambria" panose="02040503050406030204" pitchFamily="18" charset="0"/>
-              </a:rPr>
-              <a:t>consectetur</a:t>
-            </a:r>
-            <a:r>
-              <a:rPr lang="it-IT" sz="1600" dirty="0">
-                <a:solidFill>
-                  <a:srgbClr val="0070C0"/>
-                </a:solidFill>
-                <a:latin typeface="Cambria" panose="02040503050406030204" pitchFamily="18" charset="0"/>
-                <a:ea typeface="Cambria" panose="02040503050406030204" pitchFamily="18" charset="0"/>
-              </a:rPr>
-              <a:t> </a:t>
-            </a:r>
-            <a:r>
-              <a:rPr lang="it-IT" sz="1600" dirty="0" err="1">
-                <a:solidFill>
-                  <a:srgbClr val="0070C0"/>
-                </a:solidFill>
-                <a:latin typeface="Cambria" panose="02040503050406030204" pitchFamily="18" charset="0"/>
-                <a:ea typeface="Cambria" panose="02040503050406030204" pitchFamily="18" charset="0"/>
-              </a:rPr>
-              <a:t>neque</a:t>
-            </a:r>
-            <a:r>
-              <a:rPr lang="it-IT" sz="1600" dirty="0">
-                <a:solidFill>
-                  <a:srgbClr val="0070C0"/>
-                </a:solidFill>
-                <a:latin typeface="Cambria" panose="02040503050406030204" pitchFamily="18" charset="0"/>
-                <a:ea typeface="Cambria" panose="02040503050406030204" pitchFamily="18" charset="0"/>
-              </a:rPr>
-              <a:t>. </a:t>
-            </a:r>
-          </a:p>
-        </p:txBody>
-      </p:sp>
-      <p:sp>
-        <p:nvSpPr>
-          <p:cNvPr id="10" name="CasellaDiTesto 9">
-            <a:extLst>
-              <a:ext uri="{FF2B5EF4-FFF2-40B4-BE49-F238E27FC236}">
-                <a16:creationId xmlns:a16="http://schemas.microsoft.com/office/drawing/2014/main" id="{21670553-9C14-96FD-F028-FC45AE5F7649}"/>
-              </a:ext>
-            </a:extLst>
-          </p:cNvPr>
-          <p:cNvSpPr txBox="1"/>
-          <p:nvPr/>
-        </p:nvSpPr>
-        <p:spPr>
-          <a:xfrm>
-            <a:off x="8310452" y="-6587"/>
-            <a:ext cx="3600000" cy="369332"/>
-          </a:xfrm>
-          <a:prstGeom prst="rect">
-            <a:avLst/>
-          </a:prstGeom>
-          <a:noFill/>
-        </p:spPr>
-        <p:txBody>
-          <a:bodyPr wrap="square" rtlCol="0">
-            <a:spAutoFit/>
-          </a:bodyPr>
-          <a:lstStyle/>
-          <a:p>
-            <a:pPr algn="r"/>
-            <a:r>
-              <a:rPr lang="it-IT" dirty="0">
-                <a:solidFill>
-                  <a:srgbClr val="0070C0"/>
-                </a:solidFill>
-                <a:latin typeface="Cambria" panose="02040503050406030204" pitchFamily="18" charset="0"/>
-                <a:ea typeface="Cambria" panose="02040503050406030204" pitchFamily="18" charset="0"/>
-              </a:rPr>
-              <a:t>Scenario C</a:t>
-            </a:r>
-          </a:p>
-        </p:txBody>
-      </p:sp>
-    </p:spTree>
-    <p:extLst>
-      <p:ext uri="{BB962C8B-B14F-4D97-AF65-F5344CB8AC3E}">
-        <p14:creationId xmlns:p14="http://schemas.microsoft.com/office/powerpoint/2010/main" val="568022695"/>
       </p:ext>
     </p:extLst>
   </p:cSld>
@@ -18943,7 +15194,7 @@
         <p:cNvPr id="1" name="">
           <a:extLst>
             <a:ext uri="{FF2B5EF4-FFF2-40B4-BE49-F238E27FC236}">
-              <a16:creationId xmlns:a16="http://schemas.microsoft.com/office/drawing/2014/main" id="{759F58A2-DB04-786E-3CF5-10891C443C37}"/>
+              <a16:creationId xmlns:a16="http://schemas.microsoft.com/office/drawing/2014/main" id="{1995C95D-4707-A0B5-70D7-5FBBD38CEBB1}"/>
             </a:ext>
           </a:extLst>
         </p:cNvPr>
@@ -18960,10 +15211,10 @@
       </p:grpSpPr>
       <p:cxnSp>
         <p:nvCxnSpPr>
-          <p:cNvPr id="30" name="Straight Connector 9">
-            <a:extLst>
-              <a:ext uri="{FF2B5EF4-FFF2-40B4-BE49-F238E27FC236}">
-                <a16:creationId xmlns:a16="http://schemas.microsoft.com/office/drawing/2014/main" id="{87A899A0-DDF8-62EA-1C5F-A9C6CE1D8D57}"/>
+          <p:cNvPr id="2" name="Straight Connector 9">
+            <a:extLst>
+              <a:ext uri="{FF2B5EF4-FFF2-40B4-BE49-F238E27FC236}">
+                <a16:creationId xmlns:a16="http://schemas.microsoft.com/office/drawing/2014/main" id="{AF1EA78E-FAD0-3A64-D59C-F7A91E43894E}"/>
               </a:ext>
               <a:ext uri="{C183D7F6-B498-43B3-948B-1728B52AA6E4}">
                 <adec:decorative xmlns:adec="http://schemas.microsoft.com/office/drawing/2017/decorative" val="1"/>
@@ -19006,10 +15257,10 @@
       </p:cxnSp>
       <p:sp useBgFill="1">
         <p:nvSpPr>
-          <p:cNvPr id="31" name="Rectangle 11">
-            <a:extLst>
-              <a:ext uri="{FF2B5EF4-FFF2-40B4-BE49-F238E27FC236}">
-                <a16:creationId xmlns:a16="http://schemas.microsoft.com/office/drawing/2014/main" id="{88C30FF3-4D16-E9FF-02F1-C152BFCFA944}"/>
+          <p:cNvPr id="3" name="Rectangle 11">
+            <a:extLst>
+              <a:ext uri="{FF2B5EF4-FFF2-40B4-BE49-F238E27FC236}">
+                <a16:creationId xmlns:a16="http://schemas.microsoft.com/office/drawing/2014/main" id="{08AAB71B-FD71-13F9-A942-9BF38CB4A5D9}"/>
               </a:ext>
               <a:ext uri="{C183D7F6-B498-43B3-948B-1728B52AA6E4}">
                 <adec:decorative xmlns:adec="http://schemas.microsoft.com/office/drawing/2017/decorative" val="1"/>
@@ -19064,10 +15315,10 @@
       </p:sp>
       <p:sp useBgFill="1">
         <p:nvSpPr>
-          <p:cNvPr id="32" name="Rectangle 13">
-            <a:extLst>
-              <a:ext uri="{FF2B5EF4-FFF2-40B4-BE49-F238E27FC236}">
-                <a16:creationId xmlns:a16="http://schemas.microsoft.com/office/drawing/2014/main" id="{61181BFD-2895-3F58-87A0-8AC19231B03E}"/>
+          <p:cNvPr id="4" name="Rectangle 13">
+            <a:extLst>
+              <a:ext uri="{FF2B5EF4-FFF2-40B4-BE49-F238E27FC236}">
+                <a16:creationId xmlns:a16="http://schemas.microsoft.com/office/drawing/2014/main" id="{8AFEE9B7-FBE1-74F0-CAA8-B564A21AB5BD}"/>
               </a:ext>
               <a:ext uri="{C183D7F6-B498-43B3-948B-1728B52AA6E4}">
                 <adec:decorative xmlns:adec="http://schemas.microsoft.com/office/drawing/2017/decorative" val="1"/>
@@ -19136,107 +15387,12 @@
           </a:p>
         </p:txBody>
       </p:sp>
-      <p:pic>
-        <p:nvPicPr>
-          <p:cNvPr id="33" name="Immagine 32">
-            <a:extLst>
-              <a:ext uri="{FF2B5EF4-FFF2-40B4-BE49-F238E27FC236}">
-                <a16:creationId xmlns:a16="http://schemas.microsoft.com/office/drawing/2014/main" id="{853D3C66-353F-355A-7D95-243DA99DA0B3}"/>
-              </a:ext>
-            </a:extLst>
-          </p:cNvPr>
-          <p:cNvPicPr>
-            <a:picLocks noChangeAspect="1"/>
-          </p:cNvPicPr>
-          <p:nvPr/>
-        </p:nvPicPr>
-        <p:blipFill>
-          <a:blip r:embed="rId2"/>
-          <a:stretch>
-            <a:fillRect/>
-          </a:stretch>
-        </p:blipFill>
-        <p:spPr>
-          <a:xfrm>
-            <a:off x="4145493" y="375919"/>
-            <a:ext cx="3901011" cy="2160370"/>
-          </a:xfrm>
-          <a:prstGeom prst="rect">
-            <a:avLst/>
-          </a:prstGeom>
-          <a:ln>
-            <a:noFill/>
-          </a:ln>
-        </p:spPr>
-      </p:pic>
-      <p:sp>
-        <p:nvSpPr>
-          <p:cNvPr id="35" name="CasellaDiTesto 34">
-            <a:extLst>
-              <a:ext uri="{FF2B5EF4-FFF2-40B4-BE49-F238E27FC236}">
-                <a16:creationId xmlns:a16="http://schemas.microsoft.com/office/drawing/2014/main" id="{04AE1B88-AD72-F820-D30A-7CA9DB0E2484}"/>
-              </a:ext>
-            </a:extLst>
-          </p:cNvPr>
-          <p:cNvSpPr txBox="1"/>
-          <p:nvPr/>
-        </p:nvSpPr>
-        <p:spPr>
-          <a:xfrm>
-            <a:off x="3397053" y="2465149"/>
-            <a:ext cx="5397890" cy="1754326"/>
-          </a:xfrm>
-          <a:prstGeom prst="rect">
-            <a:avLst/>
-          </a:prstGeom>
-          <a:noFill/>
-        </p:spPr>
-        <p:txBody>
-          <a:bodyPr wrap="square" rtlCol="0">
-            <a:spAutoFit/>
-          </a:bodyPr>
-          <a:lstStyle/>
-          <a:p>
-            <a:pPr algn="ctr"/>
-            <a:r>
-              <a:rPr lang="it-IT" sz="5400" b="1" dirty="0">
-                <a:solidFill>
-                  <a:srgbClr val="0070C0"/>
-                </a:solidFill>
-                <a:latin typeface="Cambria" panose="02040503050406030204" pitchFamily="18" charset="0"/>
-                <a:ea typeface="Cambria" panose="02040503050406030204" pitchFamily="18" charset="0"/>
-              </a:rPr>
-              <a:t>Grazie per</a:t>
-            </a:r>
-          </a:p>
-          <a:p>
-            <a:pPr algn="ctr"/>
-            <a:r>
-              <a:rPr lang="it-IT" sz="5400" b="1" dirty="0">
-                <a:solidFill>
-                  <a:srgbClr val="0070C0"/>
-                </a:solidFill>
-                <a:latin typeface="Cambria" panose="02040503050406030204" pitchFamily="18" charset="0"/>
-                <a:ea typeface="Cambria" panose="02040503050406030204" pitchFamily="18" charset="0"/>
-              </a:rPr>
-              <a:t>l’attenzione</a:t>
-            </a:r>
-            <a:endParaRPr lang="it-IT" sz="3600" b="1" dirty="0">
-              <a:solidFill>
-                <a:srgbClr val="0070C0"/>
-              </a:solidFill>
-              <a:latin typeface="Cambria" panose="02040503050406030204" pitchFamily="18" charset="0"/>
-              <a:ea typeface="Cambria" panose="02040503050406030204" pitchFamily="18" charset="0"/>
-            </a:endParaRPr>
-          </a:p>
-        </p:txBody>
-      </p:sp>
       <p:cxnSp>
         <p:nvCxnSpPr>
-          <p:cNvPr id="36" name="Connettore diritto 35">
-            <a:extLst>
-              <a:ext uri="{FF2B5EF4-FFF2-40B4-BE49-F238E27FC236}">
-                <a16:creationId xmlns:a16="http://schemas.microsoft.com/office/drawing/2014/main" id="{343F90E4-911D-72D9-13DF-F824023E02D3}"/>
+          <p:cNvPr id="5" name="Connettore diritto 4">
+            <a:extLst>
+              <a:ext uri="{FF2B5EF4-FFF2-40B4-BE49-F238E27FC236}">
+                <a16:creationId xmlns:a16="http://schemas.microsoft.com/office/drawing/2014/main" id="{E3DA758F-54F1-0AA2-CFDF-B7FF807C26B2}"/>
               </a:ext>
             </a:extLst>
           </p:cNvPr>
@@ -19276,10 +15432,10 @@
       </p:cxnSp>
       <p:cxnSp>
         <p:nvCxnSpPr>
-          <p:cNvPr id="37" name="Connettore diritto 36">
-            <a:extLst>
-              <a:ext uri="{FF2B5EF4-FFF2-40B4-BE49-F238E27FC236}">
-                <a16:creationId xmlns:a16="http://schemas.microsoft.com/office/drawing/2014/main" id="{1988FE45-6AB0-820A-6D4A-6BC650E7EA04}"/>
+          <p:cNvPr id="6" name="Connettore diritto 5">
+            <a:extLst>
+              <a:ext uri="{FF2B5EF4-FFF2-40B4-BE49-F238E27FC236}">
+                <a16:creationId xmlns:a16="http://schemas.microsoft.com/office/drawing/2014/main" id="{4E223CD9-C964-3FF2-BA09-AEE99BAFF5E6}"/>
               </a:ext>
             </a:extLst>
           </p:cNvPr>
@@ -19319,10 +15475,10 @@
       </p:cxnSp>
       <p:cxnSp>
         <p:nvCxnSpPr>
-          <p:cNvPr id="38" name="Connettore diritto 37">
-            <a:extLst>
-              <a:ext uri="{FF2B5EF4-FFF2-40B4-BE49-F238E27FC236}">
-                <a16:creationId xmlns:a16="http://schemas.microsoft.com/office/drawing/2014/main" id="{1881E9BC-2149-DB44-868C-7B6CC620C9EF}"/>
+          <p:cNvPr id="7" name="Connettore diritto 6">
+            <a:extLst>
+              <a:ext uri="{FF2B5EF4-FFF2-40B4-BE49-F238E27FC236}">
+                <a16:creationId xmlns:a16="http://schemas.microsoft.com/office/drawing/2014/main" id="{E730A13A-5FD8-49BA-78C0-B6AFB68FD527}"/>
               </a:ext>
             </a:extLst>
           </p:cNvPr>
@@ -19362,10 +15518,10 @@
       </p:cxnSp>
       <p:cxnSp>
         <p:nvCxnSpPr>
-          <p:cNvPr id="39" name="Connettore diritto 38">
-            <a:extLst>
-              <a:ext uri="{FF2B5EF4-FFF2-40B4-BE49-F238E27FC236}">
-                <a16:creationId xmlns:a16="http://schemas.microsoft.com/office/drawing/2014/main" id="{B71ABEF3-0792-2BB3-273E-79116F3BA0B0}"/>
+          <p:cNvPr id="8" name="Connettore diritto 7">
+            <a:extLst>
+              <a:ext uri="{FF2B5EF4-FFF2-40B4-BE49-F238E27FC236}">
+                <a16:creationId xmlns:a16="http://schemas.microsoft.com/office/drawing/2014/main" id="{E173CACA-5FAF-41F9-D991-F73F78197410}"/>
               </a:ext>
             </a:extLst>
           </p:cNvPr>
@@ -19405,10 +15561,10 @@
       </p:cxnSp>
       <p:sp>
         <p:nvSpPr>
-          <p:cNvPr id="40" name="CasellaDiTesto 39">
-            <a:extLst>
-              <a:ext uri="{FF2B5EF4-FFF2-40B4-BE49-F238E27FC236}">
-                <a16:creationId xmlns:a16="http://schemas.microsoft.com/office/drawing/2014/main" id="{8AC21FCF-1C84-7BD6-014A-41419E24F590}"/>
+          <p:cNvPr id="11" name="CasellaDiTesto 10">
+            <a:extLst>
+              <a:ext uri="{FF2B5EF4-FFF2-40B4-BE49-F238E27FC236}">
+                <a16:creationId xmlns:a16="http://schemas.microsoft.com/office/drawing/2014/main" id="{FF899453-F55A-C327-CA06-D9C5F7A674F5}"/>
               </a:ext>
             </a:extLst>
           </p:cNvPr>
@@ -19417,8 +15573,8 @@
         </p:nvSpPr>
         <p:spPr>
           <a:xfrm>
-            <a:off x="2321344" y="4755812"/>
-            <a:ext cx="7549307" cy="369332"/>
+            <a:off x="281548" y="6501842"/>
+            <a:ext cx="3600000" cy="369332"/>
           </a:xfrm>
           <a:prstGeom prst="rect">
             <a:avLst/>
@@ -19431,7 +15587,6 @@
           </a:bodyPr>
           <a:lstStyle/>
           <a:p>
-            <a:pPr algn="ctr"/>
             <a:r>
               <a:rPr lang="it-IT" dirty="0">
                 <a:solidFill>
@@ -19440,17 +15595,17 @@
                 <a:latin typeface="Cambria" panose="02040503050406030204" pitchFamily="18" charset="0"/>
                 <a:ea typeface="Cambria" panose="02040503050406030204" pitchFamily="18" charset="0"/>
               </a:rPr>
-              <a:t>Andrea Spinelli, Gabriele Bova, Paolo Manuele Gulotta, Vincenzo Zizzo</a:t>
+              <a:t>4</a:t>
             </a:r>
           </a:p>
         </p:txBody>
       </p:sp>
       <p:sp>
         <p:nvSpPr>
-          <p:cNvPr id="41" name="CasellaDiTesto 40">
-            <a:extLst>
-              <a:ext uri="{FF2B5EF4-FFF2-40B4-BE49-F238E27FC236}">
-                <a16:creationId xmlns:a16="http://schemas.microsoft.com/office/drawing/2014/main" id="{EFAFED79-71D9-E555-AF16-E49B6A66CF75}"/>
+          <p:cNvPr id="15" name="CasellaDiTesto 14">
+            <a:extLst>
+              <a:ext uri="{FF2B5EF4-FFF2-40B4-BE49-F238E27FC236}">
+                <a16:creationId xmlns:a16="http://schemas.microsoft.com/office/drawing/2014/main" id="{38264396-599E-4EC9-9AE6-955DC506BD32}"/>
               </a:ext>
             </a:extLst>
           </p:cNvPr>
@@ -19459,7 +15614,7 @@
         </p:nvSpPr>
         <p:spPr>
           <a:xfrm>
-            <a:off x="8310452" y="-6587"/>
+            <a:off x="281549" y="-6587"/>
             <a:ext cx="3600000" cy="369332"/>
           </a:xfrm>
           <a:prstGeom prst="rect">
@@ -19473,9 +15628,98 @@
           </a:bodyPr>
           <a:lstStyle/>
           <a:p>
-            <a:pPr algn="r"/>
-            <a:r>
-              <a:rPr lang="it-IT" dirty="0">
+            <a:r>
+              <a:rPr lang="it-IT" b="1" dirty="0">
+                <a:solidFill>
+                  <a:srgbClr val="0070C0"/>
+                </a:solidFill>
+                <a:latin typeface="Cambria" panose="02040503050406030204" pitchFamily="18" charset="0"/>
+                <a:ea typeface="Cambria" panose="02040503050406030204" pitchFamily="18" charset="0"/>
+              </a:rPr>
+              <a:t> 4 – Simulazione</a:t>
+            </a:r>
+          </a:p>
+        </p:txBody>
+      </p:sp>
+      <p:pic>
+        <p:nvPicPr>
+          <p:cNvPr id="9" name="video_card">
+            <a:hlinkClick r:id="" action="ppaction://media"/>
+            <a:extLst>
+              <a:ext uri="{FF2B5EF4-FFF2-40B4-BE49-F238E27FC236}">
+                <a16:creationId xmlns:a16="http://schemas.microsoft.com/office/drawing/2014/main" id="{743AC4A0-EA49-B306-8C75-4AB291CF8426}"/>
+              </a:ext>
+            </a:extLst>
+          </p:cNvPr>
+          <p:cNvPicPr>
+            <a:picLocks noChangeAspect="1"/>
+          </p:cNvPicPr>
+          <p:nvPr>
+            <a:videoFile r:link="rId2"/>
+            <p:extLst>
+              <p:ext uri="{DAA4B4D4-6D71-4841-9C94-3DE7FCFB9230}">
+                <p14:media xmlns:p14="http://schemas.microsoft.com/office/powerpoint/2010/main" r:embed="rId1"/>
+              </p:ext>
+            </p:extLst>
+          </p:nvPr>
+        </p:nvPicPr>
+        <p:blipFill>
+          <a:blip r:embed="rId4"/>
+          <a:stretch>
+            <a:fillRect/>
+          </a:stretch>
+        </p:blipFill>
+        <p:spPr>
+          <a:xfrm>
+            <a:off x="281549" y="859635"/>
+            <a:ext cx="9157091" cy="5138730"/>
+          </a:xfrm>
+          <a:prstGeom prst="rect">
+            <a:avLst/>
+          </a:prstGeom>
+        </p:spPr>
+      </p:pic>
+      <p:sp>
+        <p:nvSpPr>
+          <p:cNvPr id="12" name="CasellaDiTesto 11">
+            <a:extLst>
+              <a:ext uri="{FF2B5EF4-FFF2-40B4-BE49-F238E27FC236}">
+                <a16:creationId xmlns:a16="http://schemas.microsoft.com/office/drawing/2014/main" id="{C15FAE41-53B3-DBCA-F688-92D52CB5DC37}"/>
+              </a:ext>
+            </a:extLst>
+          </p:cNvPr>
+          <p:cNvSpPr txBox="1"/>
+          <p:nvPr/>
+        </p:nvSpPr>
+        <p:spPr>
+          <a:xfrm>
+            <a:off x="9611360" y="859634"/>
+            <a:ext cx="2410460" cy="3785652"/>
+          </a:xfrm>
+          <a:prstGeom prst="rect">
+            <a:avLst/>
+          </a:prstGeom>
+          <a:noFill/>
+        </p:spPr>
+        <p:txBody>
+          <a:bodyPr wrap="square">
+            <a:spAutoFit/>
+          </a:bodyPr>
+          <a:lstStyle/>
+          <a:p>
+            <a:pPr algn="just"/>
+            <a:r>
+              <a:rPr lang="it-IT" sz="1600" dirty="0" err="1">
+                <a:solidFill>
+                  <a:srgbClr val="0070C0"/>
+                </a:solidFill>
+                <a:latin typeface="Cambria" panose="02040503050406030204" pitchFamily="18" charset="0"/>
+                <a:ea typeface="Cambria" panose="02040503050406030204" pitchFamily="18" charset="0"/>
+              </a:rPr>
+              <a:t>Lorem</a:t>
+            </a:r>
+            <a:r>
+              <a:rPr lang="it-IT" sz="1600" dirty="0">
                 <a:solidFill>
                   <a:srgbClr val="0070C0"/>
                 </a:solidFill>
@@ -19483,16 +15727,636 @@
                 <a:ea typeface="Cambria" panose="02040503050406030204" pitchFamily="18" charset="0"/>
               </a:rPr>
               <a:t> </a:t>
+            </a:r>
+            <a:r>
+              <a:rPr lang="it-IT" sz="1600" dirty="0" err="1">
+                <a:solidFill>
+                  <a:srgbClr val="0070C0"/>
+                </a:solidFill>
+                <a:latin typeface="Cambria" panose="02040503050406030204" pitchFamily="18" charset="0"/>
+                <a:ea typeface="Cambria" panose="02040503050406030204" pitchFamily="18" charset="0"/>
+              </a:rPr>
+              <a:t>ipsum</a:t>
+            </a:r>
+            <a:r>
+              <a:rPr lang="it-IT" sz="1600" dirty="0">
+                <a:solidFill>
+                  <a:srgbClr val="0070C0"/>
+                </a:solidFill>
+                <a:latin typeface="Cambria" panose="02040503050406030204" pitchFamily="18" charset="0"/>
+                <a:ea typeface="Cambria" panose="02040503050406030204" pitchFamily="18" charset="0"/>
+              </a:rPr>
+              <a:t> dolor </a:t>
+            </a:r>
+            <a:r>
+              <a:rPr lang="it-IT" sz="1600" dirty="0" err="1">
+                <a:solidFill>
+                  <a:srgbClr val="0070C0"/>
+                </a:solidFill>
+                <a:latin typeface="Cambria" panose="02040503050406030204" pitchFamily="18" charset="0"/>
+                <a:ea typeface="Cambria" panose="02040503050406030204" pitchFamily="18" charset="0"/>
+              </a:rPr>
+              <a:t>sit</a:t>
+            </a:r>
+            <a:r>
+              <a:rPr lang="it-IT" sz="1600" dirty="0">
+                <a:solidFill>
+                  <a:srgbClr val="0070C0"/>
+                </a:solidFill>
+                <a:latin typeface="Cambria" panose="02040503050406030204" pitchFamily="18" charset="0"/>
+                <a:ea typeface="Cambria" panose="02040503050406030204" pitchFamily="18" charset="0"/>
+              </a:rPr>
+              <a:t> </a:t>
+            </a:r>
+            <a:r>
+              <a:rPr lang="it-IT" sz="1600" dirty="0" err="1">
+                <a:solidFill>
+                  <a:srgbClr val="0070C0"/>
+                </a:solidFill>
+                <a:latin typeface="Cambria" panose="02040503050406030204" pitchFamily="18" charset="0"/>
+                <a:ea typeface="Cambria" panose="02040503050406030204" pitchFamily="18" charset="0"/>
+              </a:rPr>
+              <a:t>amet</a:t>
+            </a:r>
+            <a:r>
+              <a:rPr lang="it-IT" sz="1600" dirty="0">
+                <a:solidFill>
+                  <a:srgbClr val="0070C0"/>
+                </a:solidFill>
+                <a:latin typeface="Cambria" panose="02040503050406030204" pitchFamily="18" charset="0"/>
+                <a:ea typeface="Cambria" panose="02040503050406030204" pitchFamily="18" charset="0"/>
+              </a:rPr>
+              <a:t>, </a:t>
+            </a:r>
+            <a:r>
+              <a:rPr lang="it-IT" sz="1600" dirty="0" err="1">
+                <a:solidFill>
+                  <a:srgbClr val="0070C0"/>
+                </a:solidFill>
+                <a:latin typeface="Cambria" panose="02040503050406030204" pitchFamily="18" charset="0"/>
+                <a:ea typeface="Cambria" panose="02040503050406030204" pitchFamily="18" charset="0"/>
+              </a:rPr>
+              <a:t>consectetur</a:t>
+            </a:r>
+            <a:r>
+              <a:rPr lang="it-IT" sz="1600" dirty="0">
+                <a:solidFill>
+                  <a:srgbClr val="0070C0"/>
+                </a:solidFill>
+                <a:latin typeface="Cambria" panose="02040503050406030204" pitchFamily="18" charset="0"/>
+                <a:ea typeface="Cambria" panose="02040503050406030204" pitchFamily="18" charset="0"/>
+              </a:rPr>
+              <a:t> </a:t>
+            </a:r>
+            <a:r>
+              <a:rPr lang="it-IT" sz="1600" dirty="0" err="1">
+                <a:solidFill>
+                  <a:srgbClr val="0070C0"/>
+                </a:solidFill>
+                <a:latin typeface="Cambria" panose="02040503050406030204" pitchFamily="18" charset="0"/>
+                <a:ea typeface="Cambria" panose="02040503050406030204" pitchFamily="18" charset="0"/>
+              </a:rPr>
+              <a:t>adipiscing</a:t>
+            </a:r>
+            <a:r>
+              <a:rPr lang="it-IT" sz="1600" dirty="0">
+                <a:solidFill>
+                  <a:srgbClr val="0070C0"/>
+                </a:solidFill>
+                <a:latin typeface="Cambria" panose="02040503050406030204" pitchFamily="18" charset="0"/>
+                <a:ea typeface="Cambria" panose="02040503050406030204" pitchFamily="18" charset="0"/>
+              </a:rPr>
+              <a:t> </a:t>
+            </a:r>
+            <a:r>
+              <a:rPr lang="it-IT" sz="1600" dirty="0" err="1">
+                <a:solidFill>
+                  <a:srgbClr val="0070C0"/>
+                </a:solidFill>
+                <a:latin typeface="Cambria" panose="02040503050406030204" pitchFamily="18" charset="0"/>
+                <a:ea typeface="Cambria" panose="02040503050406030204" pitchFamily="18" charset="0"/>
+              </a:rPr>
+              <a:t>elit</a:t>
+            </a:r>
+            <a:r>
+              <a:rPr lang="it-IT" sz="1600" dirty="0">
+                <a:solidFill>
+                  <a:srgbClr val="0070C0"/>
+                </a:solidFill>
+                <a:latin typeface="Cambria" panose="02040503050406030204" pitchFamily="18" charset="0"/>
+                <a:ea typeface="Cambria" panose="02040503050406030204" pitchFamily="18" charset="0"/>
+              </a:rPr>
+              <a:t>. </a:t>
+            </a:r>
+            <a:r>
+              <a:rPr lang="it-IT" sz="1600" dirty="0" err="1">
+                <a:solidFill>
+                  <a:srgbClr val="0070C0"/>
+                </a:solidFill>
+                <a:latin typeface="Cambria" panose="02040503050406030204" pitchFamily="18" charset="0"/>
+                <a:ea typeface="Cambria" panose="02040503050406030204" pitchFamily="18" charset="0"/>
+              </a:rPr>
+              <a:t>Aliquam</a:t>
+            </a:r>
+            <a:r>
+              <a:rPr lang="it-IT" sz="1600" dirty="0">
+                <a:solidFill>
+                  <a:srgbClr val="0070C0"/>
+                </a:solidFill>
+                <a:latin typeface="Cambria" panose="02040503050406030204" pitchFamily="18" charset="0"/>
+                <a:ea typeface="Cambria" panose="02040503050406030204" pitchFamily="18" charset="0"/>
+              </a:rPr>
+              <a:t> </a:t>
+            </a:r>
+            <a:r>
+              <a:rPr lang="it-IT" sz="1600" dirty="0" err="1">
+                <a:solidFill>
+                  <a:srgbClr val="0070C0"/>
+                </a:solidFill>
+                <a:latin typeface="Cambria" panose="02040503050406030204" pitchFamily="18" charset="0"/>
+                <a:ea typeface="Cambria" panose="02040503050406030204" pitchFamily="18" charset="0"/>
+              </a:rPr>
+              <a:t>vehicula</a:t>
+            </a:r>
+            <a:r>
+              <a:rPr lang="it-IT" sz="1600" dirty="0">
+                <a:solidFill>
+                  <a:srgbClr val="0070C0"/>
+                </a:solidFill>
+                <a:latin typeface="Cambria" panose="02040503050406030204" pitchFamily="18" charset="0"/>
+                <a:ea typeface="Cambria" panose="02040503050406030204" pitchFamily="18" charset="0"/>
+              </a:rPr>
+              <a:t> </a:t>
+            </a:r>
+            <a:r>
+              <a:rPr lang="it-IT" sz="1600" dirty="0" err="1">
+                <a:solidFill>
+                  <a:srgbClr val="0070C0"/>
+                </a:solidFill>
+                <a:latin typeface="Cambria" panose="02040503050406030204" pitchFamily="18" charset="0"/>
+                <a:ea typeface="Cambria" panose="02040503050406030204" pitchFamily="18" charset="0"/>
+              </a:rPr>
+              <a:t>risus</a:t>
+            </a:r>
+            <a:r>
+              <a:rPr lang="it-IT" sz="1600" dirty="0">
+                <a:solidFill>
+                  <a:srgbClr val="0070C0"/>
+                </a:solidFill>
+                <a:latin typeface="Cambria" panose="02040503050406030204" pitchFamily="18" charset="0"/>
+                <a:ea typeface="Cambria" panose="02040503050406030204" pitchFamily="18" charset="0"/>
+              </a:rPr>
+              <a:t> </a:t>
+            </a:r>
+            <a:r>
+              <a:rPr lang="it-IT" sz="1600" dirty="0" err="1">
+                <a:solidFill>
+                  <a:srgbClr val="0070C0"/>
+                </a:solidFill>
+                <a:latin typeface="Cambria" panose="02040503050406030204" pitchFamily="18" charset="0"/>
+                <a:ea typeface="Cambria" panose="02040503050406030204" pitchFamily="18" charset="0"/>
+              </a:rPr>
+              <a:t>quis</a:t>
+            </a:r>
+            <a:r>
+              <a:rPr lang="it-IT" sz="1600" dirty="0">
+                <a:solidFill>
+                  <a:srgbClr val="0070C0"/>
+                </a:solidFill>
+                <a:latin typeface="Cambria" panose="02040503050406030204" pitchFamily="18" charset="0"/>
+                <a:ea typeface="Cambria" panose="02040503050406030204" pitchFamily="18" charset="0"/>
+              </a:rPr>
+              <a:t> </a:t>
+            </a:r>
+            <a:r>
+              <a:rPr lang="it-IT" sz="1600" dirty="0" err="1">
+                <a:solidFill>
+                  <a:srgbClr val="0070C0"/>
+                </a:solidFill>
+                <a:latin typeface="Cambria" panose="02040503050406030204" pitchFamily="18" charset="0"/>
+                <a:ea typeface="Cambria" panose="02040503050406030204" pitchFamily="18" charset="0"/>
+              </a:rPr>
+              <a:t>laoreet</a:t>
+            </a:r>
+            <a:r>
+              <a:rPr lang="it-IT" sz="1600" dirty="0">
+                <a:solidFill>
+                  <a:srgbClr val="0070C0"/>
+                </a:solidFill>
+                <a:latin typeface="Cambria" panose="02040503050406030204" pitchFamily="18" charset="0"/>
+                <a:ea typeface="Cambria" panose="02040503050406030204" pitchFamily="18" charset="0"/>
+              </a:rPr>
+              <a:t> cursus. </a:t>
+            </a:r>
+            <a:r>
+              <a:rPr lang="it-IT" sz="1600" dirty="0" err="1">
+                <a:solidFill>
+                  <a:srgbClr val="0070C0"/>
+                </a:solidFill>
+                <a:latin typeface="Cambria" panose="02040503050406030204" pitchFamily="18" charset="0"/>
+                <a:ea typeface="Cambria" panose="02040503050406030204" pitchFamily="18" charset="0"/>
+              </a:rPr>
+              <a:t>Proin</a:t>
+            </a:r>
+            <a:r>
+              <a:rPr lang="it-IT" sz="1600" dirty="0">
+                <a:solidFill>
+                  <a:srgbClr val="0070C0"/>
+                </a:solidFill>
+                <a:latin typeface="Cambria" panose="02040503050406030204" pitchFamily="18" charset="0"/>
+                <a:ea typeface="Cambria" panose="02040503050406030204" pitchFamily="18" charset="0"/>
+              </a:rPr>
+              <a:t> </a:t>
+            </a:r>
+            <a:r>
+              <a:rPr lang="it-IT" sz="1600" dirty="0" err="1">
+                <a:solidFill>
+                  <a:srgbClr val="0070C0"/>
+                </a:solidFill>
+                <a:latin typeface="Cambria" panose="02040503050406030204" pitchFamily="18" charset="0"/>
+                <a:ea typeface="Cambria" panose="02040503050406030204" pitchFamily="18" charset="0"/>
+              </a:rPr>
+              <a:t>quis</a:t>
+            </a:r>
+            <a:r>
+              <a:rPr lang="it-IT" sz="1600" dirty="0">
+                <a:solidFill>
+                  <a:srgbClr val="0070C0"/>
+                </a:solidFill>
+                <a:latin typeface="Cambria" panose="02040503050406030204" pitchFamily="18" charset="0"/>
+                <a:ea typeface="Cambria" panose="02040503050406030204" pitchFamily="18" charset="0"/>
+              </a:rPr>
+              <a:t> </a:t>
+            </a:r>
+            <a:r>
+              <a:rPr lang="it-IT" sz="1600" dirty="0" err="1">
+                <a:solidFill>
+                  <a:srgbClr val="0070C0"/>
+                </a:solidFill>
+                <a:latin typeface="Cambria" panose="02040503050406030204" pitchFamily="18" charset="0"/>
+                <a:ea typeface="Cambria" panose="02040503050406030204" pitchFamily="18" charset="0"/>
+              </a:rPr>
+              <a:t>ipsum</a:t>
+            </a:r>
+            <a:r>
+              <a:rPr lang="it-IT" sz="1600" dirty="0">
+                <a:solidFill>
+                  <a:srgbClr val="0070C0"/>
+                </a:solidFill>
+                <a:latin typeface="Cambria" panose="02040503050406030204" pitchFamily="18" charset="0"/>
+                <a:ea typeface="Cambria" panose="02040503050406030204" pitchFamily="18" charset="0"/>
+              </a:rPr>
+              <a:t> </a:t>
+            </a:r>
+            <a:r>
+              <a:rPr lang="it-IT" sz="1600" dirty="0" err="1">
+                <a:solidFill>
+                  <a:srgbClr val="0070C0"/>
+                </a:solidFill>
+                <a:latin typeface="Cambria" panose="02040503050406030204" pitchFamily="18" charset="0"/>
+                <a:ea typeface="Cambria" panose="02040503050406030204" pitchFamily="18" charset="0"/>
+              </a:rPr>
+              <a:t>varius</a:t>
+            </a:r>
+            <a:r>
+              <a:rPr lang="it-IT" sz="1600" dirty="0">
+                <a:solidFill>
+                  <a:srgbClr val="0070C0"/>
+                </a:solidFill>
+                <a:latin typeface="Cambria" panose="02040503050406030204" pitchFamily="18" charset="0"/>
+                <a:ea typeface="Cambria" panose="02040503050406030204" pitchFamily="18" charset="0"/>
+              </a:rPr>
+              <a:t>, </a:t>
+            </a:r>
+            <a:r>
+              <a:rPr lang="it-IT" sz="1600" dirty="0" err="1">
+                <a:solidFill>
+                  <a:srgbClr val="0070C0"/>
+                </a:solidFill>
+                <a:latin typeface="Cambria" panose="02040503050406030204" pitchFamily="18" charset="0"/>
+                <a:ea typeface="Cambria" panose="02040503050406030204" pitchFamily="18" charset="0"/>
+              </a:rPr>
+              <a:t>dignissim</a:t>
+            </a:r>
+            <a:r>
+              <a:rPr lang="it-IT" sz="1600" dirty="0">
+                <a:solidFill>
+                  <a:srgbClr val="0070C0"/>
+                </a:solidFill>
+                <a:latin typeface="Cambria" panose="02040503050406030204" pitchFamily="18" charset="0"/>
+                <a:ea typeface="Cambria" panose="02040503050406030204" pitchFamily="18" charset="0"/>
+              </a:rPr>
+              <a:t> dolor sed, </a:t>
+            </a:r>
+            <a:r>
+              <a:rPr lang="it-IT" sz="1600" dirty="0" err="1">
+                <a:solidFill>
+                  <a:srgbClr val="0070C0"/>
+                </a:solidFill>
+                <a:latin typeface="Cambria" panose="02040503050406030204" pitchFamily="18" charset="0"/>
+                <a:ea typeface="Cambria" panose="02040503050406030204" pitchFamily="18" charset="0"/>
+              </a:rPr>
+              <a:t>sollicitudin</a:t>
+            </a:r>
+            <a:r>
+              <a:rPr lang="it-IT" sz="1600" dirty="0">
+                <a:solidFill>
+                  <a:srgbClr val="0070C0"/>
+                </a:solidFill>
+                <a:latin typeface="Cambria" panose="02040503050406030204" pitchFamily="18" charset="0"/>
+                <a:ea typeface="Cambria" panose="02040503050406030204" pitchFamily="18" charset="0"/>
+              </a:rPr>
+              <a:t> </a:t>
+            </a:r>
+            <a:r>
+              <a:rPr lang="it-IT" sz="1600" dirty="0" err="1">
+                <a:solidFill>
+                  <a:srgbClr val="0070C0"/>
+                </a:solidFill>
+                <a:latin typeface="Cambria" panose="02040503050406030204" pitchFamily="18" charset="0"/>
+                <a:ea typeface="Cambria" panose="02040503050406030204" pitchFamily="18" charset="0"/>
+              </a:rPr>
+              <a:t>diam</a:t>
+            </a:r>
+            <a:r>
+              <a:rPr lang="it-IT" sz="1600" dirty="0">
+                <a:solidFill>
+                  <a:srgbClr val="0070C0"/>
+                </a:solidFill>
+                <a:latin typeface="Cambria" panose="02040503050406030204" pitchFamily="18" charset="0"/>
+                <a:ea typeface="Cambria" panose="02040503050406030204" pitchFamily="18" charset="0"/>
+              </a:rPr>
+              <a:t>. Ut id </a:t>
+            </a:r>
+            <a:r>
+              <a:rPr lang="it-IT" sz="1600" dirty="0" err="1">
+                <a:solidFill>
+                  <a:srgbClr val="0070C0"/>
+                </a:solidFill>
+                <a:latin typeface="Cambria" panose="02040503050406030204" pitchFamily="18" charset="0"/>
+                <a:ea typeface="Cambria" panose="02040503050406030204" pitchFamily="18" charset="0"/>
+              </a:rPr>
+              <a:t>elit</a:t>
+            </a:r>
+            <a:r>
+              <a:rPr lang="it-IT" sz="1600" dirty="0">
+                <a:solidFill>
+                  <a:srgbClr val="0070C0"/>
+                </a:solidFill>
+                <a:latin typeface="Cambria" panose="02040503050406030204" pitchFamily="18" charset="0"/>
+                <a:ea typeface="Cambria" panose="02040503050406030204" pitchFamily="18" charset="0"/>
+              </a:rPr>
+              <a:t> </a:t>
+            </a:r>
+            <a:r>
+              <a:rPr lang="it-IT" sz="1600" dirty="0" err="1">
+                <a:solidFill>
+                  <a:srgbClr val="0070C0"/>
+                </a:solidFill>
+                <a:latin typeface="Cambria" panose="02040503050406030204" pitchFamily="18" charset="0"/>
+                <a:ea typeface="Cambria" panose="02040503050406030204" pitchFamily="18" charset="0"/>
+              </a:rPr>
+              <a:t>at</a:t>
+            </a:r>
+            <a:r>
+              <a:rPr lang="it-IT" sz="1600" dirty="0">
+                <a:solidFill>
+                  <a:srgbClr val="0070C0"/>
+                </a:solidFill>
+                <a:latin typeface="Cambria" panose="02040503050406030204" pitchFamily="18" charset="0"/>
+                <a:ea typeface="Cambria" panose="02040503050406030204" pitchFamily="18" charset="0"/>
+              </a:rPr>
+              <a:t> </a:t>
+            </a:r>
+            <a:r>
+              <a:rPr lang="it-IT" sz="1600" dirty="0" err="1">
+                <a:solidFill>
+                  <a:srgbClr val="0070C0"/>
+                </a:solidFill>
+                <a:latin typeface="Cambria" panose="02040503050406030204" pitchFamily="18" charset="0"/>
+                <a:ea typeface="Cambria" panose="02040503050406030204" pitchFamily="18" charset="0"/>
+              </a:rPr>
+              <a:t>nisi</a:t>
+            </a:r>
+            <a:r>
+              <a:rPr lang="it-IT" sz="1600" dirty="0">
+                <a:solidFill>
+                  <a:srgbClr val="0070C0"/>
+                </a:solidFill>
+                <a:latin typeface="Cambria" panose="02040503050406030204" pitchFamily="18" charset="0"/>
+                <a:ea typeface="Cambria" panose="02040503050406030204" pitchFamily="18" charset="0"/>
+              </a:rPr>
+              <a:t> cursus viverra. </a:t>
+            </a:r>
+            <a:r>
+              <a:rPr lang="it-IT" sz="1600" dirty="0" err="1">
+                <a:solidFill>
+                  <a:srgbClr val="0070C0"/>
+                </a:solidFill>
+                <a:latin typeface="Cambria" panose="02040503050406030204" pitchFamily="18" charset="0"/>
+                <a:ea typeface="Cambria" panose="02040503050406030204" pitchFamily="18" charset="0"/>
+              </a:rPr>
+              <a:t>Vestibulum</a:t>
+            </a:r>
+            <a:r>
+              <a:rPr lang="it-IT" sz="1600" dirty="0">
+                <a:solidFill>
+                  <a:srgbClr val="0070C0"/>
+                </a:solidFill>
+                <a:latin typeface="Cambria" panose="02040503050406030204" pitchFamily="18" charset="0"/>
+                <a:ea typeface="Cambria" panose="02040503050406030204" pitchFamily="18" charset="0"/>
+              </a:rPr>
+              <a:t> </a:t>
+            </a:r>
+            <a:r>
+              <a:rPr lang="it-IT" sz="1600" dirty="0" err="1">
+                <a:solidFill>
+                  <a:srgbClr val="0070C0"/>
+                </a:solidFill>
+                <a:latin typeface="Cambria" panose="02040503050406030204" pitchFamily="18" charset="0"/>
+                <a:ea typeface="Cambria" panose="02040503050406030204" pitchFamily="18" charset="0"/>
+              </a:rPr>
+              <a:t>interdum</a:t>
+            </a:r>
+            <a:r>
+              <a:rPr lang="it-IT" sz="1600" dirty="0">
+                <a:solidFill>
+                  <a:srgbClr val="0070C0"/>
+                </a:solidFill>
+                <a:latin typeface="Cambria" panose="02040503050406030204" pitchFamily="18" charset="0"/>
+                <a:ea typeface="Cambria" panose="02040503050406030204" pitchFamily="18" charset="0"/>
+              </a:rPr>
+              <a:t> </a:t>
+            </a:r>
+            <a:r>
+              <a:rPr lang="it-IT" sz="1600" dirty="0" err="1">
+                <a:solidFill>
+                  <a:srgbClr val="0070C0"/>
+                </a:solidFill>
+                <a:latin typeface="Cambria" panose="02040503050406030204" pitchFamily="18" charset="0"/>
+                <a:ea typeface="Cambria" panose="02040503050406030204" pitchFamily="18" charset="0"/>
+              </a:rPr>
+              <a:t>pellentesque</a:t>
+            </a:r>
+            <a:r>
+              <a:rPr lang="it-IT" sz="1600" dirty="0">
+                <a:solidFill>
+                  <a:srgbClr val="0070C0"/>
+                </a:solidFill>
+                <a:latin typeface="Cambria" panose="02040503050406030204" pitchFamily="18" charset="0"/>
+                <a:ea typeface="Cambria" panose="02040503050406030204" pitchFamily="18" charset="0"/>
+              </a:rPr>
+              <a:t> magna, vel </a:t>
+            </a:r>
+            <a:r>
+              <a:rPr lang="it-IT" sz="1600" dirty="0" err="1">
+                <a:solidFill>
+                  <a:srgbClr val="0070C0"/>
+                </a:solidFill>
+                <a:latin typeface="Cambria" panose="02040503050406030204" pitchFamily="18" charset="0"/>
+                <a:ea typeface="Cambria" panose="02040503050406030204" pitchFamily="18" charset="0"/>
+              </a:rPr>
+              <a:t>pharetra</a:t>
+            </a:r>
+            <a:r>
+              <a:rPr lang="it-IT" sz="1600" dirty="0">
+                <a:solidFill>
+                  <a:srgbClr val="0070C0"/>
+                </a:solidFill>
+                <a:latin typeface="Cambria" panose="02040503050406030204" pitchFamily="18" charset="0"/>
+                <a:ea typeface="Cambria" panose="02040503050406030204" pitchFamily="18" charset="0"/>
+              </a:rPr>
+              <a:t> </a:t>
+            </a:r>
+            <a:r>
+              <a:rPr lang="it-IT" sz="1600" dirty="0" err="1">
+                <a:solidFill>
+                  <a:srgbClr val="0070C0"/>
+                </a:solidFill>
+                <a:latin typeface="Cambria" panose="02040503050406030204" pitchFamily="18" charset="0"/>
+                <a:ea typeface="Cambria" panose="02040503050406030204" pitchFamily="18" charset="0"/>
+              </a:rPr>
+              <a:t>nisi</a:t>
+            </a:r>
+            <a:r>
+              <a:rPr lang="it-IT" sz="1600" dirty="0">
+                <a:solidFill>
+                  <a:srgbClr val="0070C0"/>
+                </a:solidFill>
+                <a:latin typeface="Cambria" panose="02040503050406030204" pitchFamily="18" charset="0"/>
+                <a:ea typeface="Cambria" panose="02040503050406030204" pitchFamily="18" charset="0"/>
+              </a:rPr>
+              <a:t> </a:t>
+            </a:r>
+            <a:r>
+              <a:rPr lang="it-IT" sz="1600" dirty="0" err="1">
+                <a:solidFill>
+                  <a:srgbClr val="0070C0"/>
+                </a:solidFill>
+                <a:latin typeface="Cambria" panose="02040503050406030204" pitchFamily="18" charset="0"/>
+                <a:ea typeface="Cambria" panose="02040503050406030204" pitchFamily="18" charset="0"/>
+              </a:rPr>
+              <a:t>lobortis</a:t>
+            </a:r>
+            <a:r>
+              <a:rPr lang="it-IT" sz="1600" dirty="0">
+                <a:solidFill>
+                  <a:srgbClr val="0070C0"/>
+                </a:solidFill>
+                <a:latin typeface="Cambria" panose="02040503050406030204" pitchFamily="18" charset="0"/>
+                <a:ea typeface="Cambria" panose="02040503050406030204" pitchFamily="18" charset="0"/>
+              </a:rPr>
+              <a:t> id. Nulla sed </a:t>
+            </a:r>
+            <a:r>
+              <a:rPr lang="it-IT" sz="1600" dirty="0" err="1">
+                <a:solidFill>
+                  <a:srgbClr val="0070C0"/>
+                </a:solidFill>
+                <a:latin typeface="Cambria" panose="02040503050406030204" pitchFamily="18" charset="0"/>
+                <a:ea typeface="Cambria" panose="02040503050406030204" pitchFamily="18" charset="0"/>
+              </a:rPr>
+              <a:t>sollicitudin</a:t>
+            </a:r>
+            <a:r>
+              <a:rPr lang="it-IT" sz="1600" dirty="0">
+                <a:solidFill>
+                  <a:srgbClr val="0070C0"/>
+                </a:solidFill>
+                <a:latin typeface="Cambria" panose="02040503050406030204" pitchFamily="18" charset="0"/>
+                <a:ea typeface="Cambria" panose="02040503050406030204" pitchFamily="18" charset="0"/>
+              </a:rPr>
+              <a:t> </a:t>
+            </a:r>
+            <a:r>
+              <a:rPr lang="it-IT" sz="1600" dirty="0" err="1">
+                <a:solidFill>
+                  <a:srgbClr val="0070C0"/>
+                </a:solidFill>
+                <a:latin typeface="Cambria" panose="02040503050406030204" pitchFamily="18" charset="0"/>
+                <a:ea typeface="Cambria" panose="02040503050406030204" pitchFamily="18" charset="0"/>
+              </a:rPr>
+              <a:t>velit</a:t>
+            </a:r>
+            <a:r>
+              <a:rPr lang="it-IT" sz="1600" dirty="0">
+                <a:solidFill>
+                  <a:srgbClr val="0070C0"/>
+                </a:solidFill>
+                <a:latin typeface="Cambria" panose="02040503050406030204" pitchFamily="18" charset="0"/>
+                <a:ea typeface="Cambria" panose="02040503050406030204" pitchFamily="18" charset="0"/>
+              </a:rPr>
+              <a:t>, a </a:t>
+            </a:r>
+            <a:r>
+              <a:rPr lang="it-IT" sz="1600" dirty="0" err="1">
+                <a:solidFill>
+                  <a:srgbClr val="0070C0"/>
+                </a:solidFill>
+                <a:latin typeface="Cambria" panose="02040503050406030204" pitchFamily="18" charset="0"/>
+                <a:ea typeface="Cambria" panose="02040503050406030204" pitchFamily="18" charset="0"/>
+              </a:rPr>
+              <a:t>consectetur</a:t>
+            </a:r>
+            <a:r>
+              <a:rPr lang="it-IT" sz="1600" dirty="0">
+                <a:solidFill>
+                  <a:srgbClr val="0070C0"/>
+                </a:solidFill>
+                <a:latin typeface="Cambria" panose="02040503050406030204" pitchFamily="18" charset="0"/>
+                <a:ea typeface="Cambria" panose="02040503050406030204" pitchFamily="18" charset="0"/>
+              </a:rPr>
+              <a:t> </a:t>
+            </a:r>
+            <a:r>
+              <a:rPr lang="it-IT" sz="1600" dirty="0" err="1">
+                <a:solidFill>
+                  <a:srgbClr val="0070C0"/>
+                </a:solidFill>
+                <a:latin typeface="Cambria" panose="02040503050406030204" pitchFamily="18" charset="0"/>
+                <a:ea typeface="Cambria" panose="02040503050406030204" pitchFamily="18" charset="0"/>
+              </a:rPr>
+              <a:t>neque</a:t>
+            </a:r>
+            <a:r>
+              <a:rPr lang="it-IT" sz="1600" dirty="0">
+                <a:solidFill>
+                  <a:srgbClr val="0070C0"/>
+                </a:solidFill>
+                <a:latin typeface="Cambria" panose="02040503050406030204" pitchFamily="18" charset="0"/>
+                <a:ea typeface="Cambria" panose="02040503050406030204" pitchFamily="18" charset="0"/>
+              </a:rPr>
+              <a:t>. </a:t>
             </a:r>
           </a:p>
         </p:txBody>
       </p:sp>
       <p:sp>
         <p:nvSpPr>
-          <p:cNvPr id="42" name="CasellaDiTesto 41">
-            <a:extLst>
-              <a:ext uri="{FF2B5EF4-FFF2-40B4-BE49-F238E27FC236}">
-                <a16:creationId xmlns:a16="http://schemas.microsoft.com/office/drawing/2014/main" id="{F4242A28-3826-4EFA-A3DC-8DA7B912E9C4}"/>
+          <p:cNvPr id="10" name="CasellaDiTesto 9">
+            <a:extLst>
+              <a:ext uri="{FF2B5EF4-FFF2-40B4-BE49-F238E27FC236}">
+                <a16:creationId xmlns:a16="http://schemas.microsoft.com/office/drawing/2014/main" id="{21670553-9C14-96FD-F028-FC45AE5F7649}"/>
               </a:ext>
             </a:extLst>
           </p:cNvPr>
@@ -19501,7 +16365,7 @@
         </p:nvSpPr>
         <p:spPr>
           <a:xfrm>
-            <a:off x="281549" y="6482080"/>
+            <a:off x="8310452" y="-6587"/>
             <a:ext cx="3600000" cy="369332"/>
           </a:xfrm>
           <a:prstGeom prst="rect">
@@ -19515,6 +16379,7 @@
           </a:bodyPr>
           <a:lstStyle/>
           <a:p>
+            <a:pPr algn="r"/>
             <a:r>
               <a:rPr lang="it-IT" dirty="0">
                 <a:solidFill>
@@ -19523,48 +16388,7 @@
                 <a:latin typeface="Cambria" panose="02040503050406030204" pitchFamily="18" charset="0"/>
                 <a:ea typeface="Cambria" panose="02040503050406030204" pitchFamily="18" charset="0"/>
               </a:rPr>
-              <a:t> </a:t>
-            </a:r>
-          </a:p>
-        </p:txBody>
-      </p:sp>
-      <p:sp>
-        <p:nvSpPr>
-          <p:cNvPr id="43" name="CasellaDiTesto 42">
-            <a:extLst>
-              <a:ext uri="{FF2B5EF4-FFF2-40B4-BE49-F238E27FC236}">
-                <a16:creationId xmlns:a16="http://schemas.microsoft.com/office/drawing/2014/main" id="{C72F0488-6728-DF39-F3A6-FF7B3E576A52}"/>
-              </a:ext>
-            </a:extLst>
-          </p:cNvPr>
-          <p:cNvSpPr txBox="1"/>
-          <p:nvPr/>
-        </p:nvSpPr>
-        <p:spPr>
-          <a:xfrm>
-            <a:off x="281549" y="-6587"/>
-            <a:ext cx="3600000" cy="369332"/>
-          </a:xfrm>
-          <a:prstGeom prst="rect">
-            <a:avLst/>
-          </a:prstGeom>
-          <a:noFill/>
-        </p:spPr>
-        <p:txBody>
-          <a:bodyPr wrap="square" rtlCol="0">
-            <a:spAutoFit/>
-          </a:bodyPr>
-          <a:lstStyle/>
-          <a:p>
-            <a:r>
-              <a:rPr lang="it-IT" dirty="0">
-                <a:solidFill>
-                  <a:srgbClr val="0070C0"/>
-                </a:solidFill>
-                <a:latin typeface="Cambria" panose="02040503050406030204" pitchFamily="18" charset="0"/>
-                <a:ea typeface="Cambria" panose="02040503050406030204" pitchFamily="18" charset="0"/>
-              </a:rPr>
-              <a:t> </a:t>
+              <a:t>Scenario C</a:t>
             </a:r>
           </a:p>
         </p:txBody>
@@ -19572,13 +16396,148 @@
     </p:spTree>
     <p:extLst>
       <p:ext uri="{BB962C8B-B14F-4D97-AF65-F5344CB8AC3E}">
-        <p14:creationId xmlns:p14="http://schemas.microsoft.com/office/powerpoint/2010/main" val="31568899"/>
+        <p14:creationId xmlns:p14="http://schemas.microsoft.com/office/powerpoint/2010/main" val="568022695"/>
       </p:ext>
     </p:extLst>
   </p:cSld>
   <p:clrMapOvr>
     <a:masterClrMapping/>
   </p:clrMapOvr>
+  <p:timing>
+    <p:tnLst>
+      <p:par>
+        <p:cTn id="1" dur="indefinite" restart="never" nodeType="tmRoot">
+          <p:childTnLst>
+            <p:seq concurrent="1" nextAc="seek">
+              <p:cTn id="2" dur="indefinite" nodeType="mainSeq">
+                <p:childTnLst>
+                  <p:par>
+                    <p:cTn id="3" fill="hold">
+                      <p:stCondLst>
+                        <p:cond delay="indefinite"/>
+                      </p:stCondLst>
+                      <p:childTnLst>
+                        <p:par>
+                          <p:cTn id="4" fill="hold">
+                            <p:stCondLst>
+                              <p:cond delay="0"/>
+                            </p:stCondLst>
+                            <p:childTnLst>
+                              <p:par>
+                                <p:cTn id="5" presetID="1" presetClass="mediacall" presetSubtype="0" fill="hold" nodeType="clickEffect">
+                                  <p:stCondLst>
+                                    <p:cond delay="0"/>
+                                  </p:stCondLst>
+                                  <p:childTnLst>
+                                    <p:cmd type="call" cmd="playFrom(0.0)">
+                                      <p:cBhvr>
+                                        <p:cTn id="6" dur="10034" fill="hold"/>
+                                        <p:tgtEl>
+                                          <p:spTgt spid="9"/>
+                                        </p:tgtEl>
+                                      </p:cBhvr>
+                                    </p:cmd>
+                                  </p:childTnLst>
+                                </p:cTn>
+                              </p:par>
+                            </p:childTnLst>
+                          </p:cTn>
+                        </p:par>
+                      </p:childTnLst>
+                    </p:cTn>
+                  </p:par>
+                </p:childTnLst>
+              </p:cTn>
+              <p:prevCondLst>
+                <p:cond evt="onPrev" delay="0">
+                  <p:tgtEl>
+                    <p:sldTgt/>
+                  </p:tgtEl>
+                </p:cond>
+              </p:prevCondLst>
+              <p:nextCondLst>
+                <p:cond evt="onNext" delay="0">
+                  <p:tgtEl>
+                    <p:sldTgt/>
+                  </p:tgtEl>
+                </p:cond>
+              </p:nextCondLst>
+            </p:seq>
+            <p:seq concurrent="1" nextAc="seek">
+              <p:cTn id="7" restart="whenNotActive" fill="hold" evtFilter="cancelBubble" nodeType="interactiveSeq">
+                <p:stCondLst>
+                  <p:cond evt="onClick" delay="0">
+                    <p:tgtEl>
+                      <p:spTgt spid="9"/>
+                    </p:tgtEl>
+                  </p:cond>
+                </p:stCondLst>
+                <p:endSync evt="end" delay="0">
+                  <p:rtn val="all"/>
+                </p:endSync>
+                <p:childTnLst>
+                  <p:par>
+                    <p:cTn id="8" fill="hold">
+                      <p:stCondLst>
+                        <p:cond delay="0"/>
+                      </p:stCondLst>
+                      <p:childTnLst>
+                        <p:par>
+                          <p:cTn id="9" fill="hold">
+                            <p:stCondLst>
+                              <p:cond delay="0"/>
+                            </p:stCondLst>
+                            <p:childTnLst>
+                              <p:par>
+                                <p:cTn id="10" presetID="2" presetClass="mediacall" presetSubtype="0" fill="hold" nodeType="clickEffect">
+                                  <p:stCondLst>
+                                    <p:cond delay="0"/>
+                                  </p:stCondLst>
+                                  <p:childTnLst>
+                                    <p:cmd type="call" cmd="togglePause">
+                                      <p:cBhvr>
+                                        <p:cTn id="11" dur="1" fill="hold"/>
+                                        <p:tgtEl>
+                                          <p:spTgt spid="9"/>
+                                        </p:tgtEl>
+                                      </p:cBhvr>
+                                    </p:cmd>
+                                  </p:childTnLst>
+                                </p:cTn>
+                              </p:par>
+                            </p:childTnLst>
+                          </p:cTn>
+                        </p:par>
+                      </p:childTnLst>
+                    </p:cTn>
+                  </p:par>
+                </p:childTnLst>
+              </p:cTn>
+              <p:nextCondLst>
+                <p:cond evt="onClick" delay="0">
+                  <p:tgtEl>
+                    <p:spTgt spid="9"/>
+                  </p:tgtEl>
+                </p:cond>
+              </p:nextCondLst>
+            </p:seq>
+            <p:video>
+              <p:cMediaNode vol="80000">
+                <p:cTn id="12" fill="hold" display="0">
+                  <p:stCondLst>
+                    <p:cond delay="indefinite"/>
+                  </p:stCondLst>
+                </p:cTn>
+                <p:tgtEl>
+                  <p:spTgt spid="9"/>
+                </p:tgtEl>
+              </p:cMediaNode>
+            </p:video>
+          </p:childTnLst>
+        </p:cTn>
+      </p:par>
+    </p:tnLst>
+  </p:timing>
 </p:sld>
 </file>
 
@@ -20932,6 +17891,653 @@
     <p:extLst>
       <p:ext uri="{BB962C8B-B14F-4D97-AF65-F5344CB8AC3E}">
         <p14:creationId xmlns:p14="http://schemas.microsoft.com/office/powerpoint/2010/main" val="1000130693"/>
+      </p:ext>
+    </p:extLst>
+  </p:cSld>
+  <p:clrMapOvr>
+    <a:masterClrMapping/>
+  </p:clrMapOvr>
+</p:sld>
+</file>
+
+<file path=ppt/slides/slide20.xml><?xml version="1.0" encoding="utf-8"?>
+<p:sld xmlns:a="http://schemas.openxmlformats.org/drawingml/2006/main" xmlns:r="http://schemas.openxmlformats.org/officeDocument/2006/relationships" xmlns:p="http://schemas.openxmlformats.org/presentationml/2006/main">
+  <p:cSld>
+    <p:spTree>
+      <p:nvGrpSpPr>
+        <p:cNvPr id="1" name="">
+          <a:extLst>
+            <a:ext uri="{FF2B5EF4-FFF2-40B4-BE49-F238E27FC236}">
+              <a16:creationId xmlns:a16="http://schemas.microsoft.com/office/drawing/2014/main" id="{759F58A2-DB04-786E-3CF5-10891C443C37}"/>
+            </a:ext>
+          </a:extLst>
+        </p:cNvPr>
+        <p:cNvGrpSpPr/>
+        <p:nvPr/>
+      </p:nvGrpSpPr>
+      <p:grpSpPr>
+        <a:xfrm>
+          <a:off x="0" y="0"/>
+          <a:ext cx="0" cy="0"/>
+          <a:chOff x="0" y="0"/>
+          <a:chExt cx="0" cy="0"/>
+        </a:xfrm>
+      </p:grpSpPr>
+      <p:cxnSp>
+        <p:nvCxnSpPr>
+          <p:cNvPr id="30" name="Straight Connector 9">
+            <a:extLst>
+              <a:ext uri="{FF2B5EF4-FFF2-40B4-BE49-F238E27FC236}">
+                <a16:creationId xmlns:a16="http://schemas.microsoft.com/office/drawing/2014/main" id="{87A899A0-DDF8-62EA-1C5F-A9C6CE1D8D57}"/>
+              </a:ext>
+              <a:ext uri="{C183D7F6-B498-43B3-948B-1728B52AA6E4}">
+                <adec:decorative xmlns:adec="http://schemas.microsoft.com/office/drawing/2017/decorative" val="1"/>
+              </a:ext>
+            </a:extLst>
+          </p:cNvPr>
+          <p:cNvCxnSpPr/>
+          <p:nvPr>
+            <p:extLst>
+              <p:ext uri="{386F3935-93C4-4BCD-93E2-E3B085C9AB24}">
+                <p16:designElem xmlns:p16="http://schemas.microsoft.com/office/powerpoint/2015/main" val="1"/>
+              </p:ext>
+            </p:extLst>
+          </p:nvPr>
+        </p:nvCxnSpPr>
+        <p:spPr>
+          <a:xfrm>
+            <a:off x="713232" y="1031001"/>
+            <a:ext cx="978862" cy="0"/>
+          </a:xfrm>
+          <a:prstGeom prst="line">
+            <a:avLst/>
+          </a:prstGeom>
+          <a:ln w="76200"/>
+        </p:spPr>
+        <p:style>
+          <a:lnRef idx="1">
+            <a:schemeClr val="accent1"/>
+          </a:lnRef>
+          <a:fillRef idx="0">
+            <a:schemeClr val="accent1"/>
+          </a:fillRef>
+          <a:effectRef idx="0">
+            <a:schemeClr val="accent1"/>
+          </a:effectRef>
+          <a:fontRef idx="minor">
+            <a:schemeClr val="tx1"/>
+          </a:fontRef>
+        </p:style>
+      </p:cxnSp>
+      <p:sp useBgFill="1">
+        <p:nvSpPr>
+          <p:cNvPr id="31" name="Rectangle 11">
+            <a:extLst>
+              <a:ext uri="{FF2B5EF4-FFF2-40B4-BE49-F238E27FC236}">
+                <a16:creationId xmlns:a16="http://schemas.microsoft.com/office/drawing/2014/main" id="{88C30FF3-4D16-E9FF-02F1-C152BFCFA944}"/>
+              </a:ext>
+              <a:ext uri="{C183D7F6-B498-43B3-948B-1728B52AA6E4}">
+                <adec:decorative xmlns:adec="http://schemas.microsoft.com/office/drawing/2017/decorative" val="1"/>
+              </a:ext>
+            </a:extLst>
+          </p:cNvPr>
+          <p:cNvSpPr/>
+          <p:nvPr>
+            <p:extLst>
+              <p:ext uri="{386F3935-93C4-4BCD-93E2-E3B085C9AB24}">
+                <p16:designElem xmlns:p16="http://schemas.microsoft.com/office/powerpoint/2015/main" val="1"/>
+              </p:ext>
+            </p:extLst>
+          </p:nvPr>
+        </p:nvSpPr>
+        <p:spPr>
+          <a:xfrm>
+            <a:off x="0" y="0"/>
+            <a:ext cx="12192000" cy="6858000"/>
+          </a:xfrm>
+          <a:prstGeom prst="rect">
+            <a:avLst/>
+          </a:prstGeom>
+          <a:ln>
+            <a:noFill/>
+          </a:ln>
+        </p:spPr>
+        <p:style>
+          <a:lnRef idx="2">
+            <a:schemeClr val="accent1">
+              <a:shade val="15000"/>
+            </a:schemeClr>
+          </a:lnRef>
+          <a:fillRef idx="1">
+            <a:schemeClr val="accent1"/>
+          </a:fillRef>
+          <a:effectRef idx="0">
+            <a:schemeClr val="accent1"/>
+          </a:effectRef>
+          <a:fontRef idx="minor">
+            <a:schemeClr val="lt1"/>
+          </a:fontRef>
+        </p:style>
+        <p:txBody>
+          <a:bodyPr rtlCol="0" anchor="ctr"/>
+          <a:lstStyle/>
+          <a:p>
+            <a:pPr algn="ctr"/>
+            <a:endParaRPr lang="en-US"/>
+          </a:p>
+        </p:txBody>
+      </p:sp>
+      <p:sp useBgFill="1">
+        <p:nvSpPr>
+          <p:cNvPr id="32" name="Rectangle 13">
+            <a:extLst>
+              <a:ext uri="{FF2B5EF4-FFF2-40B4-BE49-F238E27FC236}">
+                <a16:creationId xmlns:a16="http://schemas.microsoft.com/office/drawing/2014/main" id="{61181BFD-2895-3F58-87A0-8AC19231B03E}"/>
+              </a:ext>
+              <a:ext uri="{C183D7F6-B498-43B3-948B-1728B52AA6E4}">
+                <adec:decorative xmlns:adec="http://schemas.microsoft.com/office/drawing/2017/decorative" val="1"/>
+              </a:ext>
+            </a:extLst>
+          </p:cNvPr>
+          <p:cNvSpPr/>
+          <p:nvPr>
+            <p:extLst>
+              <p:ext uri="{386F3935-93C4-4BCD-93E2-E3B085C9AB24}">
+                <p16:designElem xmlns:p16="http://schemas.microsoft.com/office/powerpoint/2015/main" val="1"/>
+              </p:ext>
+            </p:extLst>
+          </p:nvPr>
+        </p:nvSpPr>
+        <p:spPr>
+          <a:xfrm>
+            <a:off x="0" y="0"/>
+            <a:ext cx="12192000" cy="6858000"/>
+          </a:xfrm>
+          <a:prstGeom prst="rect">
+            <a:avLst/>
+          </a:prstGeom>
+          <a:ln w="12700" cap="flat" cmpd="sng" algn="ctr">
+            <a:noFill/>
+            <a:prstDash val="solid"/>
+            <a:miter lim="800000"/>
+          </a:ln>
+          <a:effectLst/>
+          <a:extLst>
+            <a:ext uri="{91240B29-F687-4F45-9708-019B960494DF}">
+              <a14:hiddenLine xmlns:a14="http://schemas.microsoft.com/office/drawing/2010/main" w="12700" cap="flat" cmpd="sng" algn="ctr">
+                <a:solidFill>
+                  <a:schemeClr val="accent1">
+                    <a:shade val="50000"/>
+                  </a:schemeClr>
+                </a:solidFill>
+                <a:prstDash val="solid"/>
+                <a:miter lim="800000"/>
+              </a14:hiddenLine>
+            </a:ext>
+          </a:extLst>
+        </p:spPr>
+        <p:style>
+          <a:lnRef idx="2">
+            <a:schemeClr val="accent1">
+              <a:shade val="50000"/>
+            </a:schemeClr>
+          </a:lnRef>
+          <a:fillRef idx="1">
+            <a:schemeClr val="accent1"/>
+          </a:fillRef>
+          <a:effectRef idx="0">
+            <a:schemeClr val="accent1"/>
+          </a:effectRef>
+          <a:fontRef idx="minor">
+            <a:schemeClr val="lt1"/>
+          </a:fontRef>
+        </p:style>
+        <p:txBody>
+          <a:bodyPr rtlCol="0" anchor="ctr"/>
+          <a:lstStyle/>
+          <a:p>
+            <a:pPr algn="ctr"/>
+            <a:endParaRPr lang="en-US"/>
+          </a:p>
+        </p:txBody>
+      </p:sp>
+      <p:pic>
+        <p:nvPicPr>
+          <p:cNvPr id="33" name="Immagine 32">
+            <a:extLst>
+              <a:ext uri="{FF2B5EF4-FFF2-40B4-BE49-F238E27FC236}">
+                <a16:creationId xmlns:a16="http://schemas.microsoft.com/office/drawing/2014/main" id="{853D3C66-353F-355A-7D95-243DA99DA0B3}"/>
+              </a:ext>
+            </a:extLst>
+          </p:cNvPr>
+          <p:cNvPicPr>
+            <a:picLocks noChangeAspect="1"/>
+          </p:cNvPicPr>
+          <p:nvPr/>
+        </p:nvPicPr>
+        <p:blipFill>
+          <a:blip r:embed="rId2"/>
+          <a:stretch>
+            <a:fillRect/>
+          </a:stretch>
+        </p:blipFill>
+        <p:spPr>
+          <a:xfrm>
+            <a:off x="4145493" y="375919"/>
+            <a:ext cx="3901011" cy="2160370"/>
+          </a:xfrm>
+          <a:prstGeom prst="rect">
+            <a:avLst/>
+          </a:prstGeom>
+          <a:ln>
+            <a:noFill/>
+          </a:ln>
+        </p:spPr>
+      </p:pic>
+      <p:sp>
+        <p:nvSpPr>
+          <p:cNvPr id="35" name="CasellaDiTesto 34">
+            <a:extLst>
+              <a:ext uri="{FF2B5EF4-FFF2-40B4-BE49-F238E27FC236}">
+                <a16:creationId xmlns:a16="http://schemas.microsoft.com/office/drawing/2014/main" id="{04AE1B88-AD72-F820-D30A-7CA9DB0E2484}"/>
+              </a:ext>
+            </a:extLst>
+          </p:cNvPr>
+          <p:cNvSpPr txBox="1"/>
+          <p:nvPr/>
+        </p:nvSpPr>
+        <p:spPr>
+          <a:xfrm>
+            <a:off x="3397053" y="2465149"/>
+            <a:ext cx="5397890" cy="1754326"/>
+          </a:xfrm>
+          <a:prstGeom prst="rect">
+            <a:avLst/>
+          </a:prstGeom>
+          <a:noFill/>
+        </p:spPr>
+        <p:txBody>
+          <a:bodyPr wrap="square" rtlCol="0">
+            <a:spAutoFit/>
+          </a:bodyPr>
+          <a:lstStyle/>
+          <a:p>
+            <a:pPr algn="ctr"/>
+            <a:r>
+              <a:rPr lang="it-IT" sz="5400" b="1" dirty="0">
+                <a:solidFill>
+                  <a:srgbClr val="0070C0"/>
+                </a:solidFill>
+                <a:latin typeface="Cambria" panose="02040503050406030204" pitchFamily="18" charset="0"/>
+                <a:ea typeface="Cambria" panose="02040503050406030204" pitchFamily="18" charset="0"/>
+              </a:rPr>
+              <a:t>Grazie per</a:t>
+            </a:r>
+          </a:p>
+          <a:p>
+            <a:pPr algn="ctr"/>
+            <a:r>
+              <a:rPr lang="it-IT" sz="5400" b="1" dirty="0">
+                <a:solidFill>
+                  <a:srgbClr val="0070C0"/>
+                </a:solidFill>
+                <a:latin typeface="Cambria" panose="02040503050406030204" pitchFamily="18" charset="0"/>
+                <a:ea typeface="Cambria" panose="02040503050406030204" pitchFamily="18" charset="0"/>
+              </a:rPr>
+              <a:t>l’attenzione</a:t>
+            </a:r>
+            <a:endParaRPr lang="it-IT" sz="3600" b="1" dirty="0">
+              <a:solidFill>
+                <a:srgbClr val="0070C0"/>
+              </a:solidFill>
+              <a:latin typeface="Cambria" panose="02040503050406030204" pitchFamily="18" charset="0"/>
+              <a:ea typeface="Cambria" panose="02040503050406030204" pitchFamily="18" charset="0"/>
+            </a:endParaRPr>
+          </a:p>
+        </p:txBody>
+      </p:sp>
+      <p:cxnSp>
+        <p:nvCxnSpPr>
+          <p:cNvPr id="36" name="Connettore diritto 35">
+            <a:extLst>
+              <a:ext uri="{FF2B5EF4-FFF2-40B4-BE49-F238E27FC236}">
+                <a16:creationId xmlns:a16="http://schemas.microsoft.com/office/drawing/2014/main" id="{343F90E4-911D-72D9-13DF-F824023E02D3}"/>
+              </a:ext>
+            </a:extLst>
+          </p:cNvPr>
+          <p:cNvCxnSpPr>
+            <a:cxnSpLocks/>
+          </p:cNvCxnSpPr>
+          <p:nvPr/>
+        </p:nvCxnSpPr>
+        <p:spPr>
+          <a:xfrm>
+            <a:off x="0" y="6482080"/>
+            <a:ext cx="3600000" cy="0"/>
+          </a:xfrm>
+          <a:prstGeom prst="line">
+            <a:avLst/>
+          </a:prstGeom>
+          <a:ln w="38100">
+            <a:solidFill>
+              <a:srgbClr val="0070C0"/>
+            </a:solidFill>
+          </a:ln>
+        </p:spPr>
+        <p:style>
+          <a:lnRef idx="3">
+            <a:schemeClr val="accent1"/>
+          </a:lnRef>
+          <a:fillRef idx="0">
+            <a:schemeClr val="accent1"/>
+          </a:fillRef>
+          <a:effectRef idx="2">
+            <a:schemeClr val="accent1"/>
+          </a:effectRef>
+          <a:fontRef idx="minor">
+            <a:schemeClr val="tx1"/>
+          </a:fontRef>
+        </p:style>
+      </p:cxnSp>
+      <p:cxnSp>
+        <p:nvCxnSpPr>
+          <p:cNvPr id="37" name="Connettore diritto 36">
+            <a:extLst>
+              <a:ext uri="{FF2B5EF4-FFF2-40B4-BE49-F238E27FC236}">
+                <a16:creationId xmlns:a16="http://schemas.microsoft.com/office/drawing/2014/main" id="{1988FE45-6AB0-820A-6D4A-6BC650E7EA04}"/>
+              </a:ext>
+            </a:extLst>
+          </p:cNvPr>
+          <p:cNvCxnSpPr>
+            <a:cxnSpLocks/>
+          </p:cNvCxnSpPr>
+          <p:nvPr/>
+        </p:nvCxnSpPr>
+        <p:spPr>
+          <a:xfrm>
+            <a:off x="8592000" y="6482080"/>
+            <a:ext cx="3600000" cy="0"/>
+          </a:xfrm>
+          <a:prstGeom prst="line">
+            <a:avLst/>
+          </a:prstGeom>
+          <a:ln w="38100">
+            <a:solidFill>
+              <a:srgbClr val="0070C0"/>
+            </a:solidFill>
+          </a:ln>
+        </p:spPr>
+        <p:style>
+          <a:lnRef idx="3">
+            <a:schemeClr val="accent1"/>
+          </a:lnRef>
+          <a:fillRef idx="0">
+            <a:schemeClr val="accent1"/>
+          </a:fillRef>
+          <a:effectRef idx="2">
+            <a:schemeClr val="accent1"/>
+          </a:effectRef>
+          <a:fontRef idx="minor">
+            <a:schemeClr val="tx1"/>
+          </a:fontRef>
+        </p:style>
+      </p:cxnSp>
+      <p:cxnSp>
+        <p:nvCxnSpPr>
+          <p:cNvPr id="38" name="Connettore diritto 37">
+            <a:extLst>
+              <a:ext uri="{FF2B5EF4-FFF2-40B4-BE49-F238E27FC236}">
+                <a16:creationId xmlns:a16="http://schemas.microsoft.com/office/drawing/2014/main" id="{1881E9BC-2149-DB44-868C-7B6CC620C9EF}"/>
+              </a:ext>
+            </a:extLst>
+          </p:cNvPr>
+          <p:cNvCxnSpPr>
+            <a:cxnSpLocks/>
+          </p:cNvCxnSpPr>
+          <p:nvPr/>
+        </p:nvCxnSpPr>
+        <p:spPr>
+          <a:xfrm>
+            <a:off x="0" y="375919"/>
+            <a:ext cx="3600000" cy="0"/>
+          </a:xfrm>
+          <a:prstGeom prst="line">
+            <a:avLst/>
+          </a:prstGeom>
+          <a:ln w="38100">
+            <a:solidFill>
+              <a:srgbClr val="0070C0"/>
+            </a:solidFill>
+          </a:ln>
+        </p:spPr>
+        <p:style>
+          <a:lnRef idx="3">
+            <a:schemeClr val="accent1"/>
+          </a:lnRef>
+          <a:fillRef idx="0">
+            <a:schemeClr val="accent1"/>
+          </a:fillRef>
+          <a:effectRef idx="2">
+            <a:schemeClr val="accent1"/>
+          </a:effectRef>
+          <a:fontRef idx="minor">
+            <a:schemeClr val="tx1"/>
+          </a:fontRef>
+        </p:style>
+      </p:cxnSp>
+      <p:cxnSp>
+        <p:nvCxnSpPr>
+          <p:cNvPr id="39" name="Connettore diritto 38">
+            <a:extLst>
+              <a:ext uri="{FF2B5EF4-FFF2-40B4-BE49-F238E27FC236}">
+                <a16:creationId xmlns:a16="http://schemas.microsoft.com/office/drawing/2014/main" id="{B71ABEF3-0792-2BB3-273E-79116F3BA0B0}"/>
+              </a:ext>
+            </a:extLst>
+          </p:cNvPr>
+          <p:cNvCxnSpPr>
+            <a:cxnSpLocks/>
+          </p:cNvCxnSpPr>
+          <p:nvPr/>
+        </p:nvCxnSpPr>
+        <p:spPr>
+          <a:xfrm>
+            <a:off x="8592000" y="375919"/>
+            <a:ext cx="3600000" cy="0"/>
+          </a:xfrm>
+          <a:prstGeom prst="line">
+            <a:avLst/>
+          </a:prstGeom>
+          <a:ln w="38100">
+            <a:solidFill>
+              <a:srgbClr val="0070C0"/>
+            </a:solidFill>
+          </a:ln>
+        </p:spPr>
+        <p:style>
+          <a:lnRef idx="3">
+            <a:schemeClr val="accent1"/>
+          </a:lnRef>
+          <a:fillRef idx="0">
+            <a:schemeClr val="accent1"/>
+          </a:fillRef>
+          <a:effectRef idx="2">
+            <a:schemeClr val="accent1"/>
+          </a:effectRef>
+          <a:fontRef idx="minor">
+            <a:schemeClr val="tx1"/>
+          </a:fontRef>
+        </p:style>
+      </p:cxnSp>
+      <p:sp>
+        <p:nvSpPr>
+          <p:cNvPr id="40" name="CasellaDiTesto 39">
+            <a:extLst>
+              <a:ext uri="{FF2B5EF4-FFF2-40B4-BE49-F238E27FC236}">
+                <a16:creationId xmlns:a16="http://schemas.microsoft.com/office/drawing/2014/main" id="{8AC21FCF-1C84-7BD6-014A-41419E24F590}"/>
+              </a:ext>
+            </a:extLst>
+          </p:cNvPr>
+          <p:cNvSpPr txBox="1"/>
+          <p:nvPr/>
+        </p:nvSpPr>
+        <p:spPr>
+          <a:xfrm>
+            <a:off x="2321344" y="4755812"/>
+            <a:ext cx="7549307" cy="369332"/>
+          </a:xfrm>
+          <a:prstGeom prst="rect">
+            <a:avLst/>
+          </a:prstGeom>
+          <a:noFill/>
+        </p:spPr>
+        <p:txBody>
+          <a:bodyPr wrap="square" rtlCol="0">
+            <a:spAutoFit/>
+          </a:bodyPr>
+          <a:lstStyle/>
+          <a:p>
+            <a:pPr algn="ctr"/>
+            <a:r>
+              <a:rPr lang="it-IT" dirty="0">
+                <a:solidFill>
+                  <a:srgbClr val="0070C0"/>
+                </a:solidFill>
+                <a:latin typeface="Cambria" panose="02040503050406030204" pitchFamily="18" charset="0"/>
+                <a:ea typeface="Cambria" panose="02040503050406030204" pitchFamily="18" charset="0"/>
+              </a:rPr>
+              <a:t>Andrea Spinelli, Gabriele Bova, Paolo Manuele Gulotta, Vincenzo Zizzo</a:t>
+            </a:r>
+          </a:p>
+        </p:txBody>
+      </p:sp>
+      <p:sp>
+        <p:nvSpPr>
+          <p:cNvPr id="41" name="CasellaDiTesto 40">
+            <a:extLst>
+              <a:ext uri="{FF2B5EF4-FFF2-40B4-BE49-F238E27FC236}">
+                <a16:creationId xmlns:a16="http://schemas.microsoft.com/office/drawing/2014/main" id="{EFAFED79-71D9-E555-AF16-E49B6A66CF75}"/>
+              </a:ext>
+            </a:extLst>
+          </p:cNvPr>
+          <p:cNvSpPr txBox="1"/>
+          <p:nvPr/>
+        </p:nvSpPr>
+        <p:spPr>
+          <a:xfrm>
+            <a:off x="8310452" y="-6587"/>
+            <a:ext cx="3600000" cy="369332"/>
+          </a:xfrm>
+          <a:prstGeom prst="rect">
+            <a:avLst/>
+          </a:prstGeom>
+          <a:noFill/>
+        </p:spPr>
+        <p:txBody>
+          <a:bodyPr wrap="square" rtlCol="0">
+            <a:spAutoFit/>
+          </a:bodyPr>
+          <a:lstStyle/>
+          <a:p>
+            <a:pPr algn="r"/>
+            <a:r>
+              <a:rPr lang="it-IT" dirty="0">
+                <a:solidFill>
+                  <a:srgbClr val="0070C0"/>
+                </a:solidFill>
+                <a:latin typeface="Cambria" panose="02040503050406030204" pitchFamily="18" charset="0"/>
+                <a:ea typeface="Cambria" panose="02040503050406030204" pitchFamily="18" charset="0"/>
+              </a:rPr>
+              <a:t> </a:t>
+            </a:r>
+          </a:p>
+        </p:txBody>
+      </p:sp>
+      <p:sp>
+        <p:nvSpPr>
+          <p:cNvPr id="42" name="CasellaDiTesto 41">
+            <a:extLst>
+              <a:ext uri="{FF2B5EF4-FFF2-40B4-BE49-F238E27FC236}">
+                <a16:creationId xmlns:a16="http://schemas.microsoft.com/office/drawing/2014/main" id="{F4242A28-3826-4EFA-A3DC-8DA7B912E9C4}"/>
+              </a:ext>
+            </a:extLst>
+          </p:cNvPr>
+          <p:cNvSpPr txBox="1"/>
+          <p:nvPr/>
+        </p:nvSpPr>
+        <p:spPr>
+          <a:xfrm>
+            <a:off x="281549" y="6482080"/>
+            <a:ext cx="3600000" cy="369332"/>
+          </a:xfrm>
+          <a:prstGeom prst="rect">
+            <a:avLst/>
+          </a:prstGeom>
+          <a:noFill/>
+        </p:spPr>
+        <p:txBody>
+          <a:bodyPr wrap="square" rtlCol="0">
+            <a:spAutoFit/>
+          </a:bodyPr>
+          <a:lstStyle/>
+          <a:p>
+            <a:r>
+              <a:rPr lang="it-IT" dirty="0">
+                <a:solidFill>
+                  <a:srgbClr val="0070C0"/>
+                </a:solidFill>
+                <a:latin typeface="Cambria" panose="02040503050406030204" pitchFamily="18" charset="0"/>
+                <a:ea typeface="Cambria" panose="02040503050406030204" pitchFamily="18" charset="0"/>
+              </a:rPr>
+              <a:t> </a:t>
+            </a:r>
+          </a:p>
+        </p:txBody>
+      </p:sp>
+      <p:sp>
+        <p:nvSpPr>
+          <p:cNvPr id="43" name="CasellaDiTesto 42">
+            <a:extLst>
+              <a:ext uri="{FF2B5EF4-FFF2-40B4-BE49-F238E27FC236}">
+                <a16:creationId xmlns:a16="http://schemas.microsoft.com/office/drawing/2014/main" id="{C72F0488-6728-DF39-F3A6-FF7B3E576A52}"/>
+              </a:ext>
+            </a:extLst>
+          </p:cNvPr>
+          <p:cNvSpPr txBox="1"/>
+          <p:nvPr/>
+        </p:nvSpPr>
+        <p:spPr>
+          <a:xfrm>
+            <a:off x="281549" y="-6587"/>
+            <a:ext cx="3600000" cy="369332"/>
+          </a:xfrm>
+          <a:prstGeom prst="rect">
+            <a:avLst/>
+          </a:prstGeom>
+          <a:noFill/>
+        </p:spPr>
+        <p:txBody>
+          <a:bodyPr wrap="square" rtlCol="0">
+            <a:spAutoFit/>
+          </a:bodyPr>
+          <a:lstStyle/>
+          <a:p>
+            <a:r>
+              <a:rPr lang="it-IT" dirty="0">
+                <a:solidFill>
+                  <a:srgbClr val="0070C0"/>
+                </a:solidFill>
+                <a:latin typeface="Cambria" panose="02040503050406030204" pitchFamily="18" charset="0"/>
+                <a:ea typeface="Cambria" panose="02040503050406030204" pitchFamily="18" charset="0"/>
+              </a:rPr>
+              <a:t> </a:t>
+            </a:r>
+          </a:p>
+        </p:txBody>
+      </p:sp>
+    </p:spTree>
+    <p:extLst>
+      <p:ext uri="{BB962C8B-B14F-4D97-AF65-F5344CB8AC3E}">
+        <p14:creationId xmlns:p14="http://schemas.microsoft.com/office/powerpoint/2010/main" val="31568899"/>
       </p:ext>
     </p:extLst>
   </p:cSld>
@@ -30422,15 +28028,9 @@
               </a:rPr>
               <a:t>").</a:t>
             </a:r>
-            <a:br>
-              <a:rPr lang="it-IT" sz="1600" dirty="0">
-                <a:solidFill>
-                  <a:srgbClr val="0070C0"/>
-                </a:solidFill>
-                <a:latin typeface="Cambria" panose="02040503050406030204" pitchFamily="18" charset="0"/>
-                <a:ea typeface="Cambria" panose="02040503050406030204" pitchFamily="18" charset="0"/>
-              </a:rPr>
-            </a:br>
+          </a:p>
+          <a:p>
+            <a:pPr algn="just"/>
             <a:endParaRPr lang="it-IT" sz="1600" dirty="0">
               <a:solidFill>
                 <a:srgbClr val="0070C0"/>
@@ -30484,15 +28084,12 @@
               </a:rPr>
               <a:t> e laser.</a:t>
             </a:r>
-            <a:br>
-              <a:rPr lang="it-IT" sz="1600" dirty="0">
-                <a:solidFill>
-                  <a:srgbClr val="0070C0"/>
-                </a:solidFill>
-                <a:latin typeface="Cambria" panose="02040503050406030204" pitchFamily="18" charset="0"/>
-                <a:ea typeface="Cambria" panose="02040503050406030204" pitchFamily="18" charset="0"/>
-              </a:rPr>
-            </a:br>
+          </a:p>
+          <a:p>
+            <a:pPr marL="285750" indent="-285750" algn="just">
+              <a:buFont typeface="Arial" panose="020B0604020202020204" pitchFamily="34" charset="0"/>
+              <a:buChar char="•"/>
+            </a:pPr>
             <a:endParaRPr lang="it-IT" sz="1600" dirty="0">
               <a:solidFill>
                 <a:srgbClr val="0070C0"/>
